--- a/Python/Mpi4py/mpi4py.pptx
+++ b/Python/Mpi4py/mpi4py.pptx
@@ -1,9 +1,12 @@
 
 <file path=ppt/presentation.xml><?xml version="1.0" encoding="utf-8"?>
-<p:presentation xmlns:a="http://schemas.openxmlformats.org/drawingml/2006/main" xmlns:r="http://schemas.openxmlformats.org/officeDocument/2006/relationships" xmlns:p="http://schemas.openxmlformats.org/presentationml/2006/main" saveSubsetFonts="1">
+<p:presentation xmlns:a="http://schemas.openxmlformats.org/drawingml/2006/main" xmlns:r="http://schemas.openxmlformats.org/officeDocument/2006/relationships" xmlns:p="http://schemas.openxmlformats.org/presentationml/2006/main" showSpecialPlsOnTitleSld="0" saveSubsetFonts="1">
   <p:sldMasterIdLst>
     <p:sldMasterId id="2147483648" r:id="rId1"/>
   </p:sldMasterIdLst>
+  <p:notesMasterIdLst>
+    <p:notesMasterId r:id="rId31"/>
+  </p:notesMasterIdLst>
   <p:sldIdLst>
     <p:sldId id="256" r:id="rId2"/>
     <p:sldId id="257" r:id="rId3"/>
@@ -26,13 +29,14 @@
     <p:sldId id="278" r:id="rId20"/>
     <p:sldId id="286" r:id="rId21"/>
     <p:sldId id="283" r:id="rId22"/>
-    <p:sldId id="269" r:id="rId23"/>
-    <p:sldId id="279" r:id="rId24"/>
-    <p:sldId id="280" r:id="rId25"/>
-    <p:sldId id="281" r:id="rId26"/>
-    <p:sldId id="285" r:id="rId27"/>
-    <p:sldId id="284" r:id="rId28"/>
-    <p:sldId id="271" r:id="rId29"/>
+    <p:sldId id="287" r:id="rId23"/>
+    <p:sldId id="269" r:id="rId24"/>
+    <p:sldId id="279" r:id="rId25"/>
+    <p:sldId id="280" r:id="rId26"/>
+    <p:sldId id="281" r:id="rId27"/>
+    <p:sldId id="285" r:id="rId28"/>
+    <p:sldId id="284" r:id="rId29"/>
+    <p:sldId id="271" r:id="rId30"/>
   </p:sldIdLst>
   <p:sldSz cx="9144000" cy="6858000" type="screen4x3"/>
   <p:notesSz cx="6858000" cy="9144000"/>
@@ -133,7 +137,7 @@
   </p:defaultTextStyle>
   <p:extLst>
     <p:ext uri="{EFAFB233-063F-42B5-8137-9DF3F51BA10A}">
-      <p15:sldGuideLst xmlns="" xmlns:p15="http://schemas.microsoft.com/office/powerpoint/2012/main">
+      <p15:sldGuideLst xmlns:p15="http://schemas.microsoft.com/office/powerpoint/2012/main" xmlns="">
         <p15:guide id="1" orient="horz" pos="2160">
           <p15:clr>
             <a:srgbClr val="A4A3A4"/>
@@ -148,6 +152,356 @@
     </p:ext>
   </p:extLst>
 </p:presentation>
+</file>
+
+<file path=ppt/notesMasters/notesMaster1.xml><?xml version="1.0" encoding="utf-8"?>
+<p:notesMaster xmlns:a="http://schemas.openxmlformats.org/drawingml/2006/main" xmlns:r="http://schemas.openxmlformats.org/officeDocument/2006/relationships" xmlns:p="http://schemas.openxmlformats.org/presentationml/2006/main">
+  <p:cSld>
+    <p:bg>
+      <p:bgRef idx="1001">
+        <a:schemeClr val="bg1"/>
+      </p:bgRef>
+    </p:bg>
+    <p:spTree>
+      <p:nvGrpSpPr>
+        <p:cNvPr id="1" name=""/>
+        <p:cNvGrpSpPr/>
+        <p:nvPr/>
+      </p:nvGrpSpPr>
+      <p:grpSpPr>
+        <a:xfrm>
+          <a:off x="0" y="0"/>
+          <a:ext cx="0" cy="0"/>
+          <a:chOff x="0" y="0"/>
+          <a:chExt cx="0" cy="0"/>
+        </a:xfrm>
+      </p:grpSpPr>
+      <p:sp>
+        <p:nvSpPr>
+          <p:cNvPr id="2" name="Header Placeholder 1"/>
+          <p:cNvSpPr>
+            <a:spLocks noGrp="1"/>
+          </p:cNvSpPr>
+          <p:nvPr>
+            <p:ph type="hdr" sz="quarter"/>
+          </p:nvPr>
+        </p:nvSpPr>
+        <p:spPr>
+          <a:xfrm>
+            <a:off x="0" y="0"/>
+            <a:ext cx="2971800" cy="457200"/>
+          </a:xfrm>
+          <a:prstGeom prst="rect">
+            <a:avLst/>
+          </a:prstGeom>
+        </p:spPr>
+        <p:txBody>
+          <a:bodyPr vert="horz" lIns="91440" tIns="45720" rIns="91440" bIns="45720" rtlCol="0"/>
+          <a:lstStyle>
+            <a:lvl1pPr algn="l">
+              <a:defRPr sz="1200"/>
+            </a:lvl1pPr>
+          </a:lstStyle>
+          <a:p>
+            <a:endParaRPr lang="nl-BE"/>
+          </a:p>
+        </p:txBody>
+      </p:sp>
+      <p:sp>
+        <p:nvSpPr>
+          <p:cNvPr id="3" name="Date Placeholder 2"/>
+          <p:cNvSpPr>
+            <a:spLocks noGrp="1"/>
+          </p:cNvSpPr>
+          <p:nvPr>
+            <p:ph type="dt" idx="1"/>
+          </p:nvPr>
+        </p:nvSpPr>
+        <p:spPr>
+          <a:xfrm>
+            <a:off x="3884613" y="0"/>
+            <a:ext cx="2971800" cy="457200"/>
+          </a:xfrm>
+          <a:prstGeom prst="rect">
+            <a:avLst/>
+          </a:prstGeom>
+        </p:spPr>
+        <p:txBody>
+          <a:bodyPr vert="horz" lIns="91440" tIns="45720" rIns="91440" bIns="45720" rtlCol="0"/>
+          <a:lstStyle>
+            <a:lvl1pPr algn="r">
+              <a:defRPr sz="1200"/>
+            </a:lvl1pPr>
+          </a:lstStyle>
+          <a:p>
+            <a:fld id="{962AD5E1-49E6-4F9C-A5A5-080C0327EF97}" type="datetimeFigureOut">
+              <a:rPr lang="nl-BE" smtClean="0"/>
+              <a:t>25/01/2016</a:t>
+            </a:fld>
+            <a:endParaRPr lang="nl-BE"/>
+          </a:p>
+        </p:txBody>
+      </p:sp>
+      <p:sp>
+        <p:nvSpPr>
+          <p:cNvPr id="4" name="Slide Image Placeholder 3"/>
+          <p:cNvSpPr>
+            <a:spLocks noGrp="1" noRot="1" noChangeAspect="1"/>
+          </p:cNvSpPr>
+          <p:nvPr>
+            <p:ph type="sldImg" idx="2"/>
+          </p:nvPr>
+        </p:nvSpPr>
+        <p:spPr>
+          <a:xfrm>
+            <a:off x="1143000" y="685800"/>
+            <a:ext cx="4572000" cy="3429000"/>
+          </a:xfrm>
+          <a:prstGeom prst="rect">
+            <a:avLst/>
+          </a:prstGeom>
+          <a:noFill/>
+          <a:ln w="12700">
+            <a:solidFill>
+              <a:prstClr val="black"/>
+            </a:solidFill>
+          </a:ln>
+        </p:spPr>
+        <p:txBody>
+          <a:bodyPr vert="horz" lIns="91440" tIns="45720" rIns="91440" bIns="45720" rtlCol="0" anchor="ctr"/>
+          <a:lstStyle/>
+          <a:p>
+            <a:endParaRPr lang="nl-BE"/>
+          </a:p>
+        </p:txBody>
+      </p:sp>
+      <p:sp>
+        <p:nvSpPr>
+          <p:cNvPr id="5" name="Notes Placeholder 4"/>
+          <p:cNvSpPr>
+            <a:spLocks noGrp="1"/>
+          </p:cNvSpPr>
+          <p:nvPr>
+            <p:ph type="body" sz="quarter" idx="3"/>
+          </p:nvPr>
+        </p:nvSpPr>
+        <p:spPr>
+          <a:xfrm>
+            <a:off x="685800" y="4343400"/>
+            <a:ext cx="5486400" cy="4114800"/>
+          </a:xfrm>
+          <a:prstGeom prst="rect">
+            <a:avLst/>
+          </a:prstGeom>
+        </p:spPr>
+        <p:txBody>
+          <a:bodyPr vert="horz" lIns="91440" tIns="45720" rIns="91440" bIns="45720" rtlCol="0"/>
+          <a:lstStyle/>
+          <a:p>
+            <a:pPr lvl="0"/>
+            <a:r>
+              <a:rPr lang="en-US" smtClean="0"/>
+              <a:t>Click to edit Master text styles</a:t>
+            </a:r>
+          </a:p>
+          <a:p>
+            <a:pPr lvl="1"/>
+            <a:r>
+              <a:rPr lang="en-US" smtClean="0"/>
+              <a:t>Second level</a:t>
+            </a:r>
+          </a:p>
+          <a:p>
+            <a:pPr lvl="2"/>
+            <a:r>
+              <a:rPr lang="en-US" smtClean="0"/>
+              <a:t>Third level</a:t>
+            </a:r>
+          </a:p>
+          <a:p>
+            <a:pPr lvl="3"/>
+            <a:r>
+              <a:rPr lang="en-US" smtClean="0"/>
+              <a:t>Fourth level</a:t>
+            </a:r>
+          </a:p>
+          <a:p>
+            <a:pPr lvl="4"/>
+            <a:r>
+              <a:rPr lang="en-US" smtClean="0"/>
+              <a:t>Fifth level</a:t>
+            </a:r>
+            <a:endParaRPr lang="nl-BE"/>
+          </a:p>
+        </p:txBody>
+      </p:sp>
+      <p:sp>
+        <p:nvSpPr>
+          <p:cNvPr id="6" name="Footer Placeholder 5"/>
+          <p:cNvSpPr>
+            <a:spLocks noGrp="1"/>
+          </p:cNvSpPr>
+          <p:nvPr>
+            <p:ph type="ftr" sz="quarter" idx="4"/>
+          </p:nvPr>
+        </p:nvSpPr>
+        <p:spPr>
+          <a:xfrm>
+            <a:off x="0" y="8685213"/>
+            <a:ext cx="2971800" cy="457200"/>
+          </a:xfrm>
+          <a:prstGeom prst="rect">
+            <a:avLst/>
+          </a:prstGeom>
+        </p:spPr>
+        <p:txBody>
+          <a:bodyPr vert="horz" lIns="91440" tIns="45720" rIns="91440" bIns="45720" rtlCol="0" anchor="b"/>
+          <a:lstStyle>
+            <a:lvl1pPr algn="l">
+              <a:defRPr sz="1200"/>
+            </a:lvl1pPr>
+          </a:lstStyle>
+          <a:p>
+            <a:endParaRPr lang="nl-BE"/>
+          </a:p>
+        </p:txBody>
+      </p:sp>
+      <p:sp>
+        <p:nvSpPr>
+          <p:cNvPr id="7" name="Slide Number Placeholder 6"/>
+          <p:cNvSpPr>
+            <a:spLocks noGrp="1"/>
+          </p:cNvSpPr>
+          <p:nvPr>
+            <p:ph type="sldNum" sz="quarter" idx="5"/>
+          </p:nvPr>
+        </p:nvSpPr>
+        <p:spPr>
+          <a:xfrm>
+            <a:off x="3884613" y="8685213"/>
+            <a:ext cx="2971800" cy="457200"/>
+          </a:xfrm>
+          <a:prstGeom prst="rect">
+            <a:avLst/>
+          </a:prstGeom>
+        </p:spPr>
+        <p:txBody>
+          <a:bodyPr vert="horz" lIns="91440" tIns="45720" rIns="91440" bIns="45720" rtlCol="0" anchor="b"/>
+          <a:lstStyle>
+            <a:lvl1pPr algn="r">
+              <a:defRPr sz="1200"/>
+            </a:lvl1pPr>
+          </a:lstStyle>
+          <a:p>
+            <a:fld id="{964F6640-6A8B-4E4C-860C-E724AA2A19BE}" type="slidenum">
+              <a:rPr lang="nl-BE" smtClean="0"/>
+              <a:t>‹#›</a:t>
+            </a:fld>
+            <a:endParaRPr lang="nl-BE"/>
+          </a:p>
+        </p:txBody>
+      </p:sp>
+    </p:spTree>
+    <p:extLst>
+      <p:ext uri="{BB962C8B-B14F-4D97-AF65-F5344CB8AC3E}">
+        <p14:creationId xmlns:p14="http://schemas.microsoft.com/office/powerpoint/2010/main" val="215774804"/>
+      </p:ext>
+    </p:extLst>
+  </p:cSld>
+  <p:clrMap bg1="lt1" tx1="dk1" bg2="lt2" tx2="dk2" accent1="accent1" accent2="accent2" accent3="accent3" accent4="accent4" accent5="accent5" accent6="accent6" hlink="hlink" folHlink="folHlink"/>
+  <p:notesStyle>
+    <a:lvl1pPr marL="0" algn="l" defTabSz="914400" rtl="0" eaLnBrk="1" latinLnBrk="0" hangingPunct="1">
+      <a:defRPr sz="1200" kern="1200">
+        <a:solidFill>
+          <a:schemeClr val="tx1"/>
+        </a:solidFill>
+        <a:latin typeface="+mn-lt"/>
+        <a:ea typeface="+mn-ea"/>
+        <a:cs typeface="+mn-cs"/>
+      </a:defRPr>
+    </a:lvl1pPr>
+    <a:lvl2pPr marL="457200" algn="l" defTabSz="914400" rtl="0" eaLnBrk="1" latinLnBrk="0" hangingPunct="1">
+      <a:defRPr sz="1200" kern="1200">
+        <a:solidFill>
+          <a:schemeClr val="tx1"/>
+        </a:solidFill>
+        <a:latin typeface="+mn-lt"/>
+        <a:ea typeface="+mn-ea"/>
+        <a:cs typeface="+mn-cs"/>
+      </a:defRPr>
+    </a:lvl2pPr>
+    <a:lvl3pPr marL="914400" algn="l" defTabSz="914400" rtl="0" eaLnBrk="1" latinLnBrk="0" hangingPunct="1">
+      <a:defRPr sz="1200" kern="1200">
+        <a:solidFill>
+          <a:schemeClr val="tx1"/>
+        </a:solidFill>
+        <a:latin typeface="+mn-lt"/>
+        <a:ea typeface="+mn-ea"/>
+        <a:cs typeface="+mn-cs"/>
+      </a:defRPr>
+    </a:lvl3pPr>
+    <a:lvl4pPr marL="1371600" algn="l" defTabSz="914400" rtl="0" eaLnBrk="1" latinLnBrk="0" hangingPunct="1">
+      <a:defRPr sz="1200" kern="1200">
+        <a:solidFill>
+          <a:schemeClr val="tx1"/>
+        </a:solidFill>
+        <a:latin typeface="+mn-lt"/>
+        <a:ea typeface="+mn-ea"/>
+        <a:cs typeface="+mn-cs"/>
+      </a:defRPr>
+    </a:lvl4pPr>
+    <a:lvl5pPr marL="1828800" algn="l" defTabSz="914400" rtl="0" eaLnBrk="1" latinLnBrk="0" hangingPunct="1">
+      <a:defRPr sz="1200" kern="1200">
+        <a:solidFill>
+          <a:schemeClr val="tx1"/>
+        </a:solidFill>
+        <a:latin typeface="+mn-lt"/>
+        <a:ea typeface="+mn-ea"/>
+        <a:cs typeface="+mn-cs"/>
+      </a:defRPr>
+    </a:lvl5pPr>
+    <a:lvl6pPr marL="2286000" algn="l" defTabSz="914400" rtl="0" eaLnBrk="1" latinLnBrk="0" hangingPunct="1">
+      <a:defRPr sz="1200" kern="1200">
+        <a:solidFill>
+          <a:schemeClr val="tx1"/>
+        </a:solidFill>
+        <a:latin typeface="+mn-lt"/>
+        <a:ea typeface="+mn-ea"/>
+        <a:cs typeface="+mn-cs"/>
+      </a:defRPr>
+    </a:lvl6pPr>
+    <a:lvl7pPr marL="2743200" algn="l" defTabSz="914400" rtl="0" eaLnBrk="1" latinLnBrk="0" hangingPunct="1">
+      <a:defRPr sz="1200" kern="1200">
+        <a:solidFill>
+          <a:schemeClr val="tx1"/>
+        </a:solidFill>
+        <a:latin typeface="+mn-lt"/>
+        <a:ea typeface="+mn-ea"/>
+        <a:cs typeface="+mn-cs"/>
+      </a:defRPr>
+    </a:lvl7pPr>
+    <a:lvl8pPr marL="3200400" algn="l" defTabSz="914400" rtl="0" eaLnBrk="1" latinLnBrk="0" hangingPunct="1">
+      <a:defRPr sz="1200" kern="1200">
+        <a:solidFill>
+          <a:schemeClr val="tx1"/>
+        </a:solidFill>
+        <a:latin typeface="+mn-lt"/>
+        <a:ea typeface="+mn-ea"/>
+        <a:cs typeface="+mn-cs"/>
+      </a:defRPr>
+    </a:lvl8pPr>
+    <a:lvl9pPr marL="3657600" algn="l" defTabSz="914400" rtl="0" eaLnBrk="1" latinLnBrk="0" hangingPunct="1">
+      <a:defRPr sz="1200" kern="1200">
+        <a:solidFill>
+          <a:schemeClr val="tx1"/>
+        </a:solidFill>
+        <a:latin typeface="+mn-lt"/>
+        <a:ea typeface="+mn-ea"/>
+        <a:cs typeface="+mn-cs"/>
+      </a:defRPr>
+    </a:lvl9pPr>
+  </p:notesStyle>
+</p:notesMaster>
 </file>
 
 <file path=ppt/slideLayouts/slideLayout1.xml><?xml version="1.0" encoding="utf-8"?>
@@ -329,7 +683,7 @@
           <a:bodyPr/>
           <a:lstStyle/>
           <a:p>
-            <a:fld id="{05D05C77-BEE1-4DA0-9A20-2DDFB0AE2DEB}" type="datetimeFigureOut">
+            <a:fld id="{60F94D12-B140-44AB-9BCF-686E9A36E7F9}" type="datetime1">
               <a:rPr lang="nl-BE" smtClean="0"/>
               <a:t>25/01/2016</a:t>
             </a:fld>
@@ -499,7 +853,7 @@
           <a:bodyPr/>
           <a:lstStyle/>
           <a:p>
-            <a:fld id="{05D05C77-BEE1-4DA0-9A20-2DDFB0AE2DEB}" type="datetimeFigureOut">
+            <a:fld id="{2FEFC3DB-1A6D-4461-88CE-FB0E7E817B15}" type="datetime1">
               <a:rPr lang="nl-BE" smtClean="0"/>
               <a:t>25/01/2016</a:t>
             </a:fld>
@@ -679,7 +1033,7 @@
           <a:bodyPr/>
           <a:lstStyle/>
           <a:p>
-            <a:fld id="{05D05C77-BEE1-4DA0-9A20-2DDFB0AE2DEB}" type="datetimeFigureOut">
+            <a:fld id="{69D26C2B-1238-4D64-BADA-0E62E31EEE18}" type="datetime1">
               <a:rPr lang="nl-BE" smtClean="0"/>
               <a:t>25/01/2016</a:t>
             </a:fld>
@@ -849,7 +1203,7 @@
           <a:bodyPr/>
           <a:lstStyle/>
           <a:p>
-            <a:fld id="{05D05C77-BEE1-4DA0-9A20-2DDFB0AE2DEB}" type="datetimeFigureOut">
+            <a:fld id="{0BD83778-8850-499F-8CAE-C6A61D7DCD25}" type="datetime1">
               <a:rPr lang="nl-BE" smtClean="0"/>
               <a:t>25/01/2016</a:t>
             </a:fld>
@@ -1095,7 +1449,7 @@
           <a:bodyPr/>
           <a:lstStyle/>
           <a:p>
-            <a:fld id="{05D05C77-BEE1-4DA0-9A20-2DDFB0AE2DEB}" type="datetimeFigureOut">
+            <a:fld id="{1F48149D-19D8-464B-8509-5F539F015159}" type="datetime1">
               <a:rPr lang="nl-BE" smtClean="0"/>
               <a:t>25/01/2016</a:t>
             </a:fld>
@@ -1383,7 +1737,7 @@
           <a:bodyPr/>
           <a:lstStyle/>
           <a:p>
-            <a:fld id="{05D05C77-BEE1-4DA0-9A20-2DDFB0AE2DEB}" type="datetimeFigureOut">
+            <a:fld id="{14AE17C4-C8F0-4324-895B-538911164891}" type="datetime1">
               <a:rPr lang="nl-BE" smtClean="0"/>
               <a:t>25/01/2016</a:t>
             </a:fld>
@@ -1805,7 +2159,7 @@
           <a:bodyPr/>
           <a:lstStyle/>
           <a:p>
-            <a:fld id="{05D05C77-BEE1-4DA0-9A20-2DDFB0AE2DEB}" type="datetimeFigureOut">
+            <a:fld id="{8AB859B6-31E6-4EC6-908F-79B85B46BD45}" type="datetime1">
               <a:rPr lang="nl-BE" smtClean="0"/>
               <a:t>25/01/2016</a:t>
             </a:fld>
@@ -1923,7 +2277,7 @@
           <a:bodyPr/>
           <a:lstStyle/>
           <a:p>
-            <a:fld id="{05D05C77-BEE1-4DA0-9A20-2DDFB0AE2DEB}" type="datetimeFigureOut">
+            <a:fld id="{E010671F-8E18-4A6A-AE74-9F000FA89897}" type="datetime1">
               <a:rPr lang="nl-BE" smtClean="0"/>
               <a:t>25/01/2016</a:t>
             </a:fld>
@@ -2018,7 +2372,7 @@
           <a:bodyPr/>
           <a:lstStyle/>
           <a:p>
-            <a:fld id="{05D05C77-BEE1-4DA0-9A20-2DDFB0AE2DEB}" type="datetimeFigureOut">
+            <a:fld id="{DC5D6E19-83F9-4651-995F-50C32BCDCDDE}" type="datetime1">
               <a:rPr lang="nl-BE" smtClean="0"/>
               <a:t>25/01/2016</a:t>
             </a:fld>
@@ -2295,7 +2649,7 @@
           <a:bodyPr/>
           <a:lstStyle/>
           <a:p>
-            <a:fld id="{05D05C77-BEE1-4DA0-9A20-2DDFB0AE2DEB}" type="datetimeFigureOut">
+            <a:fld id="{22B64514-C96D-40C9-88EF-E5781A6BBFD9}" type="datetime1">
               <a:rPr lang="nl-BE" smtClean="0"/>
               <a:t>25/01/2016</a:t>
             </a:fld>
@@ -2548,7 +2902,7 @@
           <a:bodyPr/>
           <a:lstStyle/>
           <a:p>
-            <a:fld id="{05D05C77-BEE1-4DA0-9A20-2DDFB0AE2DEB}" type="datetimeFigureOut">
+            <a:fld id="{6E4A3A7F-289F-433D-9B0D-8A66C236C826}" type="datetime1">
               <a:rPr lang="nl-BE" smtClean="0"/>
               <a:t>25/01/2016</a:t>
             </a:fld>
@@ -2761,7 +3115,7 @@
             </a:lvl1pPr>
           </a:lstStyle>
           <a:p>
-            <a:fld id="{05D05C77-BEE1-4DA0-9A20-2DDFB0AE2DEB}" type="datetimeFigureOut">
+            <a:fld id="{75B874DC-FBBE-45D7-90CB-BE603CB98C8B}" type="datetime1">
               <a:rPr lang="nl-BE" smtClean="0"/>
               <a:t>25/01/2016</a:t>
             </a:fld>
@@ -2868,6 +3222,7 @@
     <p:sldLayoutId id="2147483658" r:id="rId10"/>
     <p:sldLayoutId id="2147483659" r:id="rId11"/>
   </p:sldLayoutIdLst>
+  <p:hf hdr="0" ftr="0" dt="0"/>
   <p:txStyles>
     <p:titleStyle>
       <a:lvl1pPr algn="ctr" defTabSz="914400" rtl="0" eaLnBrk="1" latinLnBrk="0" hangingPunct="1">
@@ -3193,8 +3548,14 @@
               <a:rPr lang="en-US" dirty="0" smtClean="0"/>
             </a:br>
             <a:r>
-              <a:rPr lang="en-US" dirty="0" smtClean="0"/>
+              <a:rPr lang="en-US" dirty="0" smtClean="0">
+                <a:hlinkClick r:id="rId2"/>
+              </a:rPr>
               <a:t>geertjan.bex@uhasselt.be</a:t>
+            </a:r>
+            <a:r>
+              <a:rPr lang="en-US" dirty="0" smtClean="0"/>
+              <a:t> </a:t>
             </a:r>
             <a:endParaRPr lang="nl-BE" dirty="0"/>
           </a:p>
@@ -3334,6 +3695,29 @@
               <a:t>non-blocking</a:t>
             </a:r>
             <a:endParaRPr lang="nl-BE" dirty="0"/>
+          </a:p>
+        </p:txBody>
+      </p:sp>
+      <p:sp>
+        <p:nvSpPr>
+          <p:cNvPr id="4" name="Slide Number Placeholder 3"/>
+          <p:cNvSpPr>
+            <a:spLocks noGrp="1"/>
+          </p:cNvSpPr>
+          <p:nvPr>
+            <p:ph type="sldNum" sz="quarter" idx="12"/>
+          </p:nvPr>
+        </p:nvSpPr>
+        <p:spPr/>
+        <p:txBody>
+          <a:bodyPr/>
+          <a:lstStyle/>
+          <a:p>
+            <a:fld id="{D1918C2E-FE36-451E-B80E-1968976550A5}" type="slidenum">
+              <a:rPr lang="nl-BE" smtClean="0"/>
+              <a:t>10</a:t>
+            </a:fld>
+            <a:endParaRPr lang="nl-BE"/>
           </a:p>
         </p:txBody>
       </p:sp>
@@ -3722,11 +4106,7 @@
           <a:p>
             <a:r>
               <a:rPr lang="en-US" dirty="0" smtClean="0"/>
-              <a:t>Peer to </a:t>
-            </a:r>
-            <a:r>
-              <a:rPr lang="en-US" dirty="0" smtClean="0"/>
-              <a:t>peer: Python objects</a:t>
+              <a:t>Peer to peer: Python objects</a:t>
             </a:r>
             <a:endParaRPr lang="nl-BE" dirty="0"/>
           </a:p>
@@ -3817,7 +4197,6 @@
               <a:rPr lang="en-US" dirty="0" smtClean="0"/>
               <a:t>()</a:t>
             </a:r>
-            <a:endParaRPr lang="en-US" dirty="0" smtClean="0"/>
           </a:p>
           <a:p>
             <a:r>
@@ -4115,6 +4494,29 @@
           </p:style>
         </p:cxnSp>
       </p:grpSp>
+      <p:sp>
+        <p:nvSpPr>
+          <p:cNvPr id="11" name="Slide Number Placeholder 10"/>
+          <p:cNvSpPr>
+            <a:spLocks noGrp="1"/>
+          </p:cNvSpPr>
+          <p:nvPr>
+            <p:ph type="sldNum" sz="quarter" idx="12"/>
+          </p:nvPr>
+        </p:nvSpPr>
+        <p:spPr/>
+        <p:txBody>
+          <a:bodyPr/>
+          <a:lstStyle/>
+          <a:p>
+            <a:fld id="{D1918C2E-FE36-451E-B80E-1968976550A5}" type="slidenum">
+              <a:rPr lang="nl-BE" smtClean="0"/>
+              <a:t>11</a:t>
+            </a:fld>
+            <a:endParaRPr lang="nl-BE"/>
+          </a:p>
+        </p:txBody>
+      </p:sp>
     </p:spTree>
     <p:extLst>
       <p:ext uri="{BB962C8B-B14F-4D97-AF65-F5344CB8AC3E}">
@@ -4474,6 +4876,29 @@
               </a:rPr>
               <a:t>(source=1, tag=17)</a:t>
             </a:r>
+          </a:p>
+        </p:txBody>
+      </p:sp>
+      <p:sp>
+        <p:nvSpPr>
+          <p:cNvPr id="6" name="Slide Number Placeholder 5"/>
+          <p:cNvSpPr>
+            <a:spLocks noGrp="1"/>
+          </p:cNvSpPr>
+          <p:nvPr>
+            <p:ph type="sldNum" sz="quarter" idx="12"/>
+          </p:nvPr>
+        </p:nvSpPr>
+        <p:spPr/>
+        <p:txBody>
+          <a:bodyPr/>
+          <a:lstStyle/>
+          <a:p>
+            <a:fld id="{D1918C2E-FE36-451E-B80E-1968976550A5}" type="slidenum">
+              <a:rPr lang="nl-BE" smtClean="0"/>
+              <a:t>12</a:t>
+            </a:fld>
+            <a:endParaRPr lang="nl-BE"/>
           </a:p>
         </p:txBody>
       </p:sp>
@@ -4844,11 +5269,7 @@
             <a:pPr lvl="1"/>
             <a:r>
               <a:rPr lang="en-US" dirty="0" smtClean="0"/>
-              <a:t>can be wildcard for source in </a:t>
-            </a:r>
-            <a:r>
-              <a:rPr lang="en-US" dirty="0" smtClean="0"/>
-              <a:t>receiver (</a:t>
+              <a:t>can be wildcard for source in receiver (</a:t>
             </a:r>
             <a:r>
               <a:rPr lang="en-US" sz="2000" dirty="0" smtClean="0">
@@ -4861,7 +5282,6 @@
               <a:rPr lang="en-US" dirty="0" smtClean="0"/>
               <a:t>)</a:t>
             </a:r>
-            <a:endParaRPr lang="en-US" dirty="0" smtClean="0"/>
           </a:p>
           <a:p>
             <a:r>
@@ -4873,11 +5293,7 @@
             <a:pPr lvl="1"/>
             <a:r>
               <a:rPr lang="en-US" dirty="0" smtClean="0"/>
-              <a:t>can be wildcard for </a:t>
-            </a:r>
-            <a:r>
-              <a:rPr lang="en-US" dirty="0" smtClean="0"/>
-              <a:t>receiver (</a:t>
+              <a:t>can be wildcard for receiver (</a:t>
             </a:r>
             <a:r>
               <a:rPr lang="en-US" sz="2000" dirty="0" smtClean="0">
@@ -4890,7 +5306,6 @@
               <a:rPr lang="en-US" dirty="0" smtClean="0"/>
               <a:t>)</a:t>
             </a:r>
-            <a:endParaRPr lang="en-US" dirty="0" smtClean="0"/>
           </a:p>
         </p:txBody>
       </p:sp>
@@ -4902,7 +5317,7 @@
         </p:nvSpPr>
         <p:spPr>
           <a:xfrm>
-            <a:off x="611560" y="5940569"/>
+            <a:off x="611560" y="5805264"/>
             <a:ext cx="7958269" cy="584775"/>
           </a:xfrm>
           <a:prstGeom prst="rect">
@@ -4958,24 +5373,39 @@
           <a:p>
             <a:r>
               <a:rPr lang="en-US" sz="2400" dirty="0" smtClean="0"/>
-              <a:t>Note: </a:t>
-            </a:r>
-            <a:r>
-              <a:rPr lang="en-US" sz="2400" dirty="0" smtClean="0"/>
-              <a:t>potential for</a:t>
+              <a:t>Note: potential for</a:t>
             </a:r>
             <a:br>
               <a:rPr lang="en-US" sz="2400" dirty="0" smtClean="0"/>
             </a:br>
             <a:r>
               <a:rPr lang="en-US" sz="2400" dirty="0" smtClean="0"/>
-              <a:t>           </a:t>
-            </a:r>
-            <a:r>
-              <a:rPr lang="en-US" sz="2400" dirty="0" smtClean="0"/>
-              <a:t>deadlocks!</a:t>
+              <a:t>           deadlocks!</a:t>
             </a:r>
             <a:endParaRPr lang="nl-BE" sz="2400" dirty="0"/>
+          </a:p>
+        </p:txBody>
+      </p:sp>
+      <p:sp>
+        <p:nvSpPr>
+          <p:cNvPr id="6" name="Slide Number Placeholder 5"/>
+          <p:cNvSpPr>
+            <a:spLocks noGrp="1"/>
+          </p:cNvSpPr>
+          <p:nvPr>
+            <p:ph type="sldNum" sz="quarter" idx="12"/>
+          </p:nvPr>
+        </p:nvSpPr>
+        <p:spPr/>
+        <p:txBody>
+          <a:bodyPr/>
+          <a:lstStyle/>
+          <a:p>
+            <a:fld id="{D1918C2E-FE36-451E-B80E-1968976550A5}" type="slidenum">
+              <a:rPr lang="nl-BE" smtClean="0"/>
+              <a:t>13</a:t>
+            </a:fld>
+            <a:endParaRPr lang="nl-BE"/>
           </a:p>
         </p:txBody>
       </p:sp>
@@ -5371,18 +5801,25 @@
                 <a:latin typeface="Courier New" panose="02070309020205020404" pitchFamily="49" charset="0"/>
                 <a:cs typeface="Courier New" panose="02070309020205020404" pitchFamily="49" charset="0"/>
               </a:rPr>
-              <a:t>comm.b</a:t>
-            </a:r>
+              <a:t>comm.bcast</a:t>
+            </a:r>
+            <a:r>
+              <a:rPr lang="en-US" dirty="0" smtClean="0"/>
+              <a:t>: send message from root to all members</a:t>
+            </a:r>
+          </a:p>
+          <a:p>
+            <a:pPr lvl="1"/>
             <a:r>
               <a:rPr lang="en-US" dirty="0" err="1" smtClean="0">
                 <a:latin typeface="Courier New" panose="02070309020205020404" pitchFamily="49" charset="0"/>
                 <a:cs typeface="Courier New" panose="02070309020205020404" pitchFamily="49" charset="0"/>
               </a:rPr>
-              <a:t>cast</a:t>
-            </a:r>
-            <a:r>
-              <a:rPr lang="en-US" dirty="0" smtClean="0"/>
-              <a:t>: send message from root to all members</a:t>
+              <a:t>comm.scatter</a:t>
+            </a:r>
+            <a:r>
+              <a:rPr lang="en-US" dirty="0" smtClean="0"/>
+              <a:t>: send a possibly unique message from root to all members </a:t>
             </a:r>
           </a:p>
           <a:p>
@@ -5392,64 +5829,21 @@
                 <a:latin typeface="Courier New" panose="02070309020205020404" pitchFamily="49" charset="0"/>
                 <a:cs typeface="Courier New" panose="02070309020205020404" pitchFamily="49" charset="0"/>
               </a:rPr>
-              <a:t>comm.s</a:t>
-            </a:r>
+              <a:t>comm.gather</a:t>
+            </a:r>
+            <a:r>
+              <a:rPr lang="en-US" dirty="0" smtClean="0"/>
+              <a:t>: root retrieves unique messages from all members</a:t>
+            </a:r>
+          </a:p>
+          <a:p>
+            <a:pPr lvl="1"/>
             <a:r>
               <a:rPr lang="en-US" dirty="0" err="1" smtClean="0">
                 <a:latin typeface="Courier New" panose="02070309020205020404" pitchFamily="49" charset="0"/>
                 <a:cs typeface="Courier New" panose="02070309020205020404" pitchFamily="49" charset="0"/>
               </a:rPr>
-              <a:t>catter</a:t>
-            </a:r>
-            <a:r>
-              <a:rPr lang="en-US" dirty="0" smtClean="0"/>
-              <a:t>: send a possibly unique message from root to all members </a:t>
-            </a:r>
-          </a:p>
-          <a:p>
-            <a:pPr lvl="1"/>
-            <a:r>
-              <a:rPr lang="en-US" dirty="0" err="1" smtClean="0">
-                <a:latin typeface="Courier New" panose="02070309020205020404" pitchFamily="49" charset="0"/>
-                <a:cs typeface="Courier New" panose="02070309020205020404" pitchFamily="49" charset="0"/>
-              </a:rPr>
-              <a:t>comm.g</a:t>
-            </a:r>
-            <a:r>
-              <a:rPr lang="en-US" dirty="0" err="1" smtClean="0">
-                <a:latin typeface="Courier New" panose="02070309020205020404" pitchFamily="49" charset="0"/>
-                <a:cs typeface="Courier New" panose="02070309020205020404" pitchFamily="49" charset="0"/>
-              </a:rPr>
-              <a:t>ather</a:t>
-            </a:r>
-            <a:r>
-              <a:rPr lang="en-US" dirty="0" smtClean="0"/>
-              <a:t>: root </a:t>
-            </a:r>
-            <a:r>
-              <a:rPr lang="en-US" dirty="0" smtClean="0"/>
-              <a:t>retrieves </a:t>
-            </a:r>
-            <a:r>
-              <a:rPr lang="en-US" dirty="0" smtClean="0"/>
-              <a:t>unique messages from all members</a:t>
-            </a:r>
-          </a:p>
-          <a:p>
-            <a:pPr lvl="1"/>
-            <a:r>
-              <a:rPr lang="en-US" dirty="0" err="1" smtClean="0">
-                <a:latin typeface="Courier New" panose="02070309020205020404" pitchFamily="49" charset="0"/>
-                <a:cs typeface="Courier New" panose="02070309020205020404" pitchFamily="49" charset="0"/>
-              </a:rPr>
-              <a:t>comm.r</a:t>
-            </a:r>
-            <a:r>
-              <a:rPr lang="en-US" dirty="0" err="1" smtClean="0">
-                <a:latin typeface="Courier New" panose="02070309020205020404" pitchFamily="49" charset="0"/>
-                <a:cs typeface="Courier New" panose="02070309020205020404" pitchFamily="49" charset="0"/>
-              </a:rPr>
-              <a:t>educe</a:t>
+              <a:t>comm.reduce</a:t>
             </a:r>
             <a:r>
               <a:rPr lang="en-US" dirty="0" smtClean="0"/>
@@ -5476,7 +5870,6 @@
               <a:rPr lang="en-US" dirty="0" smtClean="0"/>
               <a:t>…</a:t>
             </a:r>
-            <a:endParaRPr lang="en-US" dirty="0" smtClean="0"/>
           </a:p>
           <a:p>
             <a:r>
@@ -5487,13 +5880,32 @@
           <a:p>
             <a:r>
               <a:rPr lang="en-US" dirty="0" smtClean="0"/>
-              <a:t>Optimization opportunities for library </a:t>
-            </a:r>
-            <a:r>
-              <a:rPr lang="en-US" dirty="0" smtClean="0"/>
-              <a:t>implementations</a:t>
+              <a:t>Optimization opportunities for library implementations</a:t>
             </a:r>
             <a:endParaRPr lang="nl-BE" dirty="0"/>
+          </a:p>
+        </p:txBody>
+      </p:sp>
+      <p:sp>
+        <p:nvSpPr>
+          <p:cNvPr id="4" name="Slide Number Placeholder 3"/>
+          <p:cNvSpPr>
+            <a:spLocks noGrp="1"/>
+          </p:cNvSpPr>
+          <p:nvPr>
+            <p:ph type="sldNum" sz="quarter" idx="12"/>
+          </p:nvPr>
+        </p:nvSpPr>
+        <p:spPr/>
+        <p:txBody>
+          <a:bodyPr/>
+          <a:lstStyle/>
+          <a:p>
+            <a:fld id="{D1918C2E-FE36-451E-B80E-1968976550A5}" type="slidenum">
+              <a:rPr lang="nl-BE" smtClean="0"/>
+              <a:t>14</a:t>
+            </a:fld>
+            <a:endParaRPr lang="nl-BE"/>
           </a:p>
         </p:txBody>
       </p:sp>
@@ -5962,11 +6374,7 @@
           <a:p>
             <a:r>
               <a:rPr lang="en-US" dirty="0" err="1" smtClean="0"/>
-              <a:t>comm.b</a:t>
-            </a:r>
-            <a:r>
-              <a:rPr lang="en-US" dirty="0" err="1" smtClean="0"/>
-              <a:t>cast</a:t>
+              <a:t>comm.bcast</a:t>
             </a:r>
             <a:endParaRPr lang="nl-BE" dirty="0"/>
           </a:p>
@@ -6506,21 +6914,7 @@
                 <a:latin typeface="Courier New" panose="02070309020205020404" pitchFamily="49" charset="0"/>
                 <a:cs typeface="Courier New" panose="02070309020205020404" pitchFamily="49" charset="0"/>
               </a:rPr>
-              <a:t>(buffer</a:t>
-            </a:r>
-            <a:r>
-              <a:rPr lang="en-US" sz="1600" dirty="0" smtClean="0">
-                <a:latin typeface="Courier New" panose="02070309020205020404" pitchFamily="49" charset="0"/>
-                <a:cs typeface="Courier New" panose="02070309020205020404" pitchFamily="49" charset="0"/>
-              </a:rPr>
-              <a:t>, </a:t>
-            </a:r>
-            <a:r>
-              <a:rPr lang="en-US" sz="1600" dirty="0" smtClean="0">
-                <a:latin typeface="Courier New" panose="02070309020205020404" pitchFamily="49" charset="0"/>
-                <a:cs typeface="Courier New" panose="02070309020205020404" pitchFamily="49" charset="0"/>
-              </a:rPr>
-              <a:t>root=</a:t>
+              <a:t>(buffer, root=</a:t>
             </a:r>
             <a:r>
               <a:rPr lang="en-US" sz="1600" dirty="0" err="1" smtClean="0">
@@ -6540,6 +6934,29 @@
               <a:latin typeface="Courier New" panose="02070309020205020404" pitchFamily="49" charset="0"/>
               <a:cs typeface="Courier New" panose="02070309020205020404" pitchFamily="49" charset="0"/>
             </a:endParaRPr>
+          </a:p>
+        </p:txBody>
+      </p:sp>
+      <p:sp>
+        <p:nvSpPr>
+          <p:cNvPr id="8" name="Slide Number Placeholder 7"/>
+          <p:cNvSpPr>
+            <a:spLocks noGrp="1"/>
+          </p:cNvSpPr>
+          <p:nvPr>
+            <p:ph type="sldNum" sz="quarter" idx="12"/>
+          </p:nvPr>
+        </p:nvSpPr>
+        <p:spPr/>
+        <p:txBody>
+          <a:bodyPr/>
+          <a:lstStyle/>
+          <a:p>
+            <a:fld id="{D1918C2E-FE36-451E-B80E-1968976550A5}" type="slidenum">
+              <a:rPr lang="nl-BE" smtClean="0"/>
+              <a:t>15</a:t>
+            </a:fld>
+            <a:endParaRPr lang="nl-BE"/>
           </a:p>
         </p:txBody>
       </p:sp>
@@ -6665,11 +7082,7 @@
           <a:p>
             <a:r>
               <a:rPr lang="en-US" dirty="0" err="1" smtClean="0"/>
-              <a:t>comm.s</a:t>
-            </a:r>
-            <a:r>
-              <a:rPr lang="en-US" dirty="0" err="1" smtClean="0"/>
-              <a:t>catter</a:t>
+              <a:t>comm.scatter</a:t>
             </a:r>
             <a:endParaRPr lang="nl-BE" dirty="0"/>
           </a:p>
@@ -7173,14 +7586,7 @@
                 <a:latin typeface="Courier New" panose="02070309020205020404" pitchFamily="49" charset="0"/>
                 <a:cs typeface="Courier New" panose="02070309020205020404" pitchFamily="49" charset="0"/>
               </a:rPr>
-              <a:t>comm.s</a:t>
-            </a:r>
-            <a:r>
-              <a:rPr lang="en-US" sz="1600" dirty="0" err="1" smtClean="0">
-                <a:latin typeface="Courier New" panose="02070309020205020404" pitchFamily="49" charset="0"/>
-                <a:cs typeface="Courier New" panose="02070309020205020404" pitchFamily="49" charset="0"/>
-              </a:rPr>
-              <a:t>catter</a:t>
+              <a:t>comm.scatter</a:t>
             </a:r>
             <a:r>
               <a:rPr lang="en-US" sz="1600" dirty="0" smtClean="0">
@@ -7574,6 +7980,29 @@
           </p:style>
         </p:cxnSp>
       </p:grpSp>
+      <p:sp>
+        <p:nvSpPr>
+          <p:cNvPr id="12" name="Slide Number Placeholder 11"/>
+          <p:cNvSpPr>
+            <a:spLocks noGrp="1"/>
+          </p:cNvSpPr>
+          <p:nvPr>
+            <p:ph type="sldNum" sz="quarter" idx="12"/>
+          </p:nvPr>
+        </p:nvSpPr>
+        <p:spPr/>
+        <p:txBody>
+          <a:bodyPr/>
+          <a:lstStyle/>
+          <a:p>
+            <a:fld id="{D1918C2E-FE36-451E-B80E-1968976550A5}" type="slidenum">
+              <a:rPr lang="nl-BE" smtClean="0"/>
+              <a:t>16</a:t>
+            </a:fld>
+            <a:endParaRPr lang="nl-BE"/>
+          </a:p>
+        </p:txBody>
+      </p:sp>
     </p:spTree>
     <p:extLst>
       <p:ext uri="{BB962C8B-B14F-4D97-AF65-F5344CB8AC3E}">
@@ -7786,11 +8215,7 @@
           <a:p>
             <a:r>
               <a:rPr lang="en-US" dirty="0" err="1" smtClean="0"/>
-              <a:t>comm.g</a:t>
-            </a:r>
-            <a:r>
-              <a:rPr lang="en-US" dirty="0" err="1" smtClean="0"/>
-              <a:t>ather</a:t>
+              <a:t>comm.gather</a:t>
             </a:r>
             <a:endParaRPr lang="nl-BE" dirty="0"/>
           </a:p>
@@ -8297,14 +8722,7 @@
                 <a:latin typeface="Courier New" panose="02070309020205020404" pitchFamily="49" charset="0"/>
                 <a:cs typeface="Courier New" panose="02070309020205020404" pitchFamily="49" charset="0"/>
               </a:rPr>
-              <a:t>comm.g</a:t>
-            </a:r>
-            <a:r>
-              <a:rPr lang="en-US" sz="1600" dirty="0" err="1" smtClean="0">
-                <a:latin typeface="Courier New" panose="02070309020205020404" pitchFamily="49" charset="0"/>
-                <a:cs typeface="Courier New" panose="02070309020205020404" pitchFamily="49" charset="0"/>
-              </a:rPr>
-              <a:t>ather</a:t>
+              <a:t>comm.gather</a:t>
             </a:r>
             <a:r>
               <a:rPr lang="en-US" sz="1600" dirty="0" smtClean="0">
@@ -8325,14 +8743,7 @@
                 <a:latin typeface="Courier New" panose="02070309020205020404" pitchFamily="49" charset="0"/>
                 <a:cs typeface="Courier New" panose="02070309020205020404" pitchFamily="49" charset="0"/>
               </a:rPr>
-              <a:t>, </a:t>
-            </a:r>
-            <a:r>
-              <a:rPr lang="en-US" sz="1600" dirty="0" smtClean="0">
-                <a:latin typeface="Courier New" panose="02070309020205020404" pitchFamily="49" charset="0"/>
-                <a:cs typeface="Courier New" panose="02070309020205020404" pitchFamily="49" charset="0"/>
-              </a:rPr>
-              <a:t>root=</a:t>
+              <a:t>, root=</a:t>
             </a:r>
             <a:r>
               <a:rPr lang="en-US" sz="1600" dirty="0" err="1" smtClean="0">
@@ -8705,6 +9116,29 @@
           </p:style>
         </p:cxnSp>
       </p:grpSp>
+      <p:sp>
+        <p:nvSpPr>
+          <p:cNvPr id="12" name="Slide Number Placeholder 11"/>
+          <p:cNvSpPr>
+            <a:spLocks noGrp="1"/>
+          </p:cNvSpPr>
+          <p:nvPr>
+            <p:ph type="sldNum" sz="quarter" idx="12"/>
+          </p:nvPr>
+        </p:nvSpPr>
+        <p:spPr/>
+        <p:txBody>
+          <a:bodyPr/>
+          <a:lstStyle/>
+          <a:p>
+            <a:fld id="{D1918C2E-FE36-451E-B80E-1968976550A5}" type="slidenum">
+              <a:rPr lang="nl-BE" smtClean="0"/>
+              <a:t>17</a:t>
+            </a:fld>
+            <a:endParaRPr lang="nl-BE"/>
+          </a:p>
+        </p:txBody>
+      </p:sp>
     </p:spTree>
     <p:extLst>
       <p:ext uri="{BB962C8B-B14F-4D97-AF65-F5344CB8AC3E}">
@@ -8965,11 +9399,7 @@
           <a:p>
             <a:r>
               <a:rPr lang="en-US" dirty="0" err="1" smtClean="0"/>
-              <a:t>comm.r</a:t>
-            </a:r>
-            <a:r>
-              <a:rPr lang="en-US" dirty="0" err="1" smtClean="0"/>
-              <a:t>educe</a:t>
+              <a:t>comm.reduce</a:t>
             </a:r>
             <a:endParaRPr lang="nl-BE" dirty="0"/>
           </a:p>
@@ -9497,14 +9927,7 @@
                 <a:latin typeface="Courier New" panose="02070309020205020404" pitchFamily="49" charset="0"/>
                 <a:cs typeface="Courier New" panose="02070309020205020404" pitchFamily="49" charset="0"/>
               </a:rPr>
-              <a:t>, </a:t>
-            </a:r>
-            <a:r>
-              <a:rPr lang="en-US" sz="1600" dirty="0" smtClean="0">
-                <a:latin typeface="Courier New" panose="02070309020205020404" pitchFamily="49" charset="0"/>
-                <a:cs typeface="Courier New" panose="02070309020205020404" pitchFamily="49" charset="0"/>
-              </a:rPr>
-              <a:t>op=MPI.SUM, root=</a:t>
+              <a:t>, op=MPI.SUM, root=</a:t>
             </a:r>
             <a:r>
               <a:rPr lang="en-US" sz="1600" dirty="0" err="1" smtClean="0">
@@ -9937,6 +10360,29 @@
           </p:style>
         </p:cxnSp>
       </p:grpSp>
+      <p:sp>
+        <p:nvSpPr>
+          <p:cNvPr id="8" name="Slide Number Placeholder 7"/>
+          <p:cNvSpPr>
+            <a:spLocks noGrp="1"/>
+          </p:cNvSpPr>
+          <p:nvPr>
+            <p:ph type="sldNum" sz="quarter" idx="12"/>
+          </p:nvPr>
+        </p:nvSpPr>
+        <p:spPr/>
+        <p:txBody>
+          <a:bodyPr/>
+          <a:lstStyle/>
+          <a:p>
+            <a:fld id="{D1918C2E-FE36-451E-B80E-1968976550A5}" type="slidenum">
+              <a:rPr lang="nl-BE" smtClean="0"/>
+              <a:t>18</a:t>
+            </a:fld>
+            <a:endParaRPr lang="nl-BE"/>
+          </a:p>
+        </p:txBody>
+      </p:sp>
     </p:spTree>
     <p:extLst>
       <p:ext uri="{BB962C8B-B14F-4D97-AF65-F5344CB8AC3E}">
@@ -10197,19 +10643,11 @@
           <a:p>
             <a:r>
               <a:rPr lang="en-US" dirty="0" err="1" smtClean="0"/>
-              <a:t>comm.r</a:t>
-            </a:r>
-            <a:r>
-              <a:rPr lang="en-US" dirty="0" err="1" smtClean="0"/>
-              <a:t>educe</a:t>
-            </a:r>
-            <a:r>
-              <a:rPr lang="en-US" dirty="0" smtClean="0"/>
-              <a:t> </a:t>
-            </a:r>
-            <a:r>
-              <a:rPr lang="en-US" dirty="0" smtClean="0"/>
-              <a:t>operators</a:t>
+              <a:t>comm.reduce</a:t>
+            </a:r>
+            <a:r>
+              <a:rPr lang="en-US" dirty="0" smtClean="0"/>
+              <a:t> operators</a:t>
             </a:r>
             <a:endParaRPr lang="nl-BE" dirty="0"/>
           </a:p>
@@ -10255,10 +10693,6 @@
               </a:rPr>
               <a:t>MPI.PROD</a:t>
             </a:r>
-            <a:endParaRPr lang="en-US" dirty="0" smtClean="0">
-              <a:latin typeface="Courier New" panose="02070309020205020404" pitchFamily="49" charset="0"/>
-              <a:cs typeface="Courier New" panose="02070309020205020404" pitchFamily="49" charset="0"/>
-            </a:endParaRPr>
           </a:p>
           <a:p>
             <a:pPr lvl="1"/>
@@ -10344,10 +10778,6 @@
               </a:rPr>
               <a:t>MPI.LXOR</a:t>
             </a:r>
-            <a:endParaRPr lang="en-US" dirty="0" smtClean="0">
-              <a:latin typeface="Courier New" panose="02070309020205020404" pitchFamily="49" charset="0"/>
-              <a:cs typeface="Courier New" panose="02070309020205020404" pitchFamily="49" charset="0"/>
-            </a:endParaRPr>
           </a:p>
           <a:p>
             <a:r>
@@ -10386,10 +10816,29 @@
               </a:rPr>
               <a:t>MPI.BXOR</a:t>
             </a:r>
-            <a:endParaRPr lang="en-US" dirty="0" smtClean="0">
-              <a:latin typeface="Courier New" panose="02070309020205020404" pitchFamily="49" charset="0"/>
-              <a:cs typeface="Courier New" panose="02070309020205020404" pitchFamily="49" charset="0"/>
-            </a:endParaRPr>
+          </a:p>
+        </p:txBody>
+      </p:sp>
+      <p:sp>
+        <p:nvSpPr>
+          <p:cNvPr id="4" name="Slide Number Placeholder 3"/>
+          <p:cNvSpPr>
+            <a:spLocks noGrp="1"/>
+          </p:cNvSpPr>
+          <p:nvPr>
+            <p:ph type="sldNum" sz="quarter" idx="12"/>
+          </p:nvPr>
+        </p:nvSpPr>
+        <p:spPr/>
+        <p:txBody>
+          <a:bodyPr/>
+          <a:lstStyle/>
+          <a:p>
+            <a:fld id="{D1918C2E-FE36-451E-B80E-1968976550A5}" type="slidenum">
+              <a:rPr lang="nl-BE" smtClean="0"/>
+              <a:t>19</a:t>
+            </a:fld>
+            <a:endParaRPr lang="nl-BE"/>
           </a:p>
         </p:txBody>
       </p:sp>
@@ -10815,6 +11264,29 @@
               <a:rPr lang="en-US" dirty="0" smtClean="0"/>
               <a:t> Passing Interface (MPI)</a:t>
             </a:r>
+          </a:p>
+        </p:txBody>
+      </p:sp>
+      <p:sp>
+        <p:nvSpPr>
+          <p:cNvPr id="4" name="Slide Number Placeholder 3"/>
+          <p:cNvSpPr>
+            <a:spLocks noGrp="1"/>
+          </p:cNvSpPr>
+          <p:nvPr>
+            <p:ph type="sldNum" sz="quarter" idx="12"/>
+          </p:nvPr>
+        </p:nvSpPr>
+        <p:spPr/>
+        <p:txBody>
+          <a:bodyPr/>
+          <a:lstStyle/>
+          <a:p>
+            <a:fld id="{D1918C2E-FE36-451E-B80E-1968976550A5}" type="slidenum">
+              <a:rPr lang="nl-BE" smtClean="0"/>
+              <a:t>2</a:t>
+            </a:fld>
+            <a:endParaRPr lang="nl-BE"/>
           </a:p>
         </p:txBody>
       </p:sp>
@@ -13312,6 +13784,29 @@
           </a:p>
         </p:txBody>
       </p:sp>
+      <p:sp>
+        <p:nvSpPr>
+          <p:cNvPr id="6" name="Slide Number Placeholder 5"/>
+          <p:cNvSpPr>
+            <a:spLocks noGrp="1"/>
+          </p:cNvSpPr>
+          <p:nvPr>
+            <p:ph type="sldNum" sz="quarter" idx="12"/>
+          </p:nvPr>
+        </p:nvSpPr>
+        <p:spPr/>
+        <p:txBody>
+          <a:bodyPr/>
+          <a:lstStyle/>
+          <a:p>
+            <a:fld id="{D1918C2E-FE36-451E-B80E-1968976550A5}" type="slidenum">
+              <a:rPr lang="nl-BE" smtClean="0"/>
+              <a:t>20</a:t>
+            </a:fld>
+            <a:endParaRPr lang="nl-BE"/>
+          </a:p>
+        </p:txBody>
+      </p:sp>
     </p:spTree>
     <p:extLst>
       <p:ext uri="{BB962C8B-B14F-4D97-AF65-F5344CB8AC3E}">
@@ -13527,7 +14022,11 @@
           <a:p>
             <a:r>
               <a:rPr lang="en-US" dirty="0" smtClean="0"/>
-              <a:t>Example: calculate </a:t>
+              <a:t>Example: </a:t>
+            </a:r>
+            <a:r>
+              <a:rPr lang="en-US" dirty="0" smtClean="0"/>
+              <a:t>calculate</a:t>
             </a:r>
             <a:r>
               <a:rPr lang="en-US" dirty="0" smtClean="0">
@@ -13564,16 +14063,27 @@
           <a:p>
             <a:pPr lvl="1"/>
             <a:r>
-              <a:rPr lang="en-US" dirty="0" smtClean="0"/>
-              <a:t>n (from </a:t>
-            </a:r>
-            <a:r>
-              <a:rPr lang="en-US" dirty="0" err="1" smtClean="0"/>
-              <a:t>argv</a:t>
-            </a:r>
-            <a:r>
-              <a:rPr lang="en-US" dirty="0" smtClean="0"/>
-              <a:t> if applicable)</a:t>
+              <a:rPr lang="en-US" i="1" dirty="0" smtClean="0"/>
+              <a:t>n</a:t>
+            </a:r>
+            <a:r>
+              <a:rPr lang="en-US" dirty="0" smtClean="0"/>
+              <a:t> (from </a:t>
+            </a:r>
+            <a:r>
+              <a:rPr lang="en-US" dirty="0" err="1" smtClean="0">
+                <a:latin typeface="Courier New" panose="02070309020205020404" pitchFamily="49" charset="0"/>
+                <a:cs typeface="Courier New" panose="02070309020205020404" pitchFamily="49" charset="0"/>
+              </a:rPr>
+              <a:t>sys.argv</a:t>
+            </a:r>
+            <a:r>
+              <a:rPr lang="en-US" dirty="0" smtClean="0"/>
+              <a:t> </a:t>
+            </a:r>
+            <a:r>
+              <a:rPr lang="en-US" dirty="0" smtClean="0"/>
+              <a:t>if applicable)</a:t>
             </a:r>
           </a:p>
           <a:p>
@@ -13593,7 +14103,11 @@
             <a:pPr lvl="1"/>
             <a:r>
               <a:rPr lang="en-US" dirty="0" smtClean="0"/>
-              <a:t>broadcasts n</a:t>
+              <a:t>broadcasts </a:t>
+            </a:r>
+            <a:r>
+              <a:rPr lang="en-US" i="1" dirty="0" smtClean="0"/>
+              <a:t>n</a:t>
             </a:r>
           </a:p>
           <a:p>
@@ -13764,6 +14278,29 @@
           </p:style>
         </p:cxnSp>
       </p:grpSp>
+      <p:sp>
+        <p:nvSpPr>
+          <p:cNvPr id="7" name="Slide Number Placeholder 6"/>
+          <p:cNvSpPr>
+            <a:spLocks noGrp="1"/>
+          </p:cNvSpPr>
+          <p:nvPr>
+            <p:ph type="sldNum" sz="quarter" idx="12"/>
+          </p:nvPr>
+        </p:nvSpPr>
+        <p:spPr/>
+        <p:txBody>
+          <a:bodyPr/>
+          <a:lstStyle/>
+          <a:p>
+            <a:fld id="{D1918C2E-FE36-451E-B80E-1968976550A5}" type="slidenum">
+              <a:rPr lang="nl-BE" smtClean="0"/>
+              <a:t>21</a:t>
+            </a:fld>
+            <a:endParaRPr lang="nl-BE"/>
+          </a:p>
+        </p:txBody>
+      </p:sp>
     </p:spTree>
     <p:extLst>
       <p:ext uri="{BB962C8B-B14F-4D97-AF65-F5344CB8AC3E}">
@@ -13886,6 +14423,848 @@
           <a:p>
             <a:r>
               <a:rPr lang="en-US" dirty="0" smtClean="0"/>
+              <a:t>Implementation for</a:t>
+            </a:r>
+            <a:r>
+              <a:rPr lang="en-US" dirty="0" smtClean="0">
+                <a:sym typeface="Symbol"/>
+              </a:rPr>
+              <a:t></a:t>
+            </a:r>
+            <a:endParaRPr lang="nl-BE" dirty="0"/>
+          </a:p>
+        </p:txBody>
+      </p:sp>
+      <p:sp>
+        <p:nvSpPr>
+          <p:cNvPr id="4" name="TextBox 3"/>
+          <p:cNvSpPr txBox="1"/>
+          <p:nvPr/>
+        </p:nvSpPr>
+        <p:spPr>
+          <a:xfrm>
+            <a:off x="395536" y="1340768"/>
+            <a:ext cx="7837402" cy="5262979"/>
+          </a:xfrm>
+          <a:prstGeom prst="rect">
+            <a:avLst/>
+          </a:prstGeom>
+          <a:noFill/>
+          <a:ln>
+            <a:solidFill>
+              <a:schemeClr val="tx1"/>
+            </a:solidFill>
+          </a:ln>
+        </p:spPr>
+        <p:txBody>
+          <a:bodyPr wrap="none" rtlCol="0">
+            <a:spAutoFit/>
+          </a:bodyPr>
+          <a:lstStyle/>
+          <a:p>
+            <a:r>
+              <a:rPr lang="en-US" sz="1600" dirty="0" smtClean="0">
+                <a:latin typeface="Courier New" panose="02070309020205020404" pitchFamily="49" charset="0"/>
+                <a:cs typeface="Courier New" panose="02070309020205020404" pitchFamily="49" charset="0"/>
+              </a:rPr>
+              <a:t>…</a:t>
+            </a:r>
+          </a:p>
+          <a:p>
+            <a:r>
+              <a:rPr lang="en-US" sz="1600" dirty="0" smtClean="0">
+                <a:latin typeface="Courier New" panose="02070309020205020404" pitchFamily="49" charset="0"/>
+                <a:cs typeface="Courier New" panose="02070309020205020404" pitchFamily="49" charset="0"/>
+              </a:rPr>
+              <a:t>root = 0</a:t>
+            </a:r>
+          </a:p>
+          <a:p>
+            <a:r>
+              <a:rPr lang="en-US" sz="1600" dirty="0" err="1" smtClean="0">
+                <a:latin typeface="Courier New" panose="02070309020205020404" pitchFamily="49" charset="0"/>
+                <a:cs typeface="Courier New" panose="02070309020205020404" pitchFamily="49" charset="0"/>
+              </a:rPr>
+              <a:t>comm</a:t>
+            </a:r>
+            <a:r>
+              <a:rPr lang="en-US" sz="1600" dirty="0" smtClean="0">
+                <a:latin typeface="Courier New" panose="02070309020205020404" pitchFamily="49" charset="0"/>
+                <a:cs typeface="Courier New" panose="02070309020205020404" pitchFamily="49" charset="0"/>
+              </a:rPr>
+              <a:t> = MPI.COMM_WORLD</a:t>
+            </a:r>
+          </a:p>
+          <a:p>
+            <a:r>
+              <a:rPr lang="en-US" sz="1600" dirty="0" smtClean="0">
+                <a:latin typeface="Courier New" panose="02070309020205020404" pitchFamily="49" charset="0"/>
+                <a:cs typeface="Courier New" panose="02070309020205020404" pitchFamily="49" charset="0"/>
+              </a:rPr>
+              <a:t>rank = </a:t>
+            </a:r>
+            <a:r>
+              <a:rPr lang="en-US" sz="1600" dirty="0" err="1" smtClean="0">
+                <a:latin typeface="Courier New" panose="02070309020205020404" pitchFamily="49" charset="0"/>
+                <a:cs typeface="Courier New" panose="02070309020205020404" pitchFamily="49" charset="0"/>
+              </a:rPr>
+              <a:t>comm.Get_rank</a:t>
+            </a:r>
+            <a:r>
+              <a:rPr lang="en-US" sz="1600" dirty="0" smtClean="0">
+                <a:latin typeface="Courier New" panose="02070309020205020404" pitchFamily="49" charset="0"/>
+                <a:cs typeface="Courier New" panose="02070309020205020404" pitchFamily="49" charset="0"/>
+              </a:rPr>
+              <a:t>()</a:t>
+            </a:r>
+          </a:p>
+          <a:p>
+            <a:r>
+              <a:rPr lang="en-US" sz="1600" dirty="0" smtClean="0">
+                <a:latin typeface="Courier New" panose="02070309020205020404" pitchFamily="49" charset="0"/>
+                <a:cs typeface="Courier New" panose="02070309020205020404" pitchFamily="49" charset="0"/>
+              </a:rPr>
+              <a:t>size = </a:t>
+            </a:r>
+            <a:r>
+              <a:rPr lang="en-US" sz="1600" dirty="0" err="1" smtClean="0">
+                <a:latin typeface="Courier New" panose="02070309020205020404" pitchFamily="49" charset="0"/>
+                <a:cs typeface="Courier New" panose="02070309020205020404" pitchFamily="49" charset="0"/>
+              </a:rPr>
+              <a:t>comm.Get_size</a:t>
+            </a:r>
+            <a:r>
+              <a:rPr lang="en-US" sz="1600" dirty="0" smtClean="0">
+                <a:latin typeface="Courier New" panose="02070309020205020404" pitchFamily="49" charset="0"/>
+                <a:cs typeface="Courier New" panose="02070309020205020404" pitchFamily="49" charset="0"/>
+              </a:rPr>
+              <a:t>()</a:t>
+            </a:r>
+          </a:p>
+          <a:p>
+            <a:r>
+              <a:rPr lang="en-US" sz="1600" dirty="0" smtClean="0">
+                <a:latin typeface="Courier New" panose="02070309020205020404" pitchFamily="49" charset="0"/>
+                <a:cs typeface="Courier New" panose="02070309020205020404" pitchFamily="49" charset="0"/>
+              </a:rPr>
+              <a:t>options = </a:t>
+            </a:r>
+            <a:r>
+              <a:rPr lang="en-US" sz="1600" dirty="0" err="1" smtClean="0">
+                <a:latin typeface="Courier New" panose="02070309020205020404" pitchFamily="49" charset="0"/>
+                <a:cs typeface="Courier New" panose="02070309020205020404" pitchFamily="49" charset="0"/>
+              </a:rPr>
+              <a:t>arg_parser.parse_args</a:t>
+            </a:r>
+            <a:r>
+              <a:rPr lang="en-US" sz="1600" dirty="0" smtClean="0">
+                <a:latin typeface="Courier New" panose="02070309020205020404" pitchFamily="49" charset="0"/>
+                <a:cs typeface="Courier New" panose="02070309020205020404" pitchFamily="49" charset="0"/>
+              </a:rPr>
+              <a:t>()</a:t>
+            </a:r>
+            <a:endParaRPr lang="nl-BE" sz="1600" dirty="0" smtClean="0">
+              <a:latin typeface="Courier New" panose="02070309020205020404" pitchFamily="49" charset="0"/>
+              <a:cs typeface="Courier New" panose="02070309020205020404" pitchFamily="49" charset="0"/>
+            </a:endParaRPr>
+          </a:p>
+          <a:p>
+            <a:r>
+              <a:rPr lang="nl-BE" sz="1600" dirty="0" err="1" smtClean="0">
+                <a:latin typeface="Courier New" panose="02070309020205020404" pitchFamily="49" charset="0"/>
+                <a:cs typeface="Courier New" panose="02070309020205020404" pitchFamily="49" charset="0"/>
+              </a:rPr>
+              <a:t>lbounds</a:t>
+            </a:r>
+            <a:r>
+              <a:rPr lang="nl-BE" sz="1600" dirty="0" smtClean="0">
+                <a:latin typeface="Courier New" panose="02070309020205020404" pitchFamily="49" charset="0"/>
+                <a:cs typeface="Courier New" panose="02070309020205020404" pitchFamily="49" charset="0"/>
+              </a:rPr>
+              <a:t> </a:t>
+            </a:r>
+            <a:r>
+              <a:rPr lang="nl-BE" sz="1600" dirty="0">
+                <a:latin typeface="Courier New" panose="02070309020205020404" pitchFamily="49" charset="0"/>
+                <a:cs typeface="Courier New" panose="02070309020205020404" pitchFamily="49" charset="0"/>
+              </a:rPr>
+              <a:t>= []</a:t>
+            </a:r>
+          </a:p>
+          <a:p>
+            <a:r>
+              <a:rPr lang="nl-BE" sz="1600" dirty="0" err="1" smtClean="0">
+                <a:latin typeface="Courier New" panose="02070309020205020404" pitchFamily="49" charset="0"/>
+                <a:cs typeface="Courier New" panose="02070309020205020404" pitchFamily="49" charset="0"/>
+              </a:rPr>
+              <a:t>ubounds</a:t>
+            </a:r>
+            <a:r>
+              <a:rPr lang="nl-BE" sz="1600" dirty="0" smtClean="0">
+                <a:latin typeface="Courier New" panose="02070309020205020404" pitchFamily="49" charset="0"/>
+                <a:cs typeface="Courier New" panose="02070309020205020404" pitchFamily="49" charset="0"/>
+              </a:rPr>
+              <a:t> </a:t>
+            </a:r>
+            <a:r>
+              <a:rPr lang="nl-BE" sz="1600" dirty="0">
+                <a:latin typeface="Courier New" panose="02070309020205020404" pitchFamily="49" charset="0"/>
+                <a:cs typeface="Courier New" panose="02070309020205020404" pitchFamily="49" charset="0"/>
+              </a:rPr>
+              <a:t>= []</a:t>
+            </a:r>
+          </a:p>
+          <a:p>
+            <a:r>
+              <a:rPr lang="nl-BE" sz="1600" dirty="0" err="1" smtClean="0">
+                <a:latin typeface="Courier New" panose="02070309020205020404" pitchFamily="49" charset="0"/>
+                <a:cs typeface="Courier New" panose="02070309020205020404" pitchFamily="49" charset="0"/>
+              </a:rPr>
+              <a:t>if</a:t>
+            </a:r>
+            <a:r>
+              <a:rPr lang="nl-BE" sz="1600" dirty="0" smtClean="0">
+                <a:latin typeface="Courier New" panose="02070309020205020404" pitchFamily="49" charset="0"/>
+                <a:cs typeface="Courier New" panose="02070309020205020404" pitchFamily="49" charset="0"/>
+              </a:rPr>
+              <a:t> </a:t>
+            </a:r>
+            <a:r>
+              <a:rPr lang="nl-BE" sz="1600" dirty="0">
+                <a:latin typeface="Courier New" panose="02070309020205020404" pitchFamily="49" charset="0"/>
+                <a:cs typeface="Courier New" panose="02070309020205020404" pitchFamily="49" charset="0"/>
+              </a:rPr>
+              <a:t>rank == root:</a:t>
+            </a:r>
+          </a:p>
+          <a:p>
+            <a:r>
+              <a:rPr lang="nl-BE" sz="1600" dirty="0" smtClean="0">
+                <a:latin typeface="Courier New" panose="02070309020205020404" pitchFamily="49" charset="0"/>
+                <a:cs typeface="Courier New" panose="02070309020205020404" pitchFamily="49" charset="0"/>
+              </a:rPr>
+              <a:t>    </a:t>
+            </a:r>
+            <a:r>
+              <a:rPr lang="nl-BE" sz="1600" dirty="0" err="1">
+                <a:latin typeface="Courier New" panose="02070309020205020404" pitchFamily="49" charset="0"/>
+                <a:cs typeface="Courier New" panose="02070309020205020404" pitchFamily="49" charset="0"/>
+              </a:rPr>
+              <a:t>for</a:t>
+            </a:r>
+            <a:r>
+              <a:rPr lang="nl-BE" sz="1600" dirty="0">
+                <a:latin typeface="Courier New" panose="02070309020205020404" pitchFamily="49" charset="0"/>
+                <a:cs typeface="Courier New" panose="02070309020205020404" pitchFamily="49" charset="0"/>
+              </a:rPr>
+              <a:t> r in range(</a:t>
+            </a:r>
+            <a:r>
+              <a:rPr lang="nl-BE" sz="1600" dirty="0" err="1">
+                <a:latin typeface="Courier New" panose="02070309020205020404" pitchFamily="49" charset="0"/>
+                <a:cs typeface="Courier New" panose="02070309020205020404" pitchFamily="49" charset="0"/>
+              </a:rPr>
+              <a:t>size</a:t>
+            </a:r>
+            <a:r>
+              <a:rPr lang="nl-BE" sz="1600" dirty="0">
+                <a:latin typeface="Courier New" panose="02070309020205020404" pitchFamily="49" charset="0"/>
+                <a:cs typeface="Courier New" panose="02070309020205020404" pitchFamily="49" charset="0"/>
+              </a:rPr>
+              <a:t>):</a:t>
+            </a:r>
+          </a:p>
+          <a:p>
+            <a:r>
+              <a:rPr lang="nl-BE" sz="1600" dirty="0" smtClean="0">
+                <a:latin typeface="Courier New" panose="02070309020205020404" pitchFamily="49" charset="0"/>
+                <a:cs typeface="Courier New" panose="02070309020205020404" pitchFamily="49" charset="0"/>
+              </a:rPr>
+              <a:t>        </a:t>
+            </a:r>
+            <a:r>
+              <a:rPr lang="nl-BE" sz="1600" dirty="0" err="1">
+                <a:latin typeface="Courier New" panose="02070309020205020404" pitchFamily="49" charset="0"/>
+                <a:cs typeface="Courier New" panose="02070309020205020404" pitchFamily="49" charset="0"/>
+              </a:rPr>
+              <a:t>lbound</a:t>
+            </a:r>
+            <a:r>
+              <a:rPr lang="nl-BE" sz="1600" dirty="0">
+                <a:latin typeface="Courier New" panose="02070309020205020404" pitchFamily="49" charset="0"/>
+                <a:cs typeface="Courier New" panose="02070309020205020404" pitchFamily="49" charset="0"/>
+              </a:rPr>
+              <a:t>, </a:t>
+            </a:r>
+            <a:r>
+              <a:rPr lang="nl-BE" sz="1600" dirty="0" err="1">
+                <a:latin typeface="Courier New" panose="02070309020205020404" pitchFamily="49" charset="0"/>
+                <a:cs typeface="Courier New" panose="02070309020205020404" pitchFamily="49" charset="0"/>
+              </a:rPr>
+              <a:t>ubound</a:t>
+            </a:r>
+            <a:r>
+              <a:rPr lang="nl-BE" sz="1600" dirty="0">
+                <a:latin typeface="Courier New" panose="02070309020205020404" pitchFamily="49" charset="0"/>
+                <a:cs typeface="Courier New" panose="02070309020205020404" pitchFamily="49" charset="0"/>
+              </a:rPr>
+              <a:t> = </a:t>
+            </a:r>
+            <a:r>
+              <a:rPr lang="nl-BE" sz="1600" dirty="0" err="1">
+                <a:latin typeface="Courier New" panose="02070309020205020404" pitchFamily="49" charset="0"/>
+                <a:cs typeface="Courier New" panose="02070309020205020404" pitchFamily="49" charset="0"/>
+              </a:rPr>
+              <a:t>compute_bounds</a:t>
+            </a:r>
+            <a:r>
+              <a:rPr lang="nl-BE" sz="1600" dirty="0">
+                <a:latin typeface="Courier New" panose="02070309020205020404" pitchFamily="49" charset="0"/>
+                <a:cs typeface="Courier New" panose="02070309020205020404" pitchFamily="49" charset="0"/>
+              </a:rPr>
+              <a:t>(</a:t>
+            </a:r>
+            <a:r>
+              <a:rPr lang="nl-BE" sz="1600" dirty="0" err="1">
+                <a:latin typeface="Courier New" panose="02070309020205020404" pitchFamily="49" charset="0"/>
+                <a:cs typeface="Courier New" panose="02070309020205020404" pitchFamily="49" charset="0"/>
+              </a:rPr>
+              <a:t>size</a:t>
+            </a:r>
+            <a:r>
+              <a:rPr lang="nl-BE" sz="1600" dirty="0">
+                <a:latin typeface="Courier New" panose="02070309020205020404" pitchFamily="49" charset="0"/>
+                <a:cs typeface="Courier New" panose="02070309020205020404" pitchFamily="49" charset="0"/>
+              </a:rPr>
+              <a:t>, r, </a:t>
+            </a:r>
+            <a:r>
+              <a:rPr lang="nl-BE" sz="1600" dirty="0" err="1">
+                <a:latin typeface="Courier New" panose="02070309020205020404" pitchFamily="49" charset="0"/>
+                <a:cs typeface="Courier New" panose="02070309020205020404" pitchFamily="49" charset="0"/>
+              </a:rPr>
+              <a:t>options.n</a:t>
+            </a:r>
+            <a:r>
+              <a:rPr lang="nl-BE" sz="1600" dirty="0">
+                <a:latin typeface="Courier New" panose="02070309020205020404" pitchFamily="49" charset="0"/>
+                <a:cs typeface="Courier New" panose="02070309020205020404" pitchFamily="49" charset="0"/>
+              </a:rPr>
+              <a:t>, 0)</a:t>
+            </a:r>
+          </a:p>
+          <a:p>
+            <a:r>
+              <a:rPr lang="nl-BE" sz="1600" dirty="0" smtClean="0">
+                <a:latin typeface="Courier New" panose="02070309020205020404" pitchFamily="49" charset="0"/>
+                <a:cs typeface="Courier New" panose="02070309020205020404" pitchFamily="49" charset="0"/>
+              </a:rPr>
+              <a:t>        </a:t>
+            </a:r>
+            <a:r>
+              <a:rPr lang="nl-BE" sz="1600" dirty="0" err="1">
+                <a:latin typeface="Courier New" panose="02070309020205020404" pitchFamily="49" charset="0"/>
+                <a:cs typeface="Courier New" panose="02070309020205020404" pitchFamily="49" charset="0"/>
+              </a:rPr>
+              <a:t>lbounds.append</a:t>
+            </a:r>
+            <a:r>
+              <a:rPr lang="nl-BE" sz="1600" dirty="0">
+                <a:latin typeface="Courier New" panose="02070309020205020404" pitchFamily="49" charset="0"/>
+                <a:cs typeface="Courier New" panose="02070309020205020404" pitchFamily="49" charset="0"/>
+              </a:rPr>
+              <a:t>(</a:t>
+            </a:r>
+            <a:r>
+              <a:rPr lang="nl-BE" sz="1600" dirty="0" err="1">
+                <a:latin typeface="Courier New" panose="02070309020205020404" pitchFamily="49" charset="0"/>
+                <a:cs typeface="Courier New" panose="02070309020205020404" pitchFamily="49" charset="0"/>
+              </a:rPr>
+              <a:t>lbound</a:t>
+            </a:r>
+            <a:r>
+              <a:rPr lang="nl-BE" sz="1600" dirty="0">
+                <a:latin typeface="Courier New" panose="02070309020205020404" pitchFamily="49" charset="0"/>
+                <a:cs typeface="Courier New" panose="02070309020205020404" pitchFamily="49" charset="0"/>
+              </a:rPr>
+              <a:t>)</a:t>
+            </a:r>
+          </a:p>
+          <a:p>
+            <a:r>
+              <a:rPr lang="nl-BE" sz="1600" dirty="0" smtClean="0">
+                <a:latin typeface="Courier New" panose="02070309020205020404" pitchFamily="49" charset="0"/>
+                <a:cs typeface="Courier New" panose="02070309020205020404" pitchFamily="49" charset="0"/>
+              </a:rPr>
+              <a:t>        </a:t>
+            </a:r>
+            <a:r>
+              <a:rPr lang="nl-BE" sz="1600" dirty="0" err="1">
+                <a:latin typeface="Courier New" panose="02070309020205020404" pitchFamily="49" charset="0"/>
+                <a:cs typeface="Courier New" panose="02070309020205020404" pitchFamily="49" charset="0"/>
+              </a:rPr>
+              <a:t>ubounds.append</a:t>
+            </a:r>
+            <a:r>
+              <a:rPr lang="nl-BE" sz="1600" dirty="0">
+                <a:latin typeface="Courier New" panose="02070309020205020404" pitchFamily="49" charset="0"/>
+                <a:cs typeface="Courier New" panose="02070309020205020404" pitchFamily="49" charset="0"/>
+              </a:rPr>
+              <a:t>(</a:t>
+            </a:r>
+            <a:r>
+              <a:rPr lang="nl-BE" sz="1600" dirty="0" err="1">
+                <a:latin typeface="Courier New" panose="02070309020205020404" pitchFamily="49" charset="0"/>
+                <a:cs typeface="Courier New" panose="02070309020205020404" pitchFamily="49" charset="0"/>
+              </a:rPr>
+              <a:t>ubound</a:t>
+            </a:r>
+            <a:r>
+              <a:rPr lang="nl-BE" sz="1600" dirty="0">
+                <a:latin typeface="Courier New" panose="02070309020205020404" pitchFamily="49" charset="0"/>
+                <a:cs typeface="Courier New" panose="02070309020205020404" pitchFamily="49" charset="0"/>
+              </a:rPr>
+              <a:t>)</a:t>
+            </a:r>
+          </a:p>
+          <a:p>
+            <a:r>
+              <a:rPr lang="nl-BE" sz="1600" dirty="0" smtClean="0">
+                <a:latin typeface="Courier New" panose="02070309020205020404" pitchFamily="49" charset="0"/>
+                <a:cs typeface="Courier New" panose="02070309020205020404" pitchFamily="49" charset="0"/>
+              </a:rPr>
+              <a:t>n </a:t>
+            </a:r>
+            <a:r>
+              <a:rPr lang="nl-BE" sz="1600" dirty="0">
+                <a:latin typeface="Courier New" panose="02070309020205020404" pitchFamily="49" charset="0"/>
+                <a:cs typeface="Courier New" panose="02070309020205020404" pitchFamily="49" charset="0"/>
+              </a:rPr>
+              <a:t>= </a:t>
+            </a:r>
+            <a:r>
+              <a:rPr lang="nl-BE" sz="1600" dirty="0" err="1">
+                <a:latin typeface="Courier New" panose="02070309020205020404" pitchFamily="49" charset="0"/>
+                <a:cs typeface="Courier New" panose="02070309020205020404" pitchFamily="49" charset="0"/>
+              </a:rPr>
+              <a:t>comm.bcast</a:t>
+            </a:r>
+            <a:r>
+              <a:rPr lang="nl-BE" sz="1600" dirty="0">
+                <a:latin typeface="Courier New" panose="02070309020205020404" pitchFamily="49" charset="0"/>
+                <a:cs typeface="Courier New" panose="02070309020205020404" pitchFamily="49" charset="0"/>
+              </a:rPr>
+              <a:t>(</a:t>
+            </a:r>
+            <a:r>
+              <a:rPr lang="nl-BE" sz="1600" dirty="0" err="1">
+                <a:latin typeface="Courier New" panose="02070309020205020404" pitchFamily="49" charset="0"/>
+                <a:cs typeface="Courier New" panose="02070309020205020404" pitchFamily="49" charset="0"/>
+              </a:rPr>
+              <a:t>options.n</a:t>
+            </a:r>
+            <a:r>
+              <a:rPr lang="nl-BE" sz="1600" dirty="0">
+                <a:latin typeface="Courier New" panose="02070309020205020404" pitchFamily="49" charset="0"/>
+                <a:cs typeface="Courier New" panose="02070309020205020404" pitchFamily="49" charset="0"/>
+              </a:rPr>
+              <a:t>, root=root)</a:t>
+            </a:r>
+          </a:p>
+          <a:p>
+            <a:r>
+              <a:rPr lang="nl-BE" sz="1600" dirty="0" err="1" smtClean="0">
+                <a:latin typeface="Courier New" panose="02070309020205020404" pitchFamily="49" charset="0"/>
+                <a:cs typeface="Courier New" panose="02070309020205020404" pitchFamily="49" charset="0"/>
+              </a:rPr>
+              <a:t>verbose</a:t>
+            </a:r>
+            <a:r>
+              <a:rPr lang="nl-BE" sz="1600" dirty="0" smtClean="0">
+                <a:latin typeface="Courier New" panose="02070309020205020404" pitchFamily="49" charset="0"/>
+                <a:cs typeface="Courier New" panose="02070309020205020404" pitchFamily="49" charset="0"/>
+              </a:rPr>
+              <a:t> </a:t>
+            </a:r>
+            <a:r>
+              <a:rPr lang="nl-BE" sz="1600" dirty="0">
+                <a:latin typeface="Courier New" panose="02070309020205020404" pitchFamily="49" charset="0"/>
+                <a:cs typeface="Courier New" panose="02070309020205020404" pitchFamily="49" charset="0"/>
+              </a:rPr>
+              <a:t>= </a:t>
+            </a:r>
+            <a:r>
+              <a:rPr lang="nl-BE" sz="1600" dirty="0" err="1">
+                <a:latin typeface="Courier New" panose="02070309020205020404" pitchFamily="49" charset="0"/>
+                <a:cs typeface="Courier New" panose="02070309020205020404" pitchFamily="49" charset="0"/>
+              </a:rPr>
+              <a:t>comm.bcast</a:t>
+            </a:r>
+            <a:r>
+              <a:rPr lang="nl-BE" sz="1600" dirty="0">
+                <a:latin typeface="Courier New" panose="02070309020205020404" pitchFamily="49" charset="0"/>
+                <a:cs typeface="Courier New" panose="02070309020205020404" pitchFamily="49" charset="0"/>
+              </a:rPr>
+              <a:t>(</a:t>
+            </a:r>
+            <a:r>
+              <a:rPr lang="nl-BE" sz="1600" dirty="0" err="1">
+                <a:latin typeface="Courier New" panose="02070309020205020404" pitchFamily="49" charset="0"/>
+                <a:cs typeface="Courier New" panose="02070309020205020404" pitchFamily="49" charset="0"/>
+              </a:rPr>
+              <a:t>options.verbose</a:t>
+            </a:r>
+            <a:r>
+              <a:rPr lang="nl-BE" sz="1600" dirty="0">
+                <a:latin typeface="Courier New" panose="02070309020205020404" pitchFamily="49" charset="0"/>
+                <a:cs typeface="Courier New" panose="02070309020205020404" pitchFamily="49" charset="0"/>
+              </a:rPr>
+              <a:t>, root=root)</a:t>
+            </a:r>
+          </a:p>
+          <a:p>
+            <a:r>
+              <a:rPr lang="nl-BE" sz="1600" dirty="0" err="1" smtClean="0">
+                <a:latin typeface="Courier New" panose="02070309020205020404" pitchFamily="49" charset="0"/>
+                <a:cs typeface="Courier New" panose="02070309020205020404" pitchFamily="49" charset="0"/>
+              </a:rPr>
+              <a:t>lbound</a:t>
+            </a:r>
+            <a:r>
+              <a:rPr lang="nl-BE" sz="1600" dirty="0" smtClean="0">
+                <a:latin typeface="Courier New" panose="02070309020205020404" pitchFamily="49" charset="0"/>
+                <a:cs typeface="Courier New" panose="02070309020205020404" pitchFamily="49" charset="0"/>
+              </a:rPr>
+              <a:t> </a:t>
+            </a:r>
+            <a:r>
+              <a:rPr lang="nl-BE" sz="1600" dirty="0">
+                <a:latin typeface="Courier New" panose="02070309020205020404" pitchFamily="49" charset="0"/>
+                <a:cs typeface="Courier New" panose="02070309020205020404" pitchFamily="49" charset="0"/>
+              </a:rPr>
+              <a:t>= </a:t>
+            </a:r>
+            <a:r>
+              <a:rPr lang="nl-BE" sz="1600" dirty="0" err="1">
+                <a:latin typeface="Courier New" panose="02070309020205020404" pitchFamily="49" charset="0"/>
+                <a:cs typeface="Courier New" panose="02070309020205020404" pitchFamily="49" charset="0"/>
+              </a:rPr>
+              <a:t>comm.scatter</a:t>
+            </a:r>
+            <a:r>
+              <a:rPr lang="nl-BE" sz="1600" dirty="0">
+                <a:latin typeface="Courier New" panose="02070309020205020404" pitchFamily="49" charset="0"/>
+                <a:cs typeface="Courier New" panose="02070309020205020404" pitchFamily="49" charset="0"/>
+              </a:rPr>
+              <a:t>(</a:t>
+            </a:r>
+            <a:r>
+              <a:rPr lang="nl-BE" sz="1600" dirty="0" err="1">
+                <a:latin typeface="Courier New" panose="02070309020205020404" pitchFamily="49" charset="0"/>
+                <a:cs typeface="Courier New" panose="02070309020205020404" pitchFamily="49" charset="0"/>
+              </a:rPr>
+              <a:t>lbounds</a:t>
+            </a:r>
+            <a:r>
+              <a:rPr lang="nl-BE" sz="1600" dirty="0">
+                <a:latin typeface="Courier New" panose="02070309020205020404" pitchFamily="49" charset="0"/>
+                <a:cs typeface="Courier New" panose="02070309020205020404" pitchFamily="49" charset="0"/>
+              </a:rPr>
+              <a:t>, root=root)</a:t>
+            </a:r>
+          </a:p>
+          <a:p>
+            <a:r>
+              <a:rPr lang="nl-BE" sz="1600" dirty="0" err="1" smtClean="0">
+                <a:latin typeface="Courier New" panose="02070309020205020404" pitchFamily="49" charset="0"/>
+                <a:cs typeface="Courier New" panose="02070309020205020404" pitchFamily="49" charset="0"/>
+              </a:rPr>
+              <a:t>ubound</a:t>
+            </a:r>
+            <a:r>
+              <a:rPr lang="nl-BE" sz="1600" dirty="0" smtClean="0">
+                <a:latin typeface="Courier New" panose="02070309020205020404" pitchFamily="49" charset="0"/>
+                <a:cs typeface="Courier New" panose="02070309020205020404" pitchFamily="49" charset="0"/>
+              </a:rPr>
+              <a:t> </a:t>
+            </a:r>
+            <a:r>
+              <a:rPr lang="nl-BE" sz="1600" dirty="0">
+                <a:latin typeface="Courier New" panose="02070309020205020404" pitchFamily="49" charset="0"/>
+                <a:cs typeface="Courier New" panose="02070309020205020404" pitchFamily="49" charset="0"/>
+              </a:rPr>
+              <a:t>= </a:t>
+            </a:r>
+            <a:r>
+              <a:rPr lang="nl-BE" sz="1600" dirty="0" err="1">
+                <a:latin typeface="Courier New" panose="02070309020205020404" pitchFamily="49" charset="0"/>
+                <a:cs typeface="Courier New" panose="02070309020205020404" pitchFamily="49" charset="0"/>
+              </a:rPr>
+              <a:t>comm.scatter</a:t>
+            </a:r>
+            <a:r>
+              <a:rPr lang="nl-BE" sz="1600" dirty="0">
+                <a:latin typeface="Courier New" panose="02070309020205020404" pitchFamily="49" charset="0"/>
+                <a:cs typeface="Courier New" panose="02070309020205020404" pitchFamily="49" charset="0"/>
+              </a:rPr>
+              <a:t>(</a:t>
+            </a:r>
+            <a:r>
+              <a:rPr lang="nl-BE" sz="1600" dirty="0" err="1">
+                <a:latin typeface="Courier New" panose="02070309020205020404" pitchFamily="49" charset="0"/>
+                <a:cs typeface="Courier New" panose="02070309020205020404" pitchFamily="49" charset="0"/>
+              </a:rPr>
+              <a:t>ubounds</a:t>
+            </a:r>
+            <a:r>
+              <a:rPr lang="nl-BE" sz="1600" dirty="0">
+                <a:latin typeface="Courier New" panose="02070309020205020404" pitchFamily="49" charset="0"/>
+                <a:cs typeface="Courier New" panose="02070309020205020404" pitchFamily="49" charset="0"/>
+              </a:rPr>
+              <a:t>, root=root)</a:t>
+            </a:r>
+          </a:p>
+          <a:p>
+            <a:r>
+              <a:rPr lang="nl-BE" sz="1600" dirty="0" err="1" smtClean="0">
+                <a:latin typeface="Courier New" panose="02070309020205020404" pitchFamily="49" charset="0"/>
+                <a:cs typeface="Courier New" panose="02070309020205020404" pitchFamily="49" charset="0"/>
+              </a:rPr>
+              <a:t>partial_sum</a:t>
+            </a:r>
+            <a:r>
+              <a:rPr lang="nl-BE" sz="1600" dirty="0" smtClean="0">
+                <a:latin typeface="Courier New" panose="02070309020205020404" pitchFamily="49" charset="0"/>
+                <a:cs typeface="Courier New" panose="02070309020205020404" pitchFamily="49" charset="0"/>
+              </a:rPr>
+              <a:t> </a:t>
+            </a:r>
+            <a:r>
+              <a:rPr lang="nl-BE" sz="1600" dirty="0">
+                <a:latin typeface="Courier New" panose="02070309020205020404" pitchFamily="49" charset="0"/>
+                <a:cs typeface="Courier New" panose="02070309020205020404" pitchFamily="49" charset="0"/>
+              </a:rPr>
+              <a:t>= </a:t>
+            </a:r>
+            <a:r>
+              <a:rPr lang="nl-BE" sz="1600" dirty="0" err="1">
+                <a:latin typeface="Courier New" panose="02070309020205020404" pitchFamily="49" charset="0"/>
+                <a:cs typeface="Courier New" panose="02070309020205020404" pitchFamily="49" charset="0"/>
+              </a:rPr>
+              <a:t>partial_pi</a:t>
+            </a:r>
+            <a:r>
+              <a:rPr lang="nl-BE" sz="1600" dirty="0">
+                <a:latin typeface="Courier New" panose="02070309020205020404" pitchFamily="49" charset="0"/>
+                <a:cs typeface="Courier New" panose="02070309020205020404" pitchFamily="49" charset="0"/>
+              </a:rPr>
+              <a:t>(</a:t>
+            </a:r>
+            <a:r>
+              <a:rPr lang="nl-BE" sz="1600" dirty="0" err="1">
+                <a:latin typeface="Courier New" panose="02070309020205020404" pitchFamily="49" charset="0"/>
+                <a:cs typeface="Courier New" panose="02070309020205020404" pitchFamily="49" charset="0"/>
+              </a:rPr>
+              <a:t>lbound</a:t>
+            </a:r>
+            <a:r>
+              <a:rPr lang="nl-BE" sz="1600" dirty="0">
+                <a:latin typeface="Courier New" panose="02070309020205020404" pitchFamily="49" charset="0"/>
+                <a:cs typeface="Courier New" panose="02070309020205020404" pitchFamily="49" charset="0"/>
+              </a:rPr>
+              <a:t>, </a:t>
+            </a:r>
+            <a:r>
+              <a:rPr lang="nl-BE" sz="1600" dirty="0" err="1">
+                <a:latin typeface="Courier New" panose="02070309020205020404" pitchFamily="49" charset="0"/>
+                <a:cs typeface="Courier New" panose="02070309020205020404" pitchFamily="49" charset="0"/>
+              </a:rPr>
+              <a:t>ubound</a:t>
+            </a:r>
+            <a:r>
+              <a:rPr lang="nl-BE" sz="1600" dirty="0">
+                <a:latin typeface="Courier New" panose="02070309020205020404" pitchFamily="49" charset="0"/>
+                <a:cs typeface="Courier New" panose="02070309020205020404" pitchFamily="49" charset="0"/>
+              </a:rPr>
+              <a:t>, n)</a:t>
+            </a:r>
+          </a:p>
+          <a:p>
+            <a:r>
+              <a:rPr lang="nl-BE" sz="1600" dirty="0" err="1" smtClean="0">
+                <a:latin typeface="Courier New" panose="02070309020205020404" pitchFamily="49" charset="0"/>
+                <a:cs typeface="Courier New" panose="02070309020205020404" pitchFamily="49" charset="0"/>
+              </a:rPr>
+              <a:t>total_sum</a:t>
+            </a:r>
+            <a:r>
+              <a:rPr lang="nl-BE" sz="1600" dirty="0" smtClean="0">
+                <a:latin typeface="Courier New" panose="02070309020205020404" pitchFamily="49" charset="0"/>
+                <a:cs typeface="Courier New" panose="02070309020205020404" pitchFamily="49" charset="0"/>
+              </a:rPr>
+              <a:t> </a:t>
+            </a:r>
+            <a:r>
+              <a:rPr lang="nl-BE" sz="1600" dirty="0">
+                <a:latin typeface="Courier New" panose="02070309020205020404" pitchFamily="49" charset="0"/>
+                <a:cs typeface="Courier New" panose="02070309020205020404" pitchFamily="49" charset="0"/>
+              </a:rPr>
+              <a:t>= </a:t>
+            </a:r>
+            <a:r>
+              <a:rPr lang="nl-BE" sz="1600" dirty="0" err="1">
+                <a:latin typeface="Courier New" panose="02070309020205020404" pitchFamily="49" charset="0"/>
+                <a:cs typeface="Courier New" panose="02070309020205020404" pitchFamily="49" charset="0"/>
+              </a:rPr>
+              <a:t>comm.reduce</a:t>
+            </a:r>
+            <a:r>
+              <a:rPr lang="nl-BE" sz="1600" dirty="0">
+                <a:latin typeface="Courier New" panose="02070309020205020404" pitchFamily="49" charset="0"/>
+                <a:cs typeface="Courier New" panose="02070309020205020404" pitchFamily="49" charset="0"/>
+              </a:rPr>
+              <a:t>(</a:t>
+            </a:r>
+            <a:r>
+              <a:rPr lang="nl-BE" sz="1600" dirty="0" err="1">
+                <a:latin typeface="Courier New" panose="02070309020205020404" pitchFamily="49" charset="0"/>
+                <a:cs typeface="Courier New" panose="02070309020205020404" pitchFamily="49" charset="0"/>
+              </a:rPr>
+              <a:t>partial_sum</a:t>
+            </a:r>
+            <a:r>
+              <a:rPr lang="nl-BE" sz="1600" dirty="0">
+                <a:latin typeface="Courier New" panose="02070309020205020404" pitchFamily="49" charset="0"/>
+                <a:cs typeface="Courier New" panose="02070309020205020404" pitchFamily="49" charset="0"/>
+              </a:rPr>
+              <a:t>, op=MPI.SUM, root=root)</a:t>
+            </a:r>
+          </a:p>
+          <a:p>
+            <a:r>
+              <a:rPr lang="nl-BE" sz="1600" dirty="0" err="1" smtClean="0">
+                <a:latin typeface="Courier New" panose="02070309020205020404" pitchFamily="49" charset="0"/>
+                <a:cs typeface="Courier New" panose="02070309020205020404" pitchFamily="49" charset="0"/>
+              </a:rPr>
+              <a:t>if</a:t>
+            </a:r>
+            <a:r>
+              <a:rPr lang="nl-BE" sz="1600" dirty="0" smtClean="0">
+                <a:latin typeface="Courier New" panose="02070309020205020404" pitchFamily="49" charset="0"/>
+                <a:cs typeface="Courier New" panose="02070309020205020404" pitchFamily="49" charset="0"/>
+              </a:rPr>
+              <a:t> </a:t>
+            </a:r>
+            <a:r>
+              <a:rPr lang="nl-BE" sz="1600" dirty="0">
+                <a:latin typeface="Courier New" panose="02070309020205020404" pitchFamily="49" charset="0"/>
+                <a:cs typeface="Courier New" panose="02070309020205020404" pitchFamily="49" charset="0"/>
+              </a:rPr>
+              <a:t>rank == root:</a:t>
+            </a:r>
+          </a:p>
+          <a:p>
+            <a:r>
+              <a:rPr lang="nl-BE" sz="1600" dirty="0" smtClean="0">
+                <a:latin typeface="Courier New" panose="02070309020205020404" pitchFamily="49" charset="0"/>
+                <a:cs typeface="Courier New" panose="02070309020205020404" pitchFamily="49" charset="0"/>
+              </a:rPr>
+              <a:t>    </a:t>
+            </a:r>
+            <a:r>
+              <a:rPr lang="nl-BE" sz="1600" dirty="0">
+                <a:latin typeface="Courier New" panose="02070309020205020404" pitchFamily="49" charset="0"/>
+                <a:cs typeface="Courier New" panose="02070309020205020404" pitchFamily="49" charset="0"/>
+              </a:rPr>
+              <a:t>print('pi = {0:.12f}'.format(</a:t>
+            </a:r>
+            <a:r>
+              <a:rPr lang="nl-BE" sz="1600" dirty="0" err="1">
+                <a:latin typeface="Courier New" panose="02070309020205020404" pitchFamily="49" charset="0"/>
+                <a:cs typeface="Courier New" panose="02070309020205020404" pitchFamily="49" charset="0"/>
+              </a:rPr>
+              <a:t>total_sum</a:t>
+            </a:r>
+            <a:r>
+              <a:rPr lang="nl-BE" sz="1600" dirty="0">
+                <a:latin typeface="Courier New" panose="02070309020205020404" pitchFamily="49" charset="0"/>
+                <a:cs typeface="Courier New" panose="02070309020205020404" pitchFamily="49" charset="0"/>
+              </a:rPr>
+              <a:t>/n))</a:t>
+            </a:r>
+          </a:p>
+        </p:txBody>
+      </p:sp>
+      <p:sp>
+        <p:nvSpPr>
+          <p:cNvPr id="5" name="Slide Number Placeholder 4"/>
+          <p:cNvSpPr>
+            <a:spLocks noGrp="1"/>
+          </p:cNvSpPr>
+          <p:nvPr>
+            <p:ph type="sldNum" sz="quarter" idx="12"/>
+          </p:nvPr>
+        </p:nvSpPr>
+        <p:spPr/>
+        <p:txBody>
+          <a:bodyPr/>
+          <a:lstStyle/>
+          <a:p>
+            <a:fld id="{D1918C2E-FE36-451E-B80E-1968976550A5}" type="slidenum">
+              <a:rPr lang="nl-BE" smtClean="0"/>
+              <a:t>22</a:t>
+            </a:fld>
+            <a:endParaRPr lang="nl-BE"/>
+          </a:p>
+        </p:txBody>
+      </p:sp>
+    </p:spTree>
+    <p:extLst>
+      <p:ext uri="{BB962C8B-B14F-4D97-AF65-F5344CB8AC3E}">
+        <p14:creationId xmlns:p14="http://schemas.microsoft.com/office/powerpoint/2010/main" val="2119041623"/>
+      </p:ext>
+    </p:extLst>
+  </p:cSld>
+  <p:clrMapOvr>
+    <a:masterClrMapping/>
+  </p:clrMapOvr>
+</p:sld>
+</file>
+
+<file path=ppt/slides/slide23.xml><?xml version="1.0" encoding="utf-8"?>
+<p:sld xmlns:a="http://schemas.openxmlformats.org/drawingml/2006/main" xmlns:r="http://schemas.openxmlformats.org/officeDocument/2006/relationships" xmlns:p="http://schemas.openxmlformats.org/presentationml/2006/main">
+  <p:cSld>
+    <p:spTree>
+      <p:nvGrpSpPr>
+        <p:cNvPr id="1" name=""/>
+        <p:cNvGrpSpPr/>
+        <p:nvPr/>
+      </p:nvGrpSpPr>
+      <p:grpSpPr>
+        <a:xfrm>
+          <a:off x="0" y="0"/>
+          <a:ext cx="0" cy="0"/>
+          <a:chOff x="0" y="0"/>
+          <a:chExt cx="0" cy="0"/>
+        </a:xfrm>
+      </p:grpSpPr>
+      <p:sp>
+        <p:nvSpPr>
+          <p:cNvPr id="2" name="Title 1"/>
+          <p:cNvSpPr>
+            <a:spLocks noGrp="1"/>
+          </p:cNvSpPr>
+          <p:nvPr>
+            <p:ph type="title"/>
+          </p:nvPr>
+        </p:nvSpPr>
+        <p:spPr/>
+        <p:txBody>
+          <a:bodyPr/>
+          <a:lstStyle/>
+          <a:p>
+            <a:r>
+              <a:rPr lang="en-US" dirty="0" smtClean="0"/>
               <a:t>Data types</a:t>
             </a:r>
             <a:endParaRPr lang="nl-BE" dirty="0"/>
@@ -13927,7 +15306,6 @@
               <a:rPr lang="en-US" dirty="0" smtClean="0"/>
               <a:t>cons: slow, memory overhead</a:t>
             </a:r>
-            <a:endParaRPr lang="en-US" dirty="0" smtClean="0"/>
           </a:p>
           <a:p>
             <a:r>
@@ -13965,6 +15343,29 @@
               <a:t>cons: somewhat more involved API</a:t>
             </a:r>
             <a:endParaRPr lang="nl-BE" dirty="0"/>
+          </a:p>
+        </p:txBody>
+      </p:sp>
+      <p:sp>
+        <p:nvSpPr>
+          <p:cNvPr id="4" name="Slide Number Placeholder 3"/>
+          <p:cNvSpPr>
+            <a:spLocks noGrp="1"/>
+          </p:cNvSpPr>
+          <p:nvPr>
+            <p:ph type="sldNum" sz="quarter" idx="12"/>
+          </p:nvPr>
+        </p:nvSpPr>
+        <p:spPr/>
+        <p:txBody>
+          <a:bodyPr/>
+          <a:lstStyle/>
+          <a:p>
+            <a:fld id="{D1918C2E-FE36-451E-B80E-1968976550A5}" type="slidenum">
+              <a:rPr lang="nl-BE" smtClean="0"/>
+              <a:t>23</a:t>
+            </a:fld>
+            <a:endParaRPr lang="nl-BE"/>
           </a:p>
         </p:txBody>
       </p:sp>
@@ -14239,7 +15640,7 @@
 </p:sld>
 </file>
 
-<file path=ppt/slides/slide23.xml><?xml version="1.0" encoding="utf-8"?>
+<file path=ppt/slides/slide24.xml><?xml version="1.0" encoding="utf-8"?>
 <p:sld xmlns:a="http://schemas.openxmlformats.org/drawingml/2006/main" xmlns:r="http://schemas.openxmlformats.org/officeDocument/2006/relationships" xmlns:p="http://schemas.openxmlformats.org/presentationml/2006/main">
   <p:cSld>
     <p:spTree>
@@ -14340,11 +15741,7 @@
             </a:r>
             <a:r>
               <a:rPr lang="en-US" dirty="0" smtClean="0"/>
-              <a:t> </a:t>
-            </a:r>
-            <a:r>
-              <a:rPr lang="en-US" dirty="0" smtClean="0"/>
-              <a:t>topology</a:t>
+              <a:t> topology</a:t>
             </a:r>
           </a:p>
           <a:p>
@@ -14491,6 +15888,29 @@
           </p:style>
         </p:cxnSp>
       </p:grpSp>
+      <p:sp>
+        <p:nvSpPr>
+          <p:cNvPr id="4" name="Slide Number Placeholder 3"/>
+          <p:cNvSpPr>
+            <a:spLocks noGrp="1"/>
+          </p:cNvSpPr>
+          <p:nvPr>
+            <p:ph type="sldNum" sz="quarter" idx="12"/>
+          </p:nvPr>
+        </p:nvSpPr>
+        <p:spPr/>
+        <p:txBody>
+          <a:bodyPr/>
+          <a:lstStyle/>
+          <a:p>
+            <a:fld id="{D1918C2E-FE36-451E-B80E-1968976550A5}" type="slidenum">
+              <a:rPr lang="nl-BE" smtClean="0"/>
+              <a:t>24</a:t>
+            </a:fld>
+            <a:endParaRPr lang="nl-BE"/>
+          </a:p>
+        </p:txBody>
+      </p:sp>
     </p:spTree>
     <p:extLst>
       <p:ext uri="{BB962C8B-B14F-4D97-AF65-F5344CB8AC3E}">
@@ -14834,7 +16254,7 @@
 </p:sld>
 </file>
 
-<file path=ppt/slides/slide24.xml><?xml version="1.0" encoding="utf-8"?>
+<file path=ppt/slides/slide25.xml><?xml version="1.0" encoding="utf-8"?>
 <p:sld xmlns:a="http://schemas.openxmlformats.org/drawingml/2006/main" xmlns:r="http://schemas.openxmlformats.org/officeDocument/2006/relationships" xmlns:p="http://schemas.openxmlformats.org/presentationml/2006/main">
   <p:cSld>
     <p:spTree>
@@ -14985,6 +16405,29 @@
               <a:rPr lang="en-US" dirty="0" smtClean="0"/>
               <a:t> write data</a:t>
             </a:r>
+          </a:p>
+        </p:txBody>
+      </p:sp>
+      <p:sp>
+        <p:nvSpPr>
+          <p:cNvPr id="4" name="Slide Number Placeholder 3"/>
+          <p:cNvSpPr>
+            <a:spLocks noGrp="1"/>
+          </p:cNvSpPr>
+          <p:nvPr>
+            <p:ph type="sldNum" sz="quarter" idx="12"/>
+          </p:nvPr>
+        </p:nvSpPr>
+        <p:spPr/>
+        <p:txBody>
+          <a:bodyPr/>
+          <a:lstStyle/>
+          <a:p>
+            <a:fld id="{D1918C2E-FE36-451E-B80E-1968976550A5}" type="slidenum">
+              <a:rPr lang="nl-BE" smtClean="0"/>
+              <a:t>25</a:t>
+            </a:fld>
+            <a:endParaRPr lang="nl-BE"/>
           </a:p>
         </p:txBody>
       </p:sp>
@@ -15344,7 +16787,7 @@
 </p:sld>
 </file>
 
-<file path=ppt/slides/slide25.xml><?xml version="1.0" encoding="utf-8"?>
+<file path=ppt/slides/slide26.xml><?xml version="1.0" encoding="utf-8"?>
 <p:sld xmlns:a="http://schemas.openxmlformats.org/drawingml/2006/main" xmlns:r="http://schemas.openxmlformats.org/officeDocument/2006/relationships" xmlns:p="http://schemas.openxmlformats.org/presentationml/2006/main">
   <p:cSld>
     <p:spTree>
@@ -15455,6 +16898,29 @@
           </a:p>
           <a:p>
             <a:endParaRPr lang="nl-BE" dirty="0"/>
+          </a:p>
+        </p:txBody>
+      </p:sp>
+      <p:sp>
+        <p:nvSpPr>
+          <p:cNvPr id="4" name="Slide Number Placeholder 3"/>
+          <p:cNvSpPr>
+            <a:spLocks noGrp="1"/>
+          </p:cNvSpPr>
+          <p:nvPr>
+            <p:ph type="sldNum" sz="quarter" idx="12"/>
+          </p:nvPr>
+        </p:nvSpPr>
+        <p:spPr/>
+        <p:txBody>
+          <a:bodyPr/>
+          <a:lstStyle/>
+          <a:p>
+            <a:fld id="{D1918C2E-FE36-451E-B80E-1968976550A5}" type="slidenum">
+              <a:rPr lang="nl-BE" smtClean="0"/>
+              <a:t>26</a:t>
+            </a:fld>
+            <a:endParaRPr lang="nl-BE"/>
           </a:p>
         </p:txBody>
       </p:sp>
@@ -15850,7 +17316,7 @@
 </p:sld>
 </file>
 
-<file path=ppt/slides/slide26.xml><?xml version="1.0" encoding="utf-8"?>
+<file path=ppt/slides/slide27.xml><?xml version="1.0" encoding="utf-8"?>
 <p:sld xmlns:a="http://schemas.openxmlformats.org/drawingml/2006/main" xmlns:r="http://schemas.openxmlformats.org/officeDocument/2006/relationships" xmlns:p="http://schemas.openxmlformats.org/presentationml/2006/main">
   <p:cSld>
     <p:spTree>
@@ -16010,6 +17476,29 @@
               <a:t>or die!</a:t>
             </a:r>
             <a:endParaRPr lang="nl-BE" sz="2800" dirty="0"/>
+          </a:p>
+        </p:txBody>
+      </p:sp>
+      <p:sp>
+        <p:nvSpPr>
+          <p:cNvPr id="5" name="Slide Number Placeholder 4"/>
+          <p:cNvSpPr>
+            <a:spLocks noGrp="1"/>
+          </p:cNvSpPr>
+          <p:nvPr>
+            <p:ph type="sldNum" sz="quarter" idx="12"/>
+          </p:nvPr>
+        </p:nvSpPr>
+        <p:spPr/>
+        <p:txBody>
+          <a:bodyPr/>
+          <a:lstStyle/>
+          <a:p>
+            <a:fld id="{D1918C2E-FE36-451E-B80E-1968976550A5}" type="slidenum">
+              <a:rPr lang="nl-BE" smtClean="0"/>
+              <a:t>27</a:t>
+            </a:fld>
+            <a:endParaRPr lang="nl-BE"/>
           </a:p>
         </p:txBody>
       </p:sp>
@@ -16441,7 +17930,7 @@
 </p:sld>
 </file>
 
-<file path=ppt/slides/slide27.xml><?xml version="1.0" encoding="utf-8"?>
+<file path=ppt/slides/slide28.xml><?xml version="1.0" encoding="utf-8"?>
 <p:sld xmlns:a="http://schemas.openxmlformats.org/drawingml/2006/main" xmlns:r="http://schemas.openxmlformats.org/officeDocument/2006/relationships" xmlns:p="http://schemas.openxmlformats.org/presentationml/2006/main">
   <p:cSld>
     <p:spTree>
@@ -16534,6 +18023,29 @@
               <a:rPr lang="en-US" dirty="0" smtClean="0"/>
               <a:t>Important for efficiency</a:t>
             </a:r>
+          </a:p>
+        </p:txBody>
+      </p:sp>
+      <p:sp>
+        <p:nvSpPr>
+          <p:cNvPr id="4" name="Slide Number Placeholder 3"/>
+          <p:cNvSpPr>
+            <a:spLocks noGrp="1"/>
+          </p:cNvSpPr>
+          <p:nvPr>
+            <p:ph type="sldNum" sz="quarter" idx="12"/>
+          </p:nvPr>
+        </p:nvSpPr>
+        <p:spPr/>
+        <p:txBody>
+          <a:bodyPr/>
+          <a:lstStyle/>
+          <a:p>
+            <a:fld id="{D1918C2E-FE36-451E-B80E-1968976550A5}" type="slidenum">
+              <a:rPr lang="nl-BE" smtClean="0"/>
+              <a:t>28</a:t>
+            </a:fld>
+            <a:endParaRPr lang="nl-BE"/>
           </a:p>
         </p:txBody>
       </p:sp>
@@ -16826,7 +18338,7 @@
 </p:sld>
 </file>
 
-<file path=ppt/slides/slide28.xml><?xml version="1.0" encoding="utf-8"?>
+<file path=ppt/slides/slide29.xml><?xml version="1.0" encoding="utf-8"?>
 <p:sld xmlns:a="http://schemas.openxmlformats.org/drawingml/2006/main" xmlns:r="http://schemas.openxmlformats.org/officeDocument/2006/relationships" xmlns:p="http://schemas.openxmlformats.org/presentationml/2006/main">
   <p:cSld>
     <p:spTree>
@@ -17279,6 +18791,29 @@
           </a:graphicData>
         </a:graphic>
       </p:graphicFrame>
+      <p:sp>
+        <p:nvSpPr>
+          <p:cNvPr id="4" name="Slide Number Placeholder 3"/>
+          <p:cNvSpPr>
+            <a:spLocks noGrp="1"/>
+          </p:cNvSpPr>
+          <p:nvPr>
+            <p:ph type="sldNum" sz="quarter" idx="12"/>
+          </p:nvPr>
+        </p:nvSpPr>
+        <p:spPr/>
+        <p:txBody>
+          <a:bodyPr/>
+          <a:lstStyle/>
+          <a:p>
+            <a:fld id="{D1918C2E-FE36-451E-B80E-1968976550A5}" type="slidenum">
+              <a:rPr lang="nl-BE" smtClean="0"/>
+              <a:t>29</a:t>
+            </a:fld>
+            <a:endParaRPr lang="nl-BE"/>
+          </a:p>
+        </p:txBody>
+      </p:sp>
     </p:spTree>
     <p:extLst>
       <p:ext uri="{BB962C8B-B14F-4D97-AF65-F5344CB8AC3E}">
@@ -17481,6 +19016,29 @@
               <a:t> </a:t>
             </a:r>
             <a:endParaRPr lang="nl-BE" dirty="0"/>
+          </a:p>
+        </p:txBody>
+      </p:sp>
+      <p:sp>
+        <p:nvSpPr>
+          <p:cNvPr id="5" name="Slide Number Placeholder 4"/>
+          <p:cNvSpPr>
+            <a:spLocks noGrp="1"/>
+          </p:cNvSpPr>
+          <p:nvPr>
+            <p:ph type="sldNum" sz="quarter" idx="12"/>
+          </p:nvPr>
+        </p:nvSpPr>
+        <p:spPr/>
+        <p:txBody>
+          <a:bodyPr/>
+          <a:lstStyle/>
+          <a:p>
+            <a:fld id="{D1918C2E-FE36-451E-B80E-1968976550A5}" type="slidenum">
+              <a:rPr lang="nl-BE" smtClean="0"/>
+              <a:t>3</a:t>
+            </a:fld>
+            <a:endParaRPr lang="nl-BE"/>
           </a:p>
         </p:txBody>
       </p:sp>
@@ -18198,6 +19756,29 @@
               <a:t>computing</a:t>
             </a:r>
             <a:endParaRPr lang="nl-BE" sz="2800" dirty="0"/>
+          </a:p>
+        </p:txBody>
+      </p:sp>
+      <p:sp>
+        <p:nvSpPr>
+          <p:cNvPr id="5" name="Slide Number Placeholder 4"/>
+          <p:cNvSpPr>
+            <a:spLocks noGrp="1"/>
+          </p:cNvSpPr>
+          <p:nvPr>
+            <p:ph type="sldNum" sz="quarter" idx="12"/>
+          </p:nvPr>
+        </p:nvSpPr>
+        <p:spPr/>
+        <p:txBody>
+          <a:bodyPr/>
+          <a:lstStyle/>
+          <a:p>
+            <a:fld id="{D1918C2E-FE36-451E-B80E-1968976550A5}" type="slidenum">
+              <a:rPr lang="nl-BE" smtClean="0"/>
+              <a:t>4</a:t>
+            </a:fld>
+            <a:endParaRPr lang="nl-BE"/>
           </a:p>
         </p:txBody>
       </p:sp>
@@ -18943,6 +20524,29 @@
           </a:p>
         </p:txBody>
       </p:sp>
+      <p:sp>
+        <p:nvSpPr>
+          <p:cNvPr id="5" name="Slide Number Placeholder 4"/>
+          <p:cNvSpPr>
+            <a:spLocks noGrp="1"/>
+          </p:cNvSpPr>
+          <p:nvPr>
+            <p:ph type="sldNum" sz="quarter" idx="12"/>
+          </p:nvPr>
+        </p:nvSpPr>
+        <p:spPr/>
+        <p:txBody>
+          <a:bodyPr/>
+          <a:lstStyle/>
+          <a:p>
+            <a:fld id="{D1918C2E-FE36-451E-B80E-1968976550A5}" type="slidenum">
+              <a:rPr lang="nl-BE" smtClean="0"/>
+              <a:t>5</a:t>
+            </a:fld>
+            <a:endParaRPr lang="nl-BE"/>
+          </a:p>
+        </p:txBody>
+      </p:sp>
     </p:spTree>
     <p:extLst>
       <p:ext uri="{BB962C8B-B14F-4D97-AF65-F5344CB8AC3E}">
@@ -19086,7 +20690,7 @@
         </p:nvSpPr>
         <p:spPr>
           <a:xfrm>
-            <a:off x="457200" y="4653136"/>
+            <a:off x="457200" y="4149080"/>
             <a:ext cx="8229600" cy="1656184"/>
           </a:xfrm>
         </p:spPr>
@@ -19259,10 +20863,6 @@
               </a:rPr>
               <a:t>()</a:t>
             </a:r>
-            <a:endParaRPr lang="en-US" dirty="0" smtClean="0">
-              <a:latin typeface="Courier New" panose="02070309020205020404" pitchFamily="49" charset="0"/>
-              <a:cs typeface="Courier New" panose="02070309020205020404" pitchFamily="49" charset="0"/>
-            </a:endParaRPr>
           </a:p>
           <a:p>
             <a:r>
@@ -19286,10 +20886,6 @@
               </a:rPr>
               <a:t>()</a:t>
             </a:r>
-            <a:endParaRPr lang="en-US" dirty="0" smtClean="0">
-              <a:latin typeface="Courier New" panose="02070309020205020404" pitchFamily="49" charset="0"/>
-              <a:cs typeface="Courier New" panose="02070309020205020404" pitchFamily="49" charset="0"/>
-            </a:endParaRPr>
           </a:p>
           <a:p>
             <a:r>
@@ -19314,7 +20910,7 @@
         </p:nvSpPr>
         <p:spPr>
           <a:xfrm>
-            <a:off x="7214963" y="5301208"/>
+            <a:off x="6876256" y="5013176"/>
             <a:ext cx="1838965" cy="1200329"/>
           </a:xfrm>
           <a:prstGeom prst="rect">
@@ -19379,6 +20975,29 @@
               <a:latin typeface="Courier New" panose="02070309020205020404" pitchFamily="49" charset="0"/>
               <a:cs typeface="Courier New" panose="02070309020205020404" pitchFamily="49" charset="0"/>
             </a:endParaRPr>
+          </a:p>
+        </p:txBody>
+      </p:sp>
+      <p:sp>
+        <p:nvSpPr>
+          <p:cNvPr id="6" name="Slide Number Placeholder 5"/>
+          <p:cNvSpPr>
+            <a:spLocks noGrp="1"/>
+          </p:cNvSpPr>
+          <p:nvPr>
+            <p:ph type="sldNum" sz="quarter" idx="12"/>
+          </p:nvPr>
+        </p:nvSpPr>
+        <p:spPr/>
+        <p:txBody>
+          <a:bodyPr/>
+          <a:lstStyle/>
+          <a:p>
+            <a:fld id="{D1918C2E-FE36-451E-B80E-1968976550A5}" type="slidenum">
+              <a:rPr lang="nl-BE" smtClean="0"/>
+              <a:t>6</a:t>
+            </a:fld>
+            <a:endParaRPr lang="nl-BE"/>
           </a:p>
         </p:txBody>
       </p:sp>
@@ -19654,10 +21273,6 @@
               </a:rPr>
               <a:t>()</a:t>
             </a:r>
-            <a:endParaRPr lang="en-US" sz="2400" dirty="0" smtClean="0">
-              <a:latin typeface="Courier New" panose="02070309020205020404" pitchFamily="49" charset="0"/>
-              <a:cs typeface="Courier New" panose="02070309020205020404" pitchFamily="49" charset="0"/>
-            </a:endParaRPr>
           </a:p>
           <a:p>
             <a:r>
@@ -19680,19 +21295,7 @@
             </a:r>
             <a:r>
               <a:rPr lang="en-US" dirty="0" smtClean="0"/>
-              <a:t> </a:t>
-            </a:r>
-            <a:r>
-              <a:rPr lang="en-US" dirty="0" smtClean="0"/>
-              <a:t>- </a:t>
-            </a:r>
-            <a:r>
-              <a:rPr lang="en-US" dirty="0" smtClean="0"/>
-              <a:t>1, inclusive</a:t>
-            </a:r>
-            <a:r>
-              <a:rPr lang="en-US" dirty="0" smtClean="0"/>
-              <a:t/>
+              <a:t> - 1, inclusive</a:t>
             </a:r>
             <a:br>
               <a:rPr lang="en-US" dirty="0" smtClean="0"/>
@@ -19711,10 +21314,6 @@
               </a:rPr>
               <a:t>()</a:t>
             </a:r>
-            <a:endParaRPr lang="en-US" sz="2400" dirty="0" smtClean="0">
-              <a:latin typeface="Courier New" panose="02070309020205020404" pitchFamily="49" charset="0"/>
-              <a:cs typeface="Courier New" panose="02070309020205020404" pitchFamily="49" charset="0"/>
-            </a:endParaRPr>
           </a:p>
           <a:p>
             <a:r>
@@ -19724,6 +21323,29 @@
               <a:t>Rank used as "address" within communicator, and to differentiate "roles" of processes</a:t>
             </a:r>
             <a:endParaRPr lang="nl-BE" dirty="0"/>
+          </a:p>
+        </p:txBody>
+      </p:sp>
+      <p:sp>
+        <p:nvSpPr>
+          <p:cNvPr id="4" name="Slide Number Placeholder 3"/>
+          <p:cNvSpPr>
+            <a:spLocks noGrp="1"/>
+          </p:cNvSpPr>
+          <p:nvPr>
+            <p:ph type="sldNum" sz="quarter" idx="12"/>
+          </p:nvPr>
+        </p:nvSpPr>
+        <p:spPr/>
+        <p:txBody>
+          <a:bodyPr/>
+          <a:lstStyle/>
+          <a:p>
+            <a:fld id="{D1918C2E-FE36-451E-B80E-1968976550A5}" type="slidenum">
+              <a:rPr lang="nl-BE" smtClean="0"/>
+              <a:t>7</a:t>
+            </a:fld>
+            <a:endParaRPr lang="nl-BE"/>
           </a:p>
         </p:txBody>
       </p:sp>
@@ -20436,6 +22058,29 @@
           </a:p>
         </p:txBody>
       </p:sp>
+      <p:sp>
+        <p:nvSpPr>
+          <p:cNvPr id="7" name="Slide Number Placeholder 6"/>
+          <p:cNvSpPr>
+            <a:spLocks noGrp="1"/>
+          </p:cNvSpPr>
+          <p:nvPr>
+            <p:ph type="sldNum" sz="quarter" idx="12"/>
+          </p:nvPr>
+        </p:nvSpPr>
+        <p:spPr/>
+        <p:txBody>
+          <a:bodyPr/>
+          <a:lstStyle/>
+          <a:p>
+            <a:fld id="{D1918C2E-FE36-451E-B80E-1968976550A5}" type="slidenum">
+              <a:rPr lang="nl-BE" smtClean="0"/>
+              <a:t>8</a:t>
+            </a:fld>
+            <a:endParaRPr lang="nl-BE"/>
+          </a:p>
+        </p:txBody>
+      </p:sp>
     </p:spTree>
     <p:extLst>
       <p:ext uri="{BB962C8B-B14F-4D97-AF65-F5344CB8AC3E}">
@@ -20672,6 +22317,29 @@
               <a:rPr lang="en-US" dirty="0" smtClean="0"/>
               <a:t>Processes communicate to exchange information, data, state</a:t>
             </a:r>
+          </a:p>
+        </p:txBody>
+      </p:sp>
+      <p:sp>
+        <p:nvSpPr>
+          <p:cNvPr id="2" name="Slide Number Placeholder 1"/>
+          <p:cNvSpPr>
+            <a:spLocks noGrp="1"/>
+          </p:cNvSpPr>
+          <p:nvPr>
+            <p:ph type="sldNum" sz="quarter" idx="12"/>
+          </p:nvPr>
+        </p:nvSpPr>
+        <p:spPr/>
+        <p:txBody>
+          <a:bodyPr/>
+          <a:lstStyle/>
+          <a:p>
+            <a:fld id="{D1918C2E-FE36-451E-B80E-1968976550A5}" type="slidenum">
+              <a:rPr lang="nl-BE" smtClean="0"/>
+              <a:t>9</a:t>
+            </a:fld>
+            <a:endParaRPr lang="nl-BE"/>
           </a:p>
         </p:txBody>
       </p:sp>
@@ -21154,4 +22822,289 @@
   <a:objectDefaults/>
   <a:extraClrSchemeLst/>
 </a:theme>
+</file>
+
+<file path=ppt/theme/theme2.xml><?xml version="1.0" encoding="utf-8"?>
+<a:theme xmlns:a="http://schemas.openxmlformats.org/drawingml/2006/main" name="Office Theme">
+  <a:themeElements>
+    <a:clrScheme name="Office">
+      <a:dk1>
+        <a:sysClr val="windowText" lastClr="000000"/>
+      </a:dk1>
+      <a:lt1>
+        <a:sysClr val="window" lastClr="FFFFFF"/>
+      </a:lt1>
+      <a:dk2>
+        <a:srgbClr val="1F497D"/>
+      </a:dk2>
+      <a:lt2>
+        <a:srgbClr val="EEECE1"/>
+      </a:lt2>
+      <a:accent1>
+        <a:srgbClr val="4F81BD"/>
+      </a:accent1>
+      <a:accent2>
+        <a:srgbClr val="C0504D"/>
+      </a:accent2>
+      <a:accent3>
+        <a:srgbClr val="9BBB59"/>
+      </a:accent3>
+      <a:accent4>
+        <a:srgbClr val="8064A2"/>
+      </a:accent4>
+      <a:accent5>
+        <a:srgbClr val="4BACC6"/>
+      </a:accent5>
+      <a:accent6>
+        <a:srgbClr val="F79646"/>
+      </a:accent6>
+      <a:hlink>
+        <a:srgbClr val="0000FF"/>
+      </a:hlink>
+      <a:folHlink>
+        <a:srgbClr val="800080"/>
+      </a:folHlink>
+    </a:clrScheme>
+    <a:fontScheme name="Office">
+      <a:majorFont>
+        <a:latin typeface="Calibri"/>
+        <a:ea typeface=""/>
+        <a:cs typeface=""/>
+        <a:font script="Jpan" typeface="ＭＳ Ｐゴシック"/>
+        <a:font script="Hang" typeface="맑은 고딕"/>
+        <a:font script="Hans" typeface="宋体"/>
+        <a:font script="Hant" typeface="新細明體"/>
+        <a:font script="Arab" typeface="Times New Roman"/>
+        <a:font script="Hebr" typeface="Times New Roman"/>
+        <a:font script="Thai" typeface="Angsana New"/>
+        <a:font script="Ethi" typeface="Nyala"/>
+        <a:font script="Beng" typeface="Vrinda"/>
+        <a:font script="Gujr" typeface="Shruti"/>
+        <a:font script="Khmr" typeface="MoolBoran"/>
+        <a:font script="Knda" typeface="Tunga"/>
+        <a:font script="Guru" typeface="Raavi"/>
+        <a:font script="Cans" typeface="Euphemia"/>
+        <a:font script="Cher" typeface="Plantagenet Cherokee"/>
+        <a:font script="Yiii" typeface="Microsoft Yi Baiti"/>
+        <a:font script="Tibt" typeface="Microsoft Himalaya"/>
+        <a:font script="Thaa" typeface="MV Boli"/>
+        <a:font script="Deva" typeface="Mangal"/>
+        <a:font script="Telu" typeface="Gautami"/>
+        <a:font script="Taml" typeface="Latha"/>
+        <a:font script="Syrc" typeface="Estrangelo Edessa"/>
+        <a:font script="Orya" typeface="Kalinga"/>
+        <a:font script="Mlym" typeface="Kartika"/>
+        <a:font script="Laoo" typeface="DokChampa"/>
+        <a:font script="Sinh" typeface="Iskoola Pota"/>
+        <a:font script="Mong" typeface="Mongolian Baiti"/>
+        <a:font script="Viet" typeface="Times New Roman"/>
+        <a:font script="Uigh" typeface="Microsoft Uighur"/>
+        <a:font script="Geor" typeface="Sylfaen"/>
+      </a:majorFont>
+      <a:minorFont>
+        <a:latin typeface="Calibri"/>
+        <a:ea typeface=""/>
+        <a:cs typeface=""/>
+        <a:font script="Jpan" typeface="ＭＳ Ｐゴシック"/>
+        <a:font script="Hang" typeface="맑은 고딕"/>
+        <a:font script="Hans" typeface="宋体"/>
+        <a:font script="Hant" typeface="新細明體"/>
+        <a:font script="Arab" typeface="Arial"/>
+        <a:font script="Hebr" typeface="Arial"/>
+        <a:font script="Thai" typeface="Cordia New"/>
+        <a:font script="Ethi" typeface="Nyala"/>
+        <a:font script="Beng" typeface="Vrinda"/>
+        <a:font script="Gujr" typeface="Shruti"/>
+        <a:font script="Khmr" typeface="DaunPenh"/>
+        <a:font script="Knda" typeface="Tunga"/>
+        <a:font script="Guru" typeface="Raavi"/>
+        <a:font script="Cans" typeface="Euphemia"/>
+        <a:font script="Cher" typeface="Plantagenet Cherokee"/>
+        <a:font script="Yiii" typeface="Microsoft Yi Baiti"/>
+        <a:font script="Tibt" typeface="Microsoft Himalaya"/>
+        <a:font script="Thaa" typeface="MV Boli"/>
+        <a:font script="Deva" typeface="Mangal"/>
+        <a:font script="Telu" typeface="Gautami"/>
+        <a:font script="Taml" typeface="Latha"/>
+        <a:font script="Syrc" typeface="Estrangelo Edessa"/>
+        <a:font script="Orya" typeface="Kalinga"/>
+        <a:font script="Mlym" typeface="Kartika"/>
+        <a:font script="Laoo" typeface="DokChampa"/>
+        <a:font script="Sinh" typeface="Iskoola Pota"/>
+        <a:font script="Mong" typeface="Mongolian Baiti"/>
+        <a:font script="Viet" typeface="Arial"/>
+        <a:font script="Uigh" typeface="Microsoft Uighur"/>
+        <a:font script="Geor" typeface="Sylfaen"/>
+      </a:minorFont>
+    </a:fontScheme>
+    <a:fmtScheme name="Office">
+      <a:fillStyleLst>
+        <a:solidFill>
+          <a:schemeClr val="phClr"/>
+        </a:solidFill>
+        <a:gradFill rotWithShape="1">
+          <a:gsLst>
+            <a:gs pos="0">
+              <a:schemeClr val="phClr">
+                <a:tint val="50000"/>
+                <a:satMod val="300000"/>
+              </a:schemeClr>
+            </a:gs>
+            <a:gs pos="35000">
+              <a:schemeClr val="phClr">
+                <a:tint val="37000"/>
+                <a:satMod val="300000"/>
+              </a:schemeClr>
+            </a:gs>
+            <a:gs pos="100000">
+              <a:schemeClr val="phClr">
+                <a:tint val="15000"/>
+                <a:satMod val="350000"/>
+              </a:schemeClr>
+            </a:gs>
+          </a:gsLst>
+          <a:lin ang="16200000" scaled="1"/>
+        </a:gradFill>
+        <a:gradFill rotWithShape="1">
+          <a:gsLst>
+            <a:gs pos="0">
+              <a:schemeClr val="phClr">
+                <a:shade val="51000"/>
+                <a:satMod val="130000"/>
+              </a:schemeClr>
+            </a:gs>
+            <a:gs pos="80000">
+              <a:schemeClr val="phClr">
+                <a:shade val="93000"/>
+                <a:satMod val="130000"/>
+              </a:schemeClr>
+            </a:gs>
+            <a:gs pos="100000">
+              <a:schemeClr val="phClr">
+                <a:shade val="94000"/>
+                <a:satMod val="135000"/>
+              </a:schemeClr>
+            </a:gs>
+          </a:gsLst>
+          <a:lin ang="16200000" scaled="0"/>
+        </a:gradFill>
+      </a:fillStyleLst>
+      <a:lnStyleLst>
+        <a:ln w="9525" cap="flat" cmpd="sng" algn="ctr">
+          <a:solidFill>
+            <a:schemeClr val="phClr">
+              <a:shade val="95000"/>
+              <a:satMod val="105000"/>
+            </a:schemeClr>
+          </a:solidFill>
+          <a:prstDash val="solid"/>
+        </a:ln>
+        <a:ln w="25400" cap="flat" cmpd="sng" algn="ctr">
+          <a:solidFill>
+            <a:schemeClr val="phClr"/>
+          </a:solidFill>
+          <a:prstDash val="solid"/>
+        </a:ln>
+        <a:ln w="38100" cap="flat" cmpd="sng" algn="ctr">
+          <a:solidFill>
+            <a:schemeClr val="phClr"/>
+          </a:solidFill>
+          <a:prstDash val="solid"/>
+        </a:ln>
+      </a:lnStyleLst>
+      <a:effectStyleLst>
+        <a:effectStyle>
+          <a:effectLst>
+            <a:outerShdw blurRad="40000" dist="20000" dir="5400000" rotWithShape="0">
+              <a:srgbClr val="000000">
+                <a:alpha val="38000"/>
+              </a:srgbClr>
+            </a:outerShdw>
+          </a:effectLst>
+        </a:effectStyle>
+        <a:effectStyle>
+          <a:effectLst>
+            <a:outerShdw blurRad="40000" dist="23000" dir="5400000" rotWithShape="0">
+              <a:srgbClr val="000000">
+                <a:alpha val="35000"/>
+              </a:srgbClr>
+            </a:outerShdw>
+          </a:effectLst>
+        </a:effectStyle>
+        <a:effectStyle>
+          <a:effectLst>
+            <a:outerShdw blurRad="40000" dist="23000" dir="5400000" rotWithShape="0">
+              <a:srgbClr val="000000">
+                <a:alpha val="35000"/>
+              </a:srgbClr>
+            </a:outerShdw>
+          </a:effectLst>
+          <a:scene3d>
+            <a:camera prst="orthographicFront">
+              <a:rot lat="0" lon="0" rev="0"/>
+            </a:camera>
+            <a:lightRig rig="threePt" dir="t">
+              <a:rot lat="0" lon="0" rev="1200000"/>
+            </a:lightRig>
+          </a:scene3d>
+          <a:sp3d>
+            <a:bevelT w="63500" h="25400"/>
+          </a:sp3d>
+        </a:effectStyle>
+      </a:effectStyleLst>
+      <a:bgFillStyleLst>
+        <a:solidFill>
+          <a:schemeClr val="phClr"/>
+        </a:solidFill>
+        <a:gradFill rotWithShape="1">
+          <a:gsLst>
+            <a:gs pos="0">
+              <a:schemeClr val="phClr">
+                <a:tint val="40000"/>
+                <a:satMod val="350000"/>
+              </a:schemeClr>
+            </a:gs>
+            <a:gs pos="40000">
+              <a:schemeClr val="phClr">
+                <a:tint val="45000"/>
+                <a:shade val="99000"/>
+                <a:satMod val="350000"/>
+              </a:schemeClr>
+            </a:gs>
+            <a:gs pos="100000">
+              <a:schemeClr val="phClr">
+                <a:shade val="20000"/>
+                <a:satMod val="255000"/>
+              </a:schemeClr>
+            </a:gs>
+          </a:gsLst>
+          <a:path path="circle">
+            <a:fillToRect l="50000" t="-80000" r="50000" b="180000"/>
+          </a:path>
+        </a:gradFill>
+        <a:gradFill rotWithShape="1">
+          <a:gsLst>
+            <a:gs pos="0">
+              <a:schemeClr val="phClr">
+                <a:tint val="80000"/>
+                <a:satMod val="300000"/>
+              </a:schemeClr>
+            </a:gs>
+            <a:gs pos="100000">
+              <a:schemeClr val="phClr">
+                <a:shade val="30000"/>
+                <a:satMod val="200000"/>
+              </a:schemeClr>
+            </a:gs>
+          </a:gsLst>
+          <a:path path="circle">
+            <a:fillToRect l="50000" t="50000" r="50000" b="50000"/>
+          </a:path>
+        </a:gradFill>
+      </a:bgFillStyleLst>
+    </a:fmtScheme>
+  </a:themeElements>
+  <a:objectDefaults/>
+  <a:extraClrSchemeLst/>
+</a:theme>
 </file>
--- a/Python/Mpi4py/mpi4py.pptx
+++ b/Python/Mpi4py/mpi4py.pptx
@@ -5,7 +5,7 @@
     <p:sldMasterId id="2147483648" r:id="rId1"/>
   </p:sldMasterIdLst>
   <p:notesMasterIdLst>
-    <p:notesMasterId r:id="rId31"/>
+    <p:notesMasterId r:id="rId32"/>
   </p:notesMasterIdLst>
   <p:sldIdLst>
     <p:sldId id="256" r:id="rId2"/>
@@ -31,12 +31,13 @@
     <p:sldId id="283" r:id="rId22"/>
     <p:sldId id="287" r:id="rId23"/>
     <p:sldId id="269" r:id="rId24"/>
-    <p:sldId id="279" r:id="rId25"/>
-    <p:sldId id="280" r:id="rId26"/>
-    <p:sldId id="281" r:id="rId27"/>
-    <p:sldId id="285" r:id="rId28"/>
-    <p:sldId id="284" r:id="rId29"/>
-    <p:sldId id="271" r:id="rId30"/>
+    <p:sldId id="288" r:id="rId25"/>
+    <p:sldId id="279" r:id="rId26"/>
+    <p:sldId id="280" r:id="rId27"/>
+    <p:sldId id="281" r:id="rId28"/>
+    <p:sldId id="285" r:id="rId29"/>
+    <p:sldId id="284" r:id="rId30"/>
+    <p:sldId id="271" r:id="rId31"/>
   </p:sldIdLst>
   <p:sldSz cx="9144000" cy="6858000" type="screen4x3"/>
   <p:notesSz cx="6858000" cy="9144000"/>
@@ -137,7 +138,7 @@
   </p:defaultTextStyle>
   <p:extLst>
     <p:ext uri="{EFAFB233-063F-42B5-8137-9DF3F51BA10A}">
-      <p15:sldGuideLst xmlns:p15="http://schemas.microsoft.com/office/powerpoint/2012/main" xmlns="">
+      <p15:sldGuideLst xmlns="" xmlns:p15="http://schemas.microsoft.com/office/powerpoint/2012/main">
         <p15:guide id="1" orient="horz" pos="2160">
           <p15:clr>
             <a:srgbClr val="A4A3A4"/>
@@ -3512,14 +3513,15 @@
           <a:p>
             <a:r>
               <a:rPr lang="en-US" dirty="0" smtClean="0"/>
-              <a:t>Distributed programming</a:t>
-            </a:r>
-            <a:br>
-              <a:rPr lang="en-US" dirty="0" smtClean="0"/>
-            </a:br>
-            <a:r>
-              <a:rPr lang="en-US" dirty="0" smtClean="0"/>
-              <a:t>using mpi4py</a:t>
+              <a:t>Distributed </a:t>
+            </a:r>
+            <a:r>
+              <a:rPr lang="en-US" dirty="0" smtClean="0"/>
+              <a:t>programming with Python using </a:t>
+            </a:r>
+            <a:r>
+              <a:rPr lang="en-US" dirty="0" smtClean="0"/>
+              <a:t>mpi4py</a:t>
             </a:r>
             <a:endParaRPr lang="nl-BE" dirty="0"/>
           </a:p>
@@ -4156,7 +4158,7 @@
         <p:spPr>
           <a:xfrm>
             <a:off x="539552" y="2132856"/>
-            <a:ext cx="4262577" cy="3416320"/>
+            <a:ext cx="5974713" cy="3416320"/>
           </a:xfrm>
           <a:prstGeom prst="rect">
             <a:avLst/>
@@ -4170,159 +4172,286 @@
           <a:lstStyle/>
           <a:p>
             <a:r>
-              <a:rPr lang="nl-BE" dirty="0" smtClean="0"/>
+              <a:rPr lang="nl-BE" dirty="0" smtClean="0">
+                <a:latin typeface="Courier New" panose="02070309020205020404" pitchFamily="49" charset="0"/>
+                <a:cs typeface="Courier New" panose="02070309020205020404" pitchFamily="49" charset="0"/>
+              </a:rPr>
               <a:t>…</a:t>
             </a:r>
           </a:p>
           <a:p>
             <a:r>
-              <a:rPr lang="nl-BE" dirty="0" err="1" smtClean="0"/>
+              <a:rPr lang="nl-BE" dirty="0" err="1" smtClean="0">
+                <a:latin typeface="Courier New" panose="02070309020205020404" pitchFamily="49" charset="0"/>
+                <a:cs typeface="Courier New" panose="02070309020205020404" pitchFamily="49" charset="0"/>
+              </a:rPr>
               <a:t>comm</a:t>
             </a:r>
             <a:r>
-              <a:rPr lang="nl-BE" dirty="0" smtClean="0"/>
+              <a:rPr lang="nl-BE" dirty="0" smtClean="0">
+                <a:latin typeface="Courier New" panose="02070309020205020404" pitchFamily="49" charset="0"/>
+                <a:cs typeface="Courier New" panose="02070309020205020404" pitchFamily="49" charset="0"/>
+              </a:rPr>
               <a:t> = MPI.COMM_WORLD</a:t>
             </a:r>
           </a:p>
           <a:p>
             <a:r>
-              <a:rPr lang="en-US" dirty="0" smtClean="0"/>
+              <a:rPr lang="en-US" dirty="0" smtClean="0">
+                <a:latin typeface="Courier New" panose="02070309020205020404" pitchFamily="49" charset="0"/>
+                <a:cs typeface="Courier New" panose="02070309020205020404" pitchFamily="49" charset="0"/>
+              </a:rPr>
               <a:t>rank = </a:t>
             </a:r>
             <a:r>
-              <a:rPr lang="en-US" dirty="0" err="1" smtClean="0"/>
+              <a:rPr lang="en-US" dirty="0" err="1" smtClean="0">
+                <a:latin typeface="Courier New" panose="02070309020205020404" pitchFamily="49" charset="0"/>
+                <a:cs typeface="Courier New" panose="02070309020205020404" pitchFamily="49" charset="0"/>
+              </a:rPr>
               <a:t>comm.Get_rank</a:t>
             </a:r>
             <a:r>
-              <a:rPr lang="en-US" dirty="0" smtClean="0"/>
+              <a:rPr lang="en-US" dirty="0" smtClean="0">
+                <a:latin typeface="Courier New" panose="02070309020205020404" pitchFamily="49" charset="0"/>
+                <a:cs typeface="Courier New" panose="02070309020205020404" pitchFamily="49" charset="0"/>
+              </a:rPr>
               <a:t>()</a:t>
             </a:r>
           </a:p>
           <a:p>
             <a:r>
-              <a:rPr lang="en-US" dirty="0" smtClean="0"/>
-              <a:t>sender = 1</a:t>
-            </a:r>
-          </a:p>
-          <a:p>
-            <a:r>
-              <a:rPr lang="en-US" dirty="0" smtClean="0"/>
-              <a:t>receiver = 2</a:t>
-            </a:r>
-          </a:p>
-          <a:p>
-            <a:r>
-              <a:rPr lang="en-US" dirty="0" smtClean="0"/>
+              <a:rPr lang="en-US" dirty="0" smtClean="0">
+                <a:latin typeface="Courier New" panose="02070309020205020404" pitchFamily="49" charset="0"/>
+                <a:cs typeface="Courier New" panose="02070309020205020404" pitchFamily="49" charset="0"/>
+              </a:rPr>
+              <a:t>sender = </a:t>
+            </a:r>
+            <a:r>
+              <a:rPr lang="en-US" dirty="0" smtClean="0">
+                <a:latin typeface="Courier New" panose="02070309020205020404" pitchFamily="49" charset="0"/>
+                <a:cs typeface="Courier New" panose="02070309020205020404" pitchFamily="49" charset="0"/>
+              </a:rPr>
+              <a:t>0</a:t>
+            </a:r>
+            <a:endParaRPr lang="en-US" dirty="0" smtClean="0">
+              <a:latin typeface="Courier New" panose="02070309020205020404" pitchFamily="49" charset="0"/>
+              <a:cs typeface="Courier New" panose="02070309020205020404" pitchFamily="49" charset="0"/>
+            </a:endParaRPr>
+          </a:p>
+          <a:p>
+            <a:r>
+              <a:rPr lang="en-US" dirty="0" smtClean="0">
+                <a:latin typeface="Courier New" panose="02070309020205020404" pitchFamily="49" charset="0"/>
+                <a:cs typeface="Courier New" panose="02070309020205020404" pitchFamily="49" charset="0"/>
+              </a:rPr>
+              <a:t>receiver = </a:t>
+            </a:r>
+            <a:r>
+              <a:rPr lang="en-US" dirty="0" smtClean="0">
+                <a:latin typeface="Courier New" panose="02070309020205020404" pitchFamily="49" charset="0"/>
+                <a:cs typeface="Courier New" panose="02070309020205020404" pitchFamily="49" charset="0"/>
+              </a:rPr>
+              <a:t>1</a:t>
+            </a:r>
+            <a:endParaRPr lang="en-US" dirty="0" smtClean="0">
+              <a:latin typeface="Courier New" panose="02070309020205020404" pitchFamily="49" charset="0"/>
+              <a:cs typeface="Courier New" panose="02070309020205020404" pitchFamily="49" charset="0"/>
+            </a:endParaRPr>
+          </a:p>
+          <a:p>
+            <a:r>
+              <a:rPr lang="en-US" dirty="0" smtClean="0">
+                <a:latin typeface="Courier New" panose="02070309020205020404" pitchFamily="49" charset="0"/>
+                <a:cs typeface="Courier New" panose="02070309020205020404" pitchFamily="49" charset="0"/>
+              </a:rPr>
               <a:t>…</a:t>
             </a:r>
-            <a:endParaRPr lang="en-US" dirty="0"/>
-          </a:p>
-          <a:p>
-            <a:r>
-              <a:rPr lang="en-US" dirty="0" smtClean="0"/>
+            <a:endParaRPr lang="en-US" dirty="0">
+              <a:latin typeface="Courier New" panose="02070309020205020404" pitchFamily="49" charset="0"/>
+              <a:cs typeface="Courier New" panose="02070309020205020404" pitchFamily="49" charset="0"/>
+            </a:endParaRPr>
+          </a:p>
+          <a:p>
+            <a:r>
+              <a:rPr lang="en-US" dirty="0" smtClean="0">
+                <a:latin typeface="Courier New" panose="02070309020205020404" pitchFamily="49" charset="0"/>
+                <a:cs typeface="Courier New" panose="02070309020205020404" pitchFamily="49" charset="0"/>
+              </a:rPr>
               <a:t>if rank == sender:</a:t>
             </a:r>
           </a:p>
           <a:p>
             <a:r>
-              <a:rPr lang="en-US" dirty="0"/>
+              <a:rPr lang="en-US" dirty="0">
+                <a:latin typeface="Courier New" panose="02070309020205020404" pitchFamily="49" charset="0"/>
+                <a:cs typeface="Courier New" panose="02070309020205020404" pitchFamily="49" charset="0"/>
+              </a:rPr>
               <a:t> </a:t>
             </a:r>
             <a:r>
-              <a:rPr lang="en-US" dirty="0" smtClean="0"/>
+              <a:rPr lang="en-US" dirty="0" smtClean="0">
+                <a:latin typeface="Courier New" panose="02070309020205020404" pitchFamily="49" charset="0"/>
+                <a:cs typeface="Courier New" panose="02070309020205020404" pitchFamily="49" charset="0"/>
+              </a:rPr>
               <a:t>   </a:t>
             </a:r>
             <a:r>
-              <a:rPr lang="en-US" dirty="0" err="1" smtClean="0"/>
+              <a:rPr lang="en-US" dirty="0" err="1" smtClean="0">
+                <a:latin typeface="Courier New" panose="02070309020205020404" pitchFamily="49" charset="0"/>
+                <a:cs typeface="Courier New" panose="02070309020205020404" pitchFamily="49" charset="0"/>
+              </a:rPr>
               <a:t>send_buffer</a:t>
             </a:r>
             <a:r>
-              <a:rPr lang="en-US" dirty="0" smtClean="0"/>
+              <a:rPr lang="en-US" dirty="0" smtClean="0">
+                <a:latin typeface="Courier New" panose="02070309020205020404" pitchFamily="49" charset="0"/>
+                <a:cs typeface="Courier New" panose="02070309020205020404" pitchFamily="49" charset="0"/>
+              </a:rPr>
               <a:t> = 101</a:t>
             </a:r>
           </a:p>
           <a:p>
             <a:r>
-              <a:rPr lang="en-US" dirty="0"/>
+              <a:rPr lang="en-US" dirty="0">
+                <a:latin typeface="Courier New" panose="02070309020205020404" pitchFamily="49" charset="0"/>
+                <a:cs typeface="Courier New" panose="02070309020205020404" pitchFamily="49" charset="0"/>
+              </a:rPr>
               <a:t> </a:t>
             </a:r>
             <a:r>
-              <a:rPr lang="en-US" dirty="0" smtClean="0"/>
+              <a:rPr lang="en-US" dirty="0" smtClean="0">
+                <a:latin typeface="Courier New" panose="02070309020205020404" pitchFamily="49" charset="0"/>
+                <a:cs typeface="Courier New" panose="02070309020205020404" pitchFamily="49" charset="0"/>
+              </a:rPr>
               <a:t>   </a:t>
             </a:r>
             <a:r>
-              <a:rPr lang="en-US" dirty="0" err="1" smtClean="0"/>
-              <a:t>comm.send</a:t>
-            </a:r>
-            <a:r>
-              <a:rPr lang="en-US" dirty="0" smtClean="0"/>
+              <a:rPr lang="en-US" dirty="0" err="1" smtClean="0">
+                <a:latin typeface="Courier New" panose="02070309020205020404" pitchFamily="49" charset="0"/>
+                <a:cs typeface="Courier New" panose="02070309020205020404" pitchFamily="49" charset="0"/>
+              </a:rPr>
+              <a:t>comm.ssend</a:t>
+            </a:r>
+            <a:r>
+              <a:rPr lang="en-US" dirty="0" smtClean="0">
+                <a:latin typeface="Courier New" panose="02070309020205020404" pitchFamily="49" charset="0"/>
+                <a:cs typeface="Courier New" panose="02070309020205020404" pitchFamily="49" charset="0"/>
+              </a:rPr>
               <a:t>(</a:t>
             </a:r>
             <a:r>
-              <a:rPr lang="en-US" dirty="0" err="1" smtClean="0"/>
+              <a:rPr lang="en-US" dirty="0" err="1" smtClean="0">
+                <a:latin typeface="Courier New" panose="02070309020205020404" pitchFamily="49" charset="0"/>
+                <a:cs typeface="Courier New" panose="02070309020205020404" pitchFamily="49" charset="0"/>
+              </a:rPr>
               <a:t>send_buffer</a:t>
             </a:r>
             <a:r>
-              <a:rPr lang="en-US" dirty="0" smtClean="0"/>
+              <a:rPr lang="en-US" dirty="0" smtClean="0">
+                <a:latin typeface="Courier New" panose="02070309020205020404" pitchFamily="49" charset="0"/>
+                <a:cs typeface="Courier New" panose="02070309020205020404" pitchFamily="49" charset="0"/>
+              </a:rPr>
               <a:t>, </a:t>
             </a:r>
             <a:r>
-              <a:rPr lang="en-US" dirty="0" err="1" smtClean="0"/>
+              <a:rPr lang="en-US" dirty="0" err="1" smtClean="0">
+                <a:latin typeface="Courier New" panose="02070309020205020404" pitchFamily="49" charset="0"/>
+                <a:cs typeface="Courier New" panose="02070309020205020404" pitchFamily="49" charset="0"/>
+              </a:rPr>
               <a:t>dest</a:t>
             </a:r>
             <a:r>
-              <a:rPr lang="en-US" dirty="0" smtClean="0"/>
+              <a:rPr lang="en-US" dirty="0" smtClean="0">
+                <a:latin typeface="Courier New" panose="02070309020205020404" pitchFamily="49" charset="0"/>
+                <a:cs typeface="Courier New" panose="02070309020205020404" pitchFamily="49" charset="0"/>
+              </a:rPr>
               <a:t>=</a:t>
             </a:r>
             <a:r>
-              <a:rPr lang="en-US" dirty="0" err="1" smtClean="0"/>
+              <a:rPr lang="en-US" dirty="0" err="1" smtClean="0">
+                <a:latin typeface="Courier New" panose="02070309020205020404" pitchFamily="49" charset="0"/>
+                <a:cs typeface="Courier New" panose="02070309020205020404" pitchFamily="49" charset="0"/>
+              </a:rPr>
               <a:t>reciever</a:t>
             </a:r>
             <a:r>
-              <a:rPr lang="en-US" dirty="0" smtClean="0"/>
+              <a:rPr lang="en-US" dirty="0" smtClean="0">
+                <a:latin typeface="Courier New" panose="02070309020205020404" pitchFamily="49" charset="0"/>
+                <a:cs typeface="Courier New" panose="02070309020205020404" pitchFamily="49" charset="0"/>
+              </a:rPr>
               <a:t>)</a:t>
             </a:r>
           </a:p>
           <a:p>
             <a:r>
-              <a:rPr lang="en-US" dirty="0" err="1" smtClean="0"/>
+              <a:rPr lang="en-US" dirty="0" err="1" smtClean="0">
+                <a:latin typeface="Courier New" panose="02070309020205020404" pitchFamily="49" charset="0"/>
+                <a:cs typeface="Courier New" panose="02070309020205020404" pitchFamily="49" charset="0"/>
+              </a:rPr>
               <a:t>elif</a:t>
             </a:r>
             <a:r>
-              <a:rPr lang="en-US" dirty="0" smtClean="0"/>
+              <a:rPr lang="en-US" dirty="0" smtClean="0">
+                <a:latin typeface="Courier New" panose="02070309020205020404" pitchFamily="49" charset="0"/>
+                <a:cs typeface="Courier New" panose="02070309020205020404" pitchFamily="49" charset="0"/>
+              </a:rPr>
               <a:t> rank == receiver:</a:t>
             </a:r>
           </a:p>
           <a:p>
             <a:r>
-              <a:rPr lang="en-US" dirty="0"/>
+              <a:rPr lang="en-US" dirty="0">
+                <a:latin typeface="Courier New" panose="02070309020205020404" pitchFamily="49" charset="0"/>
+                <a:cs typeface="Courier New" panose="02070309020205020404" pitchFamily="49" charset="0"/>
+              </a:rPr>
               <a:t> </a:t>
             </a:r>
             <a:r>
-              <a:rPr lang="en-US" dirty="0" smtClean="0"/>
+              <a:rPr lang="en-US" dirty="0" smtClean="0">
+                <a:latin typeface="Courier New" panose="02070309020205020404" pitchFamily="49" charset="0"/>
+                <a:cs typeface="Courier New" panose="02070309020205020404" pitchFamily="49" charset="0"/>
+              </a:rPr>
               <a:t>   </a:t>
             </a:r>
             <a:r>
-              <a:rPr lang="en-US" dirty="0" err="1" smtClean="0"/>
+              <a:rPr lang="en-US" dirty="0" err="1" smtClean="0">
+                <a:latin typeface="Courier New" panose="02070309020205020404" pitchFamily="49" charset="0"/>
+                <a:cs typeface="Courier New" panose="02070309020205020404" pitchFamily="49" charset="0"/>
+              </a:rPr>
               <a:t>recv_buffer</a:t>
             </a:r>
             <a:r>
-              <a:rPr lang="en-US" dirty="0" smtClean="0"/>
+              <a:rPr lang="en-US" dirty="0" smtClean="0">
+                <a:latin typeface="Courier New" panose="02070309020205020404" pitchFamily="49" charset="0"/>
+                <a:cs typeface="Courier New" panose="02070309020205020404" pitchFamily="49" charset="0"/>
+              </a:rPr>
               <a:t> = </a:t>
             </a:r>
             <a:r>
-              <a:rPr lang="en-US" dirty="0" err="1" smtClean="0"/>
+              <a:rPr lang="en-US" dirty="0" err="1" smtClean="0">
+                <a:latin typeface="Courier New" panose="02070309020205020404" pitchFamily="49" charset="0"/>
+                <a:cs typeface="Courier New" panose="02070309020205020404" pitchFamily="49" charset="0"/>
+              </a:rPr>
               <a:t>comm.recv</a:t>
             </a:r>
             <a:r>
-              <a:rPr lang="en-US" dirty="0" smtClean="0"/>
+              <a:rPr lang="en-US" dirty="0" smtClean="0">
+                <a:latin typeface="Courier New" panose="02070309020205020404" pitchFamily="49" charset="0"/>
+                <a:cs typeface="Courier New" panose="02070309020205020404" pitchFamily="49" charset="0"/>
+              </a:rPr>
               <a:t>(source=sender)</a:t>
             </a:r>
-            <a:endParaRPr lang="nl-BE" dirty="0"/>
-          </a:p>
-          <a:p>
-            <a:r>
-              <a:rPr lang="nl-BE" dirty="0" smtClean="0"/>
+            <a:endParaRPr lang="nl-BE" dirty="0">
+              <a:latin typeface="Courier New" panose="02070309020205020404" pitchFamily="49" charset="0"/>
+              <a:cs typeface="Courier New" panose="02070309020205020404" pitchFamily="49" charset="0"/>
+            </a:endParaRPr>
+          </a:p>
+          <a:p>
+            <a:r>
+              <a:rPr lang="nl-BE" dirty="0" smtClean="0">
+                <a:latin typeface="Courier New" panose="02070309020205020404" pitchFamily="49" charset="0"/>
+                <a:cs typeface="Courier New" panose="02070309020205020404" pitchFamily="49" charset="0"/>
+              </a:rPr>
               <a:t>…</a:t>
             </a:r>
           </a:p>
@@ -4690,7 +4819,7 @@
             </a:r>
             <a:r>
               <a:rPr lang="en-US" dirty="0" err="1" smtClean="0"/>
-              <a:t>comm.send</a:t>
+              <a:t>comm.ssend</a:t>
             </a:r>
             <a:r>
               <a:rPr lang="en-US" dirty="0" smtClean="0"/>
@@ -4768,7 +4897,7 @@
         <p:spPr>
           <a:xfrm>
             <a:off x="539552" y="5025950"/>
-            <a:ext cx="6032421" cy="400110"/>
+            <a:ext cx="6186309" cy="400110"/>
           </a:xfrm>
           <a:prstGeom prst="rect">
             <a:avLst/>
@@ -4786,7 +4915,7 @@
                 <a:latin typeface="Courier New" panose="02070309020205020404" pitchFamily="49" charset="0"/>
                 <a:cs typeface="Courier New" panose="02070309020205020404" pitchFamily="49" charset="0"/>
               </a:rPr>
-              <a:t>comm.send</a:t>
+              <a:t>comm.ssend</a:t>
             </a:r>
             <a:r>
               <a:rPr lang="nl-BE" sz="2000" dirty="0" smtClean="0">
@@ -5218,7 +5347,7 @@
             </a:r>
             <a:r>
               <a:rPr lang="en-US" dirty="0" err="1" smtClean="0"/>
-              <a:t>comm.send</a:t>
+              <a:t>comm.ssend</a:t>
             </a:r>
             <a:r>
               <a:rPr lang="en-US" dirty="0" smtClean="0"/>
@@ -14022,11 +14151,7 @@
           <a:p>
             <a:r>
               <a:rPr lang="en-US" dirty="0" smtClean="0"/>
-              <a:t>Example: </a:t>
-            </a:r>
-            <a:r>
-              <a:rPr lang="en-US" dirty="0" smtClean="0"/>
-              <a:t>calculate</a:t>
+              <a:t>Example: calculate</a:t>
             </a:r>
             <a:r>
               <a:rPr lang="en-US" dirty="0" smtClean="0">
@@ -14079,11 +14204,7 @@
             </a:r>
             <a:r>
               <a:rPr lang="en-US" dirty="0" smtClean="0"/>
-              <a:t> </a:t>
-            </a:r>
-            <a:r>
-              <a:rPr lang="en-US" dirty="0" smtClean="0"/>
-              <a:t>if applicable)</a:t>
+              <a:t> if applicable)</a:t>
             </a:r>
           </a:p>
           <a:p>
@@ -14423,7 +14544,11 @@
           <a:p>
             <a:r>
               <a:rPr lang="en-US" dirty="0" smtClean="0"/>
-              <a:t>Implementation for</a:t>
+              <a:t>Implementation </a:t>
+            </a:r>
+            <a:r>
+              <a:rPr lang="en-US" dirty="0" smtClean="0"/>
+              <a:t>for calculating</a:t>
             </a:r>
             <a:r>
               <a:rPr lang="en-US" dirty="0" smtClean="0">
@@ -15284,7 +15409,7 @@
         <p:spPr/>
         <p:txBody>
           <a:bodyPr>
-            <a:normAutofit/>
+            <a:normAutofit lnSpcReduction="10000"/>
           </a:bodyPr>
           <a:lstStyle/>
           <a:p>
@@ -15304,7 +15429,15 @@
             <a:pPr lvl="1"/>
             <a:r>
               <a:rPr lang="en-US" dirty="0" smtClean="0"/>
-              <a:t>cons: slow, memory overhead</a:t>
+              <a:t>cons: slow, </a:t>
+            </a:r>
+            <a:r>
+              <a:rPr lang="en-US" dirty="0" smtClean="0"/>
+              <a:t>memory/bandwidth </a:t>
+            </a:r>
+            <a:r>
+              <a:rPr lang="en-US" dirty="0" smtClean="0"/>
+              <a:t>overhead</a:t>
             </a:r>
           </a:p>
           <a:p>
@@ -15333,8 +15466,13 @@
             <a:pPr lvl="1"/>
             <a:r>
               <a:rPr lang="en-US" dirty="0" smtClean="0"/>
-              <a:t>pros: much faster, more efficient</a:t>
-            </a:r>
+              <a:t>pros: much faster, more </a:t>
+            </a:r>
+            <a:r>
+              <a:rPr lang="en-US" dirty="0" smtClean="0"/>
+              <a:t>memory/bandwidth efficient</a:t>
+            </a:r>
+            <a:endParaRPr lang="en-US" dirty="0" smtClean="0"/>
           </a:p>
           <a:p>
             <a:pPr lvl="1"/>
@@ -15673,6 +15811,501 @@
           <a:lstStyle/>
           <a:p>
             <a:r>
+              <a:rPr lang="en-US" dirty="0" err="1" smtClean="0"/>
+              <a:t>comm.Ssend</a:t>
+            </a:r>
+            <a:r>
+              <a:rPr lang="en-US" dirty="0" smtClean="0"/>
+              <a:t>/</a:t>
+            </a:r>
+            <a:r>
+              <a:rPr lang="en-US" dirty="0" err="1" smtClean="0"/>
+              <a:t>comm.Recv</a:t>
+            </a:r>
+            <a:endParaRPr lang="nl-BE" dirty="0"/>
+          </a:p>
+        </p:txBody>
+      </p:sp>
+      <p:sp>
+        <p:nvSpPr>
+          <p:cNvPr id="3" name="Content Placeholder 2"/>
+          <p:cNvSpPr>
+            <a:spLocks noGrp="1"/>
+          </p:cNvSpPr>
+          <p:nvPr>
+            <p:ph idx="1"/>
+          </p:nvPr>
+        </p:nvSpPr>
+        <p:spPr/>
+        <p:txBody>
+          <a:bodyPr/>
+          <a:lstStyle/>
+          <a:p>
+            <a:r>
+              <a:rPr lang="en-US" dirty="0" smtClean="0"/>
+              <a:t>Sending/receiving </a:t>
+            </a:r>
+            <a:r>
+              <a:rPr lang="en-US" dirty="0" err="1" smtClean="0"/>
+              <a:t>numpy</a:t>
+            </a:r>
+            <a:r>
+              <a:rPr lang="en-US" dirty="0" smtClean="0"/>
+              <a:t> array, hold the pickles</a:t>
+            </a:r>
+            <a:endParaRPr lang="nl-BE" dirty="0"/>
+          </a:p>
+        </p:txBody>
+      </p:sp>
+      <p:sp>
+        <p:nvSpPr>
+          <p:cNvPr id="4" name="Slide Number Placeholder 3"/>
+          <p:cNvSpPr>
+            <a:spLocks noGrp="1"/>
+          </p:cNvSpPr>
+          <p:nvPr>
+            <p:ph type="sldNum" sz="quarter" idx="12"/>
+          </p:nvPr>
+        </p:nvSpPr>
+        <p:spPr/>
+        <p:txBody>
+          <a:bodyPr/>
+          <a:lstStyle/>
+          <a:p>
+            <a:fld id="{D1918C2E-FE36-451E-B80E-1968976550A5}" type="slidenum">
+              <a:rPr lang="nl-BE" smtClean="0"/>
+              <a:t>24</a:t>
+            </a:fld>
+            <a:endParaRPr lang="nl-BE"/>
+          </a:p>
+        </p:txBody>
+      </p:sp>
+      <p:sp>
+        <p:nvSpPr>
+          <p:cNvPr id="5" name="TextBox 4"/>
+          <p:cNvSpPr txBox="1"/>
+          <p:nvPr/>
+        </p:nvSpPr>
+        <p:spPr>
+          <a:xfrm>
+            <a:off x="539552" y="2809959"/>
+            <a:ext cx="7491153" cy="3139321"/>
+          </a:xfrm>
+          <a:prstGeom prst="rect">
+            <a:avLst/>
+          </a:prstGeom>
+          <a:noFill/>
+        </p:spPr>
+        <p:txBody>
+          <a:bodyPr wrap="none" rtlCol="0">
+            <a:spAutoFit/>
+          </a:bodyPr>
+          <a:lstStyle/>
+          <a:p>
+            <a:r>
+              <a:rPr lang="nl-BE" dirty="0" smtClean="0">
+                <a:latin typeface="Courier New" panose="02070309020205020404" pitchFamily="49" charset="0"/>
+                <a:cs typeface="Courier New" panose="02070309020205020404" pitchFamily="49" charset="0"/>
+              </a:rPr>
+              <a:t>…</a:t>
+            </a:r>
+          </a:p>
+          <a:p>
+            <a:r>
+              <a:rPr lang="en-US" dirty="0" smtClean="0">
+                <a:latin typeface="Courier New" panose="02070309020205020404" pitchFamily="49" charset="0"/>
+                <a:cs typeface="Courier New" panose="02070309020205020404" pitchFamily="49" charset="0"/>
+              </a:rPr>
+              <a:t>import </a:t>
+            </a:r>
+            <a:r>
+              <a:rPr lang="en-US" dirty="0" err="1" smtClean="0">
+                <a:latin typeface="Courier New" panose="02070309020205020404" pitchFamily="49" charset="0"/>
+                <a:cs typeface="Courier New" panose="02070309020205020404" pitchFamily="49" charset="0"/>
+              </a:rPr>
+              <a:t>numpy</a:t>
+            </a:r>
+            <a:r>
+              <a:rPr lang="en-US" dirty="0" smtClean="0">
+                <a:latin typeface="Courier New" panose="02070309020205020404" pitchFamily="49" charset="0"/>
+                <a:cs typeface="Courier New" panose="02070309020205020404" pitchFamily="49" charset="0"/>
+              </a:rPr>
+              <a:t> as np</a:t>
+            </a:r>
+          </a:p>
+          <a:p>
+            <a:r>
+              <a:rPr lang="en-US" dirty="0" err="1" smtClean="0">
+                <a:latin typeface="Courier New" panose="02070309020205020404" pitchFamily="49" charset="0"/>
+                <a:cs typeface="Courier New" panose="02070309020205020404" pitchFamily="49" charset="0"/>
+              </a:rPr>
+              <a:t>data_size</a:t>
+            </a:r>
+            <a:r>
+              <a:rPr lang="en-US" dirty="0" smtClean="0">
+                <a:latin typeface="Courier New" panose="02070309020205020404" pitchFamily="49" charset="0"/>
+                <a:cs typeface="Courier New" panose="02070309020205020404" pitchFamily="49" charset="0"/>
+              </a:rPr>
+              <a:t> = 1001</a:t>
+            </a:r>
+            <a:endParaRPr lang="en-US" dirty="0">
+              <a:latin typeface="Courier New" panose="02070309020205020404" pitchFamily="49" charset="0"/>
+              <a:cs typeface="Courier New" panose="02070309020205020404" pitchFamily="49" charset="0"/>
+            </a:endParaRPr>
+          </a:p>
+          <a:p>
+            <a:r>
+              <a:rPr lang="en-US" dirty="0" smtClean="0">
+                <a:latin typeface="Courier New" panose="02070309020205020404" pitchFamily="49" charset="0"/>
+                <a:cs typeface="Courier New" panose="02070309020205020404" pitchFamily="49" charset="0"/>
+              </a:rPr>
+              <a:t>…</a:t>
+            </a:r>
+            <a:endParaRPr lang="en-US" dirty="0">
+              <a:latin typeface="Courier New" panose="02070309020205020404" pitchFamily="49" charset="0"/>
+              <a:cs typeface="Courier New" panose="02070309020205020404" pitchFamily="49" charset="0"/>
+            </a:endParaRPr>
+          </a:p>
+          <a:p>
+            <a:r>
+              <a:rPr lang="en-US" dirty="0" smtClean="0">
+                <a:latin typeface="Courier New" panose="02070309020205020404" pitchFamily="49" charset="0"/>
+                <a:cs typeface="Courier New" panose="02070309020205020404" pitchFamily="49" charset="0"/>
+              </a:rPr>
+              <a:t>if rank == sender:</a:t>
+            </a:r>
+          </a:p>
+          <a:p>
+            <a:r>
+              <a:rPr lang="en-US" dirty="0">
+                <a:latin typeface="Courier New" panose="02070309020205020404" pitchFamily="49" charset="0"/>
+                <a:cs typeface="Courier New" panose="02070309020205020404" pitchFamily="49" charset="0"/>
+              </a:rPr>
+              <a:t> </a:t>
+            </a:r>
+            <a:r>
+              <a:rPr lang="en-US" dirty="0" smtClean="0">
+                <a:latin typeface="Courier New" panose="02070309020205020404" pitchFamily="49" charset="0"/>
+                <a:cs typeface="Courier New" panose="02070309020205020404" pitchFamily="49" charset="0"/>
+              </a:rPr>
+              <a:t>   </a:t>
+            </a:r>
+            <a:r>
+              <a:rPr lang="en-US" dirty="0" err="1" smtClean="0">
+                <a:latin typeface="Courier New" panose="02070309020205020404" pitchFamily="49" charset="0"/>
+                <a:cs typeface="Courier New" panose="02070309020205020404" pitchFamily="49" charset="0"/>
+              </a:rPr>
+              <a:t>send_buffer</a:t>
+            </a:r>
+            <a:r>
+              <a:rPr lang="en-US" dirty="0" smtClean="0">
+                <a:latin typeface="Courier New" panose="02070309020205020404" pitchFamily="49" charset="0"/>
+                <a:cs typeface="Courier New" panose="02070309020205020404" pitchFamily="49" charset="0"/>
+              </a:rPr>
+              <a:t> = </a:t>
+            </a:r>
+            <a:r>
+              <a:rPr lang="en-US" dirty="0" err="1" smtClean="0">
+                <a:latin typeface="Courier New" panose="02070309020205020404" pitchFamily="49" charset="0"/>
+                <a:cs typeface="Courier New" panose="02070309020205020404" pitchFamily="49" charset="0"/>
+              </a:rPr>
+              <a:t>np.linspace</a:t>
+            </a:r>
+            <a:r>
+              <a:rPr lang="en-US" dirty="0" smtClean="0">
+                <a:latin typeface="Courier New" panose="02070309020205020404" pitchFamily="49" charset="0"/>
+                <a:cs typeface="Courier New" panose="02070309020205020404" pitchFamily="49" charset="0"/>
+              </a:rPr>
+              <a:t>(-10.0, 10.0, </a:t>
+            </a:r>
+            <a:r>
+              <a:rPr lang="en-US" dirty="0" err="1" smtClean="0">
+                <a:latin typeface="Courier New" panose="02070309020205020404" pitchFamily="49" charset="0"/>
+                <a:cs typeface="Courier New" panose="02070309020205020404" pitchFamily="49" charset="0"/>
+              </a:rPr>
+              <a:t>data_size</a:t>
+            </a:r>
+            <a:r>
+              <a:rPr lang="en-US" dirty="0" smtClean="0">
+                <a:latin typeface="Courier New" panose="02070309020205020404" pitchFamily="49" charset="0"/>
+                <a:cs typeface="Courier New" panose="02070309020205020404" pitchFamily="49" charset="0"/>
+              </a:rPr>
+              <a:t>)</a:t>
+            </a:r>
+            <a:endParaRPr lang="en-US" dirty="0" smtClean="0">
+              <a:latin typeface="Courier New" panose="02070309020205020404" pitchFamily="49" charset="0"/>
+              <a:cs typeface="Courier New" panose="02070309020205020404" pitchFamily="49" charset="0"/>
+            </a:endParaRPr>
+          </a:p>
+          <a:p>
+            <a:r>
+              <a:rPr lang="en-US" dirty="0">
+                <a:latin typeface="Courier New" panose="02070309020205020404" pitchFamily="49" charset="0"/>
+                <a:cs typeface="Courier New" panose="02070309020205020404" pitchFamily="49" charset="0"/>
+              </a:rPr>
+              <a:t> </a:t>
+            </a:r>
+            <a:r>
+              <a:rPr lang="en-US" dirty="0" smtClean="0">
+                <a:latin typeface="Courier New" panose="02070309020205020404" pitchFamily="49" charset="0"/>
+                <a:cs typeface="Courier New" panose="02070309020205020404" pitchFamily="49" charset="0"/>
+              </a:rPr>
+              <a:t>   </a:t>
+            </a:r>
+            <a:r>
+              <a:rPr lang="en-US" dirty="0" err="1" smtClean="0">
+                <a:latin typeface="Courier New" panose="02070309020205020404" pitchFamily="49" charset="0"/>
+                <a:cs typeface="Courier New" panose="02070309020205020404" pitchFamily="49" charset="0"/>
+              </a:rPr>
+              <a:t>comm.Ssend</a:t>
+            </a:r>
+            <a:r>
+              <a:rPr lang="en-US" dirty="0" smtClean="0">
+                <a:latin typeface="Courier New" panose="02070309020205020404" pitchFamily="49" charset="0"/>
+                <a:cs typeface="Courier New" panose="02070309020205020404" pitchFamily="49" charset="0"/>
+              </a:rPr>
+              <a:t>(</a:t>
+            </a:r>
+            <a:r>
+              <a:rPr lang="en-US" dirty="0" err="1" smtClean="0">
+                <a:latin typeface="Courier New" panose="02070309020205020404" pitchFamily="49" charset="0"/>
+                <a:cs typeface="Courier New" panose="02070309020205020404" pitchFamily="49" charset="0"/>
+              </a:rPr>
+              <a:t>send_buffer</a:t>
+            </a:r>
+            <a:r>
+              <a:rPr lang="en-US" dirty="0" smtClean="0">
+                <a:latin typeface="Courier New" panose="02070309020205020404" pitchFamily="49" charset="0"/>
+                <a:cs typeface="Courier New" panose="02070309020205020404" pitchFamily="49" charset="0"/>
+              </a:rPr>
+              <a:t>, </a:t>
+            </a:r>
+            <a:r>
+              <a:rPr lang="en-US" dirty="0" err="1" smtClean="0">
+                <a:latin typeface="Courier New" panose="02070309020205020404" pitchFamily="49" charset="0"/>
+                <a:cs typeface="Courier New" panose="02070309020205020404" pitchFamily="49" charset="0"/>
+              </a:rPr>
+              <a:t>dest</a:t>
+            </a:r>
+            <a:r>
+              <a:rPr lang="en-US" dirty="0" smtClean="0">
+                <a:latin typeface="Courier New" panose="02070309020205020404" pitchFamily="49" charset="0"/>
+                <a:cs typeface="Courier New" panose="02070309020205020404" pitchFamily="49" charset="0"/>
+              </a:rPr>
+              <a:t>=</a:t>
+            </a:r>
+            <a:r>
+              <a:rPr lang="en-US" dirty="0" err="1" smtClean="0">
+                <a:latin typeface="Courier New" panose="02070309020205020404" pitchFamily="49" charset="0"/>
+                <a:cs typeface="Courier New" panose="02070309020205020404" pitchFamily="49" charset="0"/>
+              </a:rPr>
+              <a:t>reciever</a:t>
+            </a:r>
+            <a:r>
+              <a:rPr lang="en-US" dirty="0" smtClean="0">
+                <a:latin typeface="Courier New" panose="02070309020205020404" pitchFamily="49" charset="0"/>
+                <a:cs typeface="Courier New" panose="02070309020205020404" pitchFamily="49" charset="0"/>
+              </a:rPr>
+              <a:t>)</a:t>
+            </a:r>
+          </a:p>
+          <a:p>
+            <a:r>
+              <a:rPr lang="en-US" dirty="0" err="1" smtClean="0">
+                <a:latin typeface="Courier New" panose="02070309020205020404" pitchFamily="49" charset="0"/>
+                <a:cs typeface="Courier New" panose="02070309020205020404" pitchFamily="49" charset="0"/>
+              </a:rPr>
+              <a:t>elif</a:t>
+            </a:r>
+            <a:r>
+              <a:rPr lang="en-US" dirty="0" smtClean="0">
+                <a:latin typeface="Courier New" panose="02070309020205020404" pitchFamily="49" charset="0"/>
+                <a:cs typeface="Courier New" panose="02070309020205020404" pitchFamily="49" charset="0"/>
+              </a:rPr>
+              <a:t> rank == receiver</a:t>
+            </a:r>
+            <a:r>
+              <a:rPr lang="en-US" dirty="0" smtClean="0">
+                <a:latin typeface="Courier New" panose="02070309020205020404" pitchFamily="49" charset="0"/>
+                <a:cs typeface="Courier New" panose="02070309020205020404" pitchFamily="49" charset="0"/>
+              </a:rPr>
+              <a:t>:</a:t>
+            </a:r>
+          </a:p>
+          <a:p>
+            <a:r>
+              <a:rPr lang="en-US" dirty="0">
+                <a:latin typeface="Courier New" panose="02070309020205020404" pitchFamily="49" charset="0"/>
+                <a:cs typeface="Courier New" panose="02070309020205020404" pitchFamily="49" charset="0"/>
+              </a:rPr>
+              <a:t> </a:t>
+            </a:r>
+            <a:r>
+              <a:rPr lang="en-US" dirty="0" smtClean="0">
+                <a:latin typeface="Courier New" panose="02070309020205020404" pitchFamily="49" charset="0"/>
+                <a:cs typeface="Courier New" panose="02070309020205020404" pitchFamily="49" charset="0"/>
+              </a:rPr>
+              <a:t>   </a:t>
+            </a:r>
+            <a:r>
+              <a:rPr lang="en-US" dirty="0" err="1" smtClean="0">
+                <a:latin typeface="Courier New" panose="02070309020205020404" pitchFamily="49" charset="0"/>
+                <a:cs typeface="Courier New" panose="02070309020205020404" pitchFamily="49" charset="0"/>
+              </a:rPr>
+              <a:t>recv_buffer</a:t>
+            </a:r>
+            <a:r>
+              <a:rPr lang="en-US" dirty="0" smtClean="0">
+                <a:latin typeface="Courier New" panose="02070309020205020404" pitchFamily="49" charset="0"/>
+                <a:cs typeface="Courier New" panose="02070309020205020404" pitchFamily="49" charset="0"/>
+              </a:rPr>
+              <a:t> = </a:t>
+            </a:r>
+            <a:r>
+              <a:rPr lang="en-US" dirty="0" err="1" smtClean="0">
+                <a:latin typeface="Courier New" panose="02070309020205020404" pitchFamily="49" charset="0"/>
+                <a:cs typeface="Courier New" panose="02070309020205020404" pitchFamily="49" charset="0"/>
+              </a:rPr>
+              <a:t>np.empty</a:t>
+            </a:r>
+            <a:r>
+              <a:rPr lang="en-US" dirty="0" smtClean="0">
+                <a:latin typeface="Courier New" panose="02070309020205020404" pitchFamily="49" charset="0"/>
+                <a:cs typeface="Courier New" panose="02070309020205020404" pitchFamily="49" charset="0"/>
+              </a:rPr>
+              <a:t>(</a:t>
+            </a:r>
+            <a:r>
+              <a:rPr lang="en-US" dirty="0" err="1" smtClean="0">
+                <a:latin typeface="Courier New" panose="02070309020205020404" pitchFamily="49" charset="0"/>
+                <a:cs typeface="Courier New" panose="02070309020205020404" pitchFamily="49" charset="0"/>
+              </a:rPr>
+              <a:t>data_size</a:t>
+            </a:r>
+            <a:r>
+              <a:rPr lang="en-US" dirty="0" smtClean="0">
+                <a:latin typeface="Courier New" panose="02070309020205020404" pitchFamily="49" charset="0"/>
+                <a:cs typeface="Courier New" panose="02070309020205020404" pitchFamily="49" charset="0"/>
+              </a:rPr>
+              <a:t>)</a:t>
+            </a:r>
+            <a:endParaRPr lang="en-US" dirty="0" smtClean="0">
+              <a:latin typeface="Courier New" panose="02070309020205020404" pitchFamily="49" charset="0"/>
+              <a:cs typeface="Courier New" panose="02070309020205020404" pitchFamily="49" charset="0"/>
+            </a:endParaRPr>
+          </a:p>
+          <a:p>
+            <a:r>
+              <a:rPr lang="en-US" dirty="0">
+                <a:latin typeface="Courier New" panose="02070309020205020404" pitchFamily="49" charset="0"/>
+                <a:cs typeface="Courier New" panose="02070309020205020404" pitchFamily="49" charset="0"/>
+              </a:rPr>
+              <a:t> </a:t>
+            </a:r>
+            <a:r>
+              <a:rPr lang="en-US" dirty="0" smtClean="0">
+                <a:latin typeface="Courier New" panose="02070309020205020404" pitchFamily="49" charset="0"/>
+                <a:cs typeface="Courier New" panose="02070309020205020404" pitchFamily="49" charset="0"/>
+              </a:rPr>
+              <a:t>   </a:t>
+            </a:r>
+            <a:r>
+              <a:rPr lang="en-US" dirty="0" err="1" smtClean="0">
+                <a:latin typeface="Courier New" panose="02070309020205020404" pitchFamily="49" charset="0"/>
+                <a:cs typeface="Courier New" panose="02070309020205020404" pitchFamily="49" charset="0"/>
+              </a:rPr>
+              <a:t>comm.Recv</a:t>
+            </a:r>
+            <a:r>
+              <a:rPr lang="en-US" dirty="0" smtClean="0">
+                <a:latin typeface="Courier New" panose="02070309020205020404" pitchFamily="49" charset="0"/>
+                <a:cs typeface="Courier New" panose="02070309020205020404" pitchFamily="49" charset="0"/>
+              </a:rPr>
+              <a:t>(</a:t>
+            </a:r>
+            <a:r>
+              <a:rPr lang="en-US" dirty="0" err="1" smtClean="0">
+                <a:latin typeface="Courier New" panose="02070309020205020404" pitchFamily="49" charset="0"/>
+                <a:cs typeface="Courier New" panose="02070309020205020404" pitchFamily="49" charset="0"/>
+              </a:rPr>
+              <a:t>recv_buffer</a:t>
+            </a:r>
+            <a:r>
+              <a:rPr lang="en-US" dirty="0" smtClean="0">
+                <a:latin typeface="Courier New" panose="02070309020205020404" pitchFamily="49" charset="0"/>
+                <a:cs typeface="Courier New" panose="02070309020205020404" pitchFamily="49" charset="0"/>
+              </a:rPr>
+              <a:t>, source=sender</a:t>
+            </a:r>
+            <a:r>
+              <a:rPr lang="en-US" dirty="0" smtClean="0">
+                <a:latin typeface="Courier New" panose="02070309020205020404" pitchFamily="49" charset="0"/>
+                <a:cs typeface="Courier New" panose="02070309020205020404" pitchFamily="49" charset="0"/>
+              </a:rPr>
+              <a:t>)</a:t>
+            </a:r>
+            <a:endParaRPr lang="nl-BE" dirty="0">
+              <a:latin typeface="Courier New" panose="02070309020205020404" pitchFamily="49" charset="0"/>
+              <a:cs typeface="Courier New" panose="02070309020205020404" pitchFamily="49" charset="0"/>
+            </a:endParaRPr>
+          </a:p>
+          <a:p>
+            <a:r>
+              <a:rPr lang="nl-BE" dirty="0" smtClean="0">
+                <a:latin typeface="Courier New" panose="02070309020205020404" pitchFamily="49" charset="0"/>
+                <a:cs typeface="Courier New" panose="02070309020205020404" pitchFamily="49" charset="0"/>
+              </a:rPr>
+              <a:t>…</a:t>
+            </a:r>
+          </a:p>
+        </p:txBody>
+      </p:sp>
+    </p:spTree>
+    <p:extLst>
+      <p:ext uri="{BB962C8B-B14F-4D97-AF65-F5344CB8AC3E}">
+        <p14:creationId xmlns:p14="http://schemas.microsoft.com/office/powerpoint/2010/main" val="2947146517"/>
+      </p:ext>
+    </p:extLst>
+  </p:cSld>
+  <p:clrMapOvr>
+    <a:masterClrMapping/>
+  </p:clrMapOvr>
+</p:sld>
+</file>
+
+<file path=ppt/slides/slide25.xml><?xml version="1.0" encoding="utf-8"?>
+<p:sld xmlns:a="http://schemas.openxmlformats.org/drawingml/2006/main" xmlns:r="http://schemas.openxmlformats.org/officeDocument/2006/relationships" xmlns:p="http://schemas.openxmlformats.org/presentationml/2006/main">
+  <p:cSld>
+    <p:spTree>
+      <p:nvGrpSpPr>
+        <p:cNvPr id="1" name=""/>
+        <p:cNvGrpSpPr/>
+        <p:nvPr/>
+      </p:nvGrpSpPr>
+      <p:grpSpPr>
+        <a:xfrm>
+          <a:off x="0" y="0"/>
+          <a:ext cx="0" cy="0"/>
+          <a:chOff x="0" y="0"/>
+          <a:chExt cx="0" cy="0"/>
+        </a:xfrm>
+      </p:grpSpPr>
+      <p:sp>
+        <p:nvSpPr>
+          <p:cNvPr id="2" name="Title 1"/>
+          <p:cNvSpPr>
+            <a:spLocks noGrp="1"/>
+          </p:cNvSpPr>
+          <p:nvPr>
+            <p:ph type="title"/>
+          </p:nvPr>
+        </p:nvSpPr>
+        <p:spPr/>
+        <p:txBody>
+          <a:bodyPr/>
+          <a:lstStyle/>
+          <a:p>
+            <a:r>
               <a:rPr lang="en-US" dirty="0" smtClean="0"/>
               <a:t>Topology</a:t>
             </a:r>
@@ -15905,7 +16538,7 @@
           <a:p>
             <a:fld id="{D1918C2E-FE36-451E-B80E-1968976550A5}" type="slidenum">
               <a:rPr lang="nl-BE" smtClean="0"/>
-              <a:t>24</a:t>
+              <a:t>25</a:t>
             </a:fld>
             <a:endParaRPr lang="nl-BE"/>
           </a:p>
@@ -16254,7 +16887,7 @@
 </p:sld>
 </file>
 
-<file path=ppt/slides/slide25.xml><?xml version="1.0" encoding="utf-8"?>
+<file path=ppt/slides/slide26.xml><?xml version="1.0" encoding="utf-8"?>
 <p:sld xmlns:a="http://schemas.openxmlformats.org/drawingml/2006/main" xmlns:r="http://schemas.openxmlformats.org/officeDocument/2006/relationships" xmlns:p="http://schemas.openxmlformats.org/presentationml/2006/main">
   <p:cSld>
     <p:spTree>
@@ -16425,7 +17058,7 @@
           <a:p>
             <a:fld id="{D1918C2E-FE36-451E-B80E-1968976550A5}" type="slidenum">
               <a:rPr lang="nl-BE" smtClean="0"/>
-              <a:t>25</a:t>
+              <a:t>26</a:t>
             </a:fld>
             <a:endParaRPr lang="nl-BE"/>
           </a:p>
@@ -16787,7 +17420,7 @@
 </p:sld>
 </file>
 
-<file path=ppt/slides/slide26.xml><?xml version="1.0" encoding="utf-8"?>
+<file path=ppt/slides/slide27.xml><?xml version="1.0" encoding="utf-8"?>
 <p:sld xmlns:a="http://schemas.openxmlformats.org/drawingml/2006/main" xmlns:r="http://schemas.openxmlformats.org/officeDocument/2006/relationships" xmlns:p="http://schemas.openxmlformats.org/presentationml/2006/main">
   <p:cSld>
     <p:spTree>
@@ -16918,7 +17551,7 @@
           <a:p>
             <a:fld id="{D1918C2E-FE36-451E-B80E-1968976550A5}" type="slidenum">
               <a:rPr lang="nl-BE" smtClean="0"/>
-              <a:t>26</a:t>
+              <a:t>27</a:t>
             </a:fld>
             <a:endParaRPr lang="nl-BE"/>
           </a:p>
@@ -17316,7 +17949,7 @@
 </p:sld>
 </file>
 
-<file path=ppt/slides/slide27.xml><?xml version="1.0" encoding="utf-8"?>
+<file path=ppt/slides/slide28.xml><?xml version="1.0" encoding="utf-8"?>
 <p:sld xmlns:a="http://schemas.openxmlformats.org/drawingml/2006/main" xmlns:r="http://schemas.openxmlformats.org/officeDocument/2006/relationships" xmlns:p="http://schemas.openxmlformats.org/presentationml/2006/main">
   <p:cSld>
     <p:spTree>
@@ -17496,7 +18129,7 @@
           <a:p>
             <a:fld id="{D1918C2E-FE36-451E-B80E-1968976550A5}" type="slidenum">
               <a:rPr lang="nl-BE" smtClean="0"/>
-              <a:t>27</a:t>
+              <a:t>28</a:t>
             </a:fld>
             <a:endParaRPr lang="nl-BE"/>
           </a:p>
@@ -17930,7 +18563,7 @@
 </p:sld>
 </file>
 
-<file path=ppt/slides/slide28.xml><?xml version="1.0" encoding="utf-8"?>
+<file path=ppt/slides/slide29.xml><?xml version="1.0" encoding="utf-8"?>
 <p:sld xmlns:a="http://schemas.openxmlformats.org/drawingml/2006/main" xmlns:r="http://schemas.openxmlformats.org/officeDocument/2006/relationships" xmlns:p="http://schemas.openxmlformats.org/presentationml/2006/main">
   <p:cSld>
     <p:spTree>
@@ -18043,7 +18676,7 @@
           <a:p>
             <a:fld id="{D1918C2E-FE36-451E-B80E-1968976550A5}" type="slidenum">
               <a:rPr lang="nl-BE" smtClean="0"/>
-              <a:t>28</a:t>
+              <a:t>29</a:t>
             </a:fld>
             <a:endParaRPr lang="nl-BE"/>
           </a:p>
@@ -18334,502 +18967,6 @@
     <p:bldLst>
       <p:bldP spid="3" grpId="0" uiExpand="1" build="p"/>
     </p:bldLst>
-  </p:timing>
-</p:sld>
-</file>
-
-<file path=ppt/slides/slide29.xml><?xml version="1.0" encoding="utf-8"?>
-<p:sld xmlns:a="http://schemas.openxmlformats.org/drawingml/2006/main" xmlns:r="http://schemas.openxmlformats.org/officeDocument/2006/relationships" xmlns:p="http://schemas.openxmlformats.org/presentationml/2006/main">
-  <p:cSld>
-    <p:spTree>
-      <p:nvGrpSpPr>
-        <p:cNvPr id="1" name=""/>
-        <p:cNvGrpSpPr/>
-        <p:nvPr/>
-      </p:nvGrpSpPr>
-      <p:grpSpPr>
-        <a:xfrm>
-          <a:off x="0" y="0"/>
-          <a:ext cx="0" cy="0"/>
-          <a:chOff x="0" y="0"/>
-          <a:chExt cx="0" cy="0"/>
-        </a:xfrm>
-      </p:grpSpPr>
-      <p:sp>
-        <p:nvSpPr>
-          <p:cNvPr id="2" name="Title 1"/>
-          <p:cNvSpPr>
-            <a:spLocks noGrp="1"/>
-          </p:cNvSpPr>
-          <p:nvPr>
-            <p:ph type="title"/>
-          </p:nvPr>
-        </p:nvSpPr>
-        <p:spPr/>
-        <p:txBody>
-          <a:bodyPr/>
-          <a:lstStyle/>
-          <a:p>
-            <a:r>
-              <a:rPr lang="en-US" dirty="0" smtClean="0"/>
-              <a:t>Latencies</a:t>
-            </a:r>
-            <a:endParaRPr lang="nl-BE" dirty="0"/>
-          </a:p>
-        </p:txBody>
-      </p:sp>
-      <p:graphicFrame>
-        <p:nvGraphicFramePr>
-          <p:cNvPr id="3" name="Table 2"/>
-          <p:cNvGraphicFramePr>
-            <a:graphicFrameLocks noGrp="1"/>
-          </p:cNvGraphicFramePr>
-          <p:nvPr>
-            <p:extLst>
-              <p:ext uri="{D42A27DB-BD31-4B8C-83A1-F6EECF244321}">
-                <p14:modId xmlns:p14="http://schemas.microsoft.com/office/powerpoint/2010/main" val="102294448"/>
-              </p:ext>
-            </p:extLst>
-          </p:nvPr>
-        </p:nvGraphicFramePr>
-        <p:xfrm>
-          <a:off x="1524000" y="1397000"/>
-          <a:ext cx="6096000" cy="4450080"/>
-        </p:xfrm>
-        <a:graphic>
-          <a:graphicData uri="http://schemas.openxmlformats.org/drawingml/2006/table">
-            <a:tbl>
-              <a:tblPr firstRow="1" bandRow="1">
-                <a:tableStyleId>{5C22544A-7EE6-4342-B048-85BDC9FD1C3A}</a:tableStyleId>
-              </a:tblPr>
-              <a:tblGrid>
-                <a:gridCol w="3048000"/>
-                <a:gridCol w="3048000"/>
-              </a:tblGrid>
-              <a:tr h="370840">
-                <a:tc>
-                  <a:txBody>
-                    <a:bodyPr/>
-                    <a:lstStyle/>
-                    <a:p>
-                      <a:r>
-                        <a:rPr lang="en-US" dirty="0" smtClean="0"/>
-                        <a:t>Operation</a:t>
-                      </a:r>
-                      <a:endParaRPr lang="nl-BE" dirty="0"/>
-                    </a:p>
-                  </a:txBody>
-                  <a:tcPr/>
-                </a:tc>
-                <a:tc>
-                  <a:txBody>
-                    <a:bodyPr/>
-                    <a:lstStyle/>
-                    <a:p>
-                      <a:r>
-                        <a:rPr lang="en-US" dirty="0" smtClean="0"/>
-                        <a:t>Latency (cycles)</a:t>
-                      </a:r>
-                      <a:endParaRPr lang="nl-BE" dirty="0"/>
-                    </a:p>
-                  </a:txBody>
-                  <a:tcPr/>
-                </a:tc>
-              </a:tr>
-              <a:tr h="370840">
-                <a:tc>
-                  <a:txBody>
-                    <a:bodyPr/>
-                    <a:lstStyle/>
-                    <a:p>
-                      <a:r>
-                        <a:rPr lang="en-US" dirty="0" smtClean="0"/>
-                        <a:t>Pipelined</a:t>
-                      </a:r>
-                      <a:r>
-                        <a:rPr lang="en-US" baseline="0" dirty="0" smtClean="0"/>
-                        <a:t> </a:t>
-                      </a:r>
-                      <a:r>
-                        <a:rPr lang="en-US" dirty="0" smtClean="0"/>
-                        <a:t>arithmetic</a:t>
-                      </a:r>
-                      <a:endParaRPr lang="nl-BE" dirty="0"/>
-                    </a:p>
-                  </a:txBody>
-                  <a:tcPr/>
-                </a:tc>
-                <a:tc>
-                  <a:txBody>
-                    <a:bodyPr/>
-                    <a:lstStyle/>
-                    <a:p>
-                      <a:r>
-                        <a:rPr lang="en-US" dirty="0" smtClean="0"/>
-                        <a:t>1</a:t>
-                      </a:r>
-                      <a:endParaRPr lang="nl-BE" dirty="0"/>
-                    </a:p>
-                  </a:txBody>
-                  <a:tcPr/>
-                </a:tc>
-              </a:tr>
-              <a:tr h="370840">
-                <a:tc>
-                  <a:txBody>
-                    <a:bodyPr/>
-                    <a:lstStyle/>
-                    <a:p>
-                      <a:r>
-                        <a:rPr lang="en-US" dirty="0" smtClean="0"/>
-                        <a:t>L1 cache hit</a:t>
-                      </a:r>
-                      <a:endParaRPr lang="nl-BE" dirty="0"/>
-                    </a:p>
-                  </a:txBody>
-                  <a:tcPr/>
-                </a:tc>
-                <a:tc>
-                  <a:txBody>
-                    <a:bodyPr/>
-                    <a:lstStyle/>
-                    <a:p>
-                      <a:r>
-                        <a:rPr lang="en-US" dirty="0" smtClean="0"/>
-                        <a:t>4</a:t>
-                      </a:r>
-                      <a:endParaRPr lang="nl-BE" dirty="0"/>
-                    </a:p>
-                  </a:txBody>
-                  <a:tcPr/>
-                </a:tc>
-              </a:tr>
-              <a:tr h="370840">
-                <a:tc>
-                  <a:txBody>
-                    <a:bodyPr/>
-                    <a:lstStyle/>
-                    <a:p>
-                      <a:r>
-                        <a:rPr lang="en-US" dirty="0" smtClean="0"/>
-                        <a:t>L2 cache hit</a:t>
-                      </a:r>
-                      <a:endParaRPr lang="nl-BE" dirty="0"/>
-                    </a:p>
-                  </a:txBody>
-                  <a:tcPr/>
-                </a:tc>
-                <a:tc>
-                  <a:txBody>
-                    <a:bodyPr/>
-                    <a:lstStyle/>
-                    <a:p>
-                      <a:r>
-                        <a:rPr lang="en-US" dirty="0" smtClean="0"/>
-                        <a:t>10</a:t>
-                      </a:r>
-                      <a:endParaRPr lang="nl-BE" dirty="0"/>
-                    </a:p>
-                  </a:txBody>
-                  <a:tcPr/>
-                </a:tc>
-              </a:tr>
-              <a:tr h="370840">
-                <a:tc>
-                  <a:txBody>
-                    <a:bodyPr/>
-                    <a:lstStyle/>
-                    <a:p>
-                      <a:r>
-                        <a:rPr lang="en-US" dirty="0" smtClean="0"/>
-                        <a:t>64-bit </a:t>
-                      </a:r>
-                      <a:r>
-                        <a:rPr lang="en-US" dirty="0" err="1" smtClean="0"/>
-                        <a:t>sqrt</a:t>
-                      </a:r>
-                      <a:r>
-                        <a:rPr lang="en-US" dirty="0" smtClean="0"/>
-                        <a:t>, division</a:t>
-                      </a:r>
-                      <a:endParaRPr lang="nl-BE" dirty="0"/>
-                    </a:p>
-                  </a:txBody>
-                  <a:tcPr/>
-                </a:tc>
-                <a:tc>
-                  <a:txBody>
-                    <a:bodyPr/>
-                    <a:lstStyle/>
-                    <a:p>
-                      <a:r>
-                        <a:rPr lang="en-US" dirty="0" smtClean="0"/>
-                        <a:t>~ 20</a:t>
-                      </a:r>
-                      <a:endParaRPr lang="nl-BE" dirty="0"/>
-                    </a:p>
-                  </a:txBody>
-                  <a:tcPr/>
-                </a:tc>
-              </a:tr>
-              <a:tr h="370840">
-                <a:tc>
-                  <a:txBody>
-                    <a:bodyPr/>
-                    <a:lstStyle/>
-                    <a:p>
-                      <a:r>
-                        <a:rPr lang="en-US" dirty="0" smtClean="0"/>
-                        <a:t>L3 cache hit</a:t>
-                      </a:r>
-                      <a:endParaRPr lang="nl-BE" dirty="0"/>
-                    </a:p>
-                  </a:txBody>
-                  <a:tcPr/>
-                </a:tc>
-                <a:tc>
-                  <a:txBody>
-                    <a:bodyPr/>
-                    <a:lstStyle/>
-                    <a:p>
-                      <a:r>
-                        <a:rPr lang="en-US" dirty="0" smtClean="0"/>
-                        <a:t>40</a:t>
-                      </a:r>
-                      <a:endParaRPr lang="nl-BE" dirty="0"/>
-                    </a:p>
-                  </a:txBody>
-                  <a:tcPr/>
-                </a:tc>
-              </a:tr>
-              <a:tr h="370840">
-                <a:tc>
-                  <a:txBody>
-                    <a:bodyPr/>
-                    <a:lstStyle/>
-                    <a:p>
-                      <a:r>
-                        <a:rPr lang="en-US" dirty="0" smtClean="0"/>
-                        <a:t>cache miss</a:t>
-                      </a:r>
-                      <a:endParaRPr lang="nl-BE" dirty="0"/>
-                    </a:p>
-                  </a:txBody>
-                  <a:tcPr/>
-                </a:tc>
-                <a:tc>
-                  <a:txBody>
-                    <a:bodyPr/>
-                    <a:lstStyle/>
-                    <a:p>
-                      <a:r>
-                        <a:rPr lang="en-US" dirty="0" smtClean="0"/>
-                        <a:t>100-300</a:t>
-                      </a:r>
-                      <a:endParaRPr lang="nl-BE" dirty="0"/>
-                    </a:p>
-                  </a:txBody>
-                  <a:tcPr/>
-                </a:tc>
-              </a:tr>
-              <a:tr h="370840">
-                <a:tc>
-                  <a:txBody>
-                    <a:bodyPr/>
-                    <a:lstStyle/>
-                    <a:p>
-                      <a:r>
-                        <a:rPr lang="en-US" dirty="0" err="1" smtClean="0"/>
-                        <a:t>OpenMP</a:t>
-                      </a:r>
-                      <a:r>
-                        <a:rPr lang="en-US" dirty="0" smtClean="0"/>
-                        <a:t> barrier</a:t>
-                      </a:r>
-                      <a:endParaRPr lang="nl-BE" dirty="0"/>
-                    </a:p>
-                  </a:txBody>
-                  <a:tcPr/>
-                </a:tc>
-                <a:tc>
-                  <a:txBody>
-                    <a:bodyPr/>
-                    <a:lstStyle/>
-                    <a:p>
-                      <a:r>
-                        <a:rPr lang="en-US" dirty="0" smtClean="0"/>
-                        <a:t>300-30,000</a:t>
-                      </a:r>
-                      <a:endParaRPr lang="nl-BE" dirty="0"/>
-                    </a:p>
-                  </a:txBody>
-                  <a:tcPr/>
-                </a:tc>
-              </a:tr>
-              <a:tr h="370840">
-                <a:tc>
-                  <a:txBody>
-                    <a:bodyPr/>
-                    <a:lstStyle/>
-                    <a:p>
-                      <a:r>
-                        <a:rPr lang="en-US" dirty="0" err="1" smtClean="0"/>
-                        <a:t>infiniband</a:t>
-                      </a:r>
-                      <a:r>
-                        <a:rPr lang="en-US" baseline="0" dirty="0" smtClean="0"/>
-                        <a:t> </a:t>
-                      </a:r>
-                      <a:endParaRPr lang="nl-BE" dirty="0"/>
-                    </a:p>
-                  </a:txBody>
-                  <a:tcPr/>
-                </a:tc>
-                <a:tc>
-                  <a:txBody>
-                    <a:bodyPr/>
-                    <a:lstStyle/>
-                    <a:p>
-                      <a:r>
-                        <a:rPr lang="en-US" dirty="0" smtClean="0"/>
-                        <a:t>2,500-5,000</a:t>
-                      </a:r>
-                      <a:endParaRPr lang="nl-BE" dirty="0"/>
-                    </a:p>
-                  </a:txBody>
-                  <a:tcPr/>
-                </a:tc>
-              </a:tr>
-              <a:tr h="370840">
-                <a:tc>
-                  <a:txBody>
-                    <a:bodyPr/>
-                    <a:lstStyle/>
-                    <a:p>
-                      <a:r>
-                        <a:rPr lang="en-US" dirty="0" smtClean="0"/>
-                        <a:t>SSD read</a:t>
-                      </a:r>
-                    </a:p>
-                  </a:txBody>
-                  <a:tcPr/>
-                </a:tc>
-                <a:tc>
-                  <a:txBody>
-                    <a:bodyPr/>
-                    <a:lstStyle/>
-                    <a:p>
-                      <a:r>
-                        <a:rPr lang="en-US" dirty="0" smtClean="0"/>
-                        <a:t>60,000</a:t>
-                      </a:r>
-                      <a:endParaRPr lang="nl-BE" dirty="0"/>
-                    </a:p>
-                  </a:txBody>
-                  <a:tcPr/>
-                </a:tc>
-              </a:tr>
-              <a:tr h="370840">
-                <a:tc>
-                  <a:txBody>
-                    <a:bodyPr/>
-                    <a:lstStyle/>
-                    <a:p>
-                      <a:r>
-                        <a:rPr lang="en-US" dirty="0" smtClean="0"/>
-                        <a:t>SSD write</a:t>
-                      </a:r>
-                    </a:p>
-                  </a:txBody>
-                  <a:tcPr/>
-                </a:tc>
-                <a:tc>
-                  <a:txBody>
-                    <a:bodyPr/>
-                    <a:lstStyle/>
-                    <a:p>
-                      <a:r>
-                        <a:rPr lang="en-US" dirty="0" smtClean="0"/>
-                        <a:t>600,000</a:t>
-                      </a:r>
-                      <a:endParaRPr lang="nl-BE" dirty="0"/>
-                    </a:p>
-                  </a:txBody>
-                  <a:tcPr/>
-                </a:tc>
-              </a:tr>
-              <a:tr h="370840">
-                <a:tc>
-                  <a:txBody>
-                    <a:bodyPr/>
-                    <a:lstStyle/>
-                    <a:p>
-                      <a:r>
-                        <a:rPr lang="en-US" dirty="0" smtClean="0"/>
-                        <a:t>HDD I/O</a:t>
-                      </a:r>
-                    </a:p>
-                  </a:txBody>
-                  <a:tcPr/>
-                </a:tc>
-                <a:tc>
-                  <a:txBody>
-                    <a:bodyPr/>
-                    <a:lstStyle/>
-                    <a:p>
-                      <a:r>
-                        <a:rPr lang="en-US" dirty="0" smtClean="0"/>
-                        <a:t>10,000,000</a:t>
-                      </a:r>
-                      <a:endParaRPr lang="nl-BE" dirty="0"/>
-                    </a:p>
-                  </a:txBody>
-                  <a:tcPr/>
-                </a:tc>
-              </a:tr>
-            </a:tbl>
-          </a:graphicData>
-        </a:graphic>
-      </p:graphicFrame>
-      <p:sp>
-        <p:nvSpPr>
-          <p:cNvPr id="4" name="Slide Number Placeholder 3"/>
-          <p:cNvSpPr>
-            <a:spLocks noGrp="1"/>
-          </p:cNvSpPr>
-          <p:nvPr>
-            <p:ph type="sldNum" sz="quarter" idx="12"/>
-          </p:nvPr>
-        </p:nvSpPr>
-        <p:spPr/>
-        <p:txBody>
-          <a:bodyPr/>
-          <a:lstStyle/>
-          <a:p>
-            <a:fld id="{D1918C2E-FE36-451E-B80E-1968976550A5}" type="slidenum">
-              <a:rPr lang="nl-BE" smtClean="0"/>
-              <a:t>29</a:t>
-            </a:fld>
-            <a:endParaRPr lang="nl-BE"/>
-          </a:p>
-        </p:txBody>
-      </p:sp>
-    </p:spTree>
-    <p:extLst>
-      <p:ext uri="{BB962C8B-B14F-4D97-AF65-F5344CB8AC3E}">
-        <p14:creationId xmlns:p14="http://schemas.microsoft.com/office/powerpoint/2010/main" val="4115479166"/>
-      </p:ext>
-    </p:extLst>
-  </p:cSld>
-  <p:clrMapOvr>
-    <a:masterClrMapping/>
-  </p:clrMapOvr>
-  <p:timing>
-    <p:tnLst>
-      <p:par>
-        <p:cTn id="1" dur="indefinite" restart="never" nodeType="tmRoot"/>
-      </p:par>
-    </p:tnLst>
   </p:timing>
 </p:sld>
 </file>
@@ -19515,6 +19652,502 @@
       <p:bldP spid="3" grpId="0" uiExpand="1" build="p" bldLvl="2"/>
       <p:bldP spid="4" grpId="0" animBg="1"/>
     </p:bldLst>
+  </p:timing>
+</p:sld>
+</file>
+
+<file path=ppt/slides/slide30.xml><?xml version="1.0" encoding="utf-8"?>
+<p:sld xmlns:a="http://schemas.openxmlformats.org/drawingml/2006/main" xmlns:r="http://schemas.openxmlformats.org/officeDocument/2006/relationships" xmlns:p="http://schemas.openxmlformats.org/presentationml/2006/main">
+  <p:cSld>
+    <p:spTree>
+      <p:nvGrpSpPr>
+        <p:cNvPr id="1" name=""/>
+        <p:cNvGrpSpPr/>
+        <p:nvPr/>
+      </p:nvGrpSpPr>
+      <p:grpSpPr>
+        <a:xfrm>
+          <a:off x="0" y="0"/>
+          <a:ext cx="0" cy="0"/>
+          <a:chOff x="0" y="0"/>
+          <a:chExt cx="0" cy="0"/>
+        </a:xfrm>
+      </p:grpSpPr>
+      <p:sp>
+        <p:nvSpPr>
+          <p:cNvPr id="2" name="Title 1"/>
+          <p:cNvSpPr>
+            <a:spLocks noGrp="1"/>
+          </p:cNvSpPr>
+          <p:nvPr>
+            <p:ph type="title"/>
+          </p:nvPr>
+        </p:nvSpPr>
+        <p:spPr/>
+        <p:txBody>
+          <a:bodyPr/>
+          <a:lstStyle/>
+          <a:p>
+            <a:r>
+              <a:rPr lang="en-US" dirty="0" smtClean="0"/>
+              <a:t>Latencies</a:t>
+            </a:r>
+            <a:endParaRPr lang="nl-BE" dirty="0"/>
+          </a:p>
+        </p:txBody>
+      </p:sp>
+      <p:graphicFrame>
+        <p:nvGraphicFramePr>
+          <p:cNvPr id="3" name="Table 2"/>
+          <p:cNvGraphicFramePr>
+            <a:graphicFrameLocks noGrp="1"/>
+          </p:cNvGraphicFramePr>
+          <p:nvPr>
+            <p:extLst>
+              <p:ext uri="{D42A27DB-BD31-4B8C-83A1-F6EECF244321}">
+                <p14:modId xmlns:p14="http://schemas.microsoft.com/office/powerpoint/2010/main" val="102294448"/>
+              </p:ext>
+            </p:extLst>
+          </p:nvPr>
+        </p:nvGraphicFramePr>
+        <p:xfrm>
+          <a:off x="1524000" y="1397000"/>
+          <a:ext cx="6096000" cy="4450080"/>
+        </p:xfrm>
+        <a:graphic>
+          <a:graphicData uri="http://schemas.openxmlformats.org/drawingml/2006/table">
+            <a:tbl>
+              <a:tblPr firstRow="1" bandRow="1">
+                <a:tableStyleId>{5C22544A-7EE6-4342-B048-85BDC9FD1C3A}</a:tableStyleId>
+              </a:tblPr>
+              <a:tblGrid>
+                <a:gridCol w="3048000"/>
+                <a:gridCol w="3048000"/>
+              </a:tblGrid>
+              <a:tr h="370840">
+                <a:tc>
+                  <a:txBody>
+                    <a:bodyPr/>
+                    <a:lstStyle/>
+                    <a:p>
+                      <a:r>
+                        <a:rPr lang="en-US" dirty="0" smtClean="0"/>
+                        <a:t>Operation</a:t>
+                      </a:r>
+                      <a:endParaRPr lang="nl-BE" dirty="0"/>
+                    </a:p>
+                  </a:txBody>
+                  <a:tcPr/>
+                </a:tc>
+                <a:tc>
+                  <a:txBody>
+                    <a:bodyPr/>
+                    <a:lstStyle/>
+                    <a:p>
+                      <a:r>
+                        <a:rPr lang="en-US" dirty="0" smtClean="0"/>
+                        <a:t>Latency (cycles)</a:t>
+                      </a:r>
+                      <a:endParaRPr lang="nl-BE" dirty="0"/>
+                    </a:p>
+                  </a:txBody>
+                  <a:tcPr/>
+                </a:tc>
+              </a:tr>
+              <a:tr h="370840">
+                <a:tc>
+                  <a:txBody>
+                    <a:bodyPr/>
+                    <a:lstStyle/>
+                    <a:p>
+                      <a:r>
+                        <a:rPr lang="en-US" dirty="0" smtClean="0"/>
+                        <a:t>Pipelined</a:t>
+                      </a:r>
+                      <a:r>
+                        <a:rPr lang="en-US" baseline="0" dirty="0" smtClean="0"/>
+                        <a:t> </a:t>
+                      </a:r>
+                      <a:r>
+                        <a:rPr lang="en-US" dirty="0" smtClean="0"/>
+                        <a:t>arithmetic</a:t>
+                      </a:r>
+                      <a:endParaRPr lang="nl-BE" dirty="0"/>
+                    </a:p>
+                  </a:txBody>
+                  <a:tcPr/>
+                </a:tc>
+                <a:tc>
+                  <a:txBody>
+                    <a:bodyPr/>
+                    <a:lstStyle/>
+                    <a:p>
+                      <a:r>
+                        <a:rPr lang="en-US" dirty="0" smtClean="0"/>
+                        <a:t>1</a:t>
+                      </a:r>
+                      <a:endParaRPr lang="nl-BE" dirty="0"/>
+                    </a:p>
+                  </a:txBody>
+                  <a:tcPr/>
+                </a:tc>
+              </a:tr>
+              <a:tr h="370840">
+                <a:tc>
+                  <a:txBody>
+                    <a:bodyPr/>
+                    <a:lstStyle/>
+                    <a:p>
+                      <a:r>
+                        <a:rPr lang="en-US" dirty="0" smtClean="0"/>
+                        <a:t>L1 cache hit</a:t>
+                      </a:r>
+                      <a:endParaRPr lang="nl-BE" dirty="0"/>
+                    </a:p>
+                  </a:txBody>
+                  <a:tcPr/>
+                </a:tc>
+                <a:tc>
+                  <a:txBody>
+                    <a:bodyPr/>
+                    <a:lstStyle/>
+                    <a:p>
+                      <a:r>
+                        <a:rPr lang="en-US" dirty="0" smtClean="0"/>
+                        <a:t>4</a:t>
+                      </a:r>
+                      <a:endParaRPr lang="nl-BE" dirty="0"/>
+                    </a:p>
+                  </a:txBody>
+                  <a:tcPr/>
+                </a:tc>
+              </a:tr>
+              <a:tr h="370840">
+                <a:tc>
+                  <a:txBody>
+                    <a:bodyPr/>
+                    <a:lstStyle/>
+                    <a:p>
+                      <a:r>
+                        <a:rPr lang="en-US" dirty="0" smtClean="0"/>
+                        <a:t>L2 cache hit</a:t>
+                      </a:r>
+                      <a:endParaRPr lang="nl-BE" dirty="0"/>
+                    </a:p>
+                  </a:txBody>
+                  <a:tcPr/>
+                </a:tc>
+                <a:tc>
+                  <a:txBody>
+                    <a:bodyPr/>
+                    <a:lstStyle/>
+                    <a:p>
+                      <a:r>
+                        <a:rPr lang="en-US" dirty="0" smtClean="0"/>
+                        <a:t>10</a:t>
+                      </a:r>
+                      <a:endParaRPr lang="nl-BE" dirty="0"/>
+                    </a:p>
+                  </a:txBody>
+                  <a:tcPr/>
+                </a:tc>
+              </a:tr>
+              <a:tr h="370840">
+                <a:tc>
+                  <a:txBody>
+                    <a:bodyPr/>
+                    <a:lstStyle/>
+                    <a:p>
+                      <a:r>
+                        <a:rPr lang="en-US" dirty="0" smtClean="0"/>
+                        <a:t>64-bit </a:t>
+                      </a:r>
+                      <a:r>
+                        <a:rPr lang="en-US" dirty="0" err="1" smtClean="0"/>
+                        <a:t>sqrt</a:t>
+                      </a:r>
+                      <a:r>
+                        <a:rPr lang="en-US" dirty="0" smtClean="0"/>
+                        <a:t>, division</a:t>
+                      </a:r>
+                      <a:endParaRPr lang="nl-BE" dirty="0"/>
+                    </a:p>
+                  </a:txBody>
+                  <a:tcPr/>
+                </a:tc>
+                <a:tc>
+                  <a:txBody>
+                    <a:bodyPr/>
+                    <a:lstStyle/>
+                    <a:p>
+                      <a:r>
+                        <a:rPr lang="en-US" dirty="0" smtClean="0"/>
+                        <a:t>~ 20</a:t>
+                      </a:r>
+                      <a:endParaRPr lang="nl-BE" dirty="0"/>
+                    </a:p>
+                  </a:txBody>
+                  <a:tcPr/>
+                </a:tc>
+              </a:tr>
+              <a:tr h="370840">
+                <a:tc>
+                  <a:txBody>
+                    <a:bodyPr/>
+                    <a:lstStyle/>
+                    <a:p>
+                      <a:r>
+                        <a:rPr lang="en-US" dirty="0" smtClean="0"/>
+                        <a:t>L3 cache hit</a:t>
+                      </a:r>
+                      <a:endParaRPr lang="nl-BE" dirty="0"/>
+                    </a:p>
+                  </a:txBody>
+                  <a:tcPr/>
+                </a:tc>
+                <a:tc>
+                  <a:txBody>
+                    <a:bodyPr/>
+                    <a:lstStyle/>
+                    <a:p>
+                      <a:r>
+                        <a:rPr lang="en-US" dirty="0" smtClean="0"/>
+                        <a:t>40</a:t>
+                      </a:r>
+                      <a:endParaRPr lang="nl-BE" dirty="0"/>
+                    </a:p>
+                  </a:txBody>
+                  <a:tcPr/>
+                </a:tc>
+              </a:tr>
+              <a:tr h="370840">
+                <a:tc>
+                  <a:txBody>
+                    <a:bodyPr/>
+                    <a:lstStyle/>
+                    <a:p>
+                      <a:r>
+                        <a:rPr lang="en-US" dirty="0" smtClean="0"/>
+                        <a:t>cache miss</a:t>
+                      </a:r>
+                      <a:endParaRPr lang="nl-BE" dirty="0"/>
+                    </a:p>
+                  </a:txBody>
+                  <a:tcPr/>
+                </a:tc>
+                <a:tc>
+                  <a:txBody>
+                    <a:bodyPr/>
+                    <a:lstStyle/>
+                    <a:p>
+                      <a:r>
+                        <a:rPr lang="en-US" dirty="0" smtClean="0"/>
+                        <a:t>100-300</a:t>
+                      </a:r>
+                      <a:endParaRPr lang="nl-BE" dirty="0"/>
+                    </a:p>
+                  </a:txBody>
+                  <a:tcPr/>
+                </a:tc>
+              </a:tr>
+              <a:tr h="370840">
+                <a:tc>
+                  <a:txBody>
+                    <a:bodyPr/>
+                    <a:lstStyle/>
+                    <a:p>
+                      <a:r>
+                        <a:rPr lang="en-US" dirty="0" err="1" smtClean="0"/>
+                        <a:t>OpenMP</a:t>
+                      </a:r>
+                      <a:r>
+                        <a:rPr lang="en-US" dirty="0" smtClean="0"/>
+                        <a:t> barrier</a:t>
+                      </a:r>
+                      <a:endParaRPr lang="nl-BE" dirty="0"/>
+                    </a:p>
+                  </a:txBody>
+                  <a:tcPr/>
+                </a:tc>
+                <a:tc>
+                  <a:txBody>
+                    <a:bodyPr/>
+                    <a:lstStyle/>
+                    <a:p>
+                      <a:r>
+                        <a:rPr lang="en-US" dirty="0" smtClean="0"/>
+                        <a:t>300-30,000</a:t>
+                      </a:r>
+                      <a:endParaRPr lang="nl-BE" dirty="0"/>
+                    </a:p>
+                  </a:txBody>
+                  <a:tcPr/>
+                </a:tc>
+              </a:tr>
+              <a:tr h="370840">
+                <a:tc>
+                  <a:txBody>
+                    <a:bodyPr/>
+                    <a:lstStyle/>
+                    <a:p>
+                      <a:r>
+                        <a:rPr lang="en-US" dirty="0" err="1" smtClean="0"/>
+                        <a:t>infiniband</a:t>
+                      </a:r>
+                      <a:r>
+                        <a:rPr lang="en-US" baseline="0" dirty="0" smtClean="0"/>
+                        <a:t> </a:t>
+                      </a:r>
+                      <a:endParaRPr lang="nl-BE" dirty="0"/>
+                    </a:p>
+                  </a:txBody>
+                  <a:tcPr/>
+                </a:tc>
+                <a:tc>
+                  <a:txBody>
+                    <a:bodyPr/>
+                    <a:lstStyle/>
+                    <a:p>
+                      <a:r>
+                        <a:rPr lang="en-US" dirty="0" smtClean="0"/>
+                        <a:t>2,500-5,000</a:t>
+                      </a:r>
+                      <a:endParaRPr lang="nl-BE" dirty="0"/>
+                    </a:p>
+                  </a:txBody>
+                  <a:tcPr/>
+                </a:tc>
+              </a:tr>
+              <a:tr h="370840">
+                <a:tc>
+                  <a:txBody>
+                    <a:bodyPr/>
+                    <a:lstStyle/>
+                    <a:p>
+                      <a:r>
+                        <a:rPr lang="en-US" dirty="0" smtClean="0"/>
+                        <a:t>SSD read</a:t>
+                      </a:r>
+                    </a:p>
+                  </a:txBody>
+                  <a:tcPr/>
+                </a:tc>
+                <a:tc>
+                  <a:txBody>
+                    <a:bodyPr/>
+                    <a:lstStyle/>
+                    <a:p>
+                      <a:r>
+                        <a:rPr lang="en-US" dirty="0" smtClean="0"/>
+                        <a:t>60,000</a:t>
+                      </a:r>
+                      <a:endParaRPr lang="nl-BE" dirty="0"/>
+                    </a:p>
+                  </a:txBody>
+                  <a:tcPr/>
+                </a:tc>
+              </a:tr>
+              <a:tr h="370840">
+                <a:tc>
+                  <a:txBody>
+                    <a:bodyPr/>
+                    <a:lstStyle/>
+                    <a:p>
+                      <a:r>
+                        <a:rPr lang="en-US" dirty="0" smtClean="0"/>
+                        <a:t>SSD write</a:t>
+                      </a:r>
+                    </a:p>
+                  </a:txBody>
+                  <a:tcPr/>
+                </a:tc>
+                <a:tc>
+                  <a:txBody>
+                    <a:bodyPr/>
+                    <a:lstStyle/>
+                    <a:p>
+                      <a:r>
+                        <a:rPr lang="en-US" dirty="0" smtClean="0"/>
+                        <a:t>600,000</a:t>
+                      </a:r>
+                      <a:endParaRPr lang="nl-BE" dirty="0"/>
+                    </a:p>
+                  </a:txBody>
+                  <a:tcPr/>
+                </a:tc>
+              </a:tr>
+              <a:tr h="370840">
+                <a:tc>
+                  <a:txBody>
+                    <a:bodyPr/>
+                    <a:lstStyle/>
+                    <a:p>
+                      <a:r>
+                        <a:rPr lang="en-US" dirty="0" smtClean="0"/>
+                        <a:t>HDD I/O</a:t>
+                      </a:r>
+                    </a:p>
+                  </a:txBody>
+                  <a:tcPr/>
+                </a:tc>
+                <a:tc>
+                  <a:txBody>
+                    <a:bodyPr/>
+                    <a:lstStyle/>
+                    <a:p>
+                      <a:r>
+                        <a:rPr lang="en-US" dirty="0" smtClean="0"/>
+                        <a:t>10,000,000</a:t>
+                      </a:r>
+                      <a:endParaRPr lang="nl-BE" dirty="0"/>
+                    </a:p>
+                  </a:txBody>
+                  <a:tcPr/>
+                </a:tc>
+              </a:tr>
+            </a:tbl>
+          </a:graphicData>
+        </a:graphic>
+      </p:graphicFrame>
+      <p:sp>
+        <p:nvSpPr>
+          <p:cNvPr id="4" name="Slide Number Placeholder 3"/>
+          <p:cNvSpPr>
+            <a:spLocks noGrp="1"/>
+          </p:cNvSpPr>
+          <p:nvPr>
+            <p:ph type="sldNum" sz="quarter" idx="12"/>
+          </p:nvPr>
+        </p:nvSpPr>
+        <p:spPr/>
+        <p:txBody>
+          <a:bodyPr/>
+          <a:lstStyle/>
+          <a:p>
+            <a:fld id="{D1918C2E-FE36-451E-B80E-1968976550A5}" type="slidenum">
+              <a:rPr lang="nl-BE" smtClean="0"/>
+              <a:t>30</a:t>
+            </a:fld>
+            <a:endParaRPr lang="nl-BE"/>
+          </a:p>
+        </p:txBody>
+      </p:sp>
+    </p:spTree>
+    <p:extLst>
+      <p:ext uri="{BB962C8B-B14F-4D97-AF65-F5344CB8AC3E}">
+        <p14:creationId xmlns:p14="http://schemas.microsoft.com/office/powerpoint/2010/main" val="4115479166"/>
+      </p:ext>
+    </p:extLst>
+  </p:cSld>
+  <p:clrMapOvr>
+    <a:masterClrMapping/>
+  </p:clrMapOvr>
+  <p:timing>
+    <p:tnLst>
+      <p:par>
+        <p:cTn id="1" dur="indefinite" restart="never" nodeType="tmRoot"/>
+      </p:par>
+    </p:tnLst>
   </p:timing>
 </p:sld>
 </file>
@@ -22315,8 +22948,13 @@
           <a:p>
             <a:r>
               <a:rPr lang="en-US" dirty="0" smtClean="0"/>
-              <a:t>Processes communicate to exchange information, data, state</a:t>
-            </a:r>
+              <a:t>Processes communicate to exchange information, data, </a:t>
+            </a:r>
+            <a:r>
+              <a:rPr lang="en-US" dirty="0" smtClean="0"/>
+              <a:t>state by sending messages</a:t>
+            </a:r>
+            <a:endParaRPr lang="en-US" dirty="0" smtClean="0"/>
           </a:p>
         </p:txBody>
       </p:sp>

--- a/Python/Mpi4py/mpi4py.pptx
+++ b/Python/Mpi4py/mpi4py.pptx
@@ -5,39 +5,51 @@
     <p:sldMasterId id="2147483648" r:id="rId1"/>
   </p:sldMasterIdLst>
   <p:notesMasterIdLst>
-    <p:notesMasterId r:id="rId32"/>
+    <p:notesMasterId r:id="rId44"/>
   </p:notesMasterIdLst>
   <p:sldIdLst>
     <p:sldId id="256" r:id="rId2"/>
-    <p:sldId id="257" r:id="rId3"/>
-    <p:sldId id="258" r:id="rId4"/>
-    <p:sldId id="259" r:id="rId5"/>
-    <p:sldId id="260" r:id="rId6"/>
-    <p:sldId id="261" r:id="rId7"/>
-    <p:sldId id="262" r:id="rId8"/>
-    <p:sldId id="263" r:id="rId9"/>
-    <p:sldId id="266" r:id="rId10"/>
-    <p:sldId id="264" r:id="rId11"/>
-    <p:sldId id="265" r:id="rId12"/>
-    <p:sldId id="267" r:id="rId13"/>
-    <p:sldId id="268" r:id="rId14"/>
-    <p:sldId id="273" r:id="rId15"/>
-    <p:sldId id="274" r:id="rId16"/>
-    <p:sldId id="275" r:id="rId17"/>
-    <p:sldId id="276" r:id="rId18"/>
-    <p:sldId id="277" r:id="rId19"/>
-    <p:sldId id="278" r:id="rId20"/>
-    <p:sldId id="286" r:id="rId21"/>
-    <p:sldId id="283" r:id="rId22"/>
-    <p:sldId id="287" r:id="rId23"/>
-    <p:sldId id="269" r:id="rId24"/>
-    <p:sldId id="288" r:id="rId25"/>
-    <p:sldId id="279" r:id="rId26"/>
-    <p:sldId id="280" r:id="rId27"/>
-    <p:sldId id="281" r:id="rId28"/>
-    <p:sldId id="285" r:id="rId29"/>
-    <p:sldId id="284" r:id="rId30"/>
-    <p:sldId id="271" r:id="rId31"/>
+    <p:sldId id="291" r:id="rId3"/>
+    <p:sldId id="257" r:id="rId4"/>
+    <p:sldId id="258" r:id="rId5"/>
+    <p:sldId id="259" r:id="rId6"/>
+    <p:sldId id="260" r:id="rId7"/>
+    <p:sldId id="266" r:id="rId8"/>
+    <p:sldId id="293" r:id="rId9"/>
+    <p:sldId id="261" r:id="rId10"/>
+    <p:sldId id="262" r:id="rId11"/>
+    <p:sldId id="263" r:id="rId12"/>
+    <p:sldId id="292" r:id="rId13"/>
+    <p:sldId id="264" r:id="rId14"/>
+    <p:sldId id="265" r:id="rId15"/>
+    <p:sldId id="267" r:id="rId16"/>
+    <p:sldId id="268" r:id="rId17"/>
+    <p:sldId id="273" r:id="rId18"/>
+    <p:sldId id="274" r:id="rId19"/>
+    <p:sldId id="275" r:id="rId20"/>
+    <p:sldId id="276" r:id="rId21"/>
+    <p:sldId id="277" r:id="rId22"/>
+    <p:sldId id="278" r:id="rId23"/>
+    <p:sldId id="286" r:id="rId24"/>
+    <p:sldId id="283" r:id="rId25"/>
+    <p:sldId id="287" r:id="rId26"/>
+    <p:sldId id="294" r:id="rId27"/>
+    <p:sldId id="269" r:id="rId28"/>
+    <p:sldId id="288" r:id="rId29"/>
+    <p:sldId id="289" r:id="rId30"/>
+    <p:sldId id="290" r:id="rId31"/>
+    <p:sldId id="295" r:id="rId32"/>
+    <p:sldId id="279" r:id="rId33"/>
+    <p:sldId id="299" r:id="rId34"/>
+    <p:sldId id="300" r:id="rId35"/>
+    <p:sldId id="298" r:id="rId36"/>
+    <p:sldId id="296" r:id="rId37"/>
+    <p:sldId id="280" r:id="rId38"/>
+    <p:sldId id="281" r:id="rId39"/>
+    <p:sldId id="285" r:id="rId40"/>
+    <p:sldId id="284" r:id="rId41"/>
+    <p:sldId id="297" r:id="rId42"/>
+    <p:sldId id="271" r:id="rId43"/>
   </p:sldIdLst>
   <p:sldSz cx="9144000" cy="6858000" type="screen4x3"/>
   <p:notesSz cx="6858000" cy="9144000"/>
@@ -137,6 +149,84 @@
     </a:lvl9pPr>
   </p:defaultTextStyle>
   <p:extLst>
+    <p:ext uri="{521415D9-36F7-43E2-AB2F-B90AF26B5E84}">
+      <p14:sectionLst xmlns:p14="http://schemas.microsoft.com/office/powerpoint/2010/main">
+        <p14:section name="Default Section" id="{18978113-D34F-4DFE-BE31-88069F116F43}">
+          <p14:sldIdLst>
+            <p14:sldId id="256"/>
+          </p14:sldIdLst>
+        </p14:section>
+        <p14:section name="Introduction" id="{7CB35651-1988-4852-B1AC-65BD1B66FCCC}">
+          <p14:sldIdLst>
+            <p14:sldId id="291"/>
+            <p14:sldId id="257"/>
+            <p14:sldId id="258"/>
+            <p14:sldId id="259"/>
+            <p14:sldId id="260"/>
+            <p14:sldId id="266"/>
+          </p14:sldIdLst>
+        </p14:section>
+        <p14:section name="Process identification" id="{F5DD1151-1D25-44F4-BC99-C65F06AA41C2}">
+          <p14:sldIdLst>
+            <p14:sldId id="293"/>
+            <p14:sldId id="261"/>
+            <p14:sldId id="262"/>
+            <p14:sldId id="263"/>
+          </p14:sldIdLst>
+        </p14:section>
+        <p14:section name="Communication" id="{34ADA3C9-4F92-41E6-9510-62303EC211DD}">
+          <p14:sldIdLst>
+            <p14:sldId id="292"/>
+            <p14:sldId id="264"/>
+            <p14:sldId id="265"/>
+            <p14:sldId id="267"/>
+            <p14:sldId id="268"/>
+            <p14:sldId id="273"/>
+            <p14:sldId id="274"/>
+            <p14:sldId id="275"/>
+            <p14:sldId id="276"/>
+            <p14:sldId id="277"/>
+            <p14:sldId id="278"/>
+            <p14:sldId id="286"/>
+            <p14:sldId id="283"/>
+            <p14:sldId id="287"/>
+          </p14:sldIdLst>
+        </p14:section>
+        <p14:section name="Efficient communicatin" id="{B8480BA9-CEEE-4E39-8821-344B0E338445}">
+          <p14:sldIdLst>
+            <p14:sldId id="294"/>
+            <p14:sldId id="269"/>
+            <p14:sldId id="288"/>
+            <p14:sldId id="289"/>
+            <p14:sldId id="290"/>
+          </p14:sldIdLst>
+        </p14:section>
+        <p14:section name="Topology" id="{A684BAEE-AA8B-4ABE-B38A-469F5D05542B}">
+          <p14:sldIdLst>
+            <p14:sldId id="295"/>
+            <p14:sldId id="279"/>
+            <p14:sldId id="299"/>
+            <p14:sldId id="300"/>
+            <p14:sldId id="298"/>
+          </p14:sldIdLst>
+        </p14:section>
+        <p14:section name="Conclusions" id="{7FEF9B44-1829-46E3-ACC1-8319F31E70A6}">
+          <p14:sldIdLst>
+            <p14:sldId id="296"/>
+            <p14:sldId id="280"/>
+            <p14:sldId id="281"/>
+            <p14:sldId id="285"/>
+            <p14:sldId id="284"/>
+          </p14:sldIdLst>
+        </p14:section>
+        <p14:section name="Appendix" id="{425D9D28-C6FD-4FD5-84EC-8D7605D20F49}">
+          <p14:sldIdLst>
+            <p14:sldId id="297"/>
+            <p14:sldId id="271"/>
+          </p14:sldIdLst>
+        </p14:section>
+      </p14:sectionLst>
+    </p:ext>
     <p:ext uri="{EFAFB233-063F-42B5-8137-9DF3F51BA10A}">
       <p15:sldGuideLst xmlns="" xmlns:p15="http://schemas.microsoft.com/office/powerpoint/2012/main">
         <p15:guide id="1" orient="horz" pos="2160">
@@ -3617,6 +3707,1174 @@
           <a:p>
             <a:r>
               <a:rPr lang="en-US" dirty="0" smtClean="0"/>
+              <a:t>Communicators</a:t>
+            </a:r>
+            <a:endParaRPr lang="nl-BE" dirty="0"/>
+          </a:p>
+        </p:txBody>
+      </p:sp>
+      <p:sp>
+        <p:nvSpPr>
+          <p:cNvPr id="3" name="Content Placeholder 2"/>
+          <p:cNvSpPr>
+            <a:spLocks noGrp="1"/>
+          </p:cNvSpPr>
+          <p:nvPr>
+            <p:ph idx="1"/>
+          </p:nvPr>
+        </p:nvSpPr>
+        <p:spPr/>
+        <p:txBody>
+          <a:bodyPr>
+            <a:normAutofit fontScale="92500" lnSpcReduction="10000"/>
+          </a:bodyPr>
+          <a:lstStyle/>
+          <a:p>
+            <a:r>
+              <a:rPr lang="en-US" dirty="0" smtClean="0"/>
+              <a:t>Messages are passed using communicators</a:t>
+            </a:r>
+          </a:p>
+          <a:p>
+            <a:r>
+              <a:rPr lang="en-US" dirty="0" smtClean="0"/>
+              <a:t>Default communicator, always initialized:</a:t>
+            </a:r>
+            <a:br>
+              <a:rPr lang="en-US" dirty="0" smtClean="0"/>
+            </a:br>
+            <a:r>
+              <a:rPr lang="en-US" sz="2400" dirty="0" smtClean="0">
+                <a:latin typeface="Courier New" panose="02070309020205020404" pitchFamily="49" charset="0"/>
+                <a:cs typeface="Courier New" panose="02070309020205020404" pitchFamily="49" charset="0"/>
+              </a:rPr>
+              <a:t>MPI.COMM_WORLD</a:t>
+            </a:r>
+          </a:p>
+          <a:p>
+            <a:r>
+              <a:rPr lang="en-US" dirty="0" smtClean="0"/>
+              <a:t>Number of processes in communicator:</a:t>
+            </a:r>
+            <a:br>
+              <a:rPr lang="en-US" dirty="0" smtClean="0"/>
+            </a:br>
+            <a:r>
+              <a:rPr lang="en-US" sz="2400" dirty="0" err="1" smtClean="0">
+                <a:latin typeface="Courier New" panose="02070309020205020404" pitchFamily="49" charset="0"/>
+                <a:cs typeface="Courier New" panose="02070309020205020404" pitchFamily="49" charset="0"/>
+              </a:rPr>
+              <a:t>MPI.Get_size</a:t>
+            </a:r>
+            <a:r>
+              <a:rPr lang="en-US" sz="2400" dirty="0" smtClean="0">
+                <a:latin typeface="Courier New" panose="02070309020205020404" pitchFamily="49" charset="0"/>
+                <a:cs typeface="Courier New" panose="02070309020205020404" pitchFamily="49" charset="0"/>
+              </a:rPr>
+              <a:t>()</a:t>
+            </a:r>
+          </a:p>
+          <a:p>
+            <a:r>
+              <a:rPr lang="en-US" dirty="0" smtClean="0"/>
+              <a:t>Rank of a process in communicator, between 0 and </a:t>
+            </a:r>
+            <a:r>
+              <a:rPr lang="en-US" dirty="0" err="1" smtClean="0">
+                <a:latin typeface="Courier New" panose="02070309020205020404" pitchFamily="49" charset="0"/>
+                <a:cs typeface="Courier New" panose="02070309020205020404" pitchFamily="49" charset="0"/>
+              </a:rPr>
+              <a:t>MPI.Get_size</a:t>
+            </a:r>
+            <a:r>
+              <a:rPr lang="en-US" dirty="0" smtClean="0">
+                <a:latin typeface="Courier New" panose="02070309020205020404" pitchFamily="49" charset="0"/>
+                <a:cs typeface="Courier New" panose="02070309020205020404" pitchFamily="49" charset="0"/>
+              </a:rPr>
+              <a:t>()</a:t>
+            </a:r>
+            <a:r>
+              <a:rPr lang="en-US" dirty="0" smtClean="0"/>
+              <a:t> - 1, inclusive</a:t>
+            </a:r>
+            <a:br>
+              <a:rPr lang="en-US" dirty="0" smtClean="0"/>
+            </a:br>
+            <a:r>
+              <a:rPr lang="en-US" sz="2400" dirty="0" err="1" smtClean="0">
+                <a:latin typeface="Courier New" panose="02070309020205020404" pitchFamily="49" charset="0"/>
+                <a:cs typeface="Courier New" panose="02070309020205020404" pitchFamily="49" charset="0"/>
+              </a:rPr>
+              <a:t>MPI.Get_rank</a:t>
+            </a:r>
+            <a:r>
+              <a:rPr lang="en-US" sz="2400" dirty="0" smtClean="0">
+                <a:latin typeface="Courier New" panose="02070309020205020404" pitchFamily="49" charset="0"/>
+                <a:cs typeface="Courier New" panose="02070309020205020404" pitchFamily="49" charset="0"/>
+              </a:rPr>
+              <a:t>()</a:t>
+            </a:r>
+          </a:p>
+          <a:p>
+            <a:r>
+              <a:rPr lang="en-US" dirty="0" smtClean="0">
+                <a:cs typeface="Courier New" panose="02070309020205020404" pitchFamily="49" charset="0"/>
+              </a:rPr>
+              <a:t>Rank used as "address" within communicator, and to differentiate "roles" of processes</a:t>
+            </a:r>
+            <a:endParaRPr lang="nl-BE" dirty="0"/>
+          </a:p>
+        </p:txBody>
+      </p:sp>
+      <p:sp>
+        <p:nvSpPr>
+          <p:cNvPr id="4" name="Slide Number Placeholder 3"/>
+          <p:cNvSpPr>
+            <a:spLocks noGrp="1"/>
+          </p:cNvSpPr>
+          <p:nvPr>
+            <p:ph type="sldNum" sz="quarter" idx="12"/>
+          </p:nvPr>
+        </p:nvSpPr>
+        <p:spPr/>
+        <p:txBody>
+          <a:bodyPr/>
+          <a:lstStyle/>
+          <a:p>
+            <a:fld id="{D1918C2E-FE36-451E-B80E-1968976550A5}" type="slidenum">
+              <a:rPr lang="nl-BE" smtClean="0"/>
+              <a:t>10</a:t>
+            </a:fld>
+            <a:endParaRPr lang="nl-BE"/>
+          </a:p>
+        </p:txBody>
+      </p:sp>
+    </p:spTree>
+    <p:extLst>
+      <p:ext uri="{BB962C8B-B14F-4D97-AF65-F5344CB8AC3E}">
+        <p14:creationId xmlns:p14="http://schemas.microsoft.com/office/powerpoint/2010/main" val="2491336744"/>
+      </p:ext>
+    </p:extLst>
+  </p:cSld>
+  <p:clrMapOvr>
+    <a:masterClrMapping/>
+  </p:clrMapOvr>
+  <p:timing>
+    <p:tnLst>
+      <p:par>
+        <p:cTn id="1" dur="indefinite" restart="never" nodeType="tmRoot">
+          <p:childTnLst>
+            <p:seq concurrent="1" nextAc="seek">
+              <p:cTn id="2" dur="indefinite" nodeType="mainSeq">
+                <p:childTnLst>
+                  <p:par>
+                    <p:cTn id="3" fill="hold">
+                      <p:stCondLst>
+                        <p:cond delay="indefinite"/>
+                        <p:cond evt="onBegin" delay="0">
+                          <p:tn val="2"/>
+                        </p:cond>
+                      </p:stCondLst>
+                      <p:childTnLst>
+                        <p:par>
+                          <p:cTn id="4" fill="hold">
+                            <p:stCondLst>
+                              <p:cond delay="0"/>
+                            </p:stCondLst>
+                            <p:childTnLst>
+                              <p:par>
+                                <p:cTn id="5" presetID="1" presetClass="entr" presetSubtype="0" fill="hold" grpId="0" nodeType="withEffect">
+                                  <p:stCondLst>
+                                    <p:cond delay="0"/>
+                                  </p:stCondLst>
+                                  <p:childTnLst>
+                                    <p:set>
+                                      <p:cBhvr>
+                                        <p:cTn id="6" dur="1" fill="hold">
+                                          <p:stCondLst>
+                                            <p:cond delay="0"/>
+                                          </p:stCondLst>
+                                        </p:cTn>
+                                        <p:tgtEl>
+                                          <p:spTgt spid="3">
+                                            <p:txEl>
+                                              <p:pRg st="0" end="0"/>
+                                            </p:txEl>
+                                          </p:spTgt>
+                                        </p:tgtEl>
+                                        <p:attrNameLst>
+                                          <p:attrName>style.visibility</p:attrName>
+                                        </p:attrNameLst>
+                                      </p:cBhvr>
+                                      <p:to>
+                                        <p:strVal val="visible"/>
+                                      </p:to>
+                                    </p:set>
+                                  </p:childTnLst>
+                                </p:cTn>
+                              </p:par>
+                            </p:childTnLst>
+                          </p:cTn>
+                        </p:par>
+                      </p:childTnLst>
+                    </p:cTn>
+                  </p:par>
+                  <p:par>
+                    <p:cTn id="7" fill="hold">
+                      <p:stCondLst>
+                        <p:cond delay="indefinite"/>
+                      </p:stCondLst>
+                      <p:childTnLst>
+                        <p:par>
+                          <p:cTn id="8" fill="hold">
+                            <p:stCondLst>
+                              <p:cond delay="0"/>
+                            </p:stCondLst>
+                            <p:childTnLst>
+                              <p:par>
+                                <p:cTn id="9" presetID="1" presetClass="entr" presetSubtype="0" fill="hold" grpId="0" nodeType="clickEffect">
+                                  <p:stCondLst>
+                                    <p:cond delay="0"/>
+                                  </p:stCondLst>
+                                  <p:childTnLst>
+                                    <p:set>
+                                      <p:cBhvr>
+                                        <p:cTn id="10" dur="1" fill="hold">
+                                          <p:stCondLst>
+                                            <p:cond delay="0"/>
+                                          </p:stCondLst>
+                                        </p:cTn>
+                                        <p:tgtEl>
+                                          <p:spTgt spid="3">
+                                            <p:txEl>
+                                              <p:pRg st="1" end="1"/>
+                                            </p:txEl>
+                                          </p:spTgt>
+                                        </p:tgtEl>
+                                        <p:attrNameLst>
+                                          <p:attrName>style.visibility</p:attrName>
+                                        </p:attrNameLst>
+                                      </p:cBhvr>
+                                      <p:to>
+                                        <p:strVal val="visible"/>
+                                      </p:to>
+                                    </p:set>
+                                  </p:childTnLst>
+                                </p:cTn>
+                              </p:par>
+                            </p:childTnLst>
+                          </p:cTn>
+                        </p:par>
+                      </p:childTnLst>
+                    </p:cTn>
+                  </p:par>
+                  <p:par>
+                    <p:cTn id="11" fill="hold">
+                      <p:stCondLst>
+                        <p:cond delay="indefinite"/>
+                      </p:stCondLst>
+                      <p:childTnLst>
+                        <p:par>
+                          <p:cTn id="12" fill="hold">
+                            <p:stCondLst>
+                              <p:cond delay="0"/>
+                            </p:stCondLst>
+                            <p:childTnLst>
+                              <p:par>
+                                <p:cTn id="13" presetID="1" presetClass="entr" presetSubtype="0" fill="hold" grpId="0" nodeType="clickEffect">
+                                  <p:stCondLst>
+                                    <p:cond delay="0"/>
+                                  </p:stCondLst>
+                                  <p:childTnLst>
+                                    <p:set>
+                                      <p:cBhvr>
+                                        <p:cTn id="14" dur="1" fill="hold">
+                                          <p:stCondLst>
+                                            <p:cond delay="0"/>
+                                          </p:stCondLst>
+                                        </p:cTn>
+                                        <p:tgtEl>
+                                          <p:spTgt spid="3">
+                                            <p:txEl>
+                                              <p:pRg st="2" end="2"/>
+                                            </p:txEl>
+                                          </p:spTgt>
+                                        </p:tgtEl>
+                                        <p:attrNameLst>
+                                          <p:attrName>style.visibility</p:attrName>
+                                        </p:attrNameLst>
+                                      </p:cBhvr>
+                                      <p:to>
+                                        <p:strVal val="visible"/>
+                                      </p:to>
+                                    </p:set>
+                                  </p:childTnLst>
+                                </p:cTn>
+                              </p:par>
+                            </p:childTnLst>
+                          </p:cTn>
+                        </p:par>
+                      </p:childTnLst>
+                    </p:cTn>
+                  </p:par>
+                  <p:par>
+                    <p:cTn id="15" fill="hold">
+                      <p:stCondLst>
+                        <p:cond delay="indefinite"/>
+                      </p:stCondLst>
+                      <p:childTnLst>
+                        <p:par>
+                          <p:cTn id="16" fill="hold">
+                            <p:stCondLst>
+                              <p:cond delay="0"/>
+                            </p:stCondLst>
+                            <p:childTnLst>
+                              <p:par>
+                                <p:cTn id="17" presetID="1" presetClass="entr" presetSubtype="0" fill="hold" grpId="0" nodeType="clickEffect">
+                                  <p:stCondLst>
+                                    <p:cond delay="0"/>
+                                  </p:stCondLst>
+                                  <p:childTnLst>
+                                    <p:set>
+                                      <p:cBhvr>
+                                        <p:cTn id="18" dur="1" fill="hold">
+                                          <p:stCondLst>
+                                            <p:cond delay="0"/>
+                                          </p:stCondLst>
+                                        </p:cTn>
+                                        <p:tgtEl>
+                                          <p:spTgt spid="3">
+                                            <p:txEl>
+                                              <p:pRg st="3" end="3"/>
+                                            </p:txEl>
+                                          </p:spTgt>
+                                        </p:tgtEl>
+                                        <p:attrNameLst>
+                                          <p:attrName>style.visibility</p:attrName>
+                                        </p:attrNameLst>
+                                      </p:cBhvr>
+                                      <p:to>
+                                        <p:strVal val="visible"/>
+                                      </p:to>
+                                    </p:set>
+                                  </p:childTnLst>
+                                </p:cTn>
+                              </p:par>
+                            </p:childTnLst>
+                          </p:cTn>
+                        </p:par>
+                      </p:childTnLst>
+                    </p:cTn>
+                  </p:par>
+                  <p:par>
+                    <p:cTn id="19" fill="hold">
+                      <p:stCondLst>
+                        <p:cond delay="indefinite"/>
+                      </p:stCondLst>
+                      <p:childTnLst>
+                        <p:par>
+                          <p:cTn id="20" fill="hold">
+                            <p:stCondLst>
+                              <p:cond delay="0"/>
+                            </p:stCondLst>
+                            <p:childTnLst>
+                              <p:par>
+                                <p:cTn id="21" presetID="1" presetClass="entr" presetSubtype="0" fill="hold" grpId="0" nodeType="clickEffect">
+                                  <p:stCondLst>
+                                    <p:cond delay="0"/>
+                                  </p:stCondLst>
+                                  <p:childTnLst>
+                                    <p:set>
+                                      <p:cBhvr>
+                                        <p:cTn id="22" dur="1" fill="hold">
+                                          <p:stCondLst>
+                                            <p:cond delay="0"/>
+                                          </p:stCondLst>
+                                        </p:cTn>
+                                        <p:tgtEl>
+                                          <p:spTgt spid="3">
+                                            <p:txEl>
+                                              <p:pRg st="4" end="4"/>
+                                            </p:txEl>
+                                          </p:spTgt>
+                                        </p:tgtEl>
+                                        <p:attrNameLst>
+                                          <p:attrName>style.visibility</p:attrName>
+                                        </p:attrNameLst>
+                                      </p:cBhvr>
+                                      <p:to>
+                                        <p:strVal val="visible"/>
+                                      </p:to>
+                                    </p:set>
+                                  </p:childTnLst>
+                                </p:cTn>
+                              </p:par>
+                            </p:childTnLst>
+                          </p:cTn>
+                        </p:par>
+                      </p:childTnLst>
+                    </p:cTn>
+                  </p:par>
+                </p:childTnLst>
+              </p:cTn>
+              <p:prevCondLst>
+                <p:cond evt="onPrev" delay="0">
+                  <p:tgtEl>
+                    <p:sldTgt/>
+                  </p:tgtEl>
+                </p:cond>
+              </p:prevCondLst>
+              <p:nextCondLst>
+                <p:cond evt="onNext" delay="0">
+                  <p:tgtEl>
+                    <p:sldTgt/>
+                  </p:tgtEl>
+                </p:cond>
+              </p:nextCondLst>
+            </p:seq>
+          </p:childTnLst>
+        </p:cTn>
+      </p:par>
+    </p:tnLst>
+    <p:bldLst>
+      <p:bldP spid="3" grpId="0" uiExpand="1" build="p"/>
+    </p:bldLst>
+  </p:timing>
+</p:sld>
+</file>
+
+<file path=ppt/slides/slide11.xml><?xml version="1.0" encoding="utf-8"?>
+<p:sld xmlns:a="http://schemas.openxmlformats.org/drawingml/2006/main" xmlns:r="http://schemas.openxmlformats.org/officeDocument/2006/relationships" xmlns:p="http://schemas.openxmlformats.org/presentationml/2006/main">
+  <p:cSld>
+    <p:spTree>
+      <p:nvGrpSpPr>
+        <p:cNvPr id="1" name=""/>
+        <p:cNvGrpSpPr/>
+        <p:nvPr/>
+      </p:nvGrpSpPr>
+      <p:grpSpPr>
+        <a:xfrm>
+          <a:off x="0" y="0"/>
+          <a:ext cx="0" cy="0"/>
+          <a:chOff x="0" y="0"/>
+          <a:chExt cx="0" cy="0"/>
+        </a:xfrm>
+      </p:grpSpPr>
+      <p:sp>
+        <p:nvSpPr>
+          <p:cNvPr id="2" name="Title 1"/>
+          <p:cNvSpPr>
+            <a:spLocks noGrp="1"/>
+          </p:cNvSpPr>
+          <p:nvPr>
+            <p:ph type="title"/>
+          </p:nvPr>
+        </p:nvSpPr>
+        <p:spPr/>
+        <p:txBody>
+          <a:bodyPr/>
+          <a:lstStyle/>
+          <a:p>
+            <a:r>
+              <a:rPr lang="en-US" dirty="0" smtClean="0"/>
+              <a:t>Hello again</a:t>
+            </a:r>
+            <a:endParaRPr lang="nl-BE" dirty="0"/>
+          </a:p>
+        </p:txBody>
+      </p:sp>
+      <p:sp>
+        <p:nvSpPr>
+          <p:cNvPr id="4" name="TextBox 3"/>
+          <p:cNvSpPr txBox="1"/>
+          <p:nvPr/>
+        </p:nvSpPr>
+        <p:spPr>
+          <a:xfrm>
+            <a:off x="683568" y="1772816"/>
+            <a:ext cx="5836854" cy="2585323"/>
+          </a:xfrm>
+          <a:prstGeom prst="rect">
+            <a:avLst/>
+          </a:prstGeom>
+          <a:noFill/>
+          <a:ln>
+            <a:solidFill>
+              <a:schemeClr val="tx1"/>
+            </a:solidFill>
+          </a:ln>
+        </p:spPr>
+        <p:txBody>
+          <a:bodyPr wrap="none" rtlCol="0">
+            <a:spAutoFit/>
+          </a:bodyPr>
+          <a:lstStyle/>
+          <a:p>
+            <a:r>
+              <a:rPr lang="en-US" dirty="0">
+                <a:latin typeface="Courier New" panose="02070309020205020404" pitchFamily="49" charset="0"/>
+                <a:cs typeface="Courier New" panose="02070309020205020404" pitchFamily="49" charset="0"/>
+              </a:rPr>
+              <a:t>#!/</a:t>
+            </a:r>
+            <a:r>
+              <a:rPr lang="en-US" dirty="0" err="1">
+                <a:latin typeface="Courier New" panose="02070309020205020404" pitchFamily="49" charset="0"/>
+                <a:cs typeface="Courier New" panose="02070309020205020404" pitchFamily="49" charset="0"/>
+              </a:rPr>
+              <a:t>usr</a:t>
+            </a:r>
+            <a:r>
+              <a:rPr lang="en-US" dirty="0">
+                <a:latin typeface="Courier New" panose="02070309020205020404" pitchFamily="49" charset="0"/>
+                <a:cs typeface="Courier New" panose="02070309020205020404" pitchFamily="49" charset="0"/>
+              </a:rPr>
+              <a:t>/bin/</a:t>
+            </a:r>
+            <a:r>
+              <a:rPr lang="en-US" dirty="0" err="1">
+                <a:latin typeface="Courier New" panose="02070309020205020404" pitchFamily="49" charset="0"/>
+                <a:cs typeface="Courier New" panose="02070309020205020404" pitchFamily="49" charset="0"/>
+              </a:rPr>
+              <a:t>env</a:t>
+            </a:r>
+            <a:r>
+              <a:rPr lang="en-US" dirty="0">
+                <a:latin typeface="Courier New" panose="02070309020205020404" pitchFamily="49" charset="0"/>
+                <a:cs typeface="Courier New" panose="02070309020205020404" pitchFamily="49" charset="0"/>
+              </a:rPr>
+              <a:t> python</a:t>
+            </a:r>
+          </a:p>
+          <a:p>
+            <a:r>
+              <a:rPr lang="en-US" dirty="0">
+                <a:latin typeface="Courier New" panose="02070309020205020404" pitchFamily="49" charset="0"/>
+                <a:cs typeface="Courier New" panose="02070309020205020404" pitchFamily="49" charset="0"/>
+              </a:rPr>
+              <a:t>from mpi4py import MPI</a:t>
+            </a:r>
+          </a:p>
+          <a:p>
+            <a:endParaRPr lang="en-US" dirty="0">
+              <a:latin typeface="Courier New" panose="02070309020205020404" pitchFamily="49" charset="0"/>
+              <a:cs typeface="Courier New" panose="02070309020205020404" pitchFamily="49" charset="0"/>
+            </a:endParaRPr>
+          </a:p>
+          <a:p>
+            <a:r>
+              <a:rPr lang="en-US" dirty="0" err="1">
+                <a:latin typeface="Courier New" panose="02070309020205020404" pitchFamily="49" charset="0"/>
+                <a:cs typeface="Courier New" panose="02070309020205020404" pitchFamily="49" charset="0"/>
+              </a:rPr>
+              <a:t>comm</a:t>
+            </a:r>
+            <a:r>
+              <a:rPr lang="en-US" dirty="0">
+                <a:latin typeface="Courier New" panose="02070309020205020404" pitchFamily="49" charset="0"/>
+                <a:cs typeface="Courier New" panose="02070309020205020404" pitchFamily="49" charset="0"/>
+              </a:rPr>
+              <a:t> = MPI.COMM_WORLD</a:t>
+            </a:r>
+          </a:p>
+          <a:p>
+            <a:r>
+              <a:rPr lang="en-US" dirty="0">
+                <a:latin typeface="Courier New" panose="02070309020205020404" pitchFamily="49" charset="0"/>
+                <a:cs typeface="Courier New" panose="02070309020205020404" pitchFamily="49" charset="0"/>
+              </a:rPr>
+              <a:t>rank = </a:t>
+            </a:r>
+            <a:r>
+              <a:rPr lang="en-US" dirty="0" err="1" smtClean="0">
+                <a:latin typeface="Courier New" panose="02070309020205020404" pitchFamily="49" charset="0"/>
+                <a:cs typeface="Courier New" panose="02070309020205020404" pitchFamily="49" charset="0"/>
+              </a:rPr>
+              <a:t>comm.Get_rank</a:t>
+            </a:r>
+            <a:r>
+              <a:rPr lang="en-US" dirty="0" smtClean="0">
+                <a:latin typeface="Courier New" panose="02070309020205020404" pitchFamily="49" charset="0"/>
+                <a:cs typeface="Courier New" panose="02070309020205020404" pitchFamily="49" charset="0"/>
+              </a:rPr>
+              <a:t>()</a:t>
+            </a:r>
+            <a:endParaRPr lang="en-US" dirty="0">
+              <a:latin typeface="Courier New" panose="02070309020205020404" pitchFamily="49" charset="0"/>
+              <a:cs typeface="Courier New" panose="02070309020205020404" pitchFamily="49" charset="0"/>
+            </a:endParaRPr>
+          </a:p>
+          <a:p>
+            <a:r>
+              <a:rPr lang="en-US" dirty="0">
+                <a:latin typeface="Courier New" panose="02070309020205020404" pitchFamily="49" charset="0"/>
+                <a:cs typeface="Courier New" panose="02070309020205020404" pitchFamily="49" charset="0"/>
+              </a:rPr>
+              <a:t>size = </a:t>
+            </a:r>
+            <a:r>
+              <a:rPr lang="en-US" dirty="0" err="1" smtClean="0">
+                <a:latin typeface="Courier New" panose="02070309020205020404" pitchFamily="49" charset="0"/>
+                <a:cs typeface="Courier New" panose="02070309020205020404" pitchFamily="49" charset="0"/>
+              </a:rPr>
+              <a:t>comm.Get_size</a:t>
+            </a:r>
+            <a:r>
+              <a:rPr lang="en-US" dirty="0" smtClean="0">
+                <a:latin typeface="Courier New" panose="02070309020205020404" pitchFamily="49" charset="0"/>
+                <a:cs typeface="Courier New" panose="02070309020205020404" pitchFamily="49" charset="0"/>
+              </a:rPr>
+              <a:t>()</a:t>
+            </a:r>
+            <a:endParaRPr lang="en-US" dirty="0">
+              <a:latin typeface="Courier New" panose="02070309020205020404" pitchFamily="49" charset="0"/>
+              <a:cs typeface="Courier New" panose="02070309020205020404" pitchFamily="49" charset="0"/>
+            </a:endParaRPr>
+          </a:p>
+          <a:p>
+            <a:r>
+              <a:rPr lang="en-US" dirty="0">
+                <a:latin typeface="Courier New" panose="02070309020205020404" pitchFamily="49" charset="0"/>
+                <a:cs typeface="Courier New" panose="02070309020205020404" pitchFamily="49" charset="0"/>
+              </a:rPr>
+              <a:t>print('hello from {</a:t>
+            </a:r>
+            <a:r>
+              <a:rPr lang="en-US" dirty="0" smtClean="0">
+                <a:latin typeface="Courier New" panose="02070309020205020404" pitchFamily="49" charset="0"/>
+                <a:cs typeface="Courier New" panose="02070309020205020404" pitchFamily="49" charset="0"/>
+              </a:rPr>
+              <a:t>0:d}'.format(rank)</a:t>
+            </a:r>
+          </a:p>
+          <a:p>
+            <a:r>
+              <a:rPr lang="en-US" dirty="0" smtClean="0">
+                <a:latin typeface="Courier New" panose="02070309020205020404" pitchFamily="49" charset="0"/>
+                <a:cs typeface="Courier New" panose="02070309020205020404" pitchFamily="49" charset="0"/>
+              </a:rPr>
+              <a:t>if rank == 0:</a:t>
+            </a:r>
+          </a:p>
+          <a:p>
+            <a:r>
+              <a:rPr lang="en-US" dirty="0">
+                <a:latin typeface="Courier New" panose="02070309020205020404" pitchFamily="49" charset="0"/>
+                <a:cs typeface="Courier New" panose="02070309020205020404" pitchFamily="49" charset="0"/>
+              </a:rPr>
+              <a:t> </a:t>
+            </a:r>
+            <a:r>
+              <a:rPr lang="en-US" dirty="0" smtClean="0">
+                <a:latin typeface="Courier New" panose="02070309020205020404" pitchFamily="49" charset="0"/>
+                <a:cs typeface="Courier New" panose="02070309020205020404" pitchFamily="49" charset="0"/>
+              </a:rPr>
+              <a:t>   print('{0:d} </a:t>
+            </a:r>
+            <a:r>
+              <a:rPr lang="en-US" dirty="0" err="1" smtClean="0">
+                <a:latin typeface="Courier New" panose="02070309020205020404" pitchFamily="49" charset="0"/>
+                <a:cs typeface="Courier New" panose="02070309020205020404" pitchFamily="49" charset="0"/>
+              </a:rPr>
+              <a:t>processes'.format</a:t>
+            </a:r>
+            <a:r>
+              <a:rPr lang="en-US" dirty="0" smtClean="0">
+                <a:latin typeface="Courier New" panose="02070309020205020404" pitchFamily="49" charset="0"/>
+                <a:cs typeface="Courier New" panose="02070309020205020404" pitchFamily="49" charset="0"/>
+              </a:rPr>
+              <a:t>(size))</a:t>
+            </a:r>
+            <a:endParaRPr lang="en-US" dirty="0">
+              <a:latin typeface="Courier New" panose="02070309020205020404" pitchFamily="49" charset="0"/>
+              <a:cs typeface="Courier New" panose="02070309020205020404" pitchFamily="49" charset="0"/>
+            </a:endParaRPr>
+          </a:p>
+        </p:txBody>
+      </p:sp>
+      <p:sp>
+        <p:nvSpPr>
+          <p:cNvPr id="5" name="TextBox 4"/>
+          <p:cNvSpPr txBox="1"/>
+          <p:nvPr/>
+        </p:nvSpPr>
+        <p:spPr>
+          <a:xfrm>
+            <a:off x="6486946" y="4725144"/>
+            <a:ext cx="2189510" cy="1477328"/>
+          </a:xfrm>
+          <a:prstGeom prst="rect">
+            <a:avLst/>
+          </a:prstGeom>
+          <a:noFill/>
+          <a:ln>
+            <a:solidFill>
+              <a:schemeClr val="tx1"/>
+            </a:solidFill>
+          </a:ln>
+        </p:spPr>
+        <p:txBody>
+          <a:bodyPr wrap="none" rtlCol="0">
+            <a:spAutoFit/>
+          </a:bodyPr>
+          <a:lstStyle/>
+          <a:p>
+            <a:r>
+              <a:rPr lang="en-US" dirty="0" smtClean="0"/>
+              <a:t>hello from 3 out of 4!</a:t>
+            </a:r>
+          </a:p>
+          <a:p>
+            <a:r>
+              <a:rPr lang="en-US" dirty="0" smtClean="0"/>
+              <a:t>hello from 0 out of 4!</a:t>
+            </a:r>
+          </a:p>
+          <a:p>
+            <a:r>
+              <a:rPr lang="en-US" dirty="0"/>
+              <a:t>hello from 2 out of 4!</a:t>
+            </a:r>
+          </a:p>
+          <a:p>
+            <a:r>
+              <a:rPr lang="en-US" dirty="0" smtClean="0"/>
+              <a:t>4 processes</a:t>
+            </a:r>
+          </a:p>
+          <a:p>
+            <a:r>
+              <a:rPr lang="en-US" dirty="0" smtClean="0"/>
+              <a:t>hello from 1 out of 4!</a:t>
+            </a:r>
+          </a:p>
+        </p:txBody>
+      </p:sp>
+      <p:sp>
+        <p:nvSpPr>
+          <p:cNvPr id="6" name="TextBox 5"/>
+          <p:cNvSpPr txBox="1"/>
+          <p:nvPr/>
+        </p:nvSpPr>
+        <p:spPr>
+          <a:xfrm>
+            <a:off x="5796136" y="1988840"/>
+            <a:ext cx="3033074" cy="1200329"/>
+          </a:xfrm>
+          <a:prstGeom prst="rect">
+            <a:avLst/>
+          </a:prstGeom>
+          <a:solidFill>
+            <a:schemeClr val="bg1"/>
+          </a:solidFill>
+          <a:ln>
+            <a:solidFill>
+              <a:schemeClr val="tx1"/>
+            </a:solidFill>
+          </a:ln>
+        </p:spPr>
+        <p:txBody>
+          <a:bodyPr wrap="none" rtlCol="0">
+            <a:spAutoFit/>
+          </a:bodyPr>
+          <a:lstStyle/>
+          <a:p>
+            <a:r>
+              <a:rPr lang="en-US" sz="2400" dirty="0" smtClean="0"/>
+              <a:t>Note: </a:t>
+            </a:r>
+            <a:r>
+              <a:rPr lang="en-US" sz="2400" dirty="0" smtClean="0">
+                <a:latin typeface="Courier New" panose="02070309020205020404" pitchFamily="49" charset="0"/>
+                <a:cs typeface="Courier New" panose="02070309020205020404" pitchFamily="49" charset="0"/>
+              </a:rPr>
+              <a:t>rank</a:t>
+            </a:r>
+            <a:r>
+              <a:rPr lang="en-US" sz="2400" dirty="0" smtClean="0"/>
+              <a:t> and </a:t>
+            </a:r>
+            <a:r>
+              <a:rPr lang="en-US" sz="2400" dirty="0" smtClean="0">
+                <a:latin typeface="Courier New" panose="02070309020205020404" pitchFamily="49" charset="0"/>
+                <a:cs typeface="Courier New" panose="02070309020205020404" pitchFamily="49" charset="0"/>
+              </a:rPr>
+              <a:t>size</a:t>
+            </a:r>
+            <a:r>
+              <a:rPr lang="en-US" sz="2400" dirty="0" smtClean="0"/>
+              <a:t/>
+            </a:r>
+            <a:br>
+              <a:rPr lang="en-US" sz="2400" dirty="0" smtClean="0"/>
+            </a:br>
+            <a:r>
+              <a:rPr lang="en-US" sz="2400" dirty="0" smtClean="0"/>
+              <a:t>are private to process,</a:t>
+            </a:r>
+            <a:br>
+              <a:rPr lang="en-US" sz="2400" dirty="0" smtClean="0"/>
+            </a:br>
+            <a:r>
+              <a:rPr lang="en-US" sz="2400" i="1" dirty="0" smtClean="0"/>
+              <a:t>"shared nothing"</a:t>
+            </a:r>
+            <a:endParaRPr lang="nl-BE" sz="2400" i="1" dirty="0"/>
+          </a:p>
+        </p:txBody>
+      </p:sp>
+      <p:sp>
+        <p:nvSpPr>
+          <p:cNvPr id="3" name="TextBox 2"/>
+          <p:cNvSpPr txBox="1"/>
+          <p:nvPr/>
+        </p:nvSpPr>
+        <p:spPr>
+          <a:xfrm>
+            <a:off x="179512" y="5991671"/>
+            <a:ext cx="5966120" cy="461665"/>
+          </a:xfrm>
+          <a:prstGeom prst="rect">
+            <a:avLst/>
+          </a:prstGeom>
+          <a:noFill/>
+          <a:ln>
+            <a:solidFill>
+              <a:schemeClr val="tx1"/>
+            </a:solidFill>
+          </a:ln>
+        </p:spPr>
+        <p:txBody>
+          <a:bodyPr wrap="none" rtlCol="0">
+            <a:spAutoFit/>
+          </a:bodyPr>
+          <a:lstStyle/>
+          <a:p>
+            <a:r>
+              <a:rPr lang="en-US" sz="2400" dirty="0" smtClean="0"/>
+              <a:t>Processes can run on different compute nodes</a:t>
+            </a:r>
+            <a:endParaRPr lang="nl-BE" sz="2400" dirty="0"/>
+          </a:p>
+        </p:txBody>
+      </p:sp>
+      <p:sp>
+        <p:nvSpPr>
+          <p:cNvPr id="7" name="Slide Number Placeholder 6"/>
+          <p:cNvSpPr>
+            <a:spLocks noGrp="1"/>
+          </p:cNvSpPr>
+          <p:nvPr>
+            <p:ph type="sldNum" sz="quarter" idx="12"/>
+          </p:nvPr>
+        </p:nvSpPr>
+        <p:spPr/>
+        <p:txBody>
+          <a:bodyPr/>
+          <a:lstStyle/>
+          <a:p>
+            <a:fld id="{D1918C2E-FE36-451E-B80E-1968976550A5}" type="slidenum">
+              <a:rPr lang="nl-BE" smtClean="0"/>
+              <a:t>11</a:t>
+            </a:fld>
+            <a:endParaRPr lang="nl-BE"/>
+          </a:p>
+        </p:txBody>
+      </p:sp>
+    </p:spTree>
+    <p:extLst>
+      <p:ext uri="{BB962C8B-B14F-4D97-AF65-F5344CB8AC3E}">
+        <p14:creationId xmlns:p14="http://schemas.microsoft.com/office/powerpoint/2010/main" val="2784527049"/>
+      </p:ext>
+    </p:extLst>
+  </p:cSld>
+  <p:clrMapOvr>
+    <a:masterClrMapping/>
+  </p:clrMapOvr>
+  <p:timing>
+    <p:tnLst>
+      <p:par>
+        <p:cTn id="1" dur="indefinite" restart="never" nodeType="tmRoot">
+          <p:childTnLst>
+            <p:seq concurrent="1" nextAc="seek">
+              <p:cTn id="2" dur="indefinite" nodeType="mainSeq">
+                <p:childTnLst>
+                  <p:par>
+                    <p:cTn id="3" fill="hold">
+                      <p:stCondLst>
+                        <p:cond delay="indefinite"/>
+                      </p:stCondLst>
+                      <p:childTnLst>
+                        <p:par>
+                          <p:cTn id="4" fill="hold">
+                            <p:stCondLst>
+                              <p:cond delay="0"/>
+                            </p:stCondLst>
+                            <p:childTnLst>
+                              <p:par>
+                                <p:cTn id="5" presetID="1" presetClass="entr" presetSubtype="0" fill="hold" grpId="0" nodeType="clickEffect">
+                                  <p:stCondLst>
+                                    <p:cond delay="0"/>
+                                  </p:stCondLst>
+                                  <p:childTnLst>
+                                    <p:set>
+                                      <p:cBhvr>
+                                        <p:cTn id="6" dur="1" fill="hold">
+                                          <p:stCondLst>
+                                            <p:cond delay="0"/>
+                                          </p:stCondLst>
+                                        </p:cTn>
+                                        <p:tgtEl>
+                                          <p:spTgt spid="5"/>
+                                        </p:tgtEl>
+                                        <p:attrNameLst>
+                                          <p:attrName>style.visibility</p:attrName>
+                                        </p:attrNameLst>
+                                      </p:cBhvr>
+                                      <p:to>
+                                        <p:strVal val="visible"/>
+                                      </p:to>
+                                    </p:set>
+                                  </p:childTnLst>
+                                </p:cTn>
+                              </p:par>
+                              <p:par>
+                                <p:cTn id="7" presetID="1" presetClass="entr" presetSubtype="0" fill="hold" grpId="0" nodeType="withEffect">
+                                  <p:stCondLst>
+                                    <p:cond delay="0"/>
+                                  </p:stCondLst>
+                                  <p:childTnLst>
+                                    <p:set>
+                                      <p:cBhvr>
+                                        <p:cTn id="8" dur="1" fill="hold">
+                                          <p:stCondLst>
+                                            <p:cond delay="0"/>
+                                          </p:stCondLst>
+                                        </p:cTn>
+                                        <p:tgtEl>
+                                          <p:spTgt spid="3"/>
+                                        </p:tgtEl>
+                                        <p:attrNameLst>
+                                          <p:attrName>style.visibility</p:attrName>
+                                        </p:attrNameLst>
+                                      </p:cBhvr>
+                                      <p:to>
+                                        <p:strVal val="visible"/>
+                                      </p:to>
+                                    </p:set>
+                                  </p:childTnLst>
+                                </p:cTn>
+                              </p:par>
+                            </p:childTnLst>
+                          </p:cTn>
+                        </p:par>
+                      </p:childTnLst>
+                    </p:cTn>
+                  </p:par>
+                  <p:par>
+                    <p:cTn id="9" fill="hold">
+                      <p:stCondLst>
+                        <p:cond delay="indefinite"/>
+                      </p:stCondLst>
+                      <p:childTnLst>
+                        <p:par>
+                          <p:cTn id="10" fill="hold">
+                            <p:stCondLst>
+                              <p:cond delay="0"/>
+                            </p:stCondLst>
+                            <p:childTnLst>
+                              <p:par>
+                                <p:cTn id="11" presetID="1" presetClass="entr" presetSubtype="0" fill="hold" grpId="0" nodeType="clickEffect">
+                                  <p:stCondLst>
+                                    <p:cond delay="0"/>
+                                  </p:stCondLst>
+                                  <p:childTnLst>
+                                    <p:set>
+                                      <p:cBhvr>
+                                        <p:cTn id="12" dur="1" fill="hold">
+                                          <p:stCondLst>
+                                            <p:cond delay="0"/>
+                                          </p:stCondLst>
+                                        </p:cTn>
+                                        <p:tgtEl>
+                                          <p:spTgt spid="6"/>
+                                        </p:tgtEl>
+                                        <p:attrNameLst>
+                                          <p:attrName>style.visibility</p:attrName>
+                                        </p:attrNameLst>
+                                      </p:cBhvr>
+                                      <p:to>
+                                        <p:strVal val="visible"/>
+                                      </p:to>
+                                    </p:set>
+                                  </p:childTnLst>
+                                </p:cTn>
+                              </p:par>
+                            </p:childTnLst>
+                          </p:cTn>
+                        </p:par>
+                      </p:childTnLst>
+                    </p:cTn>
+                  </p:par>
+                </p:childTnLst>
+              </p:cTn>
+              <p:prevCondLst>
+                <p:cond evt="onPrev" delay="0">
+                  <p:tgtEl>
+                    <p:sldTgt/>
+                  </p:tgtEl>
+                </p:cond>
+              </p:prevCondLst>
+              <p:nextCondLst>
+                <p:cond evt="onNext" delay="0">
+                  <p:tgtEl>
+                    <p:sldTgt/>
+                  </p:tgtEl>
+                </p:cond>
+              </p:nextCondLst>
+            </p:seq>
+          </p:childTnLst>
+        </p:cTn>
+      </p:par>
+    </p:tnLst>
+    <p:bldLst>
+      <p:bldP spid="5" grpId="0" animBg="1"/>
+      <p:bldP spid="6" grpId="0" animBg="1"/>
+      <p:bldP spid="3" grpId="0" animBg="1"/>
+    </p:bldLst>
+  </p:timing>
+</p:sld>
+</file>
+
+<file path=ppt/slides/slide12.xml><?xml version="1.0" encoding="utf-8"?>
+<p:sld xmlns:a="http://schemas.openxmlformats.org/drawingml/2006/main" xmlns:r="http://schemas.openxmlformats.org/officeDocument/2006/relationships" xmlns:p="http://schemas.openxmlformats.org/presentationml/2006/main">
+  <p:cSld>
+    <p:spTree>
+      <p:nvGrpSpPr>
+        <p:cNvPr id="1" name=""/>
+        <p:cNvGrpSpPr/>
+        <p:nvPr/>
+      </p:nvGrpSpPr>
+      <p:grpSpPr>
+        <a:xfrm>
+          <a:off x="0" y="0"/>
+          <a:ext cx="0" cy="0"/>
+          <a:chOff x="0" y="0"/>
+          <a:chExt cx="0" cy="0"/>
+        </a:xfrm>
+      </p:grpSpPr>
+      <p:sp>
+        <p:nvSpPr>
+          <p:cNvPr id="2" name="Title 1"/>
+          <p:cNvSpPr>
+            <a:spLocks noGrp="1"/>
+          </p:cNvSpPr>
+          <p:nvPr>
+            <p:ph type="title"/>
+          </p:nvPr>
+        </p:nvSpPr>
+        <p:spPr/>
+        <p:txBody>
+          <a:bodyPr/>
+          <a:lstStyle/>
+          <a:p>
+            <a:r>
+              <a:rPr lang="en-US" dirty="0" smtClean="0"/>
+              <a:t>Communication of Python objects</a:t>
+            </a:r>
+            <a:endParaRPr lang="nl-BE" dirty="0"/>
+          </a:p>
+        </p:txBody>
+      </p:sp>
+      <p:sp>
+        <p:nvSpPr>
+          <p:cNvPr id="3" name="Text Placeholder 2"/>
+          <p:cNvSpPr>
+            <a:spLocks noGrp="1"/>
+          </p:cNvSpPr>
+          <p:nvPr>
+            <p:ph type="body" idx="1"/>
+          </p:nvPr>
+        </p:nvSpPr>
+        <p:spPr/>
+        <p:txBody>
+          <a:bodyPr/>
+          <a:lstStyle/>
+          <a:p>
+            <a:endParaRPr lang="nl-BE"/>
+          </a:p>
+        </p:txBody>
+      </p:sp>
+      <p:sp>
+        <p:nvSpPr>
+          <p:cNvPr id="4" name="Slide Number Placeholder 3"/>
+          <p:cNvSpPr>
+            <a:spLocks noGrp="1"/>
+          </p:cNvSpPr>
+          <p:nvPr>
+            <p:ph type="sldNum" sz="quarter" idx="12"/>
+          </p:nvPr>
+        </p:nvSpPr>
+        <p:spPr/>
+        <p:txBody>
+          <a:bodyPr/>
+          <a:lstStyle/>
+          <a:p>
+            <a:fld id="{D1918C2E-FE36-451E-B80E-1968976550A5}" type="slidenum">
+              <a:rPr lang="nl-BE" smtClean="0"/>
+              <a:t>12</a:t>
+            </a:fld>
+            <a:endParaRPr lang="nl-BE"/>
+          </a:p>
+        </p:txBody>
+      </p:sp>
+    </p:spTree>
+    <p:extLst>
+      <p:ext uri="{BB962C8B-B14F-4D97-AF65-F5344CB8AC3E}">
+        <p14:creationId xmlns:p14="http://schemas.microsoft.com/office/powerpoint/2010/main" val="74355427"/>
+      </p:ext>
+    </p:extLst>
+  </p:cSld>
+  <p:clrMapOvr>
+    <a:masterClrMapping/>
+  </p:clrMapOvr>
+</p:sld>
+</file>
+
+<file path=ppt/slides/slide13.xml><?xml version="1.0" encoding="utf-8"?>
+<p:sld xmlns:a="http://schemas.openxmlformats.org/drawingml/2006/main" xmlns:r="http://schemas.openxmlformats.org/officeDocument/2006/relationships" xmlns:p="http://schemas.openxmlformats.org/presentationml/2006/main">
+  <p:cSld>
+    <p:spTree>
+      <p:nvGrpSpPr>
+        <p:cNvPr id="1" name=""/>
+        <p:cNvGrpSpPr/>
+        <p:nvPr/>
+      </p:nvGrpSpPr>
+      <p:grpSpPr>
+        <a:xfrm>
+          <a:off x="0" y="0"/>
+          <a:ext cx="0" cy="0"/>
+          <a:chOff x="0" y="0"/>
+          <a:chExt cx="0" cy="0"/>
+        </a:xfrm>
+      </p:grpSpPr>
+      <p:sp>
+        <p:nvSpPr>
+          <p:cNvPr id="2" name="Title 1"/>
+          <p:cNvSpPr>
+            <a:spLocks noGrp="1"/>
+          </p:cNvSpPr>
+          <p:nvPr>
+            <p:ph type="title"/>
+          </p:nvPr>
+        </p:nvSpPr>
+        <p:spPr/>
+        <p:txBody>
+          <a:bodyPr/>
+          <a:lstStyle/>
+          <a:p>
+            <a:r>
+              <a:rPr lang="en-US" dirty="0" smtClean="0"/>
               <a:t>Communication</a:t>
             </a:r>
             <a:endParaRPr lang="nl-BE" dirty="0"/>
@@ -3717,7 +4975,7 @@
           <a:p>
             <a:fld id="{D1918C2E-FE36-451E-B80E-1968976550A5}" type="slidenum">
               <a:rPr lang="nl-BE" smtClean="0"/>
-              <a:t>10</a:t>
+              <a:t>13</a:t>
             </a:fld>
             <a:endParaRPr lang="nl-BE"/>
           </a:p>
@@ -4074,7 +5332,7 @@
 </p:sld>
 </file>
 
-<file path=ppt/slides/slide11.xml><?xml version="1.0" encoding="utf-8"?>
+<file path=ppt/slides/slide14.xml><?xml version="1.0" encoding="utf-8"?>
 <p:sld xmlns:a="http://schemas.openxmlformats.org/drawingml/2006/main" xmlns:r="http://schemas.openxmlformats.org/officeDocument/2006/relationships" xmlns:p="http://schemas.openxmlformats.org/presentationml/2006/main">
   <p:cSld>
     <p:spTree>
@@ -4640,7 +5898,7 @@
           <a:p>
             <a:fld id="{D1918C2E-FE36-451E-B80E-1968976550A5}" type="slidenum">
               <a:rPr lang="nl-BE" smtClean="0"/>
-              <a:t>11</a:t>
+              <a:t>14</a:t>
             </a:fld>
             <a:endParaRPr lang="nl-BE"/>
           </a:p>
@@ -4779,7 +6037,7 @@
 </p:sld>
 </file>
 
-<file path=ppt/slides/slide12.xml><?xml version="1.0" encoding="utf-8"?>
+<file path=ppt/slides/slide15.xml><?xml version="1.0" encoding="utf-8"?>
 <p:sld xmlns:a="http://schemas.openxmlformats.org/drawingml/2006/main" xmlns:r="http://schemas.openxmlformats.org/officeDocument/2006/relationships" xmlns:p="http://schemas.openxmlformats.org/presentationml/2006/main">
   <p:cSld>
     <p:spTree>
@@ -5025,7 +6283,7 @@
           <a:p>
             <a:fld id="{D1918C2E-FE36-451E-B80E-1968976550A5}" type="slidenum">
               <a:rPr lang="nl-BE" smtClean="0"/>
-              <a:t>12</a:t>
+              <a:t>15</a:t>
             </a:fld>
             <a:endParaRPr lang="nl-BE"/>
           </a:p>
@@ -5307,7 +6565,7 @@
 </p:sld>
 </file>
 
-<file path=ppt/slides/slide13.xml><?xml version="1.0" encoding="utf-8"?>
+<file path=ppt/slides/slide16.xml><?xml version="1.0" encoding="utf-8"?>
 <p:sld xmlns:a="http://schemas.openxmlformats.org/drawingml/2006/main" xmlns:r="http://schemas.openxmlformats.org/officeDocument/2006/relationships" xmlns:p="http://schemas.openxmlformats.org/presentationml/2006/main">
   <p:cSld>
     <p:spTree>
@@ -5532,7 +6790,7 @@
           <a:p>
             <a:fld id="{D1918C2E-FE36-451E-B80E-1968976550A5}" type="slidenum">
               <a:rPr lang="nl-BE" smtClean="0"/>
-              <a:t>13</a:t>
+              <a:t>16</a:t>
             </a:fld>
             <a:endParaRPr lang="nl-BE"/>
           </a:p>
@@ -5842,7 +7100,7 @@
 </p:sld>
 </file>
 
-<file path=ppt/slides/slide14.xml><?xml version="1.0" encoding="utf-8"?>
+<file path=ppt/slides/slide17.xml><?xml version="1.0" encoding="utf-8"?>
 <p:sld xmlns:a="http://schemas.openxmlformats.org/drawingml/2006/main" xmlns:r="http://schemas.openxmlformats.org/officeDocument/2006/relationships" xmlns:p="http://schemas.openxmlformats.org/presentationml/2006/main">
   <p:cSld>
     <p:spTree>
@@ -6032,7 +7290,7 @@
           <a:p>
             <a:fld id="{D1918C2E-FE36-451E-B80E-1968976550A5}" type="slidenum">
               <a:rPr lang="nl-BE" smtClean="0"/>
-              <a:t>14</a:t>
+              <a:t>17</a:t>
             </a:fld>
             <a:endParaRPr lang="nl-BE"/>
           </a:p>
@@ -6469,7 +7727,7 @@
 </p:sld>
 </file>
 
-<file path=ppt/slides/slide15.xml><?xml version="1.0" encoding="utf-8"?>
+<file path=ppt/slides/slide18.xml><?xml version="1.0" encoding="utf-8"?>
 <p:sld xmlns:a="http://schemas.openxmlformats.org/drawingml/2006/main" xmlns:r="http://schemas.openxmlformats.org/officeDocument/2006/relationships" xmlns:p="http://schemas.openxmlformats.org/presentationml/2006/main">
   <p:cSld>
     <p:spTree>
@@ -7083,7 +8341,7 @@
           <a:p>
             <a:fld id="{D1918C2E-FE36-451E-B80E-1968976550A5}" type="slidenum">
               <a:rPr lang="nl-BE" smtClean="0"/>
-              <a:t>15</a:t>
+              <a:t>18</a:t>
             </a:fld>
             <a:endParaRPr lang="nl-BE"/>
           </a:p>
@@ -7177,7 +8435,7 @@
 </p:sld>
 </file>
 
-<file path=ppt/slides/slide16.xml><?xml version="1.0" encoding="utf-8"?>
+<file path=ppt/slides/slide19.xml><?xml version="1.0" encoding="utf-8"?>
 <p:sld xmlns:a="http://schemas.openxmlformats.org/drawingml/2006/main" xmlns:r="http://schemas.openxmlformats.org/officeDocument/2006/relationships" xmlns:p="http://schemas.openxmlformats.org/presentationml/2006/main">
   <p:cSld>
     <p:spTree>
@@ -8126,7 +9384,7 @@
           <a:p>
             <a:fld id="{D1918C2E-FE36-451E-B80E-1968976550A5}" type="slidenum">
               <a:rPr lang="nl-BE" smtClean="0"/>
-              <a:t>16</a:t>
+              <a:t>19</a:t>
             </a:fld>
             <a:endParaRPr lang="nl-BE"/>
           </a:p>
@@ -8310,7 +9568,102 @@
 </p:sld>
 </file>
 
-<file path=ppt/slides/slide17.xml><?xml version="1.0" encoding="utf-8"?>
+<file path=ppt/slides/slide2.xml><?xml version="1.0" encoding="utf-8"?>
+<p:sld xmlns:a="http://schemas.openxmlformats.org/drawingml/2006/main" xmlns:r="http://schemas.openxmlformats.org/officeDocument/2006/relationships" xmlns:p="http://schemas.openxmlformats.org/presentationml/2006/main">
+  <p:cSld>
+    <p:spTree>
+      <p:nvGrpSpPr>
+        <p:cNvPr id="1" name=""/>
+        <p:cNvGrpSpPr/>
+        <p:nvPr/>
+      </p:nvGrpSpPr>
+      <p:grpSpPr>
+        <a:xfrm>
+          <a:off x="0" y="0"/>
+          <a:ext cx="0" cy="0"/>
+          <a:chOff x="0" y="0"/>
+          <a:chExt cx="0" cy="0"/>
+        </a:xfrm>
+      </p:grpSpPr>
+      <p:sp>
+        <p:nvSpPr>
+          <p:cNvPr id="2" name="Title 1"/>
+          <p:cNvSpPr>
+            <a:spLocks noGrp="1"/>
+          </p:cNvSpPr>
+          <p:nvPr>
+            <p:ph type="title"/>
+          </p:nvPr>
+        </p:nvSpPr>
+        <p:spPr/>
+        <p:txBody>
+          <a:bodyPr/>
+          <a:lstStyle/>
+          <a:p>
+            <a:r>
+              <a:rPr lang="en-US" dirty="0" smtClean="0"/>
+              <a:t>Introduction</a:t>
+            </a:r>
+            <a:endParaRPr lang="nl-BE" dirty="0"/>
+          </a:p>
+        </p:txBody>
+      </p:sp>
+      <p:sp>
+        <p:nvSpPr>
+          <p:cNvPr id="3" name="Text Placeholder 2"/>
+          <p:cNvSpPr>
+            <a:spLocks noGrp="1"/>
+          </p:cNvSpPr>
+          <p:nvPr>
+            <p:ph type="body" idx="1"/>
+          </p:nvPr>
+        </p:nvSpPr>
+        <p:spPr/>
+        <p:txBody>
+          <a:bodyPr/>
+          <a:lstStyle/>
+          <a:p>
+            <a:endParaRPr lang="nl-BE"/>
+          </a:p>
+        </p:txBody>
+      </p:sp>
+      <p:sp>
+        <p:nvSpPr>
+          <p:cNvPr id="4" name="Slide Number Placeholder 3"/>
+          <p:cNvSpPr>
+            <a:spLocks noGrp="1"/>
+          </p:cNvSpPr>
+          <p:nvPr>
+            <p:ph type="sldNum" sz="quarter" idx="12"/>
+          </p:nvPr>
+        </p:nvSpPr>
+        <p:spPr/>
+        <p:txBody>
+          <a:bodyPr/>
+          <a:lstStyle/>
+          <a:p>
+            <a:fld id="{D1918C2E-FE36-451E-B80E-1968976550A5}" type="slidenum">
+              <a:rPr lang="nl-BE" smtClean="0"/>
+              <a:t>2</a:t>
+            </a:fld>
+            <a:endParaRPr lang="nl-BE"/>
+          </a:p>
+        </p:txBody>
+      </p:sp>
+    </p:spTree>
+    <p:extLst>
+      <p:ext uri="{BB962C8B-B14F-4D97-AF65-F5344CB8AC3E}">
+        <p14:creationId xmlns:p14="http://schemas.microsoft.com/office/powerpoint/2010/main" val="938288623"/>
+      </p:ext>
+    </p:extLst>
+  </p:cSld>
+  <p:clrMapOvr>
+    <a:masterClrMapping/>
+  </p:clrMapOvr>
+</p:sld>
+</file>
+
+<file path=ppt/slides/slide20.xml><?xml version="1.0" encoding="utf-8"?>
 <p:sld xmlns:a="http://schemas.openxmlformats.org/drawingml/2006/main" xmlns:r="http://schemas.openxmlformats.org/officeDocument/2006/relationships" xmlns:p="http://schemas.openxmlformats.org/presentationml/2006/main">
   <p:cSld>
     <p:spTree>
@@ -9262,7 +10615,7 @@
           <a:p>
             <a:fld id="{D1918C2E-FE36-451E-B80E-1968976550A5}" type="slidenum">
               <a:rPr lang="nl-BE" smtClean="0"/>
-              <a:t>17</a:t>
+              <a:t>20</a:t>
             </a:fld>
             <a:endParaRPr lang="nl-BE"/>
           </a:p>
@@ -9494,7 +10847,7 @@
 </p:sld>
 </file>
 
-<file path=ppt/slides/slide18.xml><?xml version="1.0" encoding="utf-8"?>
+<file path=ppt/slides/slide21.xml><?xml version="1.0" encoding="utf-8"?>
 <p:sld xmlns:a="http://schemas.openxmlformats.org/drawingml/2006/main" xmlns:r="http://schemas.openxmlformats.org/officeDocument/2006/relationships" xmlns:p="http://schemas.openxmlformats.org/presentationml/2006/main">
   <p:cSld>
     <p:spTree>
@@ -10506,7 +11859,7 @@
           <a:p>
             <a:fld id="{D1918C2E-FE36-451E-B80E-1968976550A5}" type="slidenum">
               <a:rPr lang="nl-BE" smtClean="0"/>
-              <a:t>18</a:t>
+              <a:t>21</a:t>
             </a:fld>
             <a:endParaRPr lang="nl-BE"/>
           </a:p>
@@ -10738,7 +12091,7 @@
 </p:sld>
 </file>
 
-<file path=ppt/slides/slide19.xml><?xml version="1.0" encoding="utf-8"?>
+<file path=ppt/slides/slide22.xml><?xml version="1.0" encoding="utf-8"?>
 <p:sld xmlns:a="http://schemas.openxmlformats.org/drawingml/2006/main" xmlns:r="http://schemas.openxmlformats.org/officeDocument/2006/relationships" xmlns:p="http://schemas.openxmlformats.org/presentationml/2006/main">
   <p:cSld>
     <p:spTree>
@@ -10965,7 +12318,7 @@
           <a:p>
             <a:fld id="{D1918C2E-FE36-451E-B80E-1968976550A5}" type="slidenum">
               <a:rPr lang="nl-BE" smtClean="0"/>
-              <a:t>19</a:t>
+              <a:t>22</a:t>
             </a:fld>
             <a:endParaRPr lang="nl-BE"/>
           </a:p>
@@ -11291,424 +12644,7 @@
 </p:sld>
 </file>
 
-<file path=ppt/slides/slide2.xml><?xml version="1.0" encoding="utf-8"?>
-<p:sld xmlns:a="http://schemas.openxmlformats.org/drawingml/2006/main" xmlns:r="http://schemas.openxmlformats.org/officeDocument/2006/relationships" xmlns:p="http://schemas.openxmlformats.org/presentationml/2006/main">
-  <p:cSld>
-    <p:spTree>
-      <p:nvGrpSpPr>
-        <p:cNvPr id="1" name=""/>
-        <p:cNvGrpSpPr/>
-        <p:nvPr/>
-      </p:nvGrpSpPr>
-      <p:grpSpPr>
-        <a:xfrm>
-          <a:off x="0" y="0"/>
-          <a:ext cx="0" cy="0"/>
-          <a:chOff x="0" y="0"/>
-          <a:chExt cx="0" cy="0"/>
-        </a:xfrm>
-      </p:grpSpPr>
-      <p:sp>
-        <p:nvSpPr>
-          <p:cNvPr id="2" name="Title 1"/>
-          <p:cNvSpPr>
-            <a:spLocks noGrp="1"/>
-          </p:cNvSpPr>
-          <p:nvPr>
-            <p:ph type="title"/>
-          </p:nvPr>
-        </p:nvSpPr>
-        <p:spPr/>
-        <p:txBody>
-          <a:bodyPr/>
-          <a:lstStyle/>
-          <a:p>
-            <a:r>
-              <a:rPr lang="en-US" dirty="0" smtClean="0"/>
-              <a:t>Motivation</a:t>
-            </a:r>
-            <a:endParaRPr lang="nl-BE" dirty="0"/>
-          </a:p>
-        </p:txBody>
-      </p:sp>
-      <p:sp>
-        <p:nvSpPr>
-          <p:cNvPr id="3" name="Content Placeholder 2"/>
-          <p:cNvSpPr>
-            <a:spLocks noGrp="1"/>
-          </p:cNvSpPr>
-          <p:nvPr>
-            <p:ph idx="1"/>
-          </p:nvPr>
-        </p:nvSpPr>
-        <p:spPr/>
-        <p:txBody>
-          <a:bodyPr>
-            <a:normAutofit lnSpcReduction="10000"/>
-          </a:bodyPr>
-          <a:lstStyle/>
-          <a:p>
-            <a:r>
-              <a:rPr lang="en-US" dirty="0" smtClean="0"/>
-              <a:t>Why distributed programming?</a:t>
-            </a:r>
-          </a:p>
-          <a:p>
-            <a:pPr lvl="1"/>
-            <a:r>
-              <a:rPr lang="en-US" dirty="0" smtClean="0"/>
-              <a:t>very large data structures (typically multidimensional arrays)</a:t>
-            </a:r>
-          </a:p>
-          <a:p>
-            <a:pPr lvl="1"/>
-            <a:r>
-              <a:rPr lang="en-US" dirty="0" smtClean="0"/>
-              <a:t>large computational load</a:t>
-            </a:r>
-          </a:p>
-          <a:p>
-            <a:r>
-              <a:rPr lang="en-US" dirty="0" smtClean="0"/>
-              <a:t>Many problems require (non-trivial) efficient communication between processes</a:t>
-            </a:r>
-          </a:p>
-          <a:p>
-            <a:pPr lvl="1"/>
-            <a:r>
-              <a:rPr lang="en-US" dirty="0" smtClean="0"/>
-              <a:t>exchange of data, state</a:t>
-            </a:r>
-          </a:p>
-          <a:p>
-            <a:r>
-              <a:rPr lang="en-US" dirty="0" smtClean="0"/>
-              <a:t>Need for standardization: </a:t>
-            </a:r>
-            <a:r>
-              <a:rPr lang="en-US" dirty="0" err="1" smtClean="0"/>
-              <a:t>Messsage</a:t>
-            </a:r>
-            <a:r>
-              <a:rPr lang="en-US" dirty="0" smtClean="0"/>
-              <a:t> Passing Interface (MPI)</a:t>
-            </a:r>
-          </a:p>
-        </p:txBody>
-      </p:sp>
-      <p:sp>
-        <p:nvSpPr>
-          <p:cNvPr id="4" name="Slide Number Placeholder 3"/>
-          <p:cNvSpPr>
-            <a:spLocks noGrp="1"/>
-          </p:cNvSpPr>
-          <p:nvPr>
-            <p:ph type="sldNum" sz="quarter" idx="12"/>
-          </p:nvPr>
-        </p:nvSpPr>
-        <p:spPr/>
-        <p:txBody>
-          <a:bodyPr/>
-          <a:lstStyle/>
-          <a:p>
-            <a:fld id="{D1918C2E-FE36-451E-B80E-1968976550A5}" type="slidenum">
-              <a:rPr lang="nl-BE" smtClean="0"/>
-              <a:t>2</a:t>
-            </a:fld>
-            <a:endParaRPr lang="nl-BE"/>
-          </a:p>
-        </p:txBody>
-      </p:sp>
-    </p:spTree>
-    <p:extLst>
-      <p:ext uri="{BB962C8B-B14F-4D97-AF65-F5344CB8AC3E}">
-        <p14:creationId xmlns:p14="http://schemas.microsoft.com/office/powerpoint/2010/main" val="2971254233"/>
-      </p:ext>
-    </p:extLst>
-  </p:cSld>
-  <p:clrMapOvr>
-    <a:masterClrMapping/>
-  </p:clrMapOvr>
-  <p:timing>
-    <p:tnLst>
-      <p:par>
-        <p:cTn id="1" dur="indefinite" restart="never" nodeType="tmRoot">
-          <p:childTnLst>
-            <p:seq concurrent="1" nextAc="seek">
-              <p:cTn id="2" dur="indefinite" nodeType="mainSeq">
-                <p:childTnLst>
-                  <p:par>
-                    <p:cTn id="3" fill="hold">
-                      <p:stCondLst>
-                        <p:cond delay="indefinite"/>
-                        <p:cond evt="onBegin" delay="0">
-                          <p:tn val="2"/>
-                        </p:cond>
-                      </p:stCondLst>
-                      <p:childTnLst>
-                        <p:par>
-                          <p:cTn id="4" fill="hold">
-                            <p:stCondLst>
-                              <p:cond delay="0"/>
-                            </p:stCondLst>
-                            <p:childTnLst>
-                              <p:par>
-                                <p:cTn id="5" presetID="1" presetClass="entr" presetSubtype="0" fill="hold" grpId="0" nodeType="withEffect">
-                                  <p:stCondLst>
-                                    <p:cond delay="0"/>
-                                  </p:stCondLst>
-                                  <p:childTnLst>
-                                    <p:set>
-                                      <p:cBhvr>
-                                        <p:cTn id="6" dur="1" fill="hold">
-                                          <p:stCondLst>
-                                            <p:cond delay="0"/>
-                                          </p:stCondLst>
-                                        </p:cTn>
-                                        <p:tgtEl>
-                                          <p:spTgt spid="3">
-                                            <p:txEl>
-                                              <p:pRg st="0" end="0"/>
-                                            </p:txEl>
-                                          </p:spTgt>
-                                        </p:tgtEl>
-                                        <p:attrNameLst>
-                                          <p:attrName>style.visibility</p:attrName>
-                                        </p:attrNameLst>
-                                      </p:cBhvr>
-                                      <p:to>
-                                        <p:strVal val="visible"/>
-                                      </p:to>
-                                    </p:set>
-                                  </p:childTnLst>
-                                </p:cTn>
-                              </p:par>
-                              <p:par>
-                                <p:cTn id="7" presetID="1" presetClass="entr" presetSubtype="0" fill="hold" grpId="0" nodeType="withEffect">
-                                  <p:stCondLst>
-                                    <p:cond delay="0"/>
-                                  </p:stCondLst>
-                                  <p:childTnLst>
-                                    <p:set>
-                                      <p:cBhvr>
-                                        <p:cTn id="8" dur="1" fill="hold">
-                                          <p:stCondLst>
-                                            <p:cond delay="0"/>
-                                          </p:stCondLst>
-                                        </p:cTn>
-                                        <p:tgtEl>
-                                          <p:spTgt spid="3">
-                                            <p:txEl>
-                                              <p:pRg st="1" end="1"/>
-                                            </p:txEl>
-                                          </p:spTgt>
-                                        </p:tgtEl>
-                                        <p:attrNameLst>
-                                          <p:attrName>style.visibility</p:attrName>
-                                        </p:attrNameLst>
-                                      </p:cBhvr>
-                                      <p:to>
-                                        <p:strVal val="visible"/>
-                                      </p:to>
-                                    </p:set>
-                                  </p:childTnLst>
-                                </p:cTn>
-                              </p:par>
-                              <p:par>
-                                <p:cTn id="9" presetID="1" presetClass="entr" presetSubtype="0" fill="hold" grpId="0" nodeType="withEffect">
-                                  <p:stCondLst>
-                                    <p:cond delay="0"/>
-                                  </p:stCondLst>
-                                  <p:childTnLst>
-                                    <p:set>
-                                      <p:cBhvr>
-                                        <p:cTn id="10" dur="1" fill="hold">
-                                          <p:stCondLst>
-                                            <p:cond delay="0"/>
-                                          </p:stCondLst>
-                                        </p:cTn>
-                                        <p:tgtEl>
-                                          <p:spTgt spid="3">
-                                            <p:txEl>
-                                              <p:pRg st="2" end="2"/>
-                                            </p:txEl>
-                                          </p:spTgt>
-                                        </p:tgtEl>
-                                        <p:attrNameLst>
-                                          <p:attrName>style.visibility</p:attrName>
-                                        </p:attrNameLst>
-                                      </p:cBhvr>
-                                      <p:to>
-                                        <p:strVal val="visible"/>
-                                      </p:to>
-                                    </p:set>
-                                  </p:childTnLst>
-                                </p:cTn>
-                              </p:par>
-                            </p:childTnLst>
-                          </p:cTn>
-                        </p:par>
-                      </p:childTnLst>
-                    </p:cTn>
-                  </p:par>
-                  <p:par>
-                    <p:cTn id="11" fill="hold">
-                      <p:stCondLst>
-                        <p:cond delay="indefinite"/>
-                      </p:stCondLst>
-                      <p:childTnLst>
-                        <p:par>
-                          <p:cTn id="12" fill="hold">
-                            <p:stCondLst>
-                              <p:cond delay="0"/>
-                            </p:stCondLst>
-                            <p:childTnLst>
-                              <p:par>
-                                <p:cTn id="13" presetID="1" presetClass="entr" presetSubtype="0" fill="hold" grpId="0" nodeType="clickEffect">
-                                  <p:stCondLst>
-                                    <p:cond delay="0"/>
-                                  </p:stCondLst>
-                                  <p:childTnLst>
-                                    <p:set>
-                                      <p:cBhvr>
-                                        <p:cTn id="14" dur="1" fill="hold">
-                                          <p:stCondLst>
-                                            <p:cond delay="0"/>
-                                          </p:stCondLst>
-                                        </p:cTn>
-                                        <p:tgtEl>
-                                          <p:spTgt spid="3">
-                                            <p:txEl>
-                                              <p:pRg st="3" end="3"/>
-                                            </p:txEl>
-                                          </p:spTgt>
-                                        </p:tgtEl>
-                                        <p:attrNameLst>
-                                          <p:attrName>style.visibility</p:attrName>
-                                        </p:attrNameLst>
-                                      </p:cBhvr>
-                                      <p:to>
-                                        <p:strVal val="visible"/>
-                                      </p:to>
-                                    </p:set>
-                                  </p:childTnLst>
-                                </p:cTn>
-                              </p:par>
-                              <p:par>
-                                <p:cTn id="15" presetID="1" presetClass="entr" presetSubtype="0" fill="hold" grpId="0" nodeType="withEffect">
-                                  <p:stCondLst>
-                                    <p:cond delay="0"/>
-                                  </p:stCondLst>
-                                  <p:childTnLst>
-                                    <p:set>
-                                      <p:cBhvr>
-                                        <p:cTn id="16" dur="1" fill="hold">
-                                          <p:stCondLst>
-                                            <p:cond delay="0"/>
-                                          </p:stCondLst>
-                                        </p:cTn>
-                                        <p:tgtEl>
-                                          <p:spTgt spid="3">
-                                            <p:txEl>
-                                              <p:pRg st="4" end="4"/>
-                                            </p:txEl>
-                                          </p:spTgt>
-                                        </p:tgtEl>
-                                        <p:attrNameLst>
-                                          <p:attrName>style.visibility</p:attrName>
-                                        </p:attrNameLst>
-                                      </p:cBhvr>
-                                      <p:to>
-                                        <p:strVal val="visible"/>
-                                      </p:to>
-                                    </p:set>
-                                  </p:childTnLst>
-                                </p:cTn>
-                              </p:par>
-                            </p:childTnLst>
-                          </p:cTn>
-                        </p:par>
-                      </p:childTnLst>
-                    </p:cTn>
-                  </p:par>
-                  <p:par>
-                    <p:cTn id="17" fill="hold">
-                      <p:stCondLst>
-                        <p:cond delay="indefinite"/>
-                      </p:stCondLst>
-                      <p:childTnLst>
-                        <p:par>
-                          <p:cTn id="18" fill="hold">
-                            <p:stCondLst>
-                              <p:cond delay="0"/>
-                            </p:stCondLst>
-                            <p:childTnLst>
-                              <p:par>
-                                <p:cTn id="19" presetID="1" presetClass="entr" presetSubtype="0" fill="hold" grpId="0" nodeType="clickEffect">
-                                  <p:stCondLst>
-                                    <p:cond delay="0"/>
-                                  </p:stCondLst>
-                                  <p:childTnLst>
-                                    <p:set>
-                                      <p:cBhvr>
-                                        <p:cTn id="20" dur="1" fill="hold">
-                                          <p:stCondLst>
-                                            <p:cond delay="0"/>
-                                          </p:stCondLst>
-                                        </p:cTn>
-                                        <p:tgtEl>
-                                          <p:spTgt spid="3">
-                                            <p:txEl>
-                                              <p:pRg st="5" end="5"/>
-                                            </p:txEl>
-                                          </p:spTgt>
-                                        </p:tgtEl>
-                                        <p:attrNameLst>
-                                          <p:attrName>style.visibility</p:attrName>
-                                        </p:attrNameLst>
-                                      </p:cBhvr>
-                                      <p:to>
-                                        <p:strVal val="visible"/>
-                                      </p:to>
-                                    </p:set>
-                                  </p:childTnLst>
-                                </p:cTn>
-                              </p:par>
-                            </p:childTnLst>
-                          </p:cTn>
-                        </p:par>
-                      </p:childTnLst>
-                    </p:cTn>
-                  </p:par>
-                </p:childTnLst>
-              </p:cTn>
-              <p:prevCondLst>
-                <p:cond evt="onPrev" delay="0">
-                  <p:tgtEl>
-                    <p:sldTgt/>
-                  </p:tgtEl>
-                </p:cond>
-              </p:prevCondLst>
-              <p:nextCondLst>
-                <p:cond evt="onNext" delay="0">
-                  <p:tgtEl>
-                    <p:sldTgt/>
-                  </p:tgtEl>
-                </p:cond>
-              </p:nextCondLst>
-            </p:seq>
-          </p:childTnLst>
-        </p:cTn>
-      </p:par>
-    </p:tnLst>
-    <p:bldLst>
-      <p:bldP spid="3" grpId="0" uiExpand="1" build="p"/>
-    </p:bldLst>
-  </p:timing>
-</p:sld>
-</file>
-
-<file path=ppt/slides/slide20.xml><?xml version="1.0" encoding="utf-8"?>
+<file path=ppt/slides/slide23.xml><?xml version="1.0" encoding="utf-8"?>
 <p:sld xmlns:a="http://schemas.openxmlformats.org/drawingml/2006/main" xmlns:r="http://schemas.openxmlformats.org/officeDocument/2006/relationships" xmlns:p="http://schemas.openxmlformats.org/presentationml/2006/main">
   <p:cSld>
     <p:spTree>
@@ -13930,7 +14866,7 @@
           <a:p>
             <a:fld id="{D1918C2E-FE36-451E-B80E-1968976550A5}" type="slidenum">
               <a:rPr lang="nl-BE" smtClean="0"/>
-              <a:t>20</a:t>
+              <a:t>23</a:t>
             </a:fld>
             <a:endParaRPr lang="nl-BE"/>
           </a:p>
@@ -14117,7 +15053,7 @@
 </p:sld>
 </file>
 
-<file path=ppt/slides/slide21.xml><?xml version="1.0" encoding="utf-8"?>
+<file path=ppt/slides/slide24.xml><?xml version="1.0" encoding="utf-8"?>
 <p:sld xmlns:a="http://schemas.openxmlformats.org/drawingml/2006/main" xmlns:r="http://schemas.openxmlformats.org/officeDocument/2006/relationships" xmlns:p="http://schemas.openxmlformats.org/presentationml/2006/main">
   <p:cSld>
     <p:spTree>
@@ -14416,7 +15352,7 @@
           <a:p>
             <a:fld id="{D1918C2E-FE36-451E-B80E-1968976550A5}" type="slidenum">
               <a:rPr lang="nl-BE" smtClean="0"/>
-              <a:t>21</a:t>
+              <a:t>24</a:t>
             </a:fld>
             <a:endParaRPr lang="nl-BE"/>
           </a:p>
@@ -14510,7 +15446,7 @@
 </p:sld>
 </file>
 
-<file path=ppt/slides/slide22.xml><?xml version="1.0" encoding="utf-8"?>
+<file path=ppt/slides/slide25.xml><?xml version="1.0" encoding="utf-8"?>
 <p:sld xmlns:a="http://schemas.openxmlformats.org/drawingml/2006/main" xmlns:r="http://schemas.openxmlformats.org/officeDocument/2006/relationships" xmlns:p="http://schemas.openxmlformats.org/presentationml/2006/main">
   <p:cSld>
     <p:spTree>
@@ -15337,7 +16273,7 @@
           <a:p>
             <a:fld id="{D1918C2E-FE36-451E-B80E-1968976550A5}" type="slidenum">
               <a:rPr lang="nl-BE" smtClean="0"/>
-              <a:t>22</a:t>
+              <a:t>25</a:t>
             </a:fld>
             <a:endParaRPr lang="nl-BE"/>
           </a:p>
@@ -15356,7 +16292,7 @@
 </p:sld>
 </file>
 
-<file path=ppt/slides/slide23.xml><?xml version="1.0" encoding="utf-8"?>
+<file path=ppt/slides/slide26.xml><?xml version="1.0" encoding="utf-8"?>
 <p:sld xmlns:a="http://schemas.openxmlformats.org/drawingml/2006/main" xmlns:r="http://schemas.openxmlformats.org/officeDocument/2006/relationships" xmlns:p="http://schemas.openxmlformats.org/presentationml/2006/main">
   <p:cSld>
     <p:spTree>
@@ -15390,6 +16326,101 @@
           <a:p>
             <a:r>
               <a:rPr lang="en-US" dirty="0" smtClean="0"/>
+              <a:t>Efficient communication</a:t>
+            </a:r>
+            <a:endParaRPr lang="nl-BE" dirty="0"/>
+          </a:p>
+        </p:txBody>
+      </p:sp>
+      <p:sp>
+        <p:nvSpPr>
+          <p:cNvPr id="3" name="Text Placeholder 2"/>
+          <p:cNvSpPr>
+            <a:spLocks noGrp="1"/>
+          </p:cNvSpPr>
+          <p:nvPr>
+            <p:ph type="body" idx="1"/>
+          </p:nvPr>
+        </p:nvSpPr>
+        <p:spPr/>
+        <p:txBody>
+          <a:bodyPr/>
+          <a:lstStyle/>
+          <a:p>
+            <a:endParaRPr lang="nl-BE"/>
+          </a:p>
+        </p:txBody>
+      </p:sp>
+      <p:sp>
+        <p:nvSpPr>
+          <p:cNvPr id="4" name="Slide Number Placeholder 3"/>
+          <p:cNvSpPr>
+            <a:spLocks noGrp="1"/>
+          </p:cNvSpPr>
+          <p:nvPr>
+            <p:ph type="sldNum" sz="quarter" idx="12"/>
+          </p:nvPr>
+        </p:nvSpPr>
+        <p:spPr/>
+        <p:txBody>
+          <a:bodyPr/>
+          <a:lstStyle/>
+          <a:p>
+            <a:fld id="{D1918C2E-FE36-451E-B80E-1968976550A5}" type="slidenum">
+              <a:rPr lang="nl-BE" smtClean="0"/>
+              <a:t>26</a:t>
+            </a:fld>
+            <a:endParaRPr lang="nl-BE"/>
+          </a:p>
+        </p:txBody>
+      </p:sp>
+    </p:spTree>
+    <p:extLst>
+      <p:ext uri="{BB962C8B-B14F-4D97-AF65-F5344CB8AC3E}">
+        <p14:creationId xmlns:p14="http://schemas.microsoft.com/office/powerpoint/2010/main" val="570289854"/>
+      </p:ext>
+    </p:extLst>
+  </p:cSld>
+  <p:clrMapOvr>
+    <a:masterClrMapping/>
+  </p:clrMapOvr>
+</p:sld>
+</file>
+
+<file path=ppt/slides/slide27.xml><?xml version="1.0" encoding="utf-8"?>
+<p:sld xmlns:a="http://schemas.openxmlformats.org/drawingml/2006/main" xmlns:r="http://schemas.openxmlformats.org/officeDocument/2006/relationships" xmlns:p="http://schemas.openxmlformats.org/presentationml/2006/main">
+  <p:cSld>
+    <p:spTree>
+      <p:nvGrpSpPr>
+        <p:cNvPr id="1" name=""/>
+        <p:cNvGrpSpPr/>
+        <p:nvPr/>
+      </p:nvGrpSpPr>
+      <p:grpSpPr>
+        <a:xfrm>
+          <a:off x="0" y="0"/>
+          <a:ext cx="0" cy="0"/>
+          <a:chOff x="0" y="0"/>
+          <a:chExt cx="0" cy="0"/>
+        </a:xfrm>
+      </p:grpSpPr>
+      <p:sp>
+        <p:nvSpPr>
+          <p:cNvPr id="2" name="Title 1"/>
+          <p:cNvSpPr>
+            <a:spLocks noGrp="1"/>
+          </p:cNvSpPr>
+          <p:nvPr>
+            <p:ph type="title"/>
+          </p:nvPr>
+        </p:nvSpPr>
+        <p:spPr/>
+        <p:txBody>
+          <a:bodyPr/>
+          <a:lstStyle/>
+          <a:p>
+            <a:r>
+              <a:rPr lang="en-US" dirty="0" smtClean="0"/>
               <a:t>Data types</a:t>
             </a:r>
             <a:endParaRPr lang="nl-BE" dirty="0"/>
@@ -15501,7 +16532,7 @@
           <a:p>
             <a:fld id="{D1918C2E-FE36-451E-B80E-1968976550A5}" type="slidenum">
               <a:rPr lang="nl-BE" smtClean="0"/>
-              <a:t>23</a:t>
+              <a:t>27</a:t>
             </a:fld>
             <a:endParaRPr lang="nl-BE"/>
           </a:p>
@@ -15778,7 +16809,7 @@
 </p:sld>
 </file>
 
-<file path=ppt/slides/slide24.xml><?xml version="1.0" encoding="utf-8"?>
+<file path=ppt/slides/slide28.xml><?xml version="1.0" encoding="utf-8"?>
 <p:sld xmlns:a="http://schemas.openxmlformats.org/drawingml/2006/main" xmlns:r="http://schemas.openxmlformats.org/officeDocument/2006/relationships" xmlns:p="http://schemas.openxmlformats.org/presentationml/2006/main">
   <p:cSld>
     <p:spTree>
@@ -15874,7 +16905,7 @@
           <a:p>
             <a:fld id="{D1918C2E-FE36-451E-B80E-1968976550A5}" type="slidenum">
               <a:rPr lang="nl-BE" smtClean="0"/>
-              <a:t>24</a:t>
+              <a:t>28</a:t>
             </a:fld>
             <a:endParaRPr lang="nl-BE"/>
           </a:p>
@@ -15895,6 +16926,11 @@
             <a:avLst/>
           </a:prstGeom>
           <a:noFill/>
+          <a:ln>
+            <a:solidFill>
+              <a:schemeClr val="tx1"/>
+            </a:solidFill>
+          </a:ln>
         </p:spPr>
         <p:txBody>
           <a:bodyPr wrap="none" rtlCol="0">
@@ -16260,6 +17296,93 @@
           </a:p>
         </p:txBody>
       </p:sp>
+      <p:grpSp>
+        <p:nvGrpSpPr>
+          <p:cNvPr id="6" name="Group 5"/>
+          <p:cNvGrpSpPr/>
+          <p:nvPr/>
+        </p:nvGrpSpPr>
+        <p:grpSpPr>
+          <a:xfrm>
+            <a:off x="2802227" y="5770420"/>
+            <a:ext cx="4501873" cy="754924"/>
+            <a:chOff x="-678090" y="2376181"/>
+            <a:chExt cx="4501873" cy="754924"/>
+          </a:xfrm>
+        </p:grpSpPr>
+        <p:sp>
+          <p:nvSpPr>
+            <p:cNvPr id="7" name="TextBox 6"/>
+            <p:cNvSpPr txBox="1"/>
+            <p:nvPr/>
+          </p:nvSpPr>
+          <p:spPr>
+            <a:xfrm>
+              <a:off x="-678090" y="2761773"/>
+              <a:ext cx="4501873" cy="369332"/>
+            </a:xfrm>
+            <a:prstGeom prst="rect">
+              <a:avLst/>
+            </a:prstGeom>
+            <a:noFill/>
+          </p:spPr>
+          <p:txBody>
+            <a:bodyPr wrap="none" rtlCol="0">
+              <a:spAutoFit/>
+            </a:bodyPr>
+            <a:lstStyle/>
+            <a:p>
+              <a:r>
+                <a:rPr lang="en-US" dirty="0"/>
+                <a:t>on </a:t>
+              </a:r>
+              <a:r>
+                <a:rPr lang="en-US" dirty="0" smtClean="0"/>
+                <a:t>receiver, explicit initialized buffer required!</a:t>
+              </a:r>
+              <a:endParaRPr lang="nl-BE" i="1" dirty="0"/>
+            </a:p>
+          </p:txBody>
+        </p:sp>
+        <p:cxnSp>
+          <p:nvCxnSpPr>
+            <p:cNvPr id="8" name="Straight Arrow Connector 7"/>
+            <p:cNvCxnSpPr>
+              <a:stCxn id="7" idx="0"/>
+            </p:cNvCxnSpPr>
+            <p:nvPr/>
+          </p:nvCxnSpPr>
+          <p:spPr>
+            <a:xfrm flipH="1" flipV="1">
+              <a:off x="119969" y="2376181"/>
+              <a:ext cx="1452878" cy="385592"/>
+            </a:xfrm>
+            <a:prstGeom prst="straightConnector1">
+              <a:avLst/>
+            </a:prstGeom>
+            <a:ln w="25400">
+              <a:solidFill>
+                <a:schemeClr val="tx1"/>
+              </a:solidFill>
+              <a:tailEnd type="stealth" w="lg" len="lg"/>
+            </a:ln>
+          </p:spPr>
+          <p:style>
+            <a:lnRef idx="1">
+              <a:schemeClr val="accent1"/>
+            </a:lnRef>
+            <a:fillRef idx="0">
+              <a:schemeClr val="accent1"/>
+            </a:fillRef>
+            <a:effectRef idx="0">
+              <a:schemeClr val="accent1"/>
+            </a:effectRef>
+            <a:fontRef idx="minor">
+              <a:schemeClr val="tx1"/>
+            </a:fontRef>
+          </p:style>
+        </p:cxnSp>
+      </p:grpSp>
     </p:spTree>
     <p:extLst>
       <p:ext uri="{BB962C8B-B14F-4D97-AF65-F5344CB8AC3E}">
@@ -16270,10 +17393,85 @@
   <p:clrMapOvr>
     <a:masterClrMapping/>
   </p:clrMapOvr>
+  <p:timing>
+    <p:tnLst>
+      <p:par>
+        <p:cTn id="1" dur="indefinite" restart="never" nodeType="tmRoot">
+          <p:childTnLst>
+            <p:seq concurrent="1" nextAc="seek">
+              <p:cTn id="2" dur="indefinite" nodeType="mainSeq">
+                <p:childTnLst>
+                  <p:par>
+                    <p:cTn id="3" fill="hold">
+                      <p:stCondLst>
+                        <p:cond delay="indefinite"/>
+                      </p:stCondLst>
+                      <p:childTnLst>
+                        <p:par>
+                          <p:cTn id="4" fill="hold">
+                            <p:stCondLst>
+                              <p:cond delay="0"/>
+                            </p:stCondLst>
+                            <p:childTnLst>
+                              <p:par>
+                                <p:cTn id="5" presetID="1" presetClass="entr" presetSubtype="0" fill="hold" nodeType="clickEffect">
+                                  <p:stCondLst>
+                                    <p:cond delay="0"/>
+                                  </p:stCondLst>
+                                  <p:childTnLst>
+                                    <p:set>
+                                      <p:cBhvr>
+                                        <p:cTn id="6" dur="1" fill="hold">
+                                          <p:stCondLst>
+                                            <p:cond delay="0"/>
+                                          </p:stCondLst>
+                                        </p:cTn>
+                                        <p:tgtEl>
+                                          <p:spTgt spid="6"/>
+                                        </p:tgtEl>
+                                        <p:attrNameLst>
+                                          <p:attrName>style.visibility</p:attrName>
+                                        </p:attrNameLst>
+                                      </p:cBhvr>
+                                      <p:to>
+                                        <p:strVal val="visible"/>
+                                      </p:to>
+                                    </p:set>
+                                  </p:childTnLst>
+                                </p:cTn>
+                              </p:par>
+                            </p:childTnLst>
+                          </p:cTn>
+                        </p:par>
+                      </p:childTnLst>
+                    </p:cTn>
+                  </p:par>
+                </p:childTnLst>
+              </p:cTn>
+              <p:prevCondLst>
+                <p:cond evt="onPrev" delay="0">
+                  <p:tgtEl>
+                    <p:sldTgt/>
+                  </p:tgtEl>
+                </p:cond>
+              </p:prevCondLst>
+              <p:nextCondLst>
+                <p:cond evt="onNext" delay="0">
+                  <p:tgtEl>
+                    <p:sldTgt/>
+                  </p:tgtEl>
+                </p:cond>
+              </p:nextCondLst>
+            </p:seq>
+          </p:childTnLst>
+        </p:cTn>
+      </p:par>
+    </p:tnLst>
+  </p:timing>
 </p:sld>
 </file>
 
-<file path=ppt/slides/slide25.xml><?xml version="1.0" encoding="utf-8"?>
+<file path=ppt/slides/slide29.xml><?xml version="1.0" encoding="utf-8"?>
 <p:sld xmlns:a="http://schemas.openxmlformats.org/drawingml/2006/main" xmlns:r="http://schemas.openxmlformats.org/officeDocument/2006/relationships" xmlns:p="http://schemas.openxmlformats.org/presentationml/2006/main">
   <p:cSld>
     <p:spTree>
@@ -16306,6 +17504,1210 @@
           <a:lstStyle/>
           <a:p>
             <a:r>
+              <a:rPr lang="en-US" dirty="0" err="1" smtClean="0"/>
+              <a:t>comm.Reduce</a:t>
+            </a:r>
+            <a:endParaRPr lang="nl-BE" dirty="0"/>
+          </a:p>
+        </p:txBody>
+      </p:sp>
+      <p:sp>
+        <p:nvSpPr>
+          <p:cNvPr id="3" name="Content Placeholder 2"/>
+          <p:cNvSpPr>
+            <a:spLocks noGrp="1"/>
+          </p:cNvSpPr>
+          <p:nvPr>
+            <p:ph idx="1"/>
+          </p:nvPr>
+        </p:nvSpPr>
+        <p:spPr/>
+        <p:txBody>
+          <a:bodyPr/>
+          <a:lstStyle/>
+          <a:p>
+            <a:r>
+              <a:rPr lang="en-US" dirty="0" smtClean="0"/>
+              <a:t>Computing sum of matrices</a:t>
+            </a:r>
+            <a:endParaRPr lang="nl-BE" dirty="0"/>
+          </a:p>
+        </p:txBody>
+      </p:sp>
+      <p:sp>
+        <p:nvSpPr>
+          <p:cNvPr id="4" name="Slide Number Placeholder 3"/>
+          <p:cNvSpPr>
+            <a:spLocks noGrp="1"/>
+          </p:cNvSpPr>
+          <p:nvPr>
+            <p:ph type="sldNum" sz="quarter" idx="12"/>
+          </p:nvPr>
+        </p:nvSpPr>
+        <p:spPr/>
+        <p:txBody>
+          <a:bodyPr/>
+          <a:lstStyle/>
+          <a:p>
+            <a:fld id="{D1918C2E-FE36-451E-B80E-1968976550A5}" type="slidenum">
+              <a:rPr lang="nl-BE" smtClean="0"/>
+              <a:t>29</a:t>
+            </a:fld>
+            <a:endParaRPr lang="nl-BE"/>
+          </a:p>
+        </p:txBody>
+      </p:sp>
+      <p:sp>
+        <p:nvSpPr>
+          <p:cNvPr id="5" name="TextBox 4"/>
+          <p:cNvSpPr txBox="1"/>
+          <p:nvPr/>
+        </p:nvSpPr>
+        <p:spPr>
+          <a:xfrm>
+            <a:off x="539552" y="2276872"/>
+            <a:ext cx="7077579" cy="3139321"/>
+          </a:xfrm>
+          <a:prstGeom prst="rect">
+            <a:avLst/>
+          </a:prstGeom>
+          <a:noFill/>
+          <a:ln>
+            <a:solidFill>
+              <a:schemeClr val="tx1"/>
+            </a:solidFill>
+          </a:ln>
+        </p:spPr>
+        <p:txBody>
+          <a:bodyPr wrap="none" rtlCol="0">
+            <a:spAutoFit/>
+          </a:bodyPr>
+          <a:lstStyle/>
+          <a:p>
+            <a:r>
+              <a:rPr lang="nl-BE" dirty="0" smtClean="0">
+                <a:latin typeface="Courier New" panose="02070309020205020404" pitchFamily="49" charset="0"/>
+                <a:cs typeface="Courier New" panose="02070309020205020404" pitchFamily="49" charset="0"/>
+              </a:rPr>
+              <a:t>…</a:t>
+            </a:r>
+          </a:p>
+          <a:p>
+            <a:r>
+              <a:rPr lang="en-US" dirty="0" smtClean="0">
+                <a:latin typeface="Courier New" panose="02070309020205020404" pitchFamily="49" charset="0"/>
+                <a:cs typeface="Courier New" panose="02070309020205020404" pitchFamily="49" charset="0"/>
+              </a:rPr>
+              <a:t>import </a:t>
+            </a:r>
+            <a:r>
+              <a:rPr lang="en-US" dirty="0" err="1" smtClean="0">
+                <a:latin typeface="Courier New" panose="02070309020205020404" pitchFamily="49" charset="0"/>
+                <a:cs typeface="Courier New" panose="02070309020205020404" pitchFamily="49" charset="0"/>
+              </a:rPr>
+              <a:t>numpy</a:t>
+            </a:r>
+            <a:r>
+              <a:rPr lang="en-US" dirty="0" smtClean="0">
+                <a:latin typeface="Courier New" panose="02070309020205020404" pitchFamily="49" charset="0"/>
+                <a:cs typeface="Courier New" panose="02070309020205020404" pitchFamily="49" charset="0"/>
+              </a:rPr>
+              <a:t> as np</a:t>
+            </a:r>
+          </a:p>
+          <a:p>
+            <a:r>
+              <a:rPr lang="en-US" dirty="0" smtClean="0">
+                <a:latin typeface="Courier New" panose="02070309020205020404" pitchFamily="49" charset="0"/>
+                <a:cs typeface="Courier New" panose="02070309020205020404" pitchFamily="49" charset="0"/>
+              </a:rPr>
+              <a:t>…</a:t>
+            </a:r>
+          </a:p>
+          <a:p>
+            <a:r>
+              <a:rPr lang="en-US" dirty="0" smtClean="0">
+                <a:latin typeface="Courier New" panose="02070309020205020404" pitchFamily="49" charset="0"/>
+                <a:cs typeface="Courier New" panose="02070309020205020404" pitchFamily="49" charset="0"/>
+              </a:rPr>
+              <a:t>data = </a:t>
+            </a:r>
+            <a:r>
+              <a:rPr lang="en-US" dirty="0" err="1" smtClean="0">
+                <a:latin typeface="Courier New" panose="02070309020205020404" pitchFamily="49" charset="0"/>
+                <a:cs typeface="Courier New" panose="02070309020205020404" pitchFamily="49" charset="0"/>
+              </a:rPr>
+              <a:t>np.array</a:t>
+            </a:r>
+            <a:r>
+              <a:rPr lang="en-US" dirty="0" smtClean="0">
+                <a:latin typeface="Courier New" panose="02070309020205020404" pitchFamily="49" charset="0"/>
+                <a:cs typeface="Courier New" panose="02070309020205020404" pitchFamily="49" charset="0"/>
+              </a:rPr>
+              <a:t>((m, n))</a:t>
+            </a:r>
+          </a:p>
+          <a:p>
+            <a:r>
+              <a:rPr lang="en-US" dirty="0" smtClean="0">
+                <a:latin typeface="Courier New" panose="02070309020205020404" pitchFamily="49" charset="0"/>
+                <a:cs typeface="Courier New" panose="02070309020205020404" pitchFamily="49" charset="0"/>
+              </a:rPr>
+              <a:t>…</a:t>
+            </a:r>
+            <a:endParaRPr lang="en-US" dirty="0">
+              <a:latin typeface="Courier New" panose="02070309020205020404" pitchFamily="49" charset="0"/>
+              <a:cs typeface="Courier New" panose="02070309020205020404" pitchFamily="49" charset="0"/>
+            </a:endParaRPr>
+          </a:p>
+          <a:p>
+            <a:r>
+              <a:rPr lang="en-US" dirty="0" smtClean="0">
+                <a:latin typeface="Courier New" panose="02070309020205020404" pitchFamily="49" charset="0"/>
+                <a:cs typeface="Courier New" panose="02070309020205020404" pitchFamily="49" charset="0"/>
+              </a:rPr>
+              <a:t>if rank == </a:t>
+            </a:r>
+            <a:r>
+              <a:rPr lang="en-US" dirty="0" smtClean="0">
+                <a:latin typeface="Courier New" panose="02070309020205020404" pitchFamily="49" charset="0"/>
+                <a:cs typeface="Courier New" panose="02070309020205020404" pitchFamily="49" charset="0"/>
+              </a:rPr>
+              <a:t>i:</a:t>
+            </a:r>
+          </a:p>
+          <a:p>
+            <a:r>
+              <a:rPr lang="en-US" dirty="0">
+                <a:latin typeface="Courier New" panose="02070309020205020404" pitchFamily="49" charset="0"/>
+                <a:cs typeface="Courier New" panose="02070309020205020404" pitchFamily="49" charset="0"/>
+              </a:rPr>
+              <a:t> </a:t>
+            </a:r>
+            <a:r>
+              <a:rPr lang="en-US" dirty="0" smtClean="0">
+                <a:latin typeface="Courier New" panose="02070309020205020404" pitchFamily="49" charset="0"/>
+                <a:cs typeface="Courier New" panose="02070309020205020404" pitchFamily="49" charset="0"/>
+              </a:rPr>
+              <a:t>   </a:t>
+            </a:r>
+            <a:r>
+              <a:rPr lang="en-US" dirty="0" err="1" smtClean="0">
+                <a:latin typeface="Courier New" panose="02070309020205020404" pitchFamily="49" charset="0"/>
+                <a:cs typeface="Courier New" panose="02070309020205020404" pitchFamily="49" charset="0"/>
+              </a:rPr>
+              <a:t>recv_buffer</a:t>
+            </a:r>
+            <a:r>
+              <a:rPr lang="en-US" dirty="0" smtClean="0">
+                <a:latin typeface="Courier New" panose="02070309020205020404" pitchFamily="49" charset="0"/>
+                <a:cs typeface="Courier New" panose="02070309020205020404" pitchFamily="49" charset="0"/>
+              </a:rPr>
+              <a:t> = </a:t>
+            </a:r>
+            <a:r>
+              <a:rPr lang="en-US" dirty="0" err="1" smtClean="0">
+                <a:latin typeface="Courier New" panose="02070309020205020404" pitchFamily="49" charset="0"/>
+                <a:cs typeface="Courier New" panose="02070309020205020404" pitchFamily="49" charset="0"/>
+              </a:rPr>
+              <a:t>np.empty</a:t>
+            </a:r>
+            <a:r>
+              <a:rPr lang="en-US" dirty="0" smtClean="0">
+                <a:latin typeface="Courier New" panose="02070309020205020404" pitchFamily="49" charset="0"/>
+                <a:cs typeface="Courier New" panose="02070309020205020404" pitchFamily="49" charset="0"/>
+              </a:rPr>
+              <a:t>((m, n))</a:t>
+            </a:r>
+          </a:p>
+          <a:p>
+            <a:r>
+              <a:rPr lang="en-US" dirty="0" smtClean="0">
+                <a:latin typeface="Courier New" panose="02070309020205020404" pitchFamily="49" charset="0"/>
+                <a:cs typeface="Courier New" panose="02070309020205020404" pitchFamily="49" charset="0"/>
+              </a:rPr>
+              <a:t>else:</a:t>
+            </a:r>
+          </a:p>
+          <a:p>
+            <a:r>
+              <a:rPr lang="en-US" dirty="0">
+                <a:latin typeface="Courier New" panose="02070309020205020404" pitchFamily="49" charset="0"/>
+                <a:cs typeface="Courier New" panose="02070309020205020404" pitchFamily="49" charset="0"/>
+              </a:rPr>
+              <a:t> </a:t>
+            </a:r>
+            <a:r>
+              <a:rPr lang="en-US" dirty="0" smtClean="0">
+                <a:latin typeface="Courier New" panose="02070309020205020404" pitchFamily="49" charset="0"/>
+                <a:cs typeface="Courier New" panose="02070309020205020404" pitchFamily="49" charset="0"/>
+              </a:rPr>
+              <a:t>   </a:t>
+            </a:r>
+            <a:r>
+              <a:rPr lang="en-US" dirty="0" err="1" smtClean="0">
+                <a:latin typeface="Courier New" panose="02070309020205020404" pitchFamily="49" charset="0"/>
+                <a:cs typeface="Courier New" panose="02070309020205020404" pitchFamily="49" charset="0"/>
+              </a:rPr>
+              <a:t>recv_buffer</a:t>
+            </a:r>
+            <a:r>
+              <a:rPr lang="en-US" dirty="0" smtClean="0">
+                <a:latin typeface="Courier New" panose="02070309020205020404" pitchFamily="49" charset="0"/>
+                <a:cs typeface="Courier New" panose="02070309020205020404" pitchFamily="49" charset="0"/>
+              </a:rPr>
+              <a:t> = None</a:t>
+            </a:r>
+          </a:p>
+          <a:p>
+            <a:r>
+              <a:rPr lang="en-US" dirty="0" err="1" smtClean="0">
+                <a:latin typeface="Courier New" panose="02070309020205020404" pitchFamily="49" charset="0"/>
+                <a:cs typeface="Courier New" panose="02070309020205020404" pitchFamily="49" charset="0"/>
+              </a:rPr>
+              <a:t>comm.Reduce</a:t>
+            </a:r>
+            <a:r>
+              <a:rPr lang="en-US" dirty="0" smtClean="0">
+                <a:latin typeface="Courier New" panose="02070309020205020404" pitchFamily="49" charset="0"/>
+                <a:cs typeface="Courier New" panose="02070309020205020404" pitchFamily="49" charset="0"/>
+              </a:rPr>
+              <a:t>(data, </a:t>
+            </a:r>
+            <a:r>
+              <a:rPr lang="en-US" dirty="0" err="1" smtClean="0">
+                <a:latin typeface="Courier New" panose="02070309020205020404" pitchFamily="49" charset="0"/>
+                <a:cs typeface="Courier New" panose="02070309020205020404" pitchFamily="49" charset="0"/>
+              </a:rPr>
+              <a:t>recv_buffer</a:t>
+            </a:r>
+            <a:r>
+              <a:rPr lang="en-US" dirty="0" smtClean="0">
+                <a:latin typeface="Courier New" panose="02070309020205020404" pitchFamily="49" charset="0"/>
+                <a:cs typeface="Courier New" panose="02070309020205020404" pitchFamily="49" charset="0"/>
+              </a:rPr>
+              <a:t>, op=MPI.SUM, root=</a:t>
+            </a:r>
+            <a:r>
+              <a:rPr lang="en-US" dirty="0" err="1" smtClean="0">
+                <a:latin typeface="Courier New" panose="02070309020205020404" pitchFamily="49" charset="0"/>
+                <a:cs typeface="Courier New" panose="02070309020205020404" pitchFamily="49" charset="0"/>
+              </a:rPr>
+              <a:t>i</a:t>
+            </a:r>
+            <a:r>
+              <a:rPr lang="en-US" dirty="0" smtClean="0">
+                <a:latin typeface="Courier New" panose="02070309020205020404" pitchFamily="49" charset="0"/>
+                <a:cs typeface="Courier New" panose="02070309020205020404" pitchFamily="49" charset="0"/>
+              </a:rPr>
+              <a:t>)</a:t>
+            </a:r>
+            <a:endParaRPr lang="nl-BE" dirty="0">
+              <a:latin typeface="Courier New" panose="02070309020205020404" pitchFamily="49" charset="0"/>
+              <a:cs typeface="Courier New" panose="02070309020205020404" pitchFamily="49" charset="0"/>
+            </a:endParaRPr>
+          </a:p>
+          <a:p>
+            <a:r>
+              <a:rPr lang="nl-BE" dirty="0" smtClean="0">
+                <a:latin typeface="Courier New" panose="02070309020205020404" pitchFamily="49" charset="0"/>
+                <a:cs typeface="Courier New" panose="02070309020205020404" pitchFamily="49" charset="0"/>
+              </a:rPr>
+              <a:t>…</a:t>
+            </a:r>
+          </a:p>
+        </p:txBody>
+      </p:sp>
+      <p:grpSp>
+        <p:nvGrpSpPr>
+          <p:cNvPr id="6" name="Group 5"/>
+          <p:cNvGrpSpPr/>
+          <p:nvPr/>
+        </p:nvGrpSpPr>
+        <p:grpSpPr>
+          <a:xfrm>
+            <a:off x="3090259" y="5168806"/>
+            <a:ext cx="3605667" cy="1140514"/>
+            <a:chOff x="-678090" y="1990591"/>
+            <a:chExt cx="3605667" cy="1140514"/>
+          </a:xfrm>
+        </p:grpSpPr>
+        <p:sp>
+          <p:nvSpPr>
+            <p:cNvPr id="7" name="TextBox 6"/>
+            <p:cNvSpPr txBox="1"/>
+            <p:nvPr/>
+          </p:nvSpPr>
+          <p:spPr>
+            <a:xfrm>
+              <a:off x="-678090" y="2761773"/>
+              <a:ext cx="3605667" cy="369332"/>
+            </a:xfrm>
+            <a:prstGeom prst="rect">
+              <a:avLst/>
+            </a:prstGeom>
+            <a:noFill/>
+          </p:spPr>
+          <p:txBody>
+            <a:bodyPr wrap="none" rtlCol="0">
+              <a:spAutoFit/>
+            </a:bodyPr>
+            <a:lstStyle/>
+            <a:p>
+              <a:r>
+                <a:rPr lang="en-US" dirty="0" smtClean="0"/>
+                <a:t>only initialized on </a:t>
+              </a:r>
+              <a:r>
+                <a:rPr lang="en-US" dirty="0"/>
+                <a:t>root, i.e., process </a:t>
+              </a:r>
+              <a:r>
+                <a:rPr lang="en-US" i="1" dirty="0" err="1"/>
+                <a:t>i</a:t>
+              </a:r>
+              <a:endParaRPr lang="nl-BE" i="1" dirty="0"/>
+            </a:p>
+          </p:txBody>
+        </p:sp>
+        <p:cxnSp>
+          <p:nvCxnSpPr>
+            <p:cNvPr id="8" name="Straight Arrow Connector 7"/>
+            <p:cNvCxnSpPr>
+              <a:stCxn id="7" idx="0"/>
+            </p:cNvCxnSpPr>
+            <p:nvPr/>
+          </p:nvCxnSpPr>
+          <p:spPr>
+            <a:xfrm flipH="1" flipV="1">
+              <a:off x="119956" y="1990591"/>
+              <a:ext cx="1004788" cy="771182"/>
+            </a:xfrm>
+            <a:prstGeom prst="straightConnector1">
+              <a:avLst/>
+            </a:prstGeom>
+            <a:ln w="25400">
+              <a:solidFill>
+                <a:schemeClr val="tx1"/>
+              </a:solidFill>
+              <a:tailEnd type="stealth" w="lg" len="lg"/>
+            </a:ln>
+          </p:spPr>
+          <p:style>
+            <a:lnRef idx="1">
+              <a:schemeClr val="accent1"/>
+            </a:lnRef>
+            <a:fillRef idx="0">
+              <a:schemeClr val="accent1"/>
+            </a:fillRef>
+            <a:effectRef idx="0">
+              <a:schemeClr val="accent1"/>
+            </a:effectRef>
+            <a:fontRef idx="minor">
+              <a:schemeClr val="tx1"/>
+            </a:fontRef>
+          </p:style>
+        </p:cxnSp>
+      </p:grpSp>
+    </p:spTree>
+    <p:extLst>
+      <p:ext uri="{BB962C8B-B14F-4D97-AF65-F5344CB8AC3E}">
+        <p14:creationId xmlns:p14="http://schemas.microsoft.com/office/powerpoint/2010/main" val="2050400168"/>
+      </p:ext>
+    </p:extLst>
+  </p:cSld>
+  <p:clrMapOvr>
+    <a:masterClrMapping/>
+  </p:clrMapOvr>
+  <p:timing>
+    <p:tnLst>
+      <p:par>
+        <p:cTn id="1" dur="indefinite" restart="never" nodeType="tmRoot">
+          <p:childTnLst>
+            <p:seq concurrent="1" nextAc="seek">
+              <p:cTn id="2" dur="indefinite" nodeType="mainSeq">
+                <p:childTnLst>
+                  <p:par>
+                    <p:cTn id="3" fill="hold">
+                      <p:stCondLst>
+                        <p:cond delay="indefinite"/>
+                      </p:stCondLst>
+                      <p:childTnLst>
+                        <p:par>
+                          <p:cTn id="4" fill="hold">
+                            <p:stCondLst>
+                              <p:cond delay="0"/>
+                            </p:stCondLst>
+                            <p:childTnLst>
+                              <p:par>
+                                <p:cTn id="5" presetID="1" presetClass="entr" presetSubtype="0" fill="hold" nodeType="clickEffect">
+                                  <p:stCondLst>
+                                    <p:cond delay="0"/>
+                                  </p:stCondLst>
+                                  <p:childTnLst>
+                                    <p:set>
+                                      <p:cBhvr>
+                                        <p:cTn id="6" dur="1" fill="hold">
+                                          <p:stCondLst>
+                                            <p:cond delay="0"/>
+                                          </p:stCondLst>
+                                        </p:cTn>
+                                        <p:tgtEl>
+                                          <p:spTgt spid="6"/>
+                                        </p:tgtEl>
+                                        <p:attrNameLst>
+                                          <p:attrName>style.visibility</p:attrName>
+                                        </p:attrNameLst>
+                                      </p:cBhvr>
+                                      <p:to>
+                                        <p:strVal val="visible"/>
+                                      </p:to>
+                                    </p:set>
+                                  </p:childTnLst>
+                                </p:cTn>
+                              </p:par>
+                            </p:childTnLst>
+                          </p:cTn>
+                        </p:par>
+                      </p:childTnLst>
+                    </p:cTn>
+                  </p:par>
+                </p:childTnLst>
+              </p:cTn>
+              <p:prevCondLst>
+                <p:cond evt="onPrev" delay="0">
+                  <p:tgtEl>
+                    <p:sldTgt/>
+                  </p:tgtEl>
+                </p:cond>
+              </p:prevCondLst>
+              <p:nextCondLst>
+                <p:cond evt="onNext" delay="0">
+                  <p:tgtEl>
+                    <p:sldTgt/>
+                  </p:tgtEl>
+                </p:cond>
+              </p:nextCondLst>
+            </p:seq>
+          </p:childTnLst>
+        </p:cTn>
+      </p:par>
+    </p:tnLst>
+  </p:timing>
+</p:sld>
+</file>
+
+<file path=ppt/slides/slide3.xml><?xml version="1.0" encoding="utf-8"?>
+<p:sld xmlns:a="http://schemas.openxmlformats.org/drawingml/2006/main" xmlns:r="http://schemas.openxmlformats.org/officeDocument/2006/relationships" xmlns:p="http://schemas.openxmlformats.org/presentationml/2006/main">
+  <p:cSld>
+    <p:spTree>
+      <p:nvGrpSpPr>
+        <p:cNvPr id="1" name=""/>
+        <p:cNvGrpSpPr/>
+        <p:nvPr/>
+      </p:nvGrpSpPr>
+      <p:grpSpPr>
+        <a:xfrm>
+          <a:off x="0" y="0"/>
+          <a:ext cx="0" cy="0"/>
+          <a:chOff x="0" y="0"/>
+          <a:chExt cx="0" cy="0"/>
+        </a:xfrm>
+      </p:grpSpPr>
+      <p:sp>
+        <p:nvSpPr>
+          <p:cNvPr id="2" name="Title 1"/>
+          <p:cNvSpPr>
+            <a:spLocks noGrp="1"/>
+          </p:cNvSpPr>
+          <p:nvPr>
+            <p:ph type="title"/>
+          </p:nvPr>
+        </p:nvSpPr>
+        <p:spPr/>
+        <p:txBody>
+          <a:bodyPr/>
+          <a:lstStyle/>
+          <a:p>
+            <a:r>
+              <a:rPr lang="en-US" dirty="0" smtClean="0"/>
+              <a:t>Motivation</a:t>
+            </a:r>
+            <a:endParaRPr lang="nl-BE" dirty="0"/>
+          </a:p>
+        </p:txBody>
+      </p:sp>
+      <p:sp>
+        <p:nvSpPr>
+          <p:cNvPr id="3" name="Content Placeholder 2"/>
+          <p:cNvSpPr>
+            <a:spLocks noGrp="1"/>
+          </p:cNvSpPr>
+          <p:nvPr>
+            <p:ph idx="1"/>
+          </p:nvPr>
+        </p:nvSpPr>
+        <p:spPr/>
+        <p:txBody>
+          <a:bodyPr>
+            <a:normAutofit lnSpcReduction="10000"/>
+          </a:bodyPr>
+          <a:lstStyle/>
+          <a:p>
+            <a:r>
+              <a:rPr lang="en-US" dirty="0" smtClean="0"/>
+              <a:t>Why distributed programming?</a:t>
+            </a:r>
+          </a:p>
+          <a:p>
+            <a:pPr lvl="1"/>
+            <a:r>
+              <a:rPr lang="en-US" dirty="0" smtClean="0"/>
+              <a:t>very large data structures (typically multidimensional arrays)</a:t>
+            </a:r>
+          </a:p>
+          <a:p>
+            <a:pPr lvl="1"/>
+            <a:r>
+              <a:rPr lang="en-US" dirty="0" smtClean="0"/>
+              <a:t>large computational load</a:t>
+            </a:r>
+          </a:p>
+          <a:p>
+            <a:r>
+              <a:rPr lang="en-US" dirty="0" smtClean="0"/>
+              <a:t>Many problems require (non-trivial) efficient communication between processes</a:t>
+            </a:r>
+          </a:p>
+          <a:p>
+            <a:pPr lvl="1"/>
+            <a:r>
+              <a:rPr lang="en-US" dirty="0" smtClean="0"/>
+              <a:t>exchange of data, state</a:t>
+            </a:r>
+          </a:p>
+          <a:p>
+            <a:r>
+              <a:rPr lang="en-US" dirty="0" smtClean="0"/>
+              <a:t>Need for standardization: </a:t>
+            </a:r>
+            <a:r>
+              <a:rPr lang="en-US" dirty="0" err="1" smtClean="0"/>
+              <a:t>Messsage</a:t>
+            </a:r>
+            <a:r>
+              <a:rPr lang="en-US" dirty="0" smtClean="0"/>
+              <a:t> Passing Interface (MPI)</a:t>
+            </a:r>
+          </a:p>
+        </p:txBody>
+      </p:sp>
+      <p:sp>
+        <p:nvSpPr>
+          <p:cNvPr id="4" name="Slide Number Placeholder 3"/>
+          <p:cNvSpPr>
+            <a:spLocks noGrp="1"/>
+          </p:cNvSpPr>
+          <p:nvPr>
+            <p:ph type="sldNum" sz="quarter" idx="12"/>
+          </p:nvPr>
+        </p:nvSpPr>
+        <p:spPr/>
+        <p:txBody>
+          <a:bodyPr/>
+          <a:lstStyle/>
+          <a:p>
+            <a:fld id="{D1918C2E-FE36-451E-B80E-1968976550A5}" type="slidenum">
+              <a:rPr lang="nl-BE" smtClean="0"/>
+              <a:t>3</a:t>
+            </a:fld>
+            <a:endParaRPr lang="nl-BE"/>
+          </a:p>
+        </p:txBody>
+      </p:sp>
+    </p:spTree>
+    <p:extLst>
+      <p:ext uri="{BB962C8B-B14F-4D97-AF65-F5344CB8AC3E}">
+        <p14:creationId xmlns:p14="http://schemas.microsoft.com/office/powerpoint/2010/main" val="2971254233"/>
+      </p:ext>
+    </p:extLst>
+  </p:cSld>
+  <p:clrMapOvr>
+    <a:masterClrMapping/>
+  </p:clrMapOvr>
+  <p:timing>
+    <p:tnLst>
+      <p:par>
+        <p:cTn id="1" dur="indefinite" restart="never" nodeType="tmRoot">
+          <p:childTnLst>
+            <p:seq concurrent="1" nextAc="seek">
+              <p:cTn id="2" dur="indefinite" nodeType="mainSeq">
+                <p:childTnLst>
+                  <p:par>
+                    <p:cTn id="3" fill="hold">
+                      <p:stCondLst>
+                        <p:cond delay="indefinite"/>
+                        <p:cond evt="onBegin" delay="0">
+                          <p:tn val="2"/>
+                        </p:cond>
+                      </p:stCondLst>
+                      <p:childTnLst>
+                        <p:par>
+                          <p:cTn id="4" fill="hold">
+                            <p:stCondLst>
+                              <p:cond delay="0"/>
+                            </p:stCondLst>
+                            <p:childTnLst>
+                              <p:par>
+                                <p:cTn id="5" presetID="1" presetClass="entr" presetSubtype="0" fill="hold" grpId="0" nodeType="withEffect">
+                                  <p:stCondLst>
+                                    <p:cond delay="0"/>
+                                  </p:stCondLst>
+                                  <p:childTnLst>
+                                    <p:set>
+                                      <p:cBhvr>
+                                        <p:cTn id="6" dur="1" fill="hold">
+                                          <p:stCondLst>
+                                            <p:cond delay="0"/>
+                                          </p:stCondLst>
+                                        </p:cTn>
+                                        <p:tgtEl>
+                                          <p:spTgt spid="3">
+                                            <p:txEl>
+                                              <p:pRg st="0" end="0"/>
+                                            </p:txEl>
+                                          </p:spTgt>
+                                        </p:tgtEl>
+                                        <p:attrNameLst>
+                                          <p:attrName>style.visibility</p:attrName>
+                                        </p:attrNameLst>
+                                      </p:cBhvr>
+                                      <p:to>
+                                        <p:strVal val="visible"/>
+                                      </p:to>
+                                    </p:set>
+                                  </p:childTnLst>
+                                </p:cTn>
+                              </p:par>
+                              <p:par>
+                                <p:cTn id="7" presetID="1" presetClass="entr" presetSubtype="0" fill="hold" grpId="0" nodeType="withEffect">
+                                  <p:stCondLst>
+                                    <p:cond delay="0"/>
+                                  </p:stCondLst>
+                                  <p:childTnLst>
+                                    <p:set>
+                                      <p:cBhvr>
+                                        <p:cTn id="8" dur="1" fill="hold">
+                                          <p:stCondLst>
+                                            <p:cond delay="0"/>
+                                          </p:stCondLst>
+                                        </p:cTn>
+                                        <p:tgtEl>
+                                          <p:spTgt spid="3">
+                                            <p:txEl>
+                                              <p:pRg st="1" end="1"/>
+                                            </p:txEl>
+                                          </p:spTgt>
+                                        </p:tgtEl>
+                                        <p:attrNameLst>
+                                          <p:attrName>style.visibility</p:attrName>
+                                        </p:attrNameLst>
+                                      </p:cBhvr>
+                                      <p:to>
+                                        <p:strVal val="visible"/>
+                                      </p:to>
+                                    </p:set>
+                                  </p:childTnLst>
+                                </p:cTn>
+                              </p:par>
+                              <p:par>
+                                <p:cTn id="9" presetID="1" presetClass="entr" presetSubtype="0" fill="hold" grpId="0" nodeType="withEffect">
+                                  <p:stCondLst>
+                                    <p:cond delay="0"/>
+                                  </p:stCondLst>
+                                  <p:childTnLst>
+                                    <p:set>
+                                      <p:cBhvr>
+                                        <p:cTn id="10" dur="1" fill="hold">
+                                          <p:stCondLst>
+                                            <p:cond delay="0"/>
+                                          </p:stCondLst>
+                                        </p:cTn>
+                                        <p:tgtEl>
+                                          <p:spTgt spid="3">
+                                            <p:txEl>
+                                              <p:pRg st="2" end="2"/>
+                                            </p:txEl>
+                                          </p:spTgt>
+                                        </p:tgtEl>
+                                        <p:attrNameLst>
+                                          <p:attrName>style.visibility</p:attrName>
+                                        </p:attrNameLst>
+                                      </p:cBhvr>
+                                      <p:to>
+                                        <p:strVal val="visible"/>
+                                      </p:to>
+                                    </p:set>
+                                  </p:childTnLst>
+                                </p:cTn>
+                              </p:par>
+                            </p:childTnLst>
+                          </p:cTn>
+                        </p:par>
+                      </p:childTnLst>
+                    </p:cTn>
+                  </p:par>
+                  <p:par>
+                    <p:cTn id="11" fill="hold">
+                      <p:stCondLst>
+                        <p:cond delay="indefinite"/>
+                      </p:stCondLst>
+                      <p:childTnLst>
+                        <p:par>
+                          <p:cTn id="12" fill="hold">
+                            <p:stCondLst>
+                              <p:cond delay="0"/>
+                            </p:stCondLst>
+                            <p:childTnLst>
+                              <p:par>
+                                <p:cTn id="13" presetID="1" presetClass="entr" presetSubtype="0" fill="hold" grpId="0" nodeType="clickEffect">
+                                  <p:stCondLst>
+                                    <p:cond delay="0"/>
+                                  </p:stCondLst>
+                                  <p:childTnLst>
+                                    <p:set>
+                                      <p:cBhvr>
+                                        <p:cTn id="14" dur="1" fill="hold">
+                                          <p:stCondLst>
+                                            <p:cond delay="0"/>
+                                          </p:stCondLst>
+                                        </p:cTn>
+                                        <p:tgtEl>
+                                          <p:spTgt spid="3">
+                                            <p:txEl>
+                                              <p:pRg st="3" end="3"/>
+                                            </p:txEl>
+                                          </p:spTgt>
+                                        </p:tgtEl>
+                                        <p:attrNameLst>
+                                          <p:attrName>style.visibility</p:attrName>
+                                        </p:attrNameLst>
+                                      </p:cBhvr>
+                                      <p:to>
+                                        <p:strVal val="visible"/>
+                                      </p:to>
+                                    </p:set>
+                                  </p:childTnLst>
+                                </p:cTn>
+                              </p:par>
+                              <p:par>
+                                <p:cTn id="15" presetID="1" presetClass="entr" presetSubtype="0" fill="hold" grpId="0" nodeType="withEffect">
+                                  <p:stCondLst>
+                                    <p:cond delay="0"/>
+                                  </p:stCondLst>
+                                  <p:childTnLst>
+                                    <p:set>
+                                      <p:cBhvr>
+                                        <p:cTn id="16" dur="1" fill="hold">
+                                          <p:stCondLst>
+                                            <p:cond delay="0"/>
+                                          </p:stCondLst>
+                                        </p:cTn>
+                                        <p:tgtEl>
+                                          <p:spTgt spid="3">
+                                            <p:txEl>
+                                              <p:pRg st="4" end="4"/>
+                                            </p:txEl>
+                                          </p:spTgt>
+                                        </p:tgtEl>
+                                        <p:attrNameLst>
+                                          <p:attrName>style.visibility</p:attrName>
+                                        </p:attrNameLst>
+                                      </p:cBhvr>
+                                      <p:to>
+                                        <p:strVal val="visible"/>
+                                      </p:to>
+                                    </p:set>
+                                  </p:childTnLst>
+                                </p:cTn>
+                              </p:par>
+                            </p:childTnLst>
+                          </p:cTn>
+                        </p:par>
+                      </p:childTnLst>
+                    </p:cTn>
+                  </p:par>
+                  <p:par>
+                    <p:cTn id="17" fill="hold">
+                      <p:stCondLst>
+                        <p:cond delay="indefinite"/>
+                      </p:stCondLst>
+                      <p:childTnLst>
+                        <p:par>
+                          <p:cTn id="18" fill="hold">
+                            <p:stCondLst>
+                              <p:cond delay="0"/>
+                            </p:stCondLst>
+                            <p:childTnLst>
+                              <p:par>
+                                <p:cTn id="19" presetID="1" presetClass="entr" presetSubtype="0" fill="hold" grpId="0" nodeType="clickEffect">
+                                  <p:stCondLst>
+                                    <p:cond delay="0"/>
+                                  </p:stCondLst>
+                                  <p:childTnLst>
+                                    <p:set>
+                                      <p:cBhvr>
+                                        <p:cTn id="20" dur="1" fill="hold">
+                                          <p:stCondLst>
+                                            <p:cond delay="0"/>
+                                          </p:stCondLst>
+                                        </p:cTn>
+                                        <p:tgtEl>
+                                          <p:spTgt spid="3">
+                                            <p:txEl>
+                                              <p:pRg st="5" end="5"/>
+                                            </p:txEl>
+                                          </p:spTgt>
+                                        </p:tgtEl>
+                                        <p:attrNameLst>
+                                          <p:attrName>style.visibility</p:attrName>
+                                        </p:attrNameLst>
+                                      </p:cBhvr>
+                                      <p:to>
+                                        <p:strVal val="visible"/>
+                                      </p:to>
+                                    </p:set>
+                                  </p:childTnLst>
+                                </p:cTn>
+                              </p:par>
+                            </p:childTnLst>
+                          </p:cTn>
+                        </p:par>
+                      </p:childTnLst>
+                    </p:cTn>
+                  </p:par>
+                </p:childTnLst>
+              </p:cTn>
+              <p:prevCondLst>
+                <p:cond evt="onPrev" delay="0">
+                  <p:tgtEl>
+                    <p:sldTgt/>
+                  </p:tgtEl>
+                </p:cond>
+              </p:prevCondLst>
+              <p:nextCondLst>
+                <p:cond evt="onNext" delay="0">
+                  <p:tgtEl>
+                    <p:sldTgt/>
+                  </p:tgtEl>
+                </p:cond>
+              </p:nextCondLst>
+            </p:seq>
+          </p:childTnLst>
+        </p:cTn>
+      </p:par>
+    </p:tnLst>
+    <p:bldLst>
+      <p:bldP spid="3" grpId="0" uiExpand="1" build="p"/>
+    </p:bldLst>
+  </p:timing>
+</p:sld>
+</file>
+
+<file path=ppt/slides/slide30.xml><?xml version="1.0" encoding="utf-8"?>
+<p:sld xmlns:a="http://schemas.openxmlformats.org/drawingml/2006/main" xmlns:r="http://schemas.openxmlformats.org/officeDocument/2006/relationships" xmlns:p="http://schemas.openxmlformats.org/presentationml/2006/main">
+  <p:cSld>
+    <p:spTree>
+      <p:nvGrpSpPr>
+        <p:cNvPr id="1" name=""/>
+        <p:cNvGrpSpPr/>
+        <p:nvPr/>
+      </p:nvGrpSpPr>
+      <p:grpSpPr>
+        <a:xfrm>
+          <a:off x="0" y="0"/>
+          <a:ext cx="0" cy="0"/>
+          <a:chOff x="0" y="0"/>
+          <a:chExt cx="0" cy="0"/>
+        </a:xfrm>
+      </p:grpSpPr>
+      <p:sp>
+        <p:nvSpPr>
+          <p:cNvPr id="2" name="Title 1"/>
+          <p:cNvSpPr>
+            <a:spLocks noGrp="1"/>
+          </p:cNvSpPr>
+          <p:nvPr>
+            <p:ph type="title"/>
+          </p:nvPr>
+        </p:nvSpPr>
+        <p:spPr/>
+        <p:txBody>
+          <a:bodyPr/>
+          <a:lstStyle/>
+          <a:p>
+            <a:r>
+              <a:rPr lang="en-US" dirty="0" smtClean="0"/>
+              <a:t>Limitations</a:t>
+            </a:r>
+            <a:endParaRPr lang="nl-BE" dirty="0"/>
+          </a:p>
+        </p:txBody>
+      </p:sp>
+      <p:sp>
+        <p:nvSpPr>
+          <p:cNvPr id="3" name="Content Placeholder 2"/>
+          <p:cNvSpPr>
+            <a:spLocks noGrp="1"/>
+          </p:cNvSpPr>
+          <p:nvPr>
+            <p:ph idx="1"/>
+          </p:nvPr>
+        </p:nvSpPr>
+        <p:spPr/>
+        <p:txBody>
+          <a:bodyPr/>
+          <a:lstStyle/>
+          <a:p>
+            <a:r>
+              <a:rPr lang="en-US" dirty="0" smtClean="0"/>
+              <a:t>No user-defined types</a:t>
+            </a:r>
+          </a:p>
+          <a:p>
+            <a:r>
+              <a:rPr lang="en-US" dirty="0" smtClean="0"/>
+              <a:t>Data must be in type that exports single-segment buffer interface</a:t>
+            </a:r>
+          </a:p>
+          <a:p>
+            <a:r>
+              <a:rPr lang="en-US" dirty="0" smtClean="0"/>
+              <a:t>Data must be contiguous in memory</a:t>
+            </a:r>
+          </a:p>
+        </p:txBody>
+      </p:sp>
+      <p:sp>
+        <p:nvSpPr>
+          <p:cNvPr id="4" name="Slide Number Placeholder 3"/>
+          <p:cNvSpPr>
+            <a:spLocks noGrp="1"/>
+          </p:cNvSpPr>
+          <p:nvPr>
+            <p:ph type="sldNum" sz="quarter" idx="12"/>
+          </p:nvPr>
+        </p:nvSpPr>
+        <p:spPr/>
+        <p:txBody>
+          <a:bodyPr/>
+          <a:lstStyle/>
+          <a:p>
+            <a:fld id="{D1918C2E-FE36-451E-B80E-1968976550A5}" type="slidenum">
+              <a:rPr lang="nl-BE" smtClean="0"/>
+              <a:t>30</a:t>
+            </a:fld>
+            <a:endParaRPr lang="nl-BE"/>
+          </a:p>
+        </p:txBody>
+      </p:sp>
+      <p:sp>
+        <p:nvSpPr>
+          <p:cNvPr id="5" name="TextBox 4"/>
+          <p:cNvSpPr txBox="1"/>
+          <p:nvPr/>
+        </p:nvSpPr>
+        <p:spPr>
+          <a:xfrm>
+            <a:off x="1619672" y="4653136"/>
+            <a:ext cx="5562613" cy="830997"/>
+          </a:xfrm>
+          <a:prstGeom prst="rect">
+            <a:avLst/>
+          </a:prstGeom>
+          <a:noFill/>
+          <a:ln>
+            <a:solidFill>
+              <a:schemeClr val="tx1"/>
+            </a:solidFill>
+          </a:ln>
+        </p:spPr>
+        <p:txBody>
+          <a:bodyPr wrap="none" rtlCol="0">
+            <a:spAutoFit/>
+          </a:bodyPr>
+          <a:lstStyle/>
+          <a:p>
+            <a:r>
+              <a:rPr lang="en-US" sz="2400" dirty="0" smtClean="0"/>
+              <a:t>Implication: for, e.g. 2D halo exchange,</a:t>
+            </a:r>
+            <a:br>
+              <a:rPr lang="en-US" sz="2400" dirty="0" smtClean="0"/>
+            </a:br>
+            <a:r>
+              <a:rPr lang="en-US" sz="2400" dirty="0" smtClean="0"/>
+              <a:t>                      column halo has to be copied!!</a:t>
+            </a:r>
+            <a:endParaRPr lang="nl-BE" sz="2400" dirty="0"/>
+          </a:p>
+        </p:txBody>
+      </p:sp>
+    </p:spTree>
+    <p:extLst>
+      <p:ext uri="{BB962C8B-B14F-4D97-AF65-F5344CB8AC3E}">
+        <p14:creationId xmlns:p14="http://schemas.microsoft.com/office/powerpoint/2010/main" val="792963189"/>
+      </p:ext>
+    </p:extLst>
+  </p:cSld>
+  <p:clrMapOvr>
+    <a:masterClrMapping/>
+  </p:clrMapOvr>
+  <p:timing>
+    <p:tnLst>
+      <p:par>
+        <p:cTn id="1" dur="indefinite" restart="never" nodeType="tmRoot"/>
+      </p:par>
+    </p:tnLst>
+  </p:timing>
+</p:sld>
+</file>
+
+<file path=ppt/slides/slide31.xml><?xml version="1.0" encoding="utf-8"?>
+<p:sld xmlns:a="http://schemas.openxmlformats.org/drawingml/2006/main" xmlns:r="http://schemas.openxmlformats.org/officeDocument/2006/relationships" xmlns:p="http://schemas.openxmlformats.org/presentationml/2006/main">
+  <p:cSld>
+    <p:spTree>
+      <p:nvGrpSpPr>
+        <p:cNvPr id="1" name=""/>
+        <p:cNvGrpSpPr/>
+        <p:nvPr/>
+      </p:nvGrpSpPr>
+      <p:grpSpPr>
+        <a:xfrm>
+          <a:off x="0" y="0"/>
+          <a:ext cx="0" cy="0"/>
+          <a:chOff x="0" y="0"/>
+          <a:chExt cx="0" cy="0"/>
+        </a:xfrm>
+      </p:grpSpPr>
+      <p:sp>
+        <p:nvSpPr>
+          <p:cNvPr id="2" name="Title 1"/>
+          <p:cNvSpPr>
+            <a:spLocks noGrp="1"/>
+          </p:cNvSpPr>
+          <p:nvPr>
+            <p:ph type="title"/>
+          </p:nvPr>
+        </p:nvSpPr>
+        <p:spPr/>
+        <p:txBody>
+          <a:bodyPr/>
+          <a:lstStyle/>
+          <a:p>
+            <a:r>
+              <a:rPr lang="en-US" dirty="0" smtClean="0"/>
+              <a:t>Topology</a:t>
+            </a:r>
+            <a:endParaRPr lang="nl-BE" dirty="0"/>
+          </a:p>
+        </p:txBody>
+      </p:sp>
+      <p:sp>
+        <p:nvSpPr>
+          <p:cNvPr id="3" name="Text Placeholder 2"/>
+          <p:cNvSpPr>
+            <a:spLocks noGrp="1"/>
+          </p:cNvSpPr>
+          <p:nvPr>
+            <p:ph type="body" idx="1"/>
+          </p:nvPr>
+        </p:nvSpPr>
+        <p:spPr/>
+        <p:txBody>
+          <a:bodyPr/>
+          <a:lstStyle/>
+          <a:p>
+            <a:endParaRPr lang="nl-BE"/>
+          </a:p>
+        </p:txBody>
+      </p:sp>
+      <p:sp>
+        <p:nvSpPr>
+          <p:cNvPr id="4" name="Slide Number Placeholder 3"/>
+          <p:cNvSpPr>
+            <a:spLocks noGrp="1"/>
+          </p:cNvSpPr>
+          <p:nvPr>
+            <p:ph type="sldNum" sz="quarter" idx="12"/>
+          </p:nvPr>
+        </p:nvSpPr>
+        <p:spPr/>
+        <p:txBody>
+          <a:bodyPr/>
+          <a:lstStyle/>
+          <a:p>
+            <a:fld id="{D1918C2E-FE36-451E-B80E-1968976550A5}" type="slidenum">
+              <a:rPr lang="nl-BE" smtClean="0"/>
+              <a:t>31</a:t>
+            </a:fld>
+            <a:endParaRPr lang="nl-BE"/>
+          </a:p>
+        </p:txBody>
+      </p:sp>
+    </p:spTree>
+    <p:extLst>
+      <p:ext uri="{BB962C8B-B14F-4D97-AF65-F5344CB8AC3E}">
+        <p14:creationId xmlns:p14="http://schemas.microsoft.com/office/powerpoint/2010/main" val="155491143"/>
+      </p:ext>
+    </p:extLst>
+  </p:cSld>
+  <p:clrMapOvr>
+    <a:masterClrMapping/>
+  </p:clrMapOvr>
+  <p:timing>
+    <p:tnLst>
+      <p:par>
+        <p:cTn id="1" dur="indefinite" restart="never" nodeType="tmRoot"/>
+      </p:par>
+    </p:tnLst>
+  </p:timing>
+</p:sld>
+</file>
+
+<file path=ppt/slides/slide32.xml><?xml version="1.0" encoding="utf-8"?>
+<p:sld xmlns:a="http://schemas.openxmlformats.org/drawingml/2006/main" xmlns:r="http://schemas.openxmlformats.org/officeDocument/2006/relationships" xmlns:p="http://schemas.openxmlformats.org/presentationml/2006/main">
+  <p:cSld>
+    <p:spTree>
+      <p:nvGrpSpPr>
+        <p:cNvPr id="1" name=""/>
+        <p:cNvGrpSpPr/>
+        <p:nvPr/>
+      </p:nvGrpSpPr>
+      <p:grpSpPr>
+        <a:xfrm>
+          <a:off x="0" y="0"/>
+          <a:ext cx="0" cy="0"/>
+          <a:chOff x="0" y="0"/>
+          <a:chExt cx="0" cy="0"/>
+        </a:xfrm>
+      </p:grpSpPr>
+      <p:sp>
+        <p:nvSpPr>
+          <p:cNvPr id="2" name="Title 1"/>
+          <p:cNvSpPr>
+            <a:spLocks noGrp="1"/>
+          </p:cNvSpPr>
+          <p:nvPr>
+            <p:ph type="title"/>
+          </p:nvPr>
+        </p:nvSpPr>
+        <p:spPr/>
+        <p:txBody>
+          <a:bodyPr/>
+          <a:lstStyle/>
+          <a:p>
+            <a:r>
               <a:rPr lang="en-US" dirty="0" smtClean="0"/>
               <a:t>Topology</a:t>
             </a:r>
@@ -16366,15 +18768,15 @@
           <a:p>
             <a:r>
               <a:rPr lang="en-US" dirty="0" smtClean="0"/>
-              <a:t>MPI allows to "arrange" processes in 1D, 2D, 3D, … grids, i.e., </a:t>
-            </a:r>
-            <a:r>
-              <a:rPr lang="en-US" dirty="0" err="1" smtClean="0"/>
-              <a:t>cartesian</a:t>
-            </a:r>
-            <a:r>
-              <a:rPr lang="en-US" dirty="0" smtClean="0"/>
-              <a:t> topology</a:t>
+              <a:t>MPI allows to "arrange" processes in 1D, 2D, 3D, … grids, i.e., C</a:t>
+            </a:r>
+            <a:r>
+              <a:rPr lang="en-US" dirty="0" smtClean="0"/>
+              <a:t>artesian </a:t>
+            </a:r>
+            <a:r>
+              <a:rPr lang="en-US" dirty="0" smtClean="0"/>
+              <a:t>topology</a:t>
             </a:r>
           </a:p>
           <a:p>
@@ -16538,7 +18940,7 @@
           <a:p>
             <a:fld id="{D1918C2E-FE36-451E-B80E-1968976550A5}" type="slidenum">
               <a:rPr lang="nl-BE" smtClean="0"/>
-              <a:t>25</a:t>
+              <a:t>32</a:t>
             </a:fld>
             <a:endParaRPr lang="nl-BE"/>
           </a:p>
@@ -16887,7 +19289,7 @@
 </p:sld>
 </file>
 
-<file path=ppt/slides/slide26.xml><?xml version="1.0" encoding="utf-8"?>
+<file path=ppt/slides/slide33.xml><?xml version="1.0" encoding="utf-8"?>
 <p:sld xmlns:a="http://schemas.openxmlformats.org/drawingml/2006/main" xmlns:r="http://schemas.openxmlformats.org/officeDocument/2006/relationships" xmlns:p="http://schemas.openxmlformats.org/presentationml/2006/main">
   <p:cSld>
     <p:spTree>
@@ -16920,6 +19322,1144 @@
           <a:lstStyle/>
           <a:p>
             <a:r>
+              <a:rPr lang="en-US" dirty="0" err="1" smtClean="0"/>
+              <a:t>comm.Create_cart</a:t>
+            </a:r>
+            <a:endParaRPr lang="nl-BE" dirty="0"/>
+          </a:p>
+        </p:txBody>
+      </p:sp>
+      <p:sp>
+        <p:nvSpPr>
+          <p:cNvPr id="3" name="Content Placeholder 2"/>
+          <p:cNvSpPr>
+            <a:spLocks noGrp="1"/>
+          </p:cNvSpPr>
+          <p:nvPr>
+            <p:ph idx="1"/>
+          </p:nvPr>
+        </p:nvSpPr>
+        <p:spPr/>
+        <p:txBody>
+          <a:bodyPr/>
+          <a:lstStyle/>
+          <a:p>
+            <a:r>
+              <a:rPr lang="en-US" dirty="0" smtClean="0"/>
+              <a:t>Rearrange processes into virtual grid, e.g., 2D</a:t>
+            </a:r>
+          </a:p>
+          <a:p>
+            <a:endParaRPr lang="en-US" dirty="0"/>
+          </a:p>
+          <a:p>
+            <a:endParaRPr lang="en-US" dirty="0" smtClean="0"/>
+          </a:p>
+          <a:p>
+            <a:endParaRPr lang="en-US" dirty="0"/>
+          </a:p>
+          <a:p>
+            <a:endParaRPr lang="en-US" dirty="0" smtClean="0"/>
+          </a:p>
+          <a:p>
+            <a:r>
+              <a:rPr lang="en-US" dirty="0" smtClean="0"/>
+              <a:t>Here, </a:t>
+            </a:r>
+            <a:r>
+              <a:rPr lang="en-US" sz="2400" dirty="0" smtClean="0">
+                <a:latin typeface="Courier New" panose="02070309020205020404" pitchFamily="49" charset="0"/>
+                <a:cs typeface="Courier New" panose="02070309020205020404" pitchFamily="49" charset="0"/>
+              </a:rPr>
+              <a:t>m*n == </a:t>
+            </a:r>
+            <a:r>
+              <a:rPr lang="en-US" sz="2400" dirty="0" err="1" smtClean="0">
+                <a:latin typeface="Courier New" panose="02070309020205020404" pitchFamily="49" charset="0"/>
+                <a:cs typeface="Courier New" panose="02070309020205020404" pitchFamily="49" charset="0"/>
+              </a:rPr>
+              <a:t>comm.Get_size</a:t>
+            </a:r>
+            <a:r>
+              <a:rPr lang="en-US" sz="2400" dirty="0" smtClean="0">
+                <a:latin typeface="Courier New" panose="02070309020205020404" pitchFamily="49" charset="0"/>
+                <a:cs typeface="Courier New" panose="02070309020205020404" pitchFamily="49" charset="0"/>
+              </a:rPr>
+              <a:t>()</a:t>
+            </a:r>
+            <a:r>
+              <a:rPr lang="en-US" dirty="0" smtClean="0"/>
+              <a:t> and </a:t>
+            </a:r>
+            <a:r>
+              <a:rPr lang="en-US" sz="2400" dirty="0" err="1" smtClean="0">
+                <a:latin typeface="Courier New" panose="02070309020205020404" pitchFamily="49" charset="0"/>
+                <a:cs typeface="Courier New" panose="02070309020205020404" pitchFamily="49" charset="0"/>
+              </a:rPr>
+              <a:t>cart_comm.Get_size</a:t>
+            </a:r>
+            <a:r>
+              <a:rPr lang="en-US" sz="2400" dirty="0" smtClean="0">
+                <a:latin typeface="Courier New" panose="02070309020205020404" pitchFamily="49" charset="0"/>
+                <a:cs typeface="Courier New" panose="02070309020205020404" pitchFamily="49" charset="0"/>
+              </a:rPr>
+              <a:t>() == </a:t>
+            </a:r>
+            <a:r>
+              <a:rPr lang="en-US" sz="2400" dirty="0" err="1" smtClean="0">
+                <a:latin typeface="Courier New" panose="02070309020205020404" pitchFamily="49" charset="0"/>
+                <a:cs typeface="Courier New" panose="02070309020205020404" pitchFamily="49" charset="0"/>
+              </a:rPr>
+              <a:t>comm.Get_size</a:t>
+            </a:r>
+            <a:r>
+              <a:rPr lang="en-US" sz="2400" dirty="0" smtClean="0">
+                <a:latin typeface="Courier New" panose="02070309020205020404" pitchFamily="49" charset="0"/>
+                <a:cs typeface="Courier New" panose="02070309020205020404" pitchFamily="49" charset="0"/>
+              </a:rPr>
+              <a:t>()</a:t>
+            </a:r>
+            <a:endParaRPr lang="nl-BE" dirty="0">
+              <a:latin typeface="Courier New" panose="02070309020205020404" pitchFamily="49" charset="0"/>
+              <a:cs typeface="Courier New" panose="02070309020205020404" pitchFamily="49" charset="0"/>
+            </a:endParaRPr>
+          </a:p>
+        </p:txBody>
+      </p:sp>
+      <p:sp>
+        <p:nvSpPr>
+          <p:cNvPr id="4" name="Slide Number Placeholder 3"/>
+          <p:cNvSpPr>
+            <a:spLocks noGrp="1"/>
+          </p:cNvSpPr>
+          <p:nvPr>
+            <p:ph type="sldNum" sz="quarter" idx="12"/>
+          </p:nvPr>
+        </p:nvSpPr>
+        <p:spPr/>
+        <p:txBody>
+          <a:bodyPr/>
+          <a:lstStyle/>
+          <a:p>
+            <a:fld id="{D1918C2E-FE36-451E-B80E-1968976550A5}" type="slidenum">
+              <a:rPr lang="nl-BE" smtClean="0"/>
+              <a:t>33</a:t>
+            </a:fld>
+            <a:endParaRPr lang="nl-BE"/>
+          </a:p>
+        </p:txBody>
+      </p:sp>
+      <p:sp>
+        <p:nvSpPr>
+          <p:cNvPr id="5" name="TextBox 4"/>
+          <p:cNvSpPr txBox="1"/>
+          <p:nvPr/>
+        </p:nvSpPr>
+        <p:spPr>
+          <a:xfrm>
+            <a:off x="590765" y="2348880"/>
+            <a:ext cx="7353295" cy="1754326"/>
+          </a:xfrm>
+          <a:prstGeom prst="rect">
+            <a:avLst/>
+          </a:prstGeom>
+          <a:noFill/>
+          <a:ln>
+            <a:solidFill>
+              <a:schemeClr val="tx1"/>
+            </a:solidFill>
+          </a:ln>
+        </p:spPr>
+        <p:txBody>
+          <a:bodyPr wrap="none" rtlCol="0">
+            <a:spAutoFit/>
+          </a:bodyPr>
+          <a:lstStyle/>
+          <a:p>
+            <a:r>
+              <a:rPr lang="en-US" dirty="0" smtClean="0">
+                <a:latin typeface="Courier New" panose="02070309020205020404" pitchFamily="49" charset="0"/>
+                <a:cs typeface="Courier New" panose="02070309020205020404" pitchFamily="49" charset="0"/>
+              </a:rPr>
+              <a:t>…</a:t>
+            </a:r>
+          </a:p>
+          <a:p>
+            <a:r>
+              <a:rPr lang="en-US" dirty="0" err="1" smtClean="0">
+                <a:latin typeface="Courier New" panose="02070309020205020404" pitchFamily="49" charset="0"/>
+                <a:cs typeface="Courier New" panose="02070309020205020404" pitchFamily="49" charset="0"/>
+              </a:rPr>
+              <a:t>cart_comm</a:t>
+            </a:r>
+            <a:r>
+              <a:rPr lang="en-US" dirty="0" smtClean="0">
+                <a:latin typeface="Courier New" panose="02070309020205020404" pitchFamily="49" charset="0"/>
+                <a:cs typeface="Courier New" panose="02070309020205020404" pitchFamily="49" charset="0"/>
+              </a:rPr>
+              <a:t> = </a:t>
+            </a:r>
+            <a:r>
+              <a:rPr lang="en-US" dirty="0" err="1" smtClean="0">
+                <a:latin typeface="Courier New" panose="02070309020205020404" pitchFamily="49" charset="0"/>
+                <a:cs typeface="Courier New" panose="02070309020205020404" pitchFamily="49" charset="0"/>
+              </a:rPr>
+              <a:t>comm.Create_cart</a:t>
+            </a:r>
+            <a:r>
+              <a:rPr lang="en-US" dirty="0" smtClean="0">
+                <a:latin typeface="Courier New" panose="02070309020205020404" pitchFamily="49" charset="0"/>
+                <a:cs typeface="Courier New" panose="02070309020205020404" pitchFamily="49" charset="0"/>
+              </a:rPr>
+              <a:t>([m, n],</a:t>
+            </a:r>
+          </a:p>
+          <a:p>
+            <a:r>
+              <a:rPr lang="en-US" dirty="0">
+                <a:latin typeface="Courier New" panose="02070309020205020404" pitchFamily="49" charset="0"/>
+                <a:cs typeface="Courier New" panose="02070309020205020404" pitchFamily="49" charset="0"/>
+              </a:rPr>
+              <a:t> </a:t>
+            </a:r>
+            <a:r>
+              <a:rPr lang="en-US" dirty="0" smtClean="0">
+                <a:latin typeface="Courier New" panose="02070309020205020404" pitchFamily="49" charset="0"/>
+                <a:cs typeface="Courier New" panose="02070309020205020404" pitchFamily="49" charset="0"/>
+              </a:rPr>
+              <a:t>                            </a:t>
+            </a:r>
+            <a:r>
+              <a:rPr lang="en-US" dirty="0" smtClean="0">
+                <a:latin typeface="Courier New" panose="02070309020205020404" pitchFamily="49" charset="0"/>
+                <a:cs typeface="Courier New" panose="02070309020205020404" pitchFamily="49" charset="0"/>
+              </a:rPr>
+              <a:t>periods=[False, False],</a:t>
+            </a:r>
+          </a:p>
+          <a:p>
+            <a:r>
+              <a:rPr lang="en-US" dirty="0">
+                <a:latin typeface="Courier New" panose="02070309020205020404" pitchFamily="49" charset="0"/>
+                <a:cs typeface="Courier New" panose="02070309020205020404" pitchFamily="49" charset="0"/>
+              </a:rPr>
+              <a:t> </a:t>
+            </a:r>
+            <a:r>
+              <a:rPr lang="en-US" dirty="0" smtClean="0">
+                <a:latin typeface="Courier New" panose="02070309020205020404" pitchFamily="49" charset="0"/>
+                <a:cs typeface="Courier New" panose="02070309020205020404" pitchFamily="49" charset="0"/>
+              </a:rPr>
+              <a:t>                            reorder=False)</a:t>
+            </a:r>
+          </a:p>
+          <a:p>
+            <a:r>
+              <a:rPr lang="en-US" dirty="0" smtClean="0">
+                <a:latin typeface="Courier New" panose="02070309020205020404" pitchFamily="49" charset="0"/>
+                <a:cs typeface="Courier New" panose="02070309020205020404" pitchFamily="49" charset="0"/>
+              </a:rPr>
+              <a:t>rank = </a:t>
+            </a:r>
+            <a:r>
+              <a:rPr lang="en-US" dirty="0" err="1" smtClean="0">
+                <a:latin typeface="Courier New" panose="02070309020205020404" pitchFamily="49" charset="0"/>
+                <a:cs typeface="Courier New" panose="02070309020205020404" pitchFamily="49" charset="0"/>
+              </a:rPr>
+              <a:t>cart_comm.Get_rank</a:t>
+            </a:r>
+            <a:r>
+              <a:rPr lang="en-US" dirty="0" smtClean="0">
+                <a:latin typeface="Courier New" panose="02070309020205020404" pitchFamily="49" charset="0"/>
+                <a:cs typeface="Courier New" panose="02070309020205020404" pitchFamily="49" charset="0"/>
+              </a:rPr>
+              <a:t>()</a:t>
+            </a:r>
+            <a:endParaRPr lang="nl-BE" dirty="0" smtClean="0">
+              <a:latin typeface="Courier New" panose="02070309020205020404" pitchFamily="49" charset="0"/>
+              <a:cs typeface="Courier New" panose="02070309020205020404" pitchFamily="49" charset="0"/>
+            </a:endParaRPr>
+          </a:p>
+          <a:p>
+            <a:r>
+              <a:rPr lang="nl-BE" dirty="0" smtClean="0">
+                <a:latin typeface="Courier New" panose="02070309020205020404" pitchFamily="49" charset="0"/>
+                <a:cs typeface="Courier New" panose="02070309020205020404" pitchFamily="49" charset="0"/>
+              </a:rPr>
+              <a:t>…</a:t>
+            </a:r>
+            <a:endParaRPr lang="nl-BE" dirty="0" smtClean="0">
+              <a:latin typeface="Courier New" panose="02070309020205020404" pitchFamily="49" charset="0"/>
+              <a:cs typeface="Courier New" panose="02070309020205020404" pitchFamily="49" charset="0"/>
+            </a:endParaRPr>
+          </a:p>
+        </p:txBody>
+      </p:sp>
+    </p:spTree>
+    <p:extLst>
+      <p:ext uri="{BB962C8B-B14F-4D97-AF65-F5344CB8AC3E}">
+        <p14:creationId xmlns:p14="http://schemas.microsoft.com/office/powerpoint/2010/main" val="2015547606"/>
+      </p:ext>
+    </p:extLst>
+  </p:cSld>
+  <p:clrMapOvr>
+    <a:masterClrMapping/>
+  </p:clrMapOvr>
+  <p:timing>
+    <p:tnLst>
+      <p:par>
+        <p:cTn id="1" dur="indefinite" restart="never" nodeType="tmRoot"/>
+      </p:par>
+    </p:tnLst>
+  </p:timing>
+</p:sld>
+</file>
+
+<file path=ppt/slides/slide34.xml><?xml version="1.0" encoding="utf-8"?>
+<p:sld xmlns:a="http://schemas.openxmlformats.org/drawingml/2006/main" xmlns:r="http://schemas.openxmlformats.org/officeDocument/2006/relationships" xmlns:p="http://schemas.openxmlformats.org/presentationml/2006/main">
+  <p:cSld>
+    <p:spTree>
+      <p:nvGrpSpPr>
+        <p:cNvPr id="1" name=""/>
+        <p:cNvGrpSpPr/>
+        <p:nvPr/>
+      </p:nvGrpSpPr>
+      <p:grpSpPr>
+        <a:xfrm>
+          <a:off x="0" y="0"/>
+          <a:ext cx="0" cy="0"/>
+          <a:chOff x="0" y="0"/>
+          <a:chExt cx="0" cy="0"/>
+        </a:xfrm>
+      </p:grpSpPr>
+      <p:sp>
+        <p:nvSpPr>
+          <p:cNvPr id="2" name="Title 1"/>
+          <p:cNvSpPr>
+            <a:spLocks noGrp="1"/>
+          </p:cNvSpPr>
+          <p:nvPr>
+            <p:ph type="title"/>
+          </p:nvPr>
+        </p:nvSpPr>
+        <p:spPr/>
+        <p:txBody>
+          <a:bodyPr/>
+          <a:lstStyle/>
+          <a:p>
+            <a:r>
+              <a:rPr lang="en-US" dirty="0" smtClean="0"/>
+              <a:t>Coordinates</a:t>
+            </a:r>
+            <a:endParaRPr lang="nl-BE" dirty="0"/>
+          </a:p>
+        </p:txBody>
+      </p:sp>
+      <p:sp>
+        <p:nvSpPr>
+          <p:cNvPr id="3" name="Content Placeholder 2"/>
+          <p:cNvSpPr>
+            <a:spLocks noGrp="1"/>
+          </p:cNvSpPr>
+          <p:nvPr>
+            <p:ph idx="1"/>
+          </p:nvPr>
+        </p:nvSpPr>
+        <p:spPr/>
+        <p:txBody>
+          <a:bodyPr/>
+          <a:lstStyle/>
+          <a:p>
+            <a:r>
+              <a:rPr lang="en-US" dirty="0" smtClean="0"/>
+              <a:t>For rank, determine coordinates</a:t>
+            </a:r>
+            <a:br>
+              <a:rPr lang="en-US" dirty="0" smtClean="0"/>
+            </a:br>
+            <a:r>
+              <a:rPr lang="en-US" sz="2400" dirty="0" err="1" smtClean="0">
+                <a:latin typeface="Courier New" panose="02070309020205020404" pitchFamily="49" charset="0"/>
+                <a:cs typeface="Courier New" panose="02070309020205020404" pitchFamily="49" charset="0"/>
+              </a:rPr>
+              <a:t>coords</a:t>
+            </a:r>
+            <a:r>
+              <a:rPr lang="en-US" sz="2400" dirty="0" smtClean="0">
+                <a:latin typeface="Courier New" panose="02070309020205020404" pitchFamily="49" charset="0"/>
+                <a:cs typeface="Courier New" panose="02070309020205020404" pitchFamily="49" charset="0"/>
+              </a:rPr>
+              <a:t> = </a:t>
+            </a:r>
+            <a:r>
+              <a:rPr lang="en-US" sz="2400" dirty="0" err="1" smtClean="0">
+                <a:latin typeface="Courier New" panose="02070309020205020404" pitchFamily="49" charset="0"/>
+                <a:cs typeface="Courier New" panose="02070309020205020404" pitchFamily="49" charset="0"/>
+              </a:rPr>
+              <a:t>cart_comm.Get_coords</a:t>
+            </a:r>
+            <a:r>
+              <a:rPr lang="en-US" sz="2400" dirty="0" smtClean="0">
+                <a:latin typeface="Courier New" panose="02070309020205020404" pitchFamily="49" charset="0"/>
+                <a:cs typeface="Courier New" panose="02070309020205020404" pitchFamily="49" charset="0"/>
+              </a:rPr>
+              <a:t>(rank)</a:t>
+            </a:r>
+            <a:endParaRPr lang="en-US" dirty="0" smtClean="0">
+              <a:latin typeface="Courier New" panose="02070309020205020404" pitchFamily="49" charset="0"/>
+              <a:cs typeface="Courier New" panose="02070309020205020404" pitchFamily="49" charset="0"/>
+            </a:endParaRPr>
+          </a:p>
+          <a:p>
+            <a:r>
+              <a:rPr lang="en-US" dirty="0" smtClean="0"/>
+              <a:t>Get rank of neighbors in 2D</a:t>
+            </a:r>
+            <a:br>
+              <a:rPr lang="en-US" dirty="0" smtClean="0"/>
+            </a:br>
+            <a:r>
+              <a:rPr lang="en-US" sz="2400" dirty="0" smtClean="0">
+                <a:latin typeface="Courier New" panose="02070309020205020404" pitchFamily="49" charset="0"/>
+                <a:cs typeface="Courier New" panose="02070309020205020404" pitchFamily="49" charset="0"/>
+              </a:rPr>
+              <a:t>left, right = </a:t>
+            </a:r>
+            <a:r>
+              <a:rPr lang="en-US" sz="2400" dirty="0" err="1" smtClean="0">
+                <a:latin typeface="Courier New" panose="02070309020205020404" pitchFamily="49" charset="0"/>
+                <a:cs typeface="Courier New" panose="02070309020205020404" pitchFamily="49" charset="0"/>
+              </a:rPr>
+              <a:t>cart_comm.shift</a:t>
+            </a:r>
+            <a:r>
+              <a:rPr lang="en-US" sz="2400" dirty="0" smtClean="0">
+                <a:latin typeface="Courier New" panose="02070309020205020404" pitchFamily="49" charset="0"/>
+                <a:cs typeface="Courier New" panose="02070309020205020404" pitchFamily="49" charset="0"/>
+              </a:rPr>
+              <a:t>(0, 1)</a:t>
+            </a:r>
+            <a:br>
+              <a:rPr lang="en-US" sz="2400" dirty="0" smtClean="0">
+                <a:latin typeface="Courier New" panose="02070309020205020404" pitchFamily="49" charset="0"/>
+                <a:cs typeface="Courier New" panose="02070309020205020404" pitchFamily="49" charset="0"/>
+              </a:rPr>
+            </a:br>
+            <a:r>
+              <a:rPr lang="en-US" sz="2400" dirty="0" smtClean="0">
+                <a:latin typeface="Courier New" panose="02070309020205020404" pitchFamily="49" charset="0"/>
+                <a:cs typeface="Courier New" panose="02070309020205020404" pitchFamily="49" charset="0"/>
+              </a:rPr>
+              <a:t>up, down = </a:t>
+            </a:r>
+            <a:r>
+              <a:rPr lang="en-US" sz="2400" dirty="0" err="1" smtClean="0">
+                <a:latin typeface="Courier New" panose="02070309020205020404" pitchFamily="49" charset="0"/>
+                <a:cs typeface="Courier New" panose="02070309020205020404" pitchFamily="49" charset="0"/>
+              </a:rPr>
+              <a:t>cart_comm.shift</a:t>
+            </a:r>
+            <a:r>
+              <a:rPr lang="en-US" sz="2400" dirty="0" smtClean="0">
+                <a:latin typeface="Courier New" panose="02070309020205020404" pitchFamily="49" charset="0"/>
+                <a:cs typeface="Courier New" panose="02070309020205020404" pitchFamily="49" charset="0"/>
+              </a:rPr>
+              <a:t>(1, 1)</a:t>
+            </a:r>
+            <a:endParaRPr lang="nl-BE" dirty="0">
+              <a:latin typeface="Courier New" panose="02070309020205020404" pitchFamily="49" charset="0"/>
+              <a:cs typeface="Courier New" panose="02070309020205020404" pitchFamily="49" charset="0"/>
+            </a:endParaRPr>
+          </a:p>
+        </p:txBody>
+      </p:sp>
+      <p:sp>
+        <p:nvSpPr>
+          <p:cNvPr id="4" name="Slide Number Placeholder 3"/>
+          <p:cNvSpPr>
+            <a:spLocks noGrp="1"/>
+          </p:cNvSpPr>
+          <p:nvPr>
+            <p:ph type="sldNum" sz="quarter" idx="12"/>
+          </p:nvPr>
+        </p:nvSpPr>
+        <p:spPr/>
+        <p:txBody>
+          <a:bodyPr/>
+          <a:lstStyle/>
+          <a:p>
+            <a:fld id="{D1918C2E-FE36-451E-B80E-1968976550A5}" type="slidenum">
+              <a:rPr lang="nl-BE" smtClean="0"/>
+              <a:t>34</a:t>
+            </a:fld>
+            <a:endParaRPr lang="nl-BE"/>
+          </a:p>
+        </p:txBody>
+      </p:sp>
+    </p:spTree>
+    <p:extLst>
+      <p:ext uri="{BB962C8B-B14F-4D97-AF65-F5344CB8AC3E}">
+        <p14:creationId xmlns:p14="http://schemas.microsoft.com/office/powerpoint/2010/main" val="529463931"/>
+      </p:ext>
+    </p:extLst>
+  </p:cSld>
+  <p:clrMapOvr>
+    <a:masterClrMapping/>
+  </p:clrMapOvr>
+  <p:timing>
+    <p:tnLst>
+      <p:par>
+        <p:cTn id="1" dur="indefinite" restart="never" nodeType="tmRoot"/>
+      </p:par>
+    </p:tnLst>
+  </p:timing>
+</p:sld>
+</file>
+
+<file path=ppt/slides/slide35.xml><?xml version="1.0" encoding="utf-8"?>
+<p:sld xmlns:a="http://schemas.openxmlformats.org/drawingml/2006/main" xmlns:r="http://schemas.openxmlformats.org/officeDocument/2006/relationships" xmlns:p="http://schemas.openxmlformats.org/presentationml/2006/main">
+  <p:cSld>
+    <p:spTree>
+      <p:nvGrpSpPr>
+        <p:cNvPr id="1" name=""/>
+        <p:cNvGrpSpPr/>
+        <p:nvPr/>
+      </p:nvGrpSpPr>
+      <p:grpSpPr>
+        <a:xfrm>
+          <a:off x="0" y="0"/>
+          <a:ext cx="0" cy="0"/>
+          <a:chOff x="0" y="0"/>
+          <a:chExt cx="0" cy="0"/>
+        </a:xfrm>
+      </p:grpSpPr>
+      <p:sp>
+        <p:nvSpPr>
+          <p:cNvPr id="2" name="Title 1"/>
+          <p:cNvSpPr>
+            <a:spLocks noGrp="1"/>
+          </p:cNvSpPr>
+          <p:nvPr>
+            <p:ph type="title"/>
+          </p:nvPr>
+        </p:nvSpPr>
+        <p:spPr/>
+        <p:txBody>
+          <a:bodyPr/>
+          <a:lstStyle/>
+          <a:p>
+            <a:r>
+              <a:rPr lang="en-US" dirty="0" smtClean="0"/>
+              <a:t>Halo exchange</a:t>
+            </a:r>
+            <a:endParaRPr lang="nl-BE" dirty="0"/>
+          </a:p>
+        </p:txBody>
+      </p:sp>
+      <p:sp>
+        <p:nvSpPr>
+          <p:cNvPr id="3" name="Content Placeholder 2"/>
+          <p:cNvSpPr>
+            <a:spLocks noGrp="1"/>
+          </p:cNvSpPr>
+          <p:nvPr>
+            <p:ph idx="1"/>
+          </p:nvPr>
+        </p:nvSpPr>
+        <p:spPr>
+          <a:xfrm>
+            <a:off x="457200" y="1600200"/>
+            <a:ext cx="8229600" cy="4781128"/>
+          </a:xfrm>
+        </p:spPr>
+        <p:txBody>
+          <a:bodyPr>
+            <a:normAutofit/>
+          </a:bodyPr>
+          <a:lstStyle/>
+          <a:p>
+            <a:r>
+              <a:rPr lang="en-US" dirty="0" smtClean="0"/>
+              <a:t>Domain decomposition: often </a:t>
+            </a:r>
+            <a:r>
+              <a:rPr lang="en-US" dirty="0" smtClean="0"/>
+              <a:t>information exchange required, i.e.,</a:t>
+            </a:r>
+            <a:br>
+              <a:rPr lang="en-US" dirty="0" smtClean="0"/>
+            </a:br>
+            <a:r>
+              <a:rPr lang="en-US" dirty="0" smtClean="0"/>
+              <a:t>edges need to be sent</a:t>
+            </a:r>
+            <a:br>
+              <a:rPr lang="en-US" dirty="0" smtClean="0"/>
+            </a:br>
+            <a:r>
+              <a:rPr lang="en-US" smtClean="0"/>
+              <a:t>to "neighbors"</a:t>
+            </a:r>
+            <a:endParaRPr lang="en-US" dirty="0"/>
+          </a:p>
+        </p:txBody>
+      </p:sp>
+      <p:pic>
+        <p:nvPicPr>
+          <p:cNvPr id="5" name="Picture 2" descr="C:\Users\lucg5005\Downloads\DSC_0825-Edit.jpg"/>
+          <p:cNvPicPr>
+            <a:picLocks noChangeAspect="1" noChangeArrowheads="1"/>
+          </p:cNvPicPr>
+          <p:nvPr/>
+        </p:nvPicPr>
+        <p:blipFill>
+          <a:blip r:embed="rId2" cstate="print">
+            <a:extLst>
+              <a:ext uri="{28A0092B-C50C-407E-A947-70E740481C1C}">
+                <a14:useLocalDpi xmlns:a14="http://schemas.microsoft.com/office/drawing/2010/main" val="0"/>
+              </a:ext>
+            </a:extLst>
+          </a:blip>
+          <a:srcRect/>
+          <a:stretch>
+            <a:fillRect/>
+          </a:stretch>
+        </p:blipFill>
+        <p:spPr bwMode="auto">
+          <a:xfrm>
+            <a:off x="5652220" y="2492996"/>
+            <a:ext cx="1800000" cy="1800000"/>
+          </a:xfrm>
+          <a:prstGeom prst="rect">
+            <a:avLst/>
+          </a:prstGeom>
+          <a:noFill/>
+          <a:extLst>
+            <a:ext uri="{909E8E84-426E-40DD-AFC4-6F175D3DCCD1}">
+              <a14:hiddenFill xmlns:a14="http://schemas.microsoft.com/office/drawing/2010/main">
+                <a:solidFill>
+                  <a:srgbClr val="FFFFFF"/>
+                </a:solidFill>
+              </a14:hiddenFill>
+            </a:ext>
+          </a:extLst>
+        </p:spPr>
+      </p:pic>
+      <p:grpSp>
+        <p:nvGrpSpPr>
+          <p:cNvPr id="11" name="Group 10"/>
+          <p:cNvGrpSpPr/>
+          <p:nvPr/>
+        </p:nvGrpSpPr>
+        <p:grpSpPr>
+          <a:xfrm>
+            <a:off x="5364088" y="2204864"/>
+            <a:ext cx="2376264" cy="2376264"/>
+            <a:chOff x="5282412" y="2060848"/>
+            <a:chExt cx="2376264" cy="2376264"/>
+          </a:xfrm>
+        </p:grpSpPr>
+        <p:cxnSp>
+          <p:nvCxnSpPr>
+            <p:cNvPr id="7" name="Straight Connector 6"/>
+            <p:cNvCxnSpPr/>
+            <p:nvPr/>
+          </p:nvCxnSpPr>
+          <p:spPr>
+            <a:xfrm flipH="1" flipV="1">
+              <a:off x="6452592" y="2060848"/>
+              <a:ext cx="35904" cy="2376264"/>
+            </a:xfrm>
+            <a:prstGeom prst="line">
+              <a:avLst/>
+            </a:prstGeom>
+            <a:ln w="19050">
+              <a:solidFill>
+                <a:schemeClr val="tx1"/>
+              </a:solidFill>
+              <a:prstDash val="dash"/>
+            </a:ln>
+          </p:spPr>
+          <p:style>
+            <a:lnRef idx="1">
+              <a:schemeClr val="accent1"/>
+            </a:lnRef>
+            <a:fillRef idx="0">
+              <a:schemeClr val="accent1"/>
+            </a:fillRef>
+            <a:effectRef idx="0">
+              <a:schemeClr val="accent1"/>
+            </a:effectRef>
+            <a:fontRef idx="minor">
+              <a:schemeClr val="tx1"/>
+            </a:fontRef>
+          </p:style>
+        </p:cxnSp>
+        <p:cxnSp>
+          <p:nvCxnSpPr>
+            <p:cNvPr id="10" name="Straight Connector 9"/>
+            <p:cNvCxnSpPr/>
+            <p:nvPr/>
+          </p:nvCxnSpPr>
+          <p:spPr>
+            <a:xfrm rot="5400000" flipH="1" flipV="1">
+              <a:off x="6452592" y="2060848"/>
+              <a:ext cx="35904" cy="2376264"/>
+            </a:xfrm>
+            <a:prstGeom prst="line">
+              <a:avLst/>
+            </a:prstGeom>
+            <a:ln w="19050">
+              <a:solidFill>
+                <a:schemeClr val="tx1"/>
+              </a:solidFill>
+              <a:prstDash val="dash"/>
+            </a:ln>
+          </p:spPr>
+          <p:style>
+            <a:lnRef idx="1">
+              <a:schemeClr val="accent1"/>
+            </a:lnRef>
+            <a:fillRef idx="0">
+              <a:schemeClr val="accent1"/>
+            </a:fillRef>
+            <a:effectRef idx="0">
+              <a:schemeClr val="accent1"/>
+            </a:effectRef>
+            <a:fontRef idx="minor">
+              <a:schemeClr val="tx1"/>
+            </a:fontRef>
+          </p:style>
+        </p:cxnSp>
+      </p:grpSp>
+      <p:sp>
+        <p:nvSpPr>
+          <p:cNvPr id="4" name="Slide Number Placeholder 3"/>
+          <p:cNvSpPr>
+            <a:spLocks noGrp="1"/>
+          </p:cNvSpPr>
+          <p:nvPr>
+            <p:ph type="sldNum" sz="quarter" idx="12"/>
+          </p:nvPr>
+        </p:nvSpPr>
+        <p:spPr/>
+        <p:txBody>
+          <a:bodyPr/>
+          <a:lstStyle/>
+          <a:p>
+            <a:fld id="{D1918C2E-FE36-451E-B80E-1968976550A5}" type="slidenum">
+              <a:rPr lang="nl-BE" smtClean="0"/>
+              <a:t>35</a:t>
+            </a:fld>
+            <a:endParaRPr lang="nl-BE"/>
+          </a:p>
+        </p:txBody>
+      </p:sp>
+      <p:grpSp>
+        <p:nvGrpSpPr>
+          <p:cNvPr id="8" name="Group 7"/>
+          <p:cNvGrpSpPr/>
+          <p:nvPr/>
+        </p:nvGrpSpPr>
+        <p:grpSpPr>
+          <a:xfrm>
+            <a:off x="5364088" y="2204864"/>
+            <a:ext cx="2386655" cy="2386655"/>
+            <a:chOff x="5364088" y="2204864"/>
+            <a:chExt cx="2386655" cy="2386655"/>
+          </a:xfrm>
+        </p:grpSpPr>
+        <p:grpSp>
+          <p:nvGrpSpPr>
+            <p:cNvPr id="6" name="Group 5"/>
+            <p:cNvGrpSpPr/>
+            <p:nvPr/>
+          </p:nvGrpSpPr>
+          <p:grpSpPr>
+            <a:xfrm>
+              <a:off x="6433817" y="2204864"/>
+              <a:ext cx="226415" cy="2386655"/>
+              <a:chOff x="6433817" y="2204864"/>
+              <a:chExt cx="226415" cy="2386655"/>
+            </a:xfrm>
+          </p:grpSpPr>
+          <p:cxnSp>
+            <p:nvCxnSpPr>
+              <p:cNvPr id="9" name="Straight Connector 8"/>
+              <p:cNvCxnSpPr/>
+              <p:nvPr/>
+            </p:nvCxnSpPr>
+            <p:spPr>
+              <a:xfrm flipH="1" flipV="1">
+                <a:off x="6624328" y="2204864"/>
+                <a:ext cx="35904" cy="2376264"/>
+              </a:xfrm>
+              <a:prstGeom prst="line">
+                <a:avLst/>
+              </a:prstGeom>
+              <a:ln w="3175">
+                <a:solidFill>
+                  <a:schemeClr val="tx1"/>
+                </a:solidFill>
+                <a:prstDash val="sysDash"/>
+              </a:ln>
+            </p:spPr>
+            <p:style>
+              <a:lnRef idx="1">
+                <a:schemeClr val="accent1"/>
+              </a:lnRef>
+              <a:fillRef idx="0">
+                <a:schemeClr val="accent1"/>
+              </a:fillRef>
+              <a:effectRef idx="0">
+                <a:schemeClr val="accent1"/>
+              </a:effectRef>
+              <a:fontRef idx="minor">
+                <a:schemeClr val="tx1"/>
+              </a:fontRef>
+            </p:style>
+          </p:cxnSp>
+          <p:cxnSp>
+            <p:nvCxnSpPr>
+              <p:cNvPr id="12" name="Straight Connector 11"/>
+              <p:cNvCxnSpPr/>
+              <p:nvPr/>
+            </p:nvCxnSpPr>
+            <p:spPr>
+              <a:xfrm flipH="1" flipV="1">
+                <a:off x="6433817" y="2215255"/>
+                <a:ext cx="35904" cy="2376264"/>
+              </a:xfrm>
+              <a:prstGeom prst="line">
+                <a:avLst/>
+              </a:prstGeom>
+              <a:ln w="3175">
+                <a:solidFill>
+                  <a:schemeClr val="tx1"/>
+                </a:solidFill>
+                <a:prstDash val="sysDash"/>
+              </a:ln>
+            </p:spPr>
+            <p:style>
+              <a:lnRef idx="1">
+                <a:schemeClr val="accent1"/>
+              </a:lnRef>
+              <a:fillRef idx="0">
+                <a:schemeClr val="accent1"/>
+              </a:fillRef>
+              <a:effectRef idx="0">
+                <a:schemeClr val="accent1"/>
+              </a:effectRef>
+              <a:fontRef idx="minor">
+                <a:schemeClr val="tx1"/>
+              </a:fontRef>
+            </p:style>
+          </p:cxnSp>
+        </p:grpSp>
+        <p:grpSp>
+          <p:nvGrpSpPr>
+            <p:cNvPr id="13" name="Group 12"/>
+            <p:cNvGrpSpPr/>
+            <p:nvPr/>
+          </p:nvGrpSpPr>
+          <p:grpSpPr>
+            <a:xfrm rot="16200000">
+              <a:off x="6444208" y="2204865"/>
+              <a:ext cx="226415" cy="2386655"/>
+              <a:chOff x="6433817" y="2204864"/>
+              <a:chExt cx="226415" cy="2386655"/>
+            </a:xfrm>
+          </p:grpSpPr>
+          <p:cxnSp>
+            <p:nvCxnSpPr>
+              <p:cNvPr id="14" name="Straight Connector 13"/>
+              <p:cNvCxnSpPr/>
+              <p:nvPr/>
+            </p:nvCxnSpPr>
+            <p:spPr>
+              <a:xfrm flipH="1" flipV="1">
+                <a:off x="6624328" y="2204864"/>
+                <a:ext cx="35904" cy="2376264"/>
+              </a:xfrm>
+              <a:prstGeom prst="line">
+                <a:avLst/>
+              </a:prstGeom>
+              <a:ln w="3175">
+                <a:solidFill>
+                  <a:schemeClr val="tx1"/>
+                </a:solidFill>
+                <a:prstDash val="sysDash"/>
+              </a:ln>
+            </p:spPr>
+            <p:style>
+              <a:lnRef idx="1">
+                <a:schemeClr val="accent1"/>
+              </a:lnRef>
+              <a:fillRef idx="0">
+                <a:schemeClr val="accent1"/>
+              </a:fillRef>
+              <a:effectRef idx="0">
+                <a:schemeClr val="accent1"/>
+              </a:effectRef>
+              <a:fontRef idx="minor">
+                <a:schemeClr val="tx1"/>
+              </a:fontRef>
+            </p:style>
+          </p:cxnSp>
+          <p:cxnSp>
+            <p:nvCxnSpPr>
+              <p:cNvPr id="15" name="Straight Connector 14"/>
+              <p:cNvCxnSpPr/>
+              <p:nvPr/>
+            </p:nvCxnSpPr>
+            <p:spPr>
+              <a:xfrm flipH="1" flipV="1">
+                <a:off x="6433817" y="2215255"/>
+                <a:ext cx="35904" cy="2376264"/>
+              </a:xfrm>
+              <a:prstGeom prst="line">
+                <a:avLst/>
+              </a:prstGeom>
+              <a:ln w="3175">
+                <a:solidFill>
+                  <a:schemeClr val="tx1"/>
+                </a:solidFill>
+                <a:prstDash val="sysDash"/>
+              </a:ln>
+            </p:spPr>
+            <p:style>
+              <a:lnRef idx="1">
+                <a:schemeClr val="accent1"/>
+              </a:lnRef>
+              <a:fillRef idx="0">
+                <a:schemeClr val="accent1"/>
+              </a:fillRef>
+              <a:effectRef idx="0">
+                <a:schemeClr val="accent1"/>
+              </a:effectRef>
+              <a:fontRef idx="minor">
+                <a:schemeClr val="tx1"/>
+              </a:fontRef>
+            </p:style>
+          </p:cxnSp>
+        </p:grpSp>
+      </p:grpSp>
+    </p:spTree>
+    <p:extLst>
+      <p:ext uri="{BB962C8B-B14F-4D97-AF65-F5344CB8AC3E}">
+        <p14:creationId xmlns:p14="http://schemas.microsoft.com/office/powerpoint/2010/main" val="530773028"/>
+      </p:ext>
+    </p:extLst>
+  </p:cSld>
+  <p:clrMapOvr>
+    <a:masterClrMapping/>
+  </p:clrMapOvr>
+  <p:timing>
+    <p:tnLst>
+      <p:par>
+        <p:cTn id="1" dur="indefinite" restart="never" nodeType="tmRoot">
+          <p:childTnLst>
+            <p:seq concurrent="1" nextAc="seek">
+              <p:cTn id="2" dur="indefinite" nodeType="mainSeq">
+                <p:childTnLst>
+                  <p:par>
+                    <p:cTn id="3" fill="hold">
+                      <p:stCondLst>
+                        <p:cond delay="indefinite"/>
+                      </p:stCondLst>
+                      <p:childTnLst>
+                        <p:par>
+                          <p:cTn id="4" fill="hold">
+                            <p:stCondLst>
+                              <p:cond delay="0"/>
+                            </p:stCondLst>
+                            <p:childTnLst>
+                              <p:par>
+                                <p:cTn id="5" presetID="1" presetClass="entr" presetSubtype="0" fill="hold" nodeType="clickEffect">
+                                  <p:stCondLst>
+                                    <p:cond delay="0"/>
+                                  </p:stCondLst>
+                                  <p:childTnLst>
+                                    <p:set>
+                                      <p:cBhvr>
+                                        <p:cTn id="6" dur="1" fill="hold">
+                                          <p:stCondLst>
+                                            <p:cond delay="0"/>
+                                          </p:stCondLst>
+                                        </p:cTn>
+                                        <p:tgtEl>
+                                          <p:spTgt spid="8"/>
+                                        </p:tgtEl>
+                                        <p:attrNameLst>
+                                          <p:attrName>style.visibility</p:attrName>
+                                        </p:attrNameLst>
+                                      </p:cBhvr>
+                                      <p:to>
+                                        <p:strVal val="visible"/>
+                                      </p:to>
+                                    </p:set>
+                                  </p:childTnLst>
+                                </p:cTn>
+                              </p:par>
+                            </p:childTnLst>
+                          </p:cTn>
+                        </p:par>
+                      </p:childTnLst>
+                    </p:cTn>
+                  </p:par>
+                </p:childTnLst>
+              </p:cTn>
+              <p:prevCondLst>
+                <p:cond evt="onPrev" delay="0">
+                  <p:tgtEl>
+                    <p:sldTgt/>
+                  </p:tgtEl>
+                </p:cond>
+              </p:prevCondLst>
+              <p:nextCondLst>
+                <p:cond evt="onNext" delay="0">
+                  <p:tgtEl>
+                    <p:sldTgt/>
+                  </p:tgtEl>
+                </p:cond>
+              </p:nextCondLst>
+            </p:seq>
+          </p:childTnLst>
+        </p:cTn>
+      </p:par>
+    </p:tnLst>
+  </p:timing>
+</p:sld>
+</file>
+
+<file path=ppt/slides/slide36.xml><?xml version="1.0" encoding="utf-8"?>
+<p:sld xmlns:a="http://schemas.openxmlformats.org/drawingml/2006/main" xmlns:r="http://schemas.openxmlformats.org/officeDocument/2006/relationships" xmlns:p="http://schemas.openxmlformats.org/presentationml/2006/main">
+  <p:cSld>
+    <p:spTree>
+      <p:nvGrpSpPr>
+        <p:cNvPr id="1" name=""/>
+        <p:cNvGrpSpPr/>
+        <p:nvPr/>
+      </p:nvGrpSpPr>
+      <p:grpSpPr>
+        <a:xfrm>
+          <a:off x="0" y="0"/>
+          <a:ext cx="0" cy="0"/>
+          <a:chOff x="0" y="0"/>
+          <a:chExt cx="0" cy="0"/>
+        </a:xfrm>
+      </p:grpSpPr>
+      <p:sp>
+        <p:nvSpPr>
+          <p:cNvPr id="2" name="Title 1"/>
+          <p:cNvSpPr>
+            <a:spLocks noGrp="1"/>
+          </p:cNvSpPr>
+          <p:nvPr>
+            <p:ph type="title"/>
+          </p:nvPr>
+        </p:nvSpPr>
+        <p:spPr/>
+        <p:txBody>
+          <a:bodyPr/>
+          <a:lstStyle/>
+          <a:p>
+            <a:r>
+              <a:rPr lang="en-US" dirty="0" smtClean="0"/>
+              <a:t>Outlook &amp; conclusions</a:t>
+            </a:r>
+            <a:endParaRPr lang="nl-BE" dirty="0"/>
+          </a:p>
+        </p:txBody>
+      </p:sp>
+      <p:sp>
+        <p:nvSpPr>
+          <p:cNvPr id="3" name="Text Placeholder 2"/>
+          <p:cNvSpPr>
+            <a:spLocks noGrp="1"/>
+          </p:cNvSpPr>
+          <p:nvPr>
+            <p:ph type="body" idx="1"/>
+          </p:nvPr>
+        </p:nvSpPr>
+        <p:spPr/>
+        <p:txBody>
+          <a:bodyPr/>
+          <a:lstStyle/>
+          <a:p>
+            <a:endParaRPr lang="nl-BE"/>
+          </a:p>
+        </p:txBody>
+      </p:sp>
+      <p:sp>
+        <p:nvSpPr>
+          <p:cNvPr id="4" name="Slide Number Placeholder 3"/>
+          <p:cNvSpPr>
+            <a:spLocks noGrp="1"/>
+          </p:cNvSpPr>
+          <p:nvPr>
+            <p:ph type="sldNum" sz="quarter" idx="12"/>
+          </p:nvPr>
+        </p:nvSpPr>
+        <p:spPr/>
+        <p:txBody>
+          <a:bodyPr/>
+          <a:lstStyle/>
+          <a:p>
+            <a:fld id="{D1918C2E-FE36-451E-B80E-1968976550A5}" type="slidenum">
+              <a:rPr lang="nl-BE" smtClean="0"/>
+              <a:t>36</a:t>
+            </a:fld>
+            <a:endParaRPr lang="nl-BE"/>
+          </a:p>
+        </p:txBody>
+      </p:sp>
+    </p:spTree>
+    <p:extLst>
+      <p:ext uri="{BB962C8B-B14F-4D97-AF65-F5344CB8AC3E}">
+        <p14:creationId xmlns:p14="http://schemas.microsoft.com/office/powerpoint/2010/main" val="1049298431"/>
+      </p:ext>
+    </p:extLst>
+  </p:cSld>
+  <p:clrMapOvr>
+    <a:masterClrMapping/>
+  </p:clrMapOvr>
+</p:sld>
+</file>
+
+<file path=ppt/slides/slide37.xml><?xml version="1.0" encoding="utf-8"?>
+<p:sld xmlns:a="http://schemas.openxmlformats.org/drawingml/2006/main" xmlns:r="http://schemas.openxmlformats.org/officeDocument/2006/relationships" xmlns:p="http://schemas.openxmlformats.org/presentationml/2006/main">
+  <p:cSld>
+    <p:spTree>
+      <p:nvGrpSpPr>
+        <p:cNvPr id="1" name=""/>
+        <p:cNvGrpSpPr/>
+        <p:nvPr/>
+      </p:nvGrpSpPr>
+      <p:grpSpPr>
+        <a:xfrm>
+          <a:off x="0" y="0"/>
+          <a:ext cx="0" cy="0"/>
+          <a:chOff x="0" y="0"/>
+          <a:chExt cx="0" cy="0"/>
+        </a:xfrm>
+      </p:grpSpPr>
+      <p:sp>
+        <p:nvSpPr>
+          <p:cNvPr id="2" name="Title 1"/>
+          <p:cNvSpPr>
+            <a:spLocks noGrp="1"/>
+          </p:cNvSpPr>
+          <p:nvPr>
+            <p:ph type="title"/>
+          </p:nvPr>
+        </p:nvSpPr>
+        <p:spPr/>
+        <p:txBody>
+          <a:bodyPr/>
+          <a:lstStyle/>
+          <a:p>
+            <a:r>
               <a:rPr lang="en-US" dirty="0" smtClean="0"/>
               <a:t>MPI I/O</a:t>
             </a:r>
@@ -17058,7 +20598,7 @@
           <a:p>
             <a:fld id="{D1918C2E-FE36-451E-B80E-1968976550A5}" type="slidenum">
               <a:rPr lang="nl-BE" smtClean="0"/>
-              <a:t>26</a:t>
+              <a:t>37</a:t>
             </a:fld>
             <a:endParaRPr lang="nl-BE"/>
           </a:p>
@@ -17420,7 +20960,7 @@
 </p:sld>
 </file>
 
-<file path=ppt/slides/slide27.xml><?xml version="1.0" encoding="utf-8"?>
+<file path=ppt/slides/slide38.xml><?xml version="1.0" encoding="utf-8"?>
 <p:sld xmlns:a="http://schemas.openxmlformats.org/drawingml/2006/main" xmlns:r="http://schemas.openxmlformats.org/officeDocument/2006/relationships" xmlns:p="http://schemas.openxmlformats.org/presentationml/2006/main">
   <p:cSld>
     <p:spTree>
@@ -17551,7 +21091,7 @@
           <a:p>
             <a:fld id="{D1918C2E-FE36-451E-B80E-1968976550A5}" type="slidenum">
               <a:rPr lang="nl-BE" smtClean="0"/>
-              <a:t>27</a:t>
+              <a:t>38</a:t>
             </a:fld>
             <a:endParaRPr lang="nl-BE"/>
           </a:p>
@@ -17949,7 +21489,7 @@
 </p:sld>
 </file>
 
-<file path=ppt/slides/slide28.xml><?xml version="1.0" encoding="utf-8"?>
+<file path=ppt/slides/slide39.xml><?xml version="1.0" encoding="utf-8"?>
 <p:sld xmlns:a="http://schemas.openxmlformats.org/drawingml/2006/main" xmlns:r="http://schemas.openxmlformats.org/officeDocument/2006/relationships" xmlns:p="http://schemas.openxmlformats.org/presentationml/2006/main">
   <p:cSld>
     <p:spTree>
@@ -18129,7 +21669,7 @@
           <a:p>
             <a:fld id="{D1918C2E-FE36-451E-B80E-1968976550A5}" type="slidenum">
               <a:rPr lang="nl-BE" smtClean="0"/>
-              <a:t>28</a:t>
+              <a:t>39</a:t>
             </a:fld>
             <a:endParaRPr lang="nl-BE"/>
           </a:p>
@@ -18563,7 +22103,7 @@
 </p:sld>
 </file>
 
-<file path=ppt/slides/slide29.xml><?xml version="1.0" encoding="utf-8"?>
+<file path=ppt/slides/slide4.xml><?xml version="1.0" encoding="utf-8"?>
 <p:sld xmlns:a="http://schemas.openxmlformats.org/drawingml/2006/main" xmlns:r="http://schemas.openxmlformats.org/officeDocument/2006/relationships" xmlns:p="http://schemas.openxmlformats.org/presentationml/2006/main">
   <p:cSld>
     <p:spTree>
@@ -18597,414 +22137,6 @@
           <a:p>
             <a:r>
               <a:rPr lang="en-US" dirty="0" smtClean="0"/>
-              <a:t>Conclusions</a:t>
-            </a:r>
-            <a:endParaRPr lang="nl-BE" dirty="0"/>
-          </a:p>
-        </p:txBody>
-      </p:sp>
-      <p:sp>
-        <p:nvSpPr>
-          <p:cNvPr id="3" name="Content Placeholder 2"/>
-          <p:cNvSpPr>
-            <a:spLocks noGrp="1"/>
-          </p:cNvSpPr>
-          <p:nvPr>
-            <p:ph idx="1"/>
-          </p:nvPr>
-        </p:nvSpPr>
-        <p:spPr/>
-        <p:txBody>
-          <a:bodyPr/>
-          <a:lstStyle/>
-          <a:p>
-            <a:r>
-              <a:rPr lang="en-US" dirty="0"/>
-              <a:t>Nice, versatile programming model </a:t>
-            </a:r>
-            <a:endParaRPr lang="en-US" dirty="0" smtClean="0"/>
-          </a:p>
-          <a:p>
-            <a:r>
-              <a:rPr lang="en-US" dirty="0" smtClean="0"/>
-              <a:t>MPI has very extensive specification</a:t>
-            </a:r>
-          </a:p>
-          <a:p>
-            <a:pPr lvl="1"/>
-            <a:r>
-              <a:rPr lang="en-US" dirty="0" smtClean="0"/>
-              <a:t>Freely available as PDF</a:t>
-            </a:r>
-          </a:p>
-          <a:p>
-            <a:pPr lvl="1"/>
-            <a:r>
-              <a:rPr lang="en-US" dirty="0" smtClean="0"/>
-              <a:t>Easy to read, many examples</a:t>
-            </a:r>
-          </a:p>
-          <a:p>
-            <a:r>
-              <a:rPr lang="en-US" dirty="0" smtClean="0"/>
-              <a:t>Many nitty-gritty details</a:t>
-            </a:r>
-          </a:p>
-          <a:p>
-            <a:pPr lvl="1"/>
-            <a:r>
-              <a:rPr lang="en-US" dirty="0" smtClean="0"/>
-              <a:t>Important for efficiency</a:t>
-            </a:r>
-          </a:p>
-        </p:txBody>
-      </p:sp>
-      <p:sp>
-        <p:nvSpPr>
-          <p:cNvPr id="4" name="Slide Number Placeholder 3"/>
-          <p:cNvSpPr>
-            <a:spLocks noGrp="1"/>
-          </p:cNvSpPr>
-          <p:nvPr>
-            <p:ph type="sldNum" sz="quarter" idx="12"/>
-          </p:nvPr>
-        </p:nvSpPr>
-        <p:spPr/>
-        <p:txBody>
-          <a:bodyPr/>
-          <a:lstStyle/>
-          <a:p>
-            <a:fld id="{D1918C2E-FE36-451E-B80E-1968976550A5}" type="slidenum">
-              <a:rPr lang="nl-BE" smtClean="0"/>
-              <a:t>29</a:t>
-            </a:fld>
-            <a:endParaRPr lang="nl-BE"/>
-          </a:p>
-        </p:txBody>
-      </p:sp>
-    </p:spTree>
-    <p:extLst>
-      <p:ext uri="{BB962C8B-B14F-4D97-AF65-F5344CB8AC3E}">
-        <p14:creationId xmlns:p14="http://schemas.microsoft.com/office/powerpoint/2010/main" val="932625997"/>
-      </p:ext>
-    </p:extLst>
-  </p:cSld>
-  <p:clrMapOvr>
-    <a:masterClrMapping/>
-  </p:clrMapOvr>
-  <p:timing>
-    <p:tnLst>
-      <p:par>
-        <p:cTn id="1" dur="indefinite" restart="never" nodeType="tmRoot">
-          <p:childTnLst>
-            <p:seq concurrent="1" nextAc="seek">
-              <p:cTn id="2" dur="indefinite" nodeType="mainSeq">
-                <p:childTnLst>
-                  <p:par>
-                    <p:cTn id="3" fill="hold">
-                      <p:stCondLst>
-                        <p:cond delay="indefinite"/>
-                        <p:cond evt="onBegin" delay="0">
-                          <p:tn val="2"/>
-                        </p:cond>
-                      </p:stCondLst>
-                      <p:childTnLst>
-                        <p:par>
-                          <p:cTn id="4" fill="hold">
-                            <p:stCondLst>
-                              <p:cond delay="0"/>
-                            </p:stCondLst>
-                            <p:childTnLst>
-                              <p:par>
-                                <p:cTn id="5" presetID="1" presetClass="entr" presetSubtype="0" fill="hold" grpId="0" nodeType="withEffect">
-                                  <p:stCondLst>
-                                    <p:cond delay="0"/>
-                                  </p:stCondLst>
-                                  <p:childTnLst>
-                                    <p:set>
-                                      <p:cBhvr>
-                                        <p:cTn id="6" dur="1" fill="hold">
-                                          <p:stCondLst>
-                                            <p:cond delay="0"/>
-                                          </p:stCondLst>
-                                        </p:cTn>
-                                        <p:tgtEl>
-                                          <p:spTgt spid="3">
-                                            <p:txEl>
-                                              <p:pRg st="0" end="0"/>
-                                            </p:txEl>
-                                          </p:spTgt>
-                                        </p:tgtEl>
-                                        <p:attrNameLst>
-                                          <p:attrName>style.visibility</p:attrName>
-                                        </p:attrNameLst>
-                                      </p:cBhvr>
-                                      <p:to>
-                                        <p:strVal val="visible"/>
-                                      </p:to>
-                                    </p:set>
-                                  </p:childTnLst>
-                                </p:cTn>
-                              </p:par>
-                            </p:childTnLst>
-                          </p:cTn>
-                        </p:par>
-                      </p:childTnLst>
-                    </p:cTn>
-                  </p:par>
-                  <p:par>
-                    <p:cTn id="7" fill="hold">
-                      <p:stCondLst>
-                        <p:cond delay="indefinite"/>
-                      </p:stCondLst>
-                      <p:childTnLst>
-                        <p:par>
-                          <p:cTn id="8" fill="hold">
-                            <p:stCondLst>
-                              <p:cond delay="0"/>
-                            </p:stCondLst>
-                            <p:childTnLst>
-                              <p:par>
-                                <p:cTn id="9" presetID="1" presetClass="entr" presetSubtype="0" fill="hold" grpId="0" nodeType="clickEffect">
-                                  <p:stCondLst>
-                                    <p:cond delay="0"/>
-                                  </p:stCondLst>
-                                  <p:childTnLst>
-                                    <p:set>
-                                      <p:cBhvr>
-                                        <p:cTn id="10" dur="1" fill="hold">
-                                          <p:stCondLst>
-                                            <p:cond delay="0"/>
-                                          </p:stCondLst>
-                                        </p:cTn>
-                                        <p:tgtEl>
-                                          <p:spTgt spid="3">
-                                            <p:txEl>
-                                              <p:pRg st="1" end="1"/>
-                                            </p:txEl>
-                                          </p:spTgt>
-                                        </p:tgtEl>
-                                        <p:attrNameLst>
-                                          <p:attrName>style.visibility</p:attrName>
-                                        </p:attrNameLst>
-                                      </p:cBhvr>
-                                      <p:to>
-                                        <p:strVal val="visible"/>
-                                      </p:to>
-                                    </p:set>
-                                  </p:childTnLst>
-                                </p:cTn>
-                              </p:par>
-                              <p:par>
-                                <p:cTn id="11" presetID="1" presetClass="entr" presetSubtype="0" fill="hold" grpId="0" nodeType="withEffect">
-                                  <p:stCondLst>
-                                    <p:cond delay="0"/>
-                                  </p:stCondLst>
-                                  <p:childTnLst>
-                                    <p:set>
-                                      <p:cBhvr>
-                                        <p:cTn id="12" dur="1" fill="hold">
-                                          <p:stCondLst>
-                                            <p:cond delay="0"/>
-                                          </p:stCondLst>
-                                        </p:cTn>
-                                        <p:tgtEl>
-                                          <p:spTgt spid="3">
-                                            <p:txEl>
-                                              <p:pRg st="2" end="2"/>
-                                            </p:txEl>
-                                          </p:spTgt>
-                                        </p:tgtEl>
-                                        <p:attrNameLst>
-                                          <p:attrName>style.visibility</p:attrName>
-                                        </p:attrNameLst>
-                                      </p:cBhvr>
-                                      <p:to>
-                                        <p:strVal val="visible"/>
-                                      </p:to>
-                                    </p:set>
-                                  </p:childTnLst>
-                                </p:cTn>
-                              </p:par>
-                              <p:par>
-                                <p:cTn id="13" presetID="1" presetClass="entr" presetSubtype="0" fill="hold" grpId="0" nodeType="withEffect">
-                                  <p:stCondLst>
-                                    <p:cond delay="0"/>
-                                  </p:stCondLst>
-                                  <p:childTnLst>
-                                    <p:set>
-                                      <p:cBhvr>
-                                        <p:cTn id="14" dur="1" fill="hold">
-                                          <p:stCondLst>
-                                            <p:cond delay="0"/>
-                                          </p:stCondLst>
-                                        </p:cTn>
-                                        <p:tgtEl>
-                                          <p:spTgt spid="3">
-                                            <p:txEl>
-                                              <p:pRg st="3" end="3"/>
-                                            </p:txEl>
-                                          </p:spTgt>
-                                        </p:tgtEl>
-                                        <p:attrNameLst>
-                                          <p:attrName>style.visibility</p:attrName>
-                                        </p:attrNameLst>
-                                      </p:cBhvr>
-                                      <p:to>
-                                        <p:strVal val="visible"/>
-                                      </p:to>
-                                    </p:set>
-                                  </p:childTnLst>
-                                </p:cTn>
-                              </p:par>
-                            </p:childTnLst>
-                          </p:cTn>
-                        </p:par>
-                      </p:childTnLst>
-                    </p:cTn>
-                  </p:par>
-                  <p:par>
-                    <p:cTn id="15" fill="hold">
-                      <p:stCondLst>
-                        <p:cond delay="indefinite"/>
-                      </p:stCondLst>
-                      <p:childTnLst>
-                        <p:par>
-                          <p:cTn id="16" fill="hold">
-                            <p:stCondLst>
-                              <p:cond delay="0"/>
-                            </p:stCondLst>
-                            <p:childTnLst>
-                              <p:par>
-                                <p:cTn id="17" presetID="1" presetClass="entr" presetSubtype="0" fill="hold" grpId="0" nodeType="clickEffect">
-                                  <p:stCondLst>
-                                    <p:cond delay="0"/>
-                                  </p:stCondLst>
-                                  <p:childTnLst>
-                                    <p:set>
-                                      <p:cBhvr>
-                                        <p:cTn id="18" dur="1" fill="hold">
-                                          <p:stCondLst>
-                                            <p:cond delay="0"/>
-                                          </p:stCondLst>
-                                        </p:cTn>
-                                        <p:tgtEl>
-                                          <p:spTgt spid="3">
-                                            <p:txEl>
-                                              <p:pRg st="4" end="4"/>
-                                            </p:txEl>
-                                          </p:spTgt>
-                                        </p:tgtEl>
-                                        <p:attrNameLst>
-                                          <p:attrName>style.visibility</p:attrName>
-                                        </p:attrNameLst>
-                                      </p:cBhvr>
-                                      <p:to>
-                                        <p:strVal val="visible"/>
-                                      </p:to>
-                                    </p:set>
-                                  </p:childTnLst>
-                                </p:cTn>
-                              </p:par>
-                              <p:par>
-                                <p:cTn id="19" presetID="1" presetClass="entr" presetSubtype="0" fill="hold" grpId="0" nodeType="withEffect">
-                                  <p:stCondLst>
-                                    <p:cond delay="0"/>
-                                  </p:stCondLst>
-                                  <p:childTnLst>
-                                    <p:set>
-                                      <p:cBhvr>
-                                        <p:cTn id="20" dur="1" fill="hold">
-                                          <p:stCondLst>
-                                            <p:cond delay="0"/>
-                                          </p:stCondLst>
-                                        </p:cTn>
-                                        <p:tgtEl>
-                                          <p:spTgt spid="3">
-                                            <p:txEl>
-                                              <p:pRg st="5" end="5"/>
-                                            </p:txEl>
-                                          </p:spTgt>
-                                        </p:tgtEl>
-                                        <p:attrNameLst>
-                                          <p:attrName>style.visibility</p:attrName>
-                                        </p:attrNameLst>
-                                      </p:cBhvr>
-                                      <p:to>
-                                        <p:strVal val="visible"/>
-                                      </p:to>
-                                    </p:set>
-                                  </p:childTnLst>
-                                </p:cTn>
-                              </p:par>
-                            </p:childTnLst>
-                          </p:cTn>
-                        </p:par>
-                      </p:childTnLst>
-                    </p:cTn>
-                  </p:par>
-                </p:childTnLst>
-              </p:cTn>
-              <p:prevCondLst>
-                <p:cond evt="onPrev" delay="0">
-                  <p:tgtEl>
-                    <p:sldTgt/>
-                  </p:tgtEl>
-                </p:cond>
-              </p:prevCondLst>
-              <p:nextCondLst>
-                <p:cond evt="onNext" delay="0">
-                  <p:tgtEl>
-                    <p:sldTgt/>
-                  </p:tgtEl>
-                </p:cond>
-              </p:nextCondLst>
-            </p:seq>
-          </p:childTnLst>
-        </p:cTn>
-      </p:par>
-    </p:tnLst>
-    <p:bldLst>
-      <p:bldP spid="3" grpId="0" uiExpand="1" build="p"/>
-    </p:bldLst>
-  </p:timing>
-</p:sld>
-</file>
-
-<file path=ppt/slides/slide3.xml><?xml version="1.0" encoding="utf-8"?>
-<p:sld xmlns:a="http://schemas.openxmlformats.org/drawingml/2006/main" xmlns:r="http://schemas.openxmlformats.org/officeDocument/2006/relationships" xmlns:p="http://schemas.openxmlformats.org/presentationml/2006/main">
-  <p:cSld>
-    <p:spTree>
-      <p:nvGrpSpPr>
-        <p:cNvPr id="1" name=""/>
-        <p:cNvGrpSpPr/>
-        <p:nvPr/>
-      </p:nvGrpSpPr>
-      <p:grpSpPr>
-        <a:xfrm>
-          <a:off x="0" y="0"/>
-          <a:ext cx="0" cy="0"/>
-          <a:chOff x="0" y="0"/>
-          <a:chExt cx="0" cy="0"/>
-        </a:xfrm>
-      </p:grpSpPr>
-      <p:sp>
-        <p:nvSpPr>
-          <p:cNvPr id="2" name="Title 1"/>
-          <p:cNvSpPr>
-            <a:spLocks noGrp="1"/>
-          </p:cNvSpPr>
-          <p:nvPr>
-            <p:ph type="title"/>
-          </p:nvPr>
-        </p:nvSpPr>
-        <p:spPr/>
-        <p:txBody>
-          <a:bodyPr/>
-          <a:lstStyle/>
-          <a:p>
-            <a:r>
-              <a:rPr lang="en-US" dirty="0" smtClean="0"/>
               <a:t>What is MPI?</a:t>
             </a:r>
             <a:endParaRPr lang="nl-BE" dirty="0"/>
@@ -19173,7 +22305,7 @@
           <a:p>
             <a:fld id="{D1918C2E-FE36-451E-B80E-1968976550A5}" type="slidenum">
               <a:rPr lang="nl-BE" smtClean="0"/>
-              <a:t>3</a:t>
+              <a:t>4</a:t>
             </a:fld>
             <a:endParaRPr lang="nl-BE"/>
           </a:p>
@@ -19656,7 +22788,510 @@
 </p:sld>
 </file>
 
-<file path=ppt/slides/slide30.xml><?xml version="1.0" encoding="utf-8"?>
+<file path=ppt/slides/slide40.xml><?xml version="1.0" encoding="utf-8"?>
+<p:sld xmlns:a="http://schemas.openxmlformats.org/drawingml/2006/main" xmlns:r="http://schemas.openxmlformats.org/officeDocument/2006/relationships" xmlns:p="http://schemas.openxmlformats.org/presentationml/2006/main">
+  <p:cSld>
+    <p:spTree>
+      <p:nvGrpSpPr>
+        <p:cNvPr id="1" name=""/>
+        <p:cNvGrpSpPr/>
+        <p:nvPr/>
+      </p:nvGrpSpPr>
+      <p:grpSpPr>
+        <a:xfrm>
+          <a:off x="0" y="0"/>
+          <a:ext cx="0" cy="0"/>
+          <a:chOff x="0" y="0"/>
+          <a:chExt cx="0" cy="0"/>
+        </a:xfrm>
+      </p:grpSpPr>
+      <p:sp>
+        <p:nvSpPr>
+          <p:cNvPr id="2" name="Title 1"/>
+          <p:cNvSpPr>
+            <a:spLocks noGrp="1"/>
+          </p:cNvSpPr>
+          <p:nvPr>
+            <p:ph type="title"/>
+          </p:nvPr>
+        </p:nvSpPr>
+        <p:spPr/>
+        <p:txBody>
+          <a:bodyPr/>
+          <a:lstStyle/>
+          <a:p>
+            <a:r>
+              <a:rPr lang="en-US" dirty="0" smtClean="0"/>
+              <a:t>Conclusions</a:t>
+            </a:r>
+            <a:endParaRPr lang="nl-BE" dirty="0"/>
+          </a:p>
+        </p:txBody>
+      </p:sp>
+      <p:sp>
+        <p:nvSpPr>
+          <p:cNvPr id="3" name="Content Placeholder 2"/>
+          <p:cNvSpPr>
+            <a:spLocks noGrp="1"/>
+          </p:cNvSpPr>
+          <p:nvPr>
+            <p:ph idx="1"/>
+          </p:nvPr>
+        </p:nvSpPr>
+        <p:spPr/>
+        <p:txBody>
+          <a:bodyPr/>
+          <a:lstStyle/>
+          <a:p>
+            <a:r>
+              <a:rPr lang="en-US" dirty="0"/>
+              <a:t>Nice, versatile programming model </a:t>
+            </a:r>
+            <a:endParaRPr lang="en-US" dirty="0" smtClean="0"/>
+          </a:p>
+          <a:p>
+            <a:r>
+              <a:rPr lang="en-US" dirty="0" smtClean="0"/>
+              <a:t>MPI has very extensive specification</a:t>
+            </a:r>
+          </a:p>
+          <a:p>
+            <a:pPr lvl="1"/>
+            <a:r>
+              <a:rPr lang="en-US" dirty="0" smtClean="0"/>
+              <a:t>Freely available as PDF</a:t>
+            </a:r>
+          </a:p>
+          <a:p>
+            <a:pPr lvl="1"/>
+            <a:r>
+              <a:rPr lang="en-US" dirty="0" smtClean="0"/>
+              <a:t>Easy to read, many examples</a:t>
+            </a:r>
+          </a:p>
+          <a:p>
+            <a:r>
+              <a:rPr lang="en-US" dirty="0" smtClean="0"/>
+              <a:t>Many nitty-gritty details</a:t>
+            </a:r>
+          </a:p>
+          <a:p>
+            <a:pPr lvl="1"/>
+            <a:r>
+              <a:rPr lang="en-US" dirty="0" smtClean="0"/>
+              <a:t>Important for efficiency</a:t>
+            </a:r>
+          </a:p>
+        </p:txBody>
+      </p:sp>
+      <p:sp>
+        <p:nvSpPr>
+          <p:cNvPr id="4" name="Slide Number Placeholder 3"/>
+          <p:cNvSpPr>
+            <a:spLocks noGrp="1"/>
+          </p:cNvSpPr>
+          <p:nvPr>
+            <p:ph type="sldNum" sz="quarter" idx="12"/>
+          </p:nvPr>
+        </p:nvSpPr>
+        <p:spPr/>
+        <p:txBody>
+          <a:bodyPr/>
+          <a:lstStyle/>
+          <a:p>
+            <a:fld id="{D1918C2E-FE36-451E-B80E-1968976550A5}" type="slidenum">
+              <a:rPr lang="nl-BE" smtClean="0"/>
+              <a:t>40</a:t>
+            </a:fld>
+            <a:endParaRPr lang="nl-BE"/>
+          </a:p>
+        </p:txBody>
+      </p:sp>
+    </p:spTree>
+    <p:extLst>
+      <p:ext uri="{BB962C8B-B14F-4D97-AF65-F5344CB8AC3E}">
+        <p14:creationId xmlns:p14="http://schemas.microsoft.com/office/powerpoint/2010/main" val="932625997"/>
+      </p:ext>
+    </p:extLst>
+  </p:cSld>
+  <p:clrMapOvr>
+    <a:masterClrMapping/>
+  </p:clrMapOvr>
+  <p:timing>
+    <p:tnLst>
+      <p:par>
+        <p:cTn id="1" dur="indefinite" restart="never" nodeType="tmRoot">
+          <p:childTnLst>
+            <p:seq concurrent="1" nextAc="seek">
+              <p:cTn id="2" dur="indefinite" nodeType="mainSeq">
+                <p:childTnLst>
+                  <p:par>
+                    <p:cTn id="3" fill="hold">
+                      <p:stCondLst>
+                        <p:cond delay="indefinite"/>
+                        <p:cond evt="onBegin" delay="0">
+                          <p:tn val="2"/>
+                        </p:cond>
+                      </p:stCondLst>
+                      <p:childTnLst>
+                        <p:par>
+                          <p:cTn id="4" fill="hold">
+                            <p:stCondLst>
+                              <p:cond delay="0"/>
+                            </p:stCondLst>
+                            <p:childTnLst>
+                              <p:par>
+                                <p:cTn id="5" presetID="1" presetClass="entr" presetSubtype="0" fill="hold" grpId="0" nodeType="withEffect">
+                                  <p:stCondLst>
+                                    <p:cond delay="0"/>
+                                  </p:stCondLst>
+                                  <p:childTnLst>
+                                    <p:set>
+                                      <p:cBhvr>
+                                        <p:cTn id="6" dur="1" fill="hold">
+                                          <p:stCondLst>
+                                            <p:cond delay="0"/>
+                                          </p:stCondLst>
+                                        </p:cTn>
+                                        <p:tgtEl>
+                                          <p:spTgt spid="3">
+                                            <p:txEl>
+                                              <p:pRg st="0" end="0"/>
+                                            </p:txEl>
+                                          </p:spTgt>
+                                        </p:tgtEl>
+                                        <p:attrNameLst>
+                                          <p:attrName>style.visibility</p:attrName>
+                                        </p:attrNameLst>
+                                      </p:cBhvr>
+                                      <p:to>
+                                        <p:strVal val="visible"/>
+                                      </p:to>
+                                    </p:set>
+                                  </p:childTnLst>
+                                </p:cTn>
+                              </p:par>
+                            </p:childTnLst>
+                          </p:cTn>
+                        </p:par>
+                      </p:childTnLst>
+                    </p:cTn>
+                  </p:par>
+                  <p:par>
+                    <p:cTn id="7" fill="hold">
+                      <p:stCondLst>
+                        <p:cond delay="indefinite"/>
+                      </p:stCondLst>
+                      <p:childTnLst>
+                        <p:par>
+                          <p:cTn id="8" fill="hold">
+                            <p:stCondLst>
+                              <p:cond delay="0"/>
+                            </p:stCondLst>
+                            <p:childTnLst>
+                              <p:par>
+                                <p:cTn id="9" presetID="1" presetClass="entr" presetSubtype="0" fill="hold" grpId="0" nodeType="clickEffect">
+                                  <p:stCondLst>
+                                    <p:cond delay="0"/>
+                                  </p:stCondLst>
+                                  <p:childTnLst>
+                                    <p:set>
+                                      <p:cBhvr>
+                                        <p:cTn id="10" dur="1" fill="hold">
+                                          <p:stCondLst>
+                                            <p:cond delay="0"/>
+                                          </p:stCondLst>
+                                        </p:cTn>
+                                        <p:tgtEl>
+                                          <p:spTgt spid="3">
+                                            <p:txEl>
+                                              <p:pRg st="1" end="1"/>
+                                            </p:txEl>
+                                          </p:spTgt>
+                                        </p:tgtEl>
+                                        <p:attrNameLst>
+                                          <p:attrName>style.visibility</p:attrName>
+                                        </p:attrNameLst>
+                                      </p:cBhvr>
+                                      <p:to>
+                                        <p:strVal val="visible"/>
+                                      </p:to>
+                                    </p:set>
+                                  </p:childTnLst>
+                                </p:cTn>
+                              </p:par>
+                              <p:par>
+                                <p:cTn id="11" presetID="1" presetClass="entr" presetSubtype="0" fill="hold" grpId="0" nodeType="withEffect">
+                                  <p:stCondLst>
+                                    <p:cond delay="0"/>
+                                  </p:stCondLst>
+                                  <p:childTnLst>
+                                    <p:set>
+                                      <p:cBhvr>
+                                        <p:cTn id="12" dur="1" fill="hold">
+                                          <p:stCondLst>
+                                            <p:cond delay="0"/>
+                                          </p:stCondLst>
+                                        </p:cTn>
+                                        <p:tgtEl>
+                                          <p:spTgt spid="3">
+                                            <p:txEl>
+                                              <p:pRg st="2" end="2"/>
+                                            </p:txEl>
+                                          </p:spTgt>
+                                        </p:tgtEl>
+                                        <p:attrNameLst>
+                                          <p:attrName>style.visibility</p:attrName>
+                                        </p:attrNameLst>
+                                      </p:cBhvr>
+                                      <p:to>
+                                        <p:strVal val="visible"/>
+                                      </p:to>
+                                    </p:set>
+                                  </p:childTnLst>
+                                </p:cTn>
+                              </p:par>
+                              <p:par>
+                                <p:cTn id="13" presetID="1" presetClass="entr" presetSubtype="0" fill="hold" grpId="0" nodeType="withEffect">
+                                  <p:stCondLst>
+                                    <p:cond delay="0"/>
+                                  </p:stCondLst>
+                                  <p:childTnLst>
+                                    <p:set>
+                                      <p:cBhvr>
+                                        <p:cTn id="14" dur="1" fill="hold">
+                                          <p:stCondLst>
+                                            <p:cond delay="0"/>
+                                          </p:stCondLst>
+                                        </p:cTn>
+                                        <p:tgtEl>
+                                          <p:spTgt spid="3">
+                                            <p:txEl>
+                                              <p:pRg st="3" end="3"/>
+                                            </p:txEl>
+                                          </p:spTgt>
+                                        </p:tgtEl>
+                                        <p:attrNameLst>
+                                          <p:attrName>style.visibility</p:attrName>
+                                        </p:attrNameLst>
+                                      </p:cBhvr>
+                                      <p:to>
+                                        <p:strVal val="visible"/>
+                                      </p:to>
+                                    </p:set>
+                                  </p:childTnLst>
+                                </p:cTn>
+                              </p:par>
+                            </p:childTnLst>
+                          </p:cTn>
+                        </p:par>
+                      </p:childTnLst>
+                    </p:cTn>
+                  </p:par>
+                  <p:par>
+                    <p:cTn id="15" fill="hold">
+                      <p:stCondLst>
+                        <p:cond delay="indefinite"/>
+                      </p:stCondLst>
+                      <p:childTnLst>
+                        <p:par>
+                          <p:cTn id="16" fill="hold">
+                            <p:stCondLst>
+                              <p:cond delay="0"/>
+                            </p:stCondLst>
+                            <p:childTnLst>
+                              <p:par>
+                                <p:cTn id="17" presetID="1" presetClass="entr" presetSubtype="0" fill="hold" grpId="0" nodeType="clickEffect">
+                                  <p:stCondLst>
+                                    <p:cond delay="0"/>
+                                  </p:stCondLst>
+                                  <p:childTnLst>
+                                    <p:set>
+                                      <p:cBhvr>
+                                        <p:cTn id="18" dur="1" fill="hold">
+                                          <p:stCondLst>
+                                            <p:cond delay="0"/>
+                                          </p:stCondLst>
+                                        </p:cTn>
+                                        <p:tgtEl>
+                                          <p:spTgt spid="3">
+                                            <p:txEl>
+                                              <p:pRg st="4" end="4"/>
+                                            </p:txEl>
+                                          </p:spTgt>
+                                        </p:tgtEl>
+                                        <p:attrNameLst>
+                                          <p:attrName>style.visibility</p:attrName>
+                                        </p:attrNameLst>
+                                      </p:cBhvr>
+                                      <p:to>
+                                        <p:strVal val="visible"/>
+                                      </p:to>
+                                    </p:set>
+                                  </p:childTnLst>
+                                </p:cTn>
+                              </p:par>
+                              <p:par>
+                                <p:cTn id="19" presetID="1" presetClass="entr" presetSubtype="0" fill="hold" grpId="0" nodeType="withEffect">
+                                  <p:stCondLst>
+                                    <p:cond delay="0"/>
+                                  </p:stCondLst>
+                                  <p:childTnLst>
+                                    <p:set>
+                                      <p:cBhvr>
+                                        <p:cTn id="20" dur="1" fill="hold">
+                                          <p:stCondLst>
+                                            <p:cond delay="0"/>
+                                          </p:stCondLst>
+                                        </p:cTn>
+                                        <p:tgtEl>
+                                          <p:spTgt spid="3">
+                                            <p:txEl>
+                                              <p:pRg st="5" end="5"/>
+                                            </p:txEl>
+                                          </p:spTgt>
+                                        </p:tgtEl>
+                                        <p:attrNameLst>
+                                          <p:attrName>style.visibility</p:attrName>
+                                        </p:attrNameLst>
+                                      </p:cBhvr>
+                                      <p:to>
+                                        <p:strVal val="visible"/>
+                                      </p:to>
+                                    </p:set>
+                                  </p:childTnLst>
+                                </p:cTn>
+                              </p:par>
+                            </p:childTnLst>
+                          </p:cTn>
+                        </p:par>
+                      </p:childTnLst>
+                    </p:cTn>
+                  </p:par>
+                </p:childTnLst>
+              </p:cTn>
+              <p:prevCondLst>
+                <p:cond evt="onPrev" delay="0">
+                  <p:tgtEl>
+                    <p:sldTgt/>
+                  </p:tgtEl>
+                </p:cond>
+              </p:prevCondLst>
+              <p:nextCondLst>
+                <p:cond evt="onNext" delay="0">
+                  <p:tgtEl>
+                    <p:sldTgt/>
+                  </p:tgtEl>
+                </p:cond>
+              </p:nextCondLst>
+            </p:seq>
+          </p:childTnLst>
+        </p:cTn>
+      </p:par>
+    </p:tnLst>
+    <p:bldLst>
+      <p:bldP spid="3" grpId="0" uiExpand="1" build="p"/>
+    </p:bldLst>
+  </p:timing>
+</p:sld>
+</file>
+
+<file path=ppt/slides/slide41.xml><?xml version="1.0" encoding="utf-8"?>
+<p:sld xmlns:a="http://schemas.openxmlformats.org/drawingml/2006/main" xmlns:r="http://schemas.openxmlformats.org/officeDocument/2006/relationships" xmlns:p="http://schemas.openxmlformats.org/presentationml/2006/main">
+  <p:cSld>
+    <p:spTree>
+      <p:nvGrpSpPr>
+        <p:cNvPr id="1" name=""/>
+        <p:cNvGrpSpPr/>
+        <p:nvPr/>
+      </p:nvGrpSpPr>
+      <p:grpSpPr>
+        <a:xfrm>
+          <a:off x="0" y="0"/>
+          <a:ext cx="0" cy="0"/>
+          <a:chOff x="0" y="0"/>
+          <a:chExt cx="0" cy="0"/>
+        </a:xfrm>
+      </p:grpSpPr>
+      <p:sp>
+        <p:nvSpPr>
+          <p:cNvPr id="2" name="Title 1"/>
+          <p:cNvSpPr>
+            <a:spLocks noGrp="1"/>
+          </p:cNvSpPr>
+          <p:nvPr>
+            <p:ph type="title"/>
+          </p:nvPr>
+        </p:nvSpPr>
+        <p:spPr/>
+        <p:txBody>
+          <a:bodyPr/>
+          <a:lstStyle/>
+          <a:p>
+            <a:r>
+              <a:rPr lang="en-US" dirty="0" smtClean="0"/>
+              <a:t>Additional material</a:t>
+            </a:r>
+            <a:endParaRPr lang="nl-BE" dirty="0"/>
+          </a:p>
+        </p:txBody>
+      </p:sp>
+      <p:sp>
+        <p:nvSpPr>
+          <p:cNvPr id="3" name="Text Placeholder 2"/>
+          <p:cNvSpPr>
+            <a:spLocks noGrp="1"/>
+          </p:cNvSpPr>
+          <p:nvPr>
+            <p:ph type="body" idx="1"/>
+          </p:nvPr>
+        </p:nvSpPr>
+        <p:spPr/>
+        <p:txBody>
+          <a:bodyPr/>
+          <a:lstStyle/>
+          <a:p>
+            <a:endParaRPr lang="nl-BE"/>
+          </a:p>
+        </p:txBody>
+      </p:sp>
+      <p:sp>
+        <p:nvSpPr>
+          <p:cNvPr id="4" name="Slide Number Placeholder 3"/>
+          <p:cNvSpPr>
+            <a:spLocks noGrp="1"/>
+          </p:cNvSpPr>
+          <p:nvPr>
+            <p:ph type="sldNum" sz="quarter" idx="12"/>
+          </p:nvPr>
+        </p:nvSpPr>
+        <p:spPr/>
+        <p:txBody>
+          <a:bodyPr/>
+          <a:lstStyle/>
+          <a:p>
+            <a:fld id="{D1918C2E-FE36-451E-B80E-1968976550A5}" type="slidenum">
+              <a:rPr lang="nl-BE" smtClean="0"/>
+              <a:t>41</a:t>
+            </a:fld>
+            <a:endParaRPr lang="nl-BE"/>
+          </a:p>
+        </p:txBody>
+      </p:sp>
+    </p:spTree>
+    <p:extLst>
+      <p:ext uri="{BB962C8B-B14F-4D97-AF65-F5344CB8AC3E}">
+        <p14:creationId xmlns:p14="http://schemas.microsoft.com/office/powerpoint/2010/main" val="1760289833"/>
+      </p:ext>
+    </p:extLst>
+  </p:cSld>
+  <p:clrMapOvr>
+    <a:masterClrMapping/>
+  </p:clrMapOvr>
+</p:sld>
+</file>
+
+<file path=ppt/slides/slide42.xml><?xml version="1.0" encoding="utf-8"?>
 <p:sld xmlns:a="http://schemas.openxmlformats.org/drawingml/2006/main" xmlns:r="http://schemas.openxmlformats.org/officeDocument/2006/relationships" xmlns:p="http://schemas.openxmlformats.org/presentationml/2006/main">
   <p:cSld>
     <p:spTree>
@@ -20126,7 +23761,7 @@
           <a:p>
             <a:fld id="{D1918C2E-FE36-451E-B80E-1968976550A5}" type="slidenum">
               <a:rPr lang="nl-BE" smtClean="0"/>
-              <a:t>30</a:t>
+              <a:t>42</a:t>
             </a:fld>
             <a:endParaRPr lang="nl-BE"/>
           </a:p>
@@ -20152,7 +23787,7 @@
 </p:sld>
 </file>
 
-<file path=ppt/slides/slide4.xml><?xml version="1.0" encoding="utf-8"?>
+<file path=ppt/slides/slide5.xml><?xml version="1.0" encoding="utf-8"?>
 <p:sld xmlns:a="http://schemas.openxmlformats.org/drawingml/2006/main" xmlns:r="http://schemas.openxmlformats.org/officeDocument/2006/relationships" xmlns:p="http://schemas.openxmlformats.org/presentationml/2006/main">
   <p:cSld>
     <p:spTree>
@@ -20409,7 +24044,7 @@
           <a:p>
             <a:fld id="{D1918C2E-FE36-451E-B80E-1968976550A5}" type="slidenum">
               <a:rPr lang="nl-BE" smtClean="0"/>
-              <a:t>4</a:t>
+              <a:t>5</a:t>
             </a:fld>
             <a:endParaRPr lang="nl-BE"/>
           </a:p>
@@ -20967,7 +24602,7 @@
 </p:sld>
 </file>
 
-<file path=ppt/slides/slide5.xml><?xml version="1.0" encoding="utf-8"?>
+<file path=ppt/slides/slide6.xml><?xml version="1.0" encoding="utf-8"?>
 <p:sld xmlns:a="http://schemas.openxmlformats.org/drawingml/2006/main" xmlns:r="http://schemas.openxmlformats.org/officeDocument/2006/relationships" xmlns:p="http://schemas.openxmlformats.org/presentationml/2006/main">
   <p:cSld>
     <p:spTree>
@@ -21174,7 +24809,7 @@
           <a:p>
             <a:fld id="{D1918C2E-FE36-451E-B80E-1968976550A5}" type="slidenum">
               <a:rPr lang="nl-BE" smtClean="0"/>
-              <a:t>5</a:t>
+              <a:t>6</a:t>
             </a:fld>
             <a:endParaRPr lang="nl-BE"/>
           </a:p>
@@ -21271,1615 +24906,7 @@
 </p:sld>
 </file>
 
-<file path=ppt/slides/slide6.xml><?xml version="1.0" encoding="utf-8"?>
-<p:sld xmlns:a="http://schemas.openxmlformats.org/drawingml/2006/main" xmlns:r="http://schemas.openxmlformats.org/officeDocument/2006/relationships" xmlns:p="http://schemas.openxmlformats.org/presentationml/2006/main">
-  <p:cSld>
-    <p:spTree>
-      <p:nvGrpSpPr>
-        <p:cNvPr id="1" name=""/>
-        <p:cNvGrpSpPr/>
-        <p:nvPr/>
-      </p:nvGrpSpPr>
-      <p:grpSpPr>
-        <a:xfrm>
-          <a:off x="0" y="0"/>
-          <a:ext cx="0" cy="0"/>
-          <a:chOff x="0" y="0"/>
-          <a:chExt cx="0" cy="0"/>
-        </a:xfrm>
-      </p:grpSpPr>
-      <p:sp>
-        <p:nvSpPr>
-          <p:cNvPr id="2" name="Title 1"/>
-          <p:cNvSpPr>
-            <a:spLocks noGrp="1"/>
-          </p:cNvSpPr>
-          <p:nvPr>
-            <p:ph type="title"/>
-          </p:nvPr>
-        </p:nvSpPr>
-        <p:spPr/>
-        <p:txBody>
-          <a:bodyPr/>
-          <a:lstStyle/>
-          <a:p>
-            <a:r>
-              <a:rPr lang="en-US" dirty="0" smtClean="0"/>
-              <a:t>Hello world</a:t>
-            </a:r>
-            <a:endParaRPr lang="nl-BE" dirty="0"/>
-          </a:p>
-        </p:txBody>
-      </p:sp>
-      <p:sp>
-        <p:nvSpPr>
-          <p:cNvPr id="3" name="Content Placeholder 2"/>
-          <p:cNvSpPr>
-            <a:spLocks noGrp="1"/>
-          </p:cNvSpPr>
-          <p:nvPr>
-            <p:ph idx="1"/>
-          </p:nvPr>
-        </p:nvSpPr>
-        <p:spPr>
-          <a:xfrm>
-            <a:off x="457200" y="4149080"/>
-            <a:ext cx="8229600" cy="1656184"/>
-          </a:xfrm>
-        </p:spPr>
-        <p:txBody>
-          <a:bodyPr>
-            <a:normAutofit/>
-          </a:bodyPr>
-          <a:lstStyle/>
-          <a:p>
-            <a:r>
-              <a:rPr lang="en-US" dirty="0" smtClean="0"/>
-              <a:t>run: </a:t>
-            </a:r>
-            <a:r>
-              <a:rPr lang="en-US" dirty="0" err="1" smtClean="0">
-                <a:latin typeface="Courier New" panose="02070309020205020404" pitchFamily="49" charset="0"/>
-                <a:cs typeface="Courier New" panose="02070309020205020404" pitchFamily="49" charset="0"/>
-              </a:rPr>
-              <a:t>mpirun</a:t>
-            </a:r>
-            <a:r>
-              <a:rPr lang="en-US" dirty="0" smtClean="0">
-                <a:latin typeface="Courier New" panose="02070309020205020404" pitchFamily="49" charset="0"/>
-                <a:cs typeface="Courier New" panose="02070309020205020404" pitchFamily="49" charset="0"/>
-              </a:rPr>
-              <a:t>  -np 4  ./hello.py</a:t>
-            </a:r>
-            <a:endParaRPr lang="nl-BE" dirty="0" smtClean="0">
-              <a:latin typeface="Courier New" panose="02070309020205020404" pitchFamily="49" charset="0"/>
-              <a:cs typeface="Courier New" panose="02070309020205020404" pitchFamily="49" charset="0"/>
-            </a:endParaRPr>
-          </a:p>
-          <a:p>
-            <a:pPr lvl="1"/>
-            <a:r>
-              <a:rPr lang="en-US" dirty="0" smtClean="0"/>
-              <a:t>processes can run on same host,</a:t>
-            </a:r>
-            <a:br>
-              <a:rPr lang="en-US" dirty="0" smtClean="0"/>
-            </a:br>
-            <a:r>
-              <a:rPr lang="en-US" dirty="0" smtClean="0"/>
-              <a:t>or different hosts</a:t>
-            </a:r>
-            <a:endParaRPr lang="nl-BE" dirty="0"/>
-          </a:p>
-        </p:txBody>
-      </p:sp>
-      <p:sp>
-        <p:nvSpPr>
-          <p:cNvPr id="4" name="TextBox 3"/>
-          <p:cNvSpPr txBox="1"/>
-          <p:nvPr/>
-        </p:nvSpPr>
-        <p:spPr>
-          <a:xfrm>
-            <a:off x="699720" y="1700808"/>
-            <a:ext cx="7904728" cy="2031325"/>
-          </a:xfrm>
-          <a:prstGeom prst="rect">
-            <a:avLst/>
-          </a:prstGeom>
-          <a:noFill/>
-          <a:ln>
-            <a:solidFill>
-              <a:schemeClr val="tx1"/>
-            </a:solidFill>
-          </a:ln>
-        </p:spPr>
-        <p:txBody>
-          <a:bodyPr wrap="none" rtlCol="0">
-            <a:spAutoFit/>
-          </a:bodyPr>
-          <a:lstStyle/>
-          <a:p>
-            <a:r>
-              <a:rPr lang="en-US" dirty="0" smtClean="0">
-                <a:latin typeface="Courier New" panose="02070309020205020404" pitchFamily="49" charset="0"/>
-                <a:cs typeface="Courier New" panose="02070309020205020404" pitchFamily="49" charset="0"/>
-              </a:rPr>
-              <a:t>#!/</a:t>
-            </a:r>
-            <a:r>
-              <a:rPr lang="en-US" dirty="0" err="1" smtClean="0">
-                <a:latin typeface="Courier New" panose="02070309020205020404" pitchFamily="49" charset="0"/>
-                <a:cs typeface="Courier New" panose="02070309020205020404" pitchFamily="49" charset="0"/>
-              </a:rPr>
-              <a:t>usr</a:t>
-            </a:r>
-            <a:r>
-              <a:rPr lang="en-US" dirty="0" smtClean="0">
-                <a:latin typeface="Courier New" panose="02070309020205020404" pitchFamily="49" charset="0"/>
-                <a:cs typeface="Courier New" panose="02070309020205020404" pitchFamily="49" charset="0"/>
-              </a:rPr>
-              <a:t>/bin/</a:t>
-            </a:r>
-            <a:r>
-              <a:rPr lang="en-US" dirty="0" err="1" smtClean="0">
-                <a:latin typeface="Courier New" panose="02070309020205020404" pitchFamily="49" charset="0"/>
-                <a:cs typeface="Courier New" panose="02070309020205020404" pitchFamily="49" charset="0"/>
-              </a:rPr>
-              <a:t>env</a:t>
-            </a:r>
-            <a:r>
-              <a:rPr lang="en-US" dirty="0">
-                <a:latin typeface="Courier New" panose="02070309020205020404" pitchFamily="49" charset="0"/>
-                <a:cs typeface="Courier New" panose="02070309020205020404" pitchFamily="49" charset="0"/>
-              </a:rPr>
-              <a:t> </a:t>
-            </a:r>
-            <a:r>
-              <a:rPr lang="en-US" dirty="0" smtClean="0">
-                <a:latin typeface="Courier New" panose="02070309020205020404" pitchFamily="49" charset="0"/>
-                <a:cs typeface="Courier New" panose="02070309020205020404" pitchFamily="49" charset="0"/>
-              </a:rPr>
-              <a:t>python</a:t>
-            </a:r>
-          </a:p>
-          <a:p>
-            <a:r>
-              <a:rPr lang="en-US" dirty="0" smtClean="0">
-                <a:latin typeface="Courier New" panose="02070309020205020404" pitchFamily="49" charset="0"/>
-                <a:cs typeface="Courier New" panose="02070309020205020404" pitchFamily="49" charset="0"/>
-              </a:rPr>
-              <a:t>from mpi4py import MPI</a:t>
-            </a:r>
-          </a:p>
-          <a:p>
-            <a:endParaRPr lang="en-US" dirty="0" smtClean="0">
-              <a:latin typeface="Courier New" panose="02070309020205020404" pitchFamily="49" charset="0"/>
-              <a:cs typeface="Courier New" panose="02070309020205020404" pitchFamily="49" charset="0"/>
-            </a:endParaRPr>
-          </a:p>
-          <a:p>
-            <a:r>
-              <a:rPr lang="en-US" dirty="0" err="1" smtClean="0">
-                <a:latin typeface="Courier New" panose="02070309020205020404" pitchFamily="49" charset="0"/>
-                <a:cs typeface="Courier New" panose="02070309020205020404" pitchFamily="49" charset="0"/>
-              </a:rPr>
-              <a:t>comm</a:t>
-            </a:r>
-            <a:r>
-              <a:rPr lang="en-US" dirty="0" smtClean="0">
-                <a:latin typeface="Courier New" panose="02070309020205020404" pitchFamily="49" charset="0"/>
-                <a:cs typeface="Courier New" panose="02070309020205020404" pitchFamily="49" charset="0"/>
-              </a:rPr>
-              <a:t> = MPI.COMM_WORLD</a:t>
-            </a:r>
-          </a:p>
-          <a:p>
-            <a:r>
-              <a:rPr lang="en-US" dirty="0" smtClean="0">
-                <a:latin typeface="Courier New" panose="02070309020205020404" pitchFamily="49" charset="0"/>
-                <a:cs typeface="Courier New" panose="02070309020205020404" pitchFamily="49" charset="0"/>
-              </a:rPr>
-              <a:t>rank = </a:t>
-            </a:r>
-            <a:r>
-              <a:rPr lang="en-US" dirty="0" err="1" smtClean="0">
-                <a:latin typeface="Courier New" panose="02070309020205020404" pitchFamily="49" charset="0"/>
-                <a:cs typeface="Courier New" panose="02070309020205020404" pitchFamily="49" charset="0"/>
-              </a:rPr>
-              <a:t>comm.Get_rank</a:t>
-            </a:r>
-            <a:r>
-              <a:rPr lang="en-US" dirty="0" smtClean="0">
-                <a:latin typeface="Courier New" panose="02070309020205020404" pitchFamily="49" charset="0"/>
-                <a:cs typeface="Courier New" panose="02070309020205020404" pitchFamily="49" charset="0"/>
-              </a:rPr>
-              <a:t>()</a:t>
-            </a:r>
-          </a:p>
-          <a:p>
-            <a:r>
-              <a:rPr lang="en-US" dirty="0" smtClean="0">
-                <a:latin typeface="Courier New" panose="02070309020205020404" pitchFamily="49" charset="0"/>
-                <a:cs typeface="Courier New" panose="02070309020205020404" pitchFamily="49" charset="0"/>
-              </a:rPr>
-              <a:t>size = </a:t>
-            </a:r>
-            <a:r>
-              <a:rPr lang="en-US" dirty="0" err="1" smtClean="0">
-                <a:latin typeface="Courier New" panose="02070309020205020404" pitchFamily="49" charset="0"/>
-                <a:cs typeface="Courier New" panose="02070309020205020404" pitchFamily="49" charset="0"/>
-              </a:rPr>
-              <a:t>comm.Get_size</a:t>
-            </a:r>
-            <a:r>
-              <a:rPr lang="en-US" dirty="0" smtClean="0">
-                <a:latin typeface="Courier New" panose="02070309020205020404" pitchFamily="49" charset="0"/>
-                <a:cs typeface="Courier New" panose="02070309020205020404" pitchFamily="49" charset="0"/>
-              </a:rPr>
-              <a:t>()</a:t>
-            </a:r>
-          </a:p>
-          <a:p>
-            <a:r>
-              <a:rPr lang="en-US" dirty="0" smtClean="0">
-                <a:latin typeface="Courier New" panose="02070309020205020404" pitchFamily="49" charset="0"/>
-                <a:cs typeface="Courier New" panose="02070309020205020404" pitchFamily="49" charset="0"/>
-              </a:rPr>
-              <a:t>print('hello from {0:d} out of {1:d}'.format(rank, size)</a:t>
-            </a:r>
-            <a:endParaRPr lang="en-US" dirty="0">
-              <a:latin typeface="Courier New" panose="02070309020205020404" pitchFamily="49" charset="0"/>
-              <a:cs typeface="Courier New" panose="02070309020205020404" pitchFamily="49" charset="0"/>
-            </a:endParaRPr>
-          </a:p>
-        </p:txBody>
-      </p:sp>
-      <p:sp>
-        <p:nvSpPr>
-          <p:cNvPr id="5" name="TextBox 4"/>
-          <p:cNvSpPr txBox="1"/>
-          <p:nvPr/>
-        </p:nvSpPr>
-        <p:spPr>
-          <a:xfrm>
-            <a:off x="6876256" y="5013176"/>
-            <a:ext cx="1838965" cy="1200329"/>
-          </a:xfrm>
-          <a:prstGeom prst="rect">
-            <a:avLst/>
-          </a:prstGeom>
-          <a:noFill/>
-          <a:ln>
-            <a:solidFill>
-              <a:schemeClr val="tx1"/>
-            </a:solidFill>
-          </a:ln>
-        </p:spPr>
-        <p:txBody>
-          <a:bodyPr wrap="none" rtlCol="0">
-            <a:spAutoFit/>
-          </a:bodyPr>
-          <a:lstStyle/>
-          <a:p>
-            <a:r>
-              <a:rPr lang="en-US" dirty="0" smtClean="0">
-                <a:latin typeface="Courier New" panose="02070309020205020404" pitchFamily="49" charset="0"/>
-                <a:cs typeface="Courier New" panose="02070309020205020404" pitchFamily="49" charset="0"/>
-              </a:rPr>
-              <a:t>hello world!</a:t>
-            </a:r>
-          </a:p>
-          <a:p>
-            <a:r>
-              <a:rPr lang="en-US" dirty="0" smtClean="0">
-                <a:latin typeface="Courier New" panose="02070309020205020404" pitchFamily="49" charset="0"/>
-                <a:cs typeface="Courier New" panose="02070309020205020404" pitchFamily="49" charset="0"/>
-              </a:rPr>
-              <a:t>hello world!</a:t>
-            </a:r>
-            <a:endParaRPr lang="nl-BE" dirty="0" smtClean="0">
-              <a:latin typeface="Courier New" panose="02070309020205020404" pitchFamily="49" charset="0"/>
-              <a:cs typeface="Courier New" panose="02070309020205020404" pitchFamily="49" charset="0"/>
-            </a:endParaRPr>
-          </a:p>
-          <a:p>
-            <a:r>
-              <a:rPr lang="en-US" dirty="0" smtClean="0">
-                <a:latin typeface="Courier New" panose="02070309020205020404" pitchFamily="49" charset="0"/>
-                <a:cs typeface="Courier New" panose="02070309020205020404" pitchFamily="49" charset="0"/>
-              </a:rPr>
-              <a:t>hello world!</a:t>
-            </a:r>
-            <a:endParaRPr lang="nl-BE" dirty="0" smtClean="0">
-              <a:latin typeface="Courier New" panose="02070309020205020404" pitchFamily="49" charset="0"/>
-              <a:cs typeface="Courier New" panose="02070309020205020404" pitchFamily="49" charset="0"/>
-            </a:endParaRPr>
-          </a:p>
-          <a:p>
-            <a:r>
-              <a:rPr lang="en-US" dirty="0" smtClean="0">
-                <a:latin typeface="Courier New" panose="02070309020205020404" pitchFamily="49" charset="0"/>
-                <a:cs typeface="Courier New" panose="02070309020205020404" pitchFamily="49" charset="0"/>
-              </a:rPr>
-              <a:t>hello world!</a:t>
-            </a:r>
-            <a:endParaRPr lang="nl-BE" dirty="0" smtClean="0">
-              <a:latin typeface="Courier New" panose="02070309020205020404" pitchFamily="49" charset="0"/>
-              <a:cs typeface="Courier New" panose="02070309020205020404" pitchFamily="49" charset="0"/>
-            </a:endParaRPr>
-          </a:p>
-        </p:txBody>
-      </p:sp>
-      <p:sp>
-        <p:nvSpPr>
-          <p:cNvPr id="6" name="Slide Number Placeholder 5"/>
-          <p:cNvSpPr>
-            <a:spLocks noGrp="1"/>
-          </p:cNvSpPr>
-          <p:nvPr>
-            <p:ph type="sldNum" sz="quarter" idx="12"/>
-          </p:nvPr>
-        </p:nvSpPr>
-        <p:spPr/>
-        <p:txBody>
-          <a:bodyPr/>
-          <a:lstStyle/>
-          <a:p>
-            <a:fld id="{D1918C2E-FE36-451E-B80E-1968976550A5}" type="slidenum">
-              <a:rPr lang="nl-BE" smtClean="0"/>
-              <a:t>6</a:t>
-            </a:fld>
-            <a:endParaRPr lang="nl-BE"/>
-          </a:p>
-        </p:txBody>
-      </p:sp>
-    </p:spTree>
-    <p:extLst>
-      <p:ext uri="{BB962C8B-B14F-4D97-AF65-F5344CB8AC3E}">
-        <p14:creationId xmlns:p14="http://schemas.microsoft.com/office/powerpoint/2010/main" val="2551249046"/>
-      </p:ext>
-    </p:extLst>
-  </p:cSld>
-  <p:clrMapOvr>
-    <a:masterClrMapping/>
-  </p:clrMapOvr>
-  <p:timing>
-    <p:tnLst>
-      <p:par>
-        <p:cTn id="1" dur="indefinite" restart="never" nodeType="tmRoot">
-          <p:childTnLst>
-            <p:seq concurrent="1" nextAc="seek">
-              <p:cTn id="2" dur="indefinite" nodeType="mainSeq">
-                <p:childTnLst>
-                  <p:par>
-                    <p:cTn id="3" fill="hold">
-                      <p:stCondLst>
-                        <p:cond delay="indefinite"/>
-                      </p:stCondLst>
-                      <p:childTnLst>
-                        <p:par>
-                          <p:cTn id="4" fill="hold">
-                            <p:stCondLst>
-                              <p:cond delay="0"/>
-                            </p:stCondLst>
-                            <p:childTnLst>
-                              <p:par>
-                                <p:cTn id="5" presetID="1" presetClass="entr" presetSubtype="0" fill="hold" grpId="0" nodeType="clickEffect">
-                                  <p:stCondLst>
-                                    <p:cond delay="0"/>
-                                  </p:stCondLst>
-                                  <p:childTnLst>
-                                    <p:set>
-                                      <p:cBhvr>
-                                        <p:cTn id="6" dur="1" fill="hold">
-                                          <p:stCondLst>
-                                            <p:cond delay="0"/>
-                                          </p:stCondLst>
-                                        </p:cTn>
-                                        <p:tgtEl>
-                                          <p:spTgt spid="3">
-                                            <p:txEl>
-                                              <p:pRg st="0" end="0"/>
-                                            </p:txEl>
-                                          </p:spTgt>
-                                        </p:tgtEl>
-                                        <p:attrNameLst>
-                                          <p:attrName>style.visibility</p:attrName>
-                                        </p:attrNameLst>
-                                      </p:cBhvr>
-                                      <p:to>
-                                        <p:strVal val="visible"/>
-                                      </p:to>
-                                    </p:set>
-                                  </p:childTnLst>
-                                </p:cTn>
-                              </p:par>
-                              <p:par>
-                                <p:cTn id="7" presetID="1" presetClass="entr" presetSubtype="0" fill="hold" grpId="0" nodeType="withEffect">
-                                  <p:stCondLst>
-                                    <p:cond delay="0"/>
-                                  </p:stCondLst>
-                                  <p:childTnLst>
-                                    <p:set>
-                                      <p:cBhvr>
-                                        <p:cTn id="8" dur="1" fill="hold">
-                                          <p:stCondLst>
-                                            <p:cond delay="0"/>
-                                          </p:stCondLst>
-                                        </p:cTn>
-                                        <p:tgtEl>
-                                          <p:spTgt spid="3">
-                                            <p:txEl>
-                                              <p:pRg st="1" end="1"/>
-                                            </p:txEl>
-                                          </p:spTgt>
-                                        </p:tgtEl>
-                                        <p:attrNameLst>
-                                          <p:attrName>style.visibility</p:attrName>
-                                        </p:attrNameLst>
-                                      </p:cBhvr>
-                                      <p:to>
-                                        <p:strVal val="visible"/>
-                                      </p:to>
-                                    </p:set>
-                                  </p:childTnLst>
-                                </p:cTn>
-                              </p:par>
-                            </p:childTnLst>
-                          </p:cTn>
-                        </p:par>
-                      </p:childTnLst>
-                    </p:cTn>
-                  </p:par>
-                  <p:par>
-                    <p:cTn id="9" fill="hold">
-                      <p:stCondLst>
-                        <p:cond delay="indefinite"/>
-                      </p:stCondLst>
-                      <p:childTnLst>
-                        <p:par>
-                          <p:cTn id="10" fill="hold">
-                            <p:stCondLst>
-                              <p:cond delay="0"/>
-                            </p:stCondLst>
-                            <p:childTnLst>
-                              <p:par>
-                                <p:cTn id="11" presetID="1" presetClass="entr" presetSubtype="0" fill="hold" grpId="0" nodeType="clickEffect">
-                                  <p:stCondLst>
-                                    <p:cond delay="0"/>
-                                  </p:stCondLst>
-                                  <p:childTnLst>
-                                    <p:set>
-                                      <p:cBhvr>
-                                        <p:cTn id="12" dur="1" fill="hold">
-                                          <p:stCondLst>
-                                            <p:cond delay="0"/>
-                                          </p:stCondLst>
-                                        </p:cTn>
-                                        <p:tgtEl>
-                                          <p:spTgt spid="5"/>
-                                        </p:tgtEl>
-                                        <p:attrNameLst>
-                                          <p:attrName>style.visibility</p:attrName>
-                                        </p:attrNameLst>
-                                      </p:cBhvr>
-                                      <p:to>
-                                        <p:strVal val="visible"/>
-                                      </p:to>
-                                    </p:set>
-                                  </p:childTnLst>
-                                </p:cTn>
-                              </p:par>
-                            </p:childTnLst>
-                          </p:cTn>
-                        </p:par>
-                      </p:childTnLst>
-                    </p:cTn>
-                  </p:par>
-                </p:childTnLst>
-              </p:cTn>
-              <p:prevCondLst>
-                <p:cond evt="onPrev" delay="0">
-                  <p:tgtEl>
-                    <p:sldTgt/>
-                  </p:tgtEl>
-                </p:cond>
-              </p:prevCondLst>
-              <p:nextCondLst>
-                <p:cond evt="onNext" delay="0">
-                  <p:tgtEl>
-                    <p:sldTgt/>
-                  </p:tgtEl>
-                </p:cond>
-              </p:nextCondLst>
-            </p:seq>
-          </p:childTnLst>
-        </p:cTn>
-      </p:par>
-    </p:tnLst>
-    <p:bldLst>
-      <p:bldP spid="3" grpId="0" build="p"/>
-      <p:bldP spid="5" grpId="0" animBg="1"/>
-    </p:bldLst>
-  </p:timing>
-</p:sld>
-</file>
-
 <file path=ppt/slides/slide7.xml><?xml version="1.0" encoding="utf-8"?>
-<p:sld xmlns:a="http://schemas.openxmlformats.org/drawingml/2006/main" xmlns:r="http://schemas.openxmlformats.org/officeDocument/2006/relationships" xmlns:p="http://schemas.openxmlformats.org/presentationml/2006/main">
-  <p:cSld>
-    <p:spTree>
-      <p:nvGrpSpPr>
-        <p:cNvPr id="1" name=""/>
-        <p:cNvGrpSpPr/>
-        <p:nvPr/>
-      </p:nvGrpSpPr>
-      <p:grpSpPr>
-        <a:xfrm>
-          <a:off x="0" y="0"/>
-          <a:ext cx="0" cy="0"/>
-          <a:chOff x="0" y="0"/>
-          <a:chExt cx="0" cy="0"/>
-        </a:xfrm>
-      </p:grpSpPr>
-      <p:sp>
-        <p:nvSpPr>
-          <p:cNvPr id="2" name="Title 1"/>
-          <p:cNvSpPr>
-            <a:spLocks noGrp="1"/>
-          </p:cNvSpPr>
-          <p:nvPr>
-            <p:ph type="title"/>
-          </p:nvPr>
-        </p:nvSpPr>
-        <p:spPr/>
-        <p:txBody>
-          <a:bodyPr/>
-          <a:lstStyle/>
-          <a:p>
-            <a:r>
-              <a:rPr lang="en-US" dirty="0" smtClean="0"/>
-              <a:t>Communicators</a:t>
-            </a:r>
-            <a:endParaRPr lang="nl-BE" dirty="0"/>
-          </a:p>
-        </p:txBody>
-      </p:sp>
-      <p:sp>
-        <p:nvSpPr>
-          <p:cNvPr id="3" name="Content Placeholder 2"/>
-          <p:cNvSpPr>
-            <a:spLocks noGrp="1"/>
-          </p:cNvSpPr>
-          <p:nvPr>
-            <p:ph idx="1"/>
-          </p:nvPr>
-        </p:nvSpPr>
-        <p:spPr/>
-        <p:txBody>
-          <a:bodyPr>
-            <a:normAutofit fontScale="92500" lnSpcReduction="10000"/>
-          </a:bodyPr>
-          <a:lstStyle/>
-          <a:p>
-            <a:r>
-              <a:rPr lang="en-US" dirty="0" smtClean="0"/>
-              <a:t>Messages are passed using communicators</a:t>
-            </a:r>
-          </a:p>
-          <a:p>
-            <a:r>
-              <a:rPr lang="en-US" dirty="0" smtClean="0"/>
-              <a:t>Default communicator, always initialized:</a:t>
-            </a:r>
-            <a:br>
-              <a:rPr lang="en-US" dirty="0" smtClean="0"/>
-            </a:br>
-            <a:r>
-              <a:rPr lang="en-US" sz="2400" dirty="0" smtClean="0">
-                <a:latin typeface="Courier New" panose="02070309020205020404" pitchFamily="49" charset="0"/>
-                <a:cs typeface="Courier New" panose="02070309020205020404" pitchFamily="49" charset="0"/>
-              </a:rPr>
-              <a:t>MPI.COMM_WORLD</a:t>
-            </a:r>
-          </a:p>
-          <a:p>
-            <a:r>
-              <a:rPr lang="en-US" dirty="0" smtClean="0"/>
-              <a:t>Number of processes in communicator:</a:t>
-            </a:r>
-            <a:br>
-              <a:rPr lang="en-US" dirty="0" smtClean="0"/>
-            </a:br>
-            <a:r>
-              <a:rPr lang="en-US" sz="2400" dirty="0" err="1" smtClean="0">
-                <a:latin typeface="Courier New" panose="02070309020205020404" pitchFamily="49" charset="0"/>
-                <a:cs typeface="Courier New" panose="02070309020205020404" pitchFamily="49" charset="0"/>
-              </a:rPr>
-              <a:t>MPI.Get_size</a:t>
-            </a:r>
-            <a:r>
-              <a:rPr lang="en-US" sz="2400" dirty="0" smtClean="0">
-                <a:latin typeface="Courier New" panose="02070309020205020404" pitchFamily="49" charset="0"/>
-                <a:cs typeface="Courier New" panose="02070309020205020404" pitchFamily="49" charset="0"/>
-              </a:rPr>
-              <a:t>()</a:t>
-            </a:r>
-          </a:p>
-          <a:p>
-            <a:r>
-              <a:rPr lang="en-US" dirty="0" smtClean="0"/>
-              <a:t>Rank of a process in communicator, between 0 and </a:t>
-            </a:r>
-            <a:r>
-              <a:rPr lang="en-US" dirty="0" err="1" smtClean="0">
-                <a:latin typeface="Courier New" panose="02070309020205020404" pitchFamily="49" charset="0"/>
-                <a:cs typeface="Courier New" panose="02070309020205020404" pitchFamily="49" charset="0"/>
-              </a:rPr>
-              <a:t>MPI.Get_size</a:t>
-            </a:r>
-            <a:r>
-              <a:rPr lang="en-US" dirty="0" smtClean="0">
-                <a:latin typeface="Courier New" panose="02070309020205020404" pitchFamily="49" charset="0"/>
-                <a:cs typeface="Courier New" panose="02070309020205020404" pitchFamily="49" charset="0"/>
-              </a:rPr>
-              <a:t>()</a:t>
-            </a:r>
-            <a:r>
-              <a:rPr lang="en-US" dirty="0" smtClean="0"/>
-              <a:t> - 1, inclusive</a:t>
-            </a:r>
-            <a:br>
-              <a:rPr lang="en-US" dirty="0" smtClean="0"/>
-            </a:br>
-            <a:r>
-              <a:rPr lang="en-US" sz="2400" dirty="0" err="1" smtClean="0">
-                <a:latin typeface="Courier New" panose="02070309020205020404" pitchFamily="49" charset="0"/>
-                <a:cs typeface="Courier New" panose="02070309020205020404" pitchFamily="49" charset="0"/>
-              </a:rPr>
-              <a:t>MPI.Get_rank</a:t>
-            </a:r>
-            <a:r>
-              <a:rPr lang="en-US" sz="2400" dirty="0" smtClean="0">
-                <a:latin typeface="Courier New" panose="02070309020205020404" pitchFamily="49" charset="0"/>
-                <a:cs typeface="Courier New" panose="02070309020205020404" pitchFamily="49" charset="0"/>
-              </a:rPr>
-              <a:t>()</a:t>
-            </a:r>
-          </a:p>
-          <a:p>
-            <a:r>
-              <a:rPr lang="en-US" dirty="0" smtClean="0">
-                <a:cs typeface="Courier New" panose="02070309020205020404" pitchFamily="49" charset="0"/>
-              </a:rPr>
-              <a:t>Rank used as "address" within communicator, and to differentiate "roles" of processes</a:t>
-            </a:r>
-            <a:endParaRPr lang="nl-BE" dirty="0"/>
-          </a:p>
-        </p:txBody>
-      </p:sp>
-      <p:sp>
-        <p:nvSpPr>
-          <p:cNvPr id="4" name="Slide Number Placeholder 3"/>
-          <p:cNvSpPr>
-            <a:spLocks noGrp="1"/>
-          </p:cNvSpPr>
-          <p:nvPr>
-            <p:ph type="sldNum" sz="quarter" idx="12"/>
-          </p:nvPr>
-        </p:nvSpPr>
-        <p:spPr/>
-        <p:txBody>
-          <a:bodyPr/>
-          <a:lstStyle/>
-          <a:p>
-            <a:fld id="{D1918C2E-FE36-451E-B80E-1968976550A5}" type="slidenum">
-              <a:rPr lang="nl-BE" smtClean="0"/>
-              <a:t>7</a:t>
-            </a:fld>
-            <a:endParaRPr lang="nl-BE"/>
-          </a:p>
-        </p:txBody>
-      </p:sp>
-    </p:spTree>
-    <p:extLst>
-      <p:ext uri="{BB962C8B-B14F-4D97-AF65-F5344CB8AC3E}">
-        <p14:creationId xmlns:p14="http://schemas.microsoft.com/office/powerpoint/2010/main" val="2491336744"/>
-      </p:ext>
-    </p:extLst>
-  </p:cSld>
-  <p:clrMapOvr>
-    <a:masterClrMapping/>
-  </p:clrMapOvr>
-  <p:timing>
-    <p:tnLst>
-      <p:par>
-        <p:cTn id="1" dur="indefinite" restart="never" nodeType="tmRoot">
-          <p:childTnLst>
-            <p:seq concurrent="1" nextAc="seek">
-              <p:cTn id="2" dur="indefinite" nodeType="mainSeq">
-                <p:childTnLst>
-                  <p:par>
-                    <p:cTn id="3" fill="hold">
-                      <p:stCondLst>
-                        <p:cond delay="indefinite"/>
-                        <p:cond evt="onBegin" delay="0">
-                          <p:tn val="2"/>
-                        </p:cond>
-                      </p:stCondLst>
-                      <p:childTnLst>
-                        <p:par>
-                          <p:cTn id="4" fill="hold">
-                            <p:stCondLst>
-                              <p:cond delay="0"/>
-                            </p:stCondLst>
-                            <p:childTnLst>
-                              <p:par>
-                                <p:cTn id="5" presetID="1" presetClass="entr" presetSubtype="0" fill="hold" grpId="0" nodeType="withEffect">
-                                  <p:stCondLst>
-                                    <p:cond delay="0"/>
-                                  </p:stCondLst>
-                                  <p:childTnLst>
-                                    <p:set>
-                                      <p:cBhvr>
-                                        <p:cTn id="6" dur="1" fill="hold">
-                                          <p:stCondLst>
-                                            <p:cond delay="0"/>
-                                          </p:stCondLst>
-                                        </p:cTn>
-                                        <p:tgtEl>
-                                          <p:spTgt spid="3">
-                                            <p:txEl>
-                                              <p:pRg st="0" end="0"/>
-                                            </p:txEl>
-                                          </p:spTgt>
-                                        </p:tgtEl>
-                                        <p:attrNameLst>
-                                          <p:attrName>style.visibility</p:attrName>
-                                        </p:attrNameLst>
-                                      </p:cBhvr>
-                                      <p:to>
-                                        <p:strVal val="visible"/>
-                                      </p:to>
-                                    </p:set>
-                                  </p:childTnLst>
-                                </p:cTn>
-                              </p:par>
-                            </p:childTnLst>
-                          </p:cTn>
-                        </p:par>
-                      </p:childTnLst>
-                    </p:cTn>
-                  </p:par>
-                  <p:par>
-                    <p:cTn id="7" fill="hold">
-                      <p:stCondLst>
-                        <p:cond delay="indefinite"/>
-                      </p:stCondLst>
-                      <p:childTnLst>
-                        <p:par>
-                          <p:cTn id="8" fill="hold">
-                            <p:stCondLst>
-                              <p:cond delay="0"/>
-                            </p:stCondLst>
-                            <p:childTnLst>
-                              <p:par>
-                                <p:cTn id="9" presetID="1" presetClass="entr" presetSubtype="0" fill="hold" grpId="0" nodeType="clickEffect">
-                                  <p:stCondLst>
-                                    <p:cond delay="0"/>
-                                  </p:stCondLst>
-                                  <p:childTnLst>
-                                    <p:set>
-                                      <p:cBhvr>
-                                        <p:cTn id="10" dur="1" fill="hold">
-                                          <p:stCondLst>
-                                            <p:cond delay="0"/>
-                                          </p:stCondLst>
-                                        </p:cTn>
-                                        <p:tgtEl>
-                                          <p:spTgt spid="3">
-                                            <p:txEl>
-                                              <p:pRg st="1" end="1"/>
-                                            </p:txEl>
-                                          </p:spTgt>
-                                        </p:tgtEl>
-                                        <p:attrNameLst>
-                                          <p:attrName>style.visibility</p:attrName>
-                                        </p:attrNameLst>
-                                      </p:cBhvr>
-                                      <p:to>
-                                        <p:strVal val="visible"/>
-                                      </p:to>
-                                    </p:set>
-                                  </p:childTnLst>
-                                </p:cTn>
-                              </p:par>
-                            </p:childTnLst>
-                          </p:cTn>
-                        </p:par>
-                      </p:childTnLst>
-                    </p:cTn>
-                  </p:par>
-                  <p:par>
-                    <p:cTn id="11" fill="hold">
-                      <p:stCondLst>
-                        <p:cond delay="indefinite"/>
-                      </p:stCondLst>
-                      <p:childTnLst>
-                        <p:par>
-                          <p:cTn id="12" fill="hold">
-                            <p:stCondLst>
-                              <p:cond delay="0"/>
-                            </p:stCondLst>
-                            <p:childTnLst>
-                              <p:par>
-                                <p:cTn id="13" presetID="1" presetClass="entr" presetSubtype="0" fill="hold" grpId="0" nodeType="clickEffect">
-                                  <p:stCondLst>
-                                    <p:cond delay="0"/>
-                                  </p:stCondLst>
-                                  <p:childTnLst>
-                                    <p:set>
-                                      <p:cBhvr>
-                                        <p:cTn id="14" dur="1" fill="hold">
-                                          <p:stCondLst>
-                                            <p:cond delay="0"/>
-                                          </p:stCondLst>
-                                        </p:cTn>
-                                        <p:tgtEl>
-                                          <p:spTgt spid="3">
-                                            <p:txEl>
-                                              <p:pRg st="2" end="2"/>
-                                            </p:txEl>
-                                          </p:spTgt>
-                                        </p:tgtEl>
-                                        <p:attrNameLst>
-                                          <p:attrName>style.visibility</p:attrName>
-                                        </p:attrNameLst>
-                                      </p:cBhvr>
-                                      <p:to>
-                                        <p:strVal val="visible"/>
-                                      </p:to>
-                                    </p:set>
-                                  </p:childTnLst>
-                                </p:cTn>
-                              </p:par>
-                            </p:childTnLst>
-                          </p:cTn>
-                        </p:par>
-                      </p:childTnLst>
-                    </p:cTn>
-                  </p:par>
-                  <p:par>
-                    <p:cTn id="15" fill="hold">
-                      <p:stCondLst>
-                        <p:cond delay="indefinite"/>
-                      </p:stCondLst>
-                      <p:childTnLst>
-                        <p:par>
-                          <p:cTn id="16" fill="hold">
-                            <p:stCondLst>
-                              <p:cond delay="0"/>
-                            </p:stCondLst>
-                            <p:childTnLst>
-                              <p:par>
-                                <p:cTn id="17" presetID="1" presetClass="entr" presetSubtype="0" fill="hold" grpId="0" nodeType="clickEffect">
-                                  <p:stCondLst>
-                                    <p:cond delay="0"/>
-                                  </p:stCondLst>
-                                  <p:childTnLst>
-                                    <p:set>
-                                      <p:cBhvr>
-                                        <p:cTn id="18" dur="1" fill="hold">
-                                          <p:stCondLst>
-                                            <p:cond delay="0"/>
-                                          </p:stCondLst>
-                                        </p:cTn>
-                                        <p:tgtEl>
-                                          <p:spTgt spid="3">
-                                            <p:txEl>
-                                              <p:pRg st="3" end="3"/>
-                                            </p:txEl>
-                                          </p:spTgt>
-                                        </p:tgtEl>
-                                        <p:attrNameLst>
-                                          <p:attrName>style.visibility</p:attrName>
-                                        </p:attrNameLst>
-                                      </p:cBhvr>
-                                      <p:to>
-                                        <p:strVal val="visible"/>
-                                      </p:to>
-                                    </p:set>
-                                  </p:childTnLst>
-                                </p:cTn>
-                              </p:par>
-                            </p:childTnLst>
-                          </p:cTn>
-                        </p:par>
-                      </p:childTnLst>
-                    </p:cTn>
-                  </p:par>
-                  <p:par>
-                    <p:cTn id="19" fill="hold">
-                      <p:stCondLst>
-                        <p:cond delay="indefinite"/>
-                      </p:stCondLst>
-                      <p:childTnLst>
-                        <p:par>
-                          <p:cTn id="20" fill="hold">
-                            <p:stCondLst>
-                              <p:cond delay="0"/>
-                            </p:stCondLst>
-                            <p:childTnLst>
-                              <p:par>
-                                <p:cTn id="21" presetID="1" presetClass="entr" presetSubtype="0" fill="hold" grpId="0" nodeType="clickEffect">
-                                  <p:stCondLst>
-                                    <p:cond delay="0"/>
-                                  </p:stCondLst>
-                                  <p:childTnLst>
-                                    <p:set>
-                                      <p:cBhvr>
-                                        <p:cTn id="22" dur="1" fill="hold">
-                                          <p:stCondLst>
-                                            <p:cond delay="0"/>
-                                          </p:stCondLst>
-                                        </p:cTn>
-                                        <p:tgtEl>
-                                          <p:spTgt spid="3">
-                                            <p:txEl>
-                                              <p:pRg st="4" end="4"/>
-                                            </p:txEl>
-                                          </p:spTgt>
-                                        </p:tgtEl>
-                                        <p:attrNameLst>
-                                          <p:attrName>style.visibility</p:attrName>
-                                        </p:attrNameLst>
-                                      </p:cBhvr>
-                                      <p:to>
-                                        <p:strVal val="visible"/>
-                                      </p:to>
-                                    </p:set>
-                                  </p:childTnLst>
-                                </p:cTn>
-                              </p:par>
-                            </p:childTnLst>
-                          </p:cTn>
-                        </p:par>
-                      </p:childTnLst>
-                    </p:cTn>
-                  </p:par>
-                </p:childTnLst>
-              </p:cTn>
-              <p:prevCondLst>
-                <p:cond evt="onPrev" delay="0">
-                  <p:tgtEl>
-                    <p:sldTgt/>
-                  </p:tgtEl>
-                </p:cond>
-              </p:prevCondLst>
-              <p:nextCondLst>
-                <p:cond evt="onNext" delay="0">
-                  <p:tgtEl>
-                    <p:sldTgt/>
-                  </p:tgtEl>
-                </p:cond>
-              </p:nextCondLst>
-            </p:seq>
-          </p:childTnLst>
-        </p:cTn>
-      </p:par>
-    </p:tnLst>
-    <p:bldLst>
-      <p:bldP spid="3" grpId="0" uiExpand="1" build="p"/>
-    </p:bldLst>
-  </p:timing>
-</p:sld>
-</file>
-
-<file path=ppt/slides/slide8.xml><?xml version="1.0" encoding="utf-8"?>
-<p:sld xmlns:a="http://schemas.openxmlformats.org/drawingml/2006/main" xmlns:r="http://schemas.openxmlformats.org/officeDocument/2006/relationships" xmlns:p="http://schemas.openxmlformats.org/presentationml/2006/main">
-  <p:cSld>
-    <p:spTree>
-      <p:nvGrpSpPr>
-        <p:cNvPr id="1" name=""/>
-        <p:cNvGrpSpPr/>
-        <p:nvPr/>
-      </p:nvGrpSpPr>
-      <p:grpSpPr>
-        <a:xfrm>
-          <a:off x="0" y="0"/>
-          <a:ext cx="0" cy="0"/>
-          <a:chOff x="0" y="0"/>
-          <a:chExt cx="0" cy="0"/>
-        </a:xfrm>
-      </p:grpSpPr>
-      <p:sp>
-        <p:nvSpPr>
-          <p:cNvPr id="2" name="Title 1"/>
-          <p:cNvSpPr>
-            <a:spLocks noGrp="1"/>
-          </p:cNvSpPr>
-          <p:nvPr>
-            <p:ph type="title"/>
-          </p:nvPr>
-        </p:nvSpPr>
-        <p:spPr/>
-        <p:txBody>
-          <a:bodyPr/>
-          <a:lstStyle/>
-          <a:p>
-            <a:r>
-              <a:rPr lang="en-US" dirty="0" smtClean="0"/>
-              <a:t>Hello again</a:t>
-            </a:r>
-            <a:endParaRPr lang="nl-BE" dirty="0"/>
-          </a:p>
-        </p:txBody>
-      </p:sp>
-      <p:sp>
-        <p:nvSpPr>
-          <p:cNvPr id="4" name="TextBox 3"/>
-          <p:cNvSpPr txBox="1"/>
-          <p:nvPr/>
-        </p:nvSpPr>
-        <p:spPr>
-          <a:xfrm>
-            <a:off x="683568" y="1772816"/>
-            <a:ext cx="5836854" cy="2585323"/>
-          </a:xfrm>
-          <a:prstGeom prst="rect">
-            <a:avLst/>
-          </a:prstGeom>
-          <a:noFill/>
-          <a:ln>
-            <a:solidFill>
-              <a:schemeClr val="tx1"/>
-            </a:solidFill>
-          </a:ln>
-        </p:spPr>
-        <p:txBody>
-          <a:bodyPr wrap="none" rtlCol="0">
-            <a:spAutoFit/>
-          </a:bodyPr>
-          <a:lstStyle/>
-          <a:p>
-            <a:r>
-              <a:rPr lang="en-US" dirty="0">
-                <a:latin typeface="Courier New" panose="02070309020205020404" pitchFamily="49" charset="0"/>
-                <a:cs typeface="Courier New" panose="02070309020205020404" pitchFamily="49" charset="0"/>
-              </a:rPr>
-              <a:t>#!/</a:t>
-            </a:r>
-            <a:r>
-              <a:rPr lang="en-US" dirty="0" err="1">
-                <a:latin typeface="Courier New" panose="02070309020205020404" pitchFamily="49" charset="0"/>
-                <a:cs typeface="Courier New" panose="02070309020205020404" pitchFamily="49" charset="0"/>
-              </a:rPr>
-              <a:t>usr</a:t>
-            </a:r>
-            <a:r>
-              <a:rPr lang="en-US" dirty="0">
-                <a:latin typeface="Courier New" panose="02070309020205020404" pitchFamily="49" charset="0"/>
-                <a:cs typeface="Courier New" panose="02070309020205020404" pitchFamily="49" charset="0"/>
-              </a:rPr>
-              <a:t>/bin/</a:t>
-            </a:r>
-            <a:r>
-              <a:rPr lang="en-US" dirty="0" err="1">
-                <a:latin typeface="Courier New" panose="02070309020205020404" pitchFamily="49" charset="0"/>
-                <a:cs typeface="Courier New" panose="02070309020205020404" pitchFamily="49" charset="0"/>
-              </a:rPr>
-              <a:t>env</a:t>
-            </a:r>
-            <a:r>
-              <a:rPr lang="en-US" dirty="0">
-                <a:latin typeface="Courier New" panose="02070309020205020404" pitchFamily="49" charset="0"/>
-                <a:cs typeface="Courier New" panose="02070309020205020404" pitchFamily="49" charset="0"/>
-              </a:rPr>
-              <a:t> python</a:t>
-            </a:r>
-          </a:p>
-          <a:p>
-            <a:r>
-              <a:rPr lang="en-US" dirty="0">
-                <a:latin typeface="Courier New" panose="02070309020205020404" pitchFamily="49" charset="0"/>
-                <a:cs typeface="Courier New" panose="02070309020205020404" pitchFamily="49" charset="0"/>
-              </a:rPr>
-              <a:t>from mpi4py import MPI</a:t>
-            </a:r>
-          </a:p>
-          <a:p>
-            <a:endParaRPr lang="en-US" dirty="0">
-              <a:latin typeface="Courier New" panose="02070309020205020404" pitchFamily="49" charset="0"/>
-              <a:cs typeface="Courier New" panose="02070309020205020404" pitchFamily="49" charset="0"/>
-            </a:endParaRPr>
-          </a:p>
-          <a:p>
-            <a:r>
-              <a:rPr lang="en-US" dirty="0" err="1">
-                <a:latin typeface="Courier New" panose="02070309020205020404" pitchFamily="49" charset="0"/>
-                <a:cs typeface="Courier New" panose="02070309020205020404" pitchFamily="49" charset="0"/>
-              </a:rPr>
-              <a:t>comm</a:t>
-            </a:r>
-            <a:r>
-              <a:rPr lang="en-US" dirty="0">
-                <a:latin typeface="Courier New" panose="02070309020205020404" pitchFamily="49" charset="0"/>
-                <a:cs typeface="Courier New" panose="02070309020205020404" pitchFamily="49" charset="0"/>
-              </a:rPr>
-              <a:t> = MPI.COMM_WORLD</a:t>
-            </a:r>
-          </a:p>
-          <a:p>
-            <a:r>
-              <a:rPr lang="en-US" dirty="0">
-                <a:latin typeface="Courier New" panose="02070309020205020404" pitchFamily="49" charset="0"/>
-                <a:cs typeface="Courier New" panose="02070309020205020404" pitchFamily="49" charset="0"/>
-              </a:rPr>
-              <a:t>rank = </a:t>
-            </a:r>
-            <a:r>
-              <a:rPr lang="en-US" dirty="0" err="1" smtClean="0">
-                <a:latin typeface="Courier New" panose="02070309020205020404" pitchFamily="49" charset="0"/>
-                <a:cs typeface="Courier New" panose="02070309020205020404" pitchFamily="49" charset="0"/>
-              </a:rPr>
-              <a:t>comm.Get_rank</a:t>
-            </a:r>
-            <a:r>
-              <a:rPr lang="en-US" dirty="0" smtClean="0">
-                <a:latin typeface="Courier New" panose="02070309020205020404" pitchFamily="49" charset="0"/>
-                <a:cs typeface="Courier New" panose="02070309020205020404" pitchFamily="49" charset="0"/>
-              </a:rPr>
-              <a:t>()</a:t>
-            </a:r>
-            <a:endParaRPr lang="en-US" dirty="0">
-              <a:latin typeface="Courier New" panose="02070309020205020404" pitchFamily="49" charset="0"/>
-              <a:cs typeface="Courier New" panose="02070309020205020404" pitchFamily="49" charset="0"/>
-            </a:endParaRPr>
-          </a:p>
-          <a:p>
-            <a:r>
-              <a:rPr lang="en-US" dirty="0">
-                <a:latin typeface="Courier New" panose="02070309020205020404" pitchFamily="49" charset="0"/>
-                <a:cs typeface="Courier New" panose="02070309020205020404" pitchFamily="49" charset="0"/>
-              </a:rPr>
-              <a:t>size = </a:t>
-            </a:r>
-            <a:r>
-              <a:rPr lang="en-US" dirty="0" err="1" smtClean="0">
-                <a:latin typeface="Courier New" panose="02070309020205020404" pitchFamily="49" charset="0"/>
-                <a:cs typeface="Courier New" panose="02070309020205020404" pitchFamily="49" charset="0"/>
-              </a:rPr>
-              <a:t>comm.Get_size</a:t>
-            </a:r>
-            <a:r>
-              <a:rPr lang="en-US" dirty="0" smtClean="0">
-                <a:latin typeface="Courier New" panose="02070309020205020404" pitchFamily="49" charset="0"/>
-                <a:cs typeface="Courier New" panose="02070309020205020404" pitchFamily="49" charset="0"/>
-              </a:rPr>
-              <a:t>()</a:t>
-            </a:r>
-            <a:endParaRPr lang="en-US" dirty="0">
-              <a:latin typeface="Courier New" panose="02070309020205020404" pitchFamily="49" charset="0"/>
-              <a:cs typeface="Courier New" panose="02070309020205020404" pitchFamily="49" charset="0"/>
-            </a:endParaRPr>
-          </a:p>
-          <a:p>
-            <a:r>
-              <a:rPr lang="en-US" dirty="0">
-                <a:latin typeface="Courier New" panose="02070309020205020404" pitchFamily="49" charset="0"/>
-                <a:cs typeface="Courier New" panose="02070309020205020404" pitchFamily="49" charset="0"/>
-              </a:rPr>
-              <a:t>print('hello from {</a:t>
-            </a:r>
-            <a:r>
-              <a:rPr lang="en-US" dirty="0" smtClean="0">
-                <a:latin typeface="Courier New" panose="02070309020205020404" pitchFamily="49" charset="0"/>
-                <a:cs typeface="Courier New" panose="02070309020205020404" pitchFamily="49" charset="0"/>
-              </a:rPr>
-              <a:t>0:d}'.format(rank)</a:t>
-            </a:r>
-          </a:p>
-          <a:p>
-            <a:r>
-              <a:rPr lang="en-US" dirty="0" smtClean="0">
-                <a:latin typeface="Courier New" panose="02070309020205020404" pitchFamily="49" charset="0"/>
-                <a:cs typeface="Courier New" panose="02070309020205020404" pitchFamily="49" charset="0"/>
-              </a:rPr>
-              <a:t>if rank == 0:</a:t>
-            </a:r>
-          </a:p>
-          <a:p>
-            <a:r>
-              <a:rPr lang="en-US" dirty="0">
-                <a:latin typeface="Courier New" panose="02070309020205020404" pitchFamily="49" charset="0"/>
-                <a:cs typeface="Courier New" panose="02070309020205020404" pitchFamily="49" charset="0"/>
-              </a:rPr>
-              <a:t> </a:t>
-            </a:r>
-            <a:r>
-              <a:rPr lang="en-US" dirty="0" smtClean="0">
-                <a:latin typeface="Courier New" panose="02070309020205020404" pitchFamily="49" charset="0"/>
-                <a:cs typeface="Courier New" panose="02070309020205020404" pitchFamily="49" charset="0"/>
-              </a:rPr>
-              <a:t>   print('{0:d} </a:t>
-            </a:r>
-            <a:r>
-              <a:rPr lang="en-US" dirty="0" err="1" smtClean="0">
-                <a:latin typeface="Courier New" panose="02070309020205020404" pitchFamily="49" charset="0"/>
-                <a:cs typeface="Courier New" panose="02070309020205020404" pitchFamily="49" charset="0"/>
-              </a:rPr>
-              <a:t>processes'.format</a:t>
-            </a:r>
-            <a:r>
-              <a:rPr lang="en-US" dirty="0" smtClean="0">
-                <a:latin typeface="Courier New" panose="02070309020205020404" pitchFamily="49" charset="0"/>
-                <a:cs typeface="Courier New" panose="02070309020205020404" pitchFamily="49" charset="0"/>
-              </a:rPr>
-              <a:t>(size))</a:t>
-            </a:r>
-            <a:endParaRPr lang="en-US" dirty="0">
-              <a:latin typeface="Courier New" panose="02070309020205020404" pitchFamily="49" charset="0"/>
-              <a:cs typeface="Courier New" panose="02070309020205020404" pitchFamily="49" charset="0"/>
-            </a:endParaRPr>
-          </a:p>
-        </p:txBody>
-      </p:sp>
-      <p:sp>
-        <p:nvSpPr>
-          <p:cNvPr id="5" name="TextBox 4"/>
-          <p:cNvSpPr txBox="1"/>
-          <p:nvPr/>
-        </p:nvSpPr>
-        <p:spPr>
-          <a:xfrm>
-            <a:off x="6486946" y="4725144"/>
-            <a:ext cx="2189510" cy="1477328"/>
-          </a:xfrm>
-          <a:prstGeom prst="rect">
-            <a:avLst/>
-          </a:prstGeom>
-          <a:noFill/>
-          <a:ln>
-            <a:solidFill>
-              <a:schemeClr val="tx1"/>
-            </a:solidFill>
-          </a:ln>
-        </p:spPr>
-        <p:txBody>
-          <a:bodyPr wrap="none" rtlCol="0">
-            <a:spAutoFit/>
-          </a:bodyPr>
-          <a:lstStyle/>
-          <a:p>
-            <a:r>
-              <a:rPr lang="en-US" dirty="0" smtClean="0"/>
-              <a:t>hello from 3 out of 4!</a:t>
-            </a:r>
-          </a:p>
-          <a:p>
-            <a:r>
-              <a:rPr lang="en-US" dirty="0" smtClean="0"/>
-              <a:t>hello from 0 out of 4!</a:t>
-            </a:r>
-          </a:p>
-          <a:p>
-            <a:r>
-              <a:rPr lang="en-US" dirty="0"/>
-              <a:t>hello from 2 out of 4!</a:t>
-            </a:r>
-          </a:p>
-          <a:p>
-            <a:r>
-              <a:rPr lang="en-US" dirty="0" smtClean="0"/>
-              <a:t>4 processes</a:t>
-            </a:r>
-          </a:p>
-          <a:p>
-            <a:r>
-              <a:rPr lang="en-US" dirty="0" smtClean="0"/>
-              <a:t>hello from 1 out of 4!</a:t>
-            </a:r>
-          </a:p>
-        </p:txBody>
-      </p:sp>
-      <p:sp>
-        <p:nvSpPr>
-          <p:cNvPr id="6" name="TextBox 5"/>
-          <p:cNvSpPr txBox="1"/>
-          <p:nvPr/>
-        </p:nvSpPr>
-        <p:spPr>
-          <a:xfrm>
-            <a:off x="5796136" y="1988840"/>
-            <a:ext cx="3033074" cy="1200329"/>
-          </a:xfrm>
-          <a:prstGeom prst="rect">
-            <a:avLst/>
-          </a:prstGeom>
-          <a:solidFill>
-            <a:schemeClr val="bg1"/>
-          </a:solidFill>
-          <a:ln>
-            <a:solidFill>
-              <a:schemeClr val="tx1"/>
-            </a:solidFill>
-          </a:ln>
-        </p:spPr>
-        <p:txBody>
-          <a:bodyPr wrap="none" rtlCol="0">
-            <a:spAutoFit/>
-          </a:bodyPr>
-          <a:lstStyle/>
-          <a:p>
-            <a:r>
-              <a:rPr lang="en-US" sz="2400" dirty="0" smtClean="0"/>
-              <a:t>Note: </a:t>
-            </a:r>
-            <a:r>
-              <a:rPr lang="en-US" sz="2400" dirty="0" smtClean="0">
-                <a:latin typeface="Courier New" panose="02070309020205020404" pitchFamily="49" charset="0"/>
-                <a:cs typeface="Courier New" panose="02070309020205020404" pitchFamily="49" charset="0"/>
-              </a:rPr>
-              <a:t>rank</a:t>
-            </a:r>
-            <a:r>
-              <a:rPr lang="en-US" sz="2400" dirty="0" smtClean="0"/>
-              <a:t> and </a:t>
-            </a:r>
-            <a:r>
-              <a:rPr lang="en-US" sz="2400" dirty="0" smtClean="0">
-                <a:latin typeface="Courier New" panose="02070309020205020404" pitchFamily="49" charset="0"/>
-                <a:cs typeface="Courier New" panose="02070309020205020404" pitchFamily="49" charset="0"/>
-              </a:rPr>
-              <a:t>size</a:t>
-            </a:r>
-            <a:r>
-              <a:rPr lang="en-US" sz="2400" dirty="0" smtClean="0"/>
-              <a:t/>
-            </a:r>
-            <a:br>
-              <a:rPr lang="en-US" sz="2400" dirty="0" smtClean="0"/>
-            </a:br>
-            <a:r>
-              <a:rPr lang="en-US" sz="2400" dirty="0" smtClean="0"/>
-              <a:t>are private to process,</a:t>
-            </a:r>
-            <a:br>
-              <a:rPr lang="en-US" sz="2400" dirty="0" smtClean="0"/>
-            </a:br>
-            <a:r>
-              <a:rPr lang="en-US" sz="2400" i="1" dirty="0" smtClean="0"/>
-              <a:t>"shared nothing"</a:t>
-            </a:r>
-            <a:endParaRPr lang="nl-BE" sz="2400" i="1" dirty="0"/>
-          </a:p>
-        </p:txBody>
-      </p:sp>
-      <p:sp>
-        <p:nvSpPr>
-          <p:cNvPr id="3" name="TextBox 2"/>
-          <p:cNvSpPr txBox="1"/>
-          <p:nvPr/>
-        </p:nvSpPr>
-        <p:spPr>
-          <a:xfrm>
-            <a:off x="179512" y="5991671"/>
-            <a:ext cx="5966120" cy="461665"/>
-          </a:xfrm>
-          <a:prstGeom prst="rect">
-            <a:avLst/>
-          </a:prstGeom>
-          <a:noFill/>
-          <a:ln>
-            <a:solidFill>
-              <a:schemeClr val="tx1"/>
-            </a:solidFill>
-          </a:ln>
-        </p:spPr>
-        <p:txBody>
-          <a:bodyPr wrap="none" rtlCol="0">
-            <a:spAutoFit/>
-          </a:bodyPr>
-          <a:lstStyle/>
-          <a:p>
-            <a:r>
-              <a:rPr lang="en-US" sz="2400" dirty="0" smtClean="0"/>
-              <a:t>Processes can run on different compute nodes</a:t>
-            </a:r>
-            <a:endParaRPr lang="nl-BE" sz="2400" dirty="0"/>
-          </a:p>
-        </p:txBody>
-      </p:sp>
-      <p:sp>
-        <p:nvSpPr>
-          <p:cNvPr id="7" name="Slide Number Placeholder 6"/>
-          <p:cNvSpPr>
-            <a:spLocks noGrp="1"/>
-          </p:cNvSpPr>
-          <p:nvPr>
-            <p:ph type="sldNum" sz="quarter" idx="12"/>
-          </p:nvPr>
-        </p:nvSpPr>
-        <p:spPr/>
-        <p:txBody>
-          <a:bodyPr/>
-          <a:lstStyle/>
-          <a:p>
-            <a:fld id="{D1918C2E-FE36-451E-B80E-1968976550A5}" type="slidenum">
-              <a:rPr lang="nl-BE" smtClean="0"/>
-              <a:t>8</a:t>
-            </a:fld>
-            <a:endParaRPr lang="nl-BE"/>
-          </a:p>
-        </p:txBody>
-      </p:sp>
-    </p:spTree>
-    <p:extLst>
-      <p:ext uri="{BB962C8B-B14F-4D97-AF65-F5344CB8AC3E}">
-        <p14:creationId xmlns:p14="http://schemas.microsoft.com/office/powerpoint/2010/main" val="2784527049"/>
-      </p:ext>
-    </p:extLst>
-  </p:cSld>
-  <p:clrMapOvr>
-    <a:masterClrMapping/>
-  </p:clrMapOvr>
-  <p:timing>
-    <p:tnLst>
-      <p:par>
-        <p:cTn id="1" dur="indefinite" restart="never" nodeType="tmRoot">
-          <p:childTnLst>
-            <p:seq concurrent="1" nextAc="seek">
-              <p:cTn id="2" dur="indefinite" nodeType="mainSeq">
-                <p:childTnLst>
-                  <p:par>
-                    <p:cTn id="3" fill="hold">
-                      <p:stCondLst>
-                        <p:cond delay="indefinite"/>
-                      </p:stCondLst>
-                      <p:childTnLst>
-                        <p:par>
-                          <p:cTn id="4" fill="hold">
-                            <p:stCondLst>
-                              <p:cond delay="0"/>
-                            </p:stCondLst>
-                            <p:childTnLst>
-                              <p:par>
-                                <p:cTn id="5" presetID="1" presetClass="entr" presetSubtype="0" fill="hold" grpId="0" nodeType="clickEffect">
-                                  <p:stCondLst>
-                                    <p:cond delay="0"/>
-                                  </p:stCondLst>
-                                  <p:childTnLst>
-                                    <p:set>
-                                      <p:cBhvr>
-                                        <p:cTn id="6" dur="1" fill="hold">
-                                          <p:stCondLst>
-                                            <p:cond delay="0"/>
-                                          </p:stCondLst>
-                                        </p:cTn>
-                                        <p:tgtEl>
-                                          <p:spTgt spid="5"/>
-                                        </p:tgtEl>
-                                        <p:attrNameLst>
-                                          <p:attrName>style.visibility</p:attrName>
-                                        </p:attrNameLst>
-                                      </p:cBhvr>
-                                      <p:to>
-                                        <p:strVal val="visible"/>
-                                      </p:to>
-                                    </p:set>
-                                  </p:childTnLst>
-                                </p:cTn>
-                              </p:par>
-                              <p:par>
-                                <p:cTn id="7" presetID="1" presetClass="entr" presetSubtype="0" fill="hold" grpId="0" nodeType="withEffect">
-                                  <p:stCondLst>
-                                    <p:cond delay="0"/>
-                                  </p:stCondLst>
-                                  <p:childTnLst>
-                                    <p:set>
-                                      <p:cBhvr>
-                                        <p:cTn id="8" dur="1" fill="hold">
-                                          <p:stCondLst>
-                                            <p:cond delay="0"/>
-                                          </p:stCondLst>
-                                        </p:cTn>
-                                        <p:tgtEl>
-                                          <p:spTgt spid="3"/>
-                                        </p:tgtEl>
-                                        <p:attrNameLst>
-                                          <p:attrName>style.visibility</p:attrName>
-                                        </p:attrNameLst>
-                                      </p:cBhvr>
-                                      <p:to>
-                                        <p:strVal val="visible"/>
-                                      </p:to>
-                                    </p:set>
-                                  </p:childTnLst>
-                                </p:cTn>
-                              </p:par>
-                            </p:childTnLst>
-                          </p:cTn>
-                        </p:par>
-                      </p:childTnLst>
-                    </p:cTn>
-                  </p:par>
-                  <p:par>
-                    <p:cTn id="9" fill="hold">
-                      <p:stCondLst>
-                        <p:cond delay="indefinite"/>
-                      </p:stCondLst>
-                      <p:childTnLst>
-                        <p:par>
-                          <p:cTn id="10" fill="hold">
-                            <p:stCondLst>
-                              <p:cond delay="0"/>
-                            </p:stCondLst>
-                            <p:childTnLst>
-                              <p:par>
-                                <p:cTn id="11" presetID="1" presetClass="entr" presetSubtype="0" fill="hold" grpId="0" nodeType="clickEffect">
-                                  <p:stCondLst>
-                                    <p:cond delay="0"/>
-                                  </p:stCondLst>
-                                  <p:childTnLst>
-                                    <p:set>
-                                      <p:cBhvr>
-                                        <p:cTn id="12" dur="1" fill="hold">
-                                          <p:stCondLst>
-                                            <p:cond delay="0"/>
-                                          </p:stCondLst>
-                                        </p:cTn>
-                                        <p:tgtEl>
-                                          <p:spTgt spid="6"/>
-                                        </p:tgtEl>
-                                        <p:attrNameLst>
-                                          <p:attrName>style.visibility</p:attrName>
-                                        </p:attrNameLst>
-                                      </p:cBhvr>
-                                      <p:to>
-                                        <p:strVal val="visible"/>
-                                      </p:to>
-                                    </p:set>
-                                  </p:childTnLst>
-                                </p:cTn>
-                              </p:par>
-                            </p:childTnLst>
-                          </p:cTn>
-                        </p:par>
-                      </p:childTnLst>
-                    </p:cTn>
-                  </p:par>
-                </p:childTnLst>
-              </p:cTn>
-              <p:prevCondLst>
-                <p:cond evt="onPrev" delay="0">
-                  <p:tgtEl>
-                    <p:sldTgt/>
-                  </p:tgtEl>
-                </p:cond>
-              </p:prevCondLst>
-              <p:nextCondLst>
-                <p:cond evt="onNext" delay="0">
-                  <p:tgtEl>
-                    <p:sldTgt/>
-                  </p:tgtEl>
-                </p:cond>
-              </p:nextCondLst>
-            </p:seq>
-          </p:childTnLst>
-        </p:cTn>
-      </p:par>
-    </p:tnLst>
-    <p:bldLst>
-      <p:bldP spid="5" grpId="0" animBg="1"/>
-      <p:bldP spid="6" grpId="0" animBg="1"/>
-      <p:bldP spid="3" grpId="0" animBg="1"/>
-    </p:bldLst>
-  </p:timing>
-</p:sld>
-</file>
-
-<file path=ppt/slides/slide9.xml><?xml version="1.0" encoding="utf-8"?>
 <p:sld xmlns:a="http://schemas.openxmlformats.org/drawingml/2006/main" xmlns:r="http://schemas.openxmlformats.org/officeDocument/2006/relationships" xmlns:p="http://schemas.openxmlformats.org/presentationml/2006/main">
   <p:cSld>
     <p:spTree>
@@ -22975,7 +25002,7 @@
           <a:p>
             <a:fld id="{D1918C2E-FE36-451E-B80E-1968976550A5}" type="slidenum">
               <a:rPr lang="nl-BE" smtClean="0"/>
-              <a:t>9</a:t>
+              <a:t>7</a:t>
             </a:fld>
             <a:endParaRPr lang="nl-BE"/>
           </a:p>
@@ -23172,6 +25199,636 @@
     </p:tnLst>
     <p:bldLst>
       <p:bldP spid="4" grpId="0" uiExpand="1" build="p"/>
+    </p:bldLst>
+  </p:timing>
+</p:sld>
+</file>
+
+<file path=ppt/slides/slide8.xml><?xml version="1.0" encoding="utf-8"?>
+<p:sld xmlns:a="http://schemas.openxmlformats.org/drawingml/2006/main" xmlns:r="http://schemas.openxmlformats.org/officeDocument/2006/relationships" xmlns:p="http://schemas.openxmlformats.org/presentationml/2006/main">
+  <p:cSld>
+    <p:spTree>
+      <p:nvGrpSpPr>
+        <p:cNvPr id="1" name=""/>
+        <p:cNvGrpSpPr/>
+        <p:nvPr/>
+      </p:nvGrpSpPr>
+      <p:grpSpPr>
+        <a:xfrm>
+          <a:off x="0" y="0"/>
+          <a:ext cx="0" cy="0"/>
+          <a:chOff x="0" y="0"/>
+          <a:chExt cx="0" cy="0"/>
+        </a:xfrm>
+      </p:grpSpPr>
+      <p:sp>
+        <p:nvSpPr>
+          <p:cNvPr id="2" name="Title 1"/>
+          <p:cNvSpPr>
+            <a:spLocks noGrp="1"/>
+          </p:cNvSpPr>
+          <p:nvPr>
+            <p:ph type="title"/>
+          </p:nvPr>
+        </p:nvSpPr>
+        <p:spPr/>
+        <p:txBody>
+          <a:bodyPr/>
+          <a:lstStyle/>
+          <a:p>
+            <a:r>
+              <a:rPr lang="en-US" dirty="0" smtClean="0"/>
+              <a:t>Process identification &amp; default communicator</a:t>
+            </a:r>
+            <a:endParaRPr lang="nl-BE" dirty="0"/>
+          </a:p>
+        </p:txBody>
+      </p:sp>
+      <p:sp>
+        <p:nvSpPr>
+          <p:cNvPr id="3" name="Text Placeholder 2"/>
+          <p:cNvSpPr>
+            <a:spLocks noGrp="1"/>
+          </p:cNvSpPr>
+          <p:nvPr>
+            <p:ph type="body" idx="1"/>
+          </p:nvPr>
+        </p:nvSpPr>
+        <p:spPr/>
+        <p:txBody>
+          <a:bodyPr/>
+          <a:lstStyle/>
+          <a:p>
+            <a:endParaRPr lang="nl-BE"/>
+          </a:p>
+        </p:txBody>
+      </p:sp>
+      <p:sp>
+        <p:nvSpPr>
+          <p:cNvPr id="4" name="Slide Number Placeholder 3"/>
+          <p:cNvSpPr>
+            <a:spLocks noGrp="1"/>
+          </p:cNvSpPr>
+          <p:nvPr>
+            <p:ph type="sldNum" sz="quarter" idx="12"/>
+          </p:nvPr>
+        </p:nvSpPr>
+        <p:spPr/>
+        <p:txBody>
+          <a:bodyPr/>
+          <a:lstStyle/>
+          <a:p>
+            <a:fld id="{D1918C2E-FE36-451E-B80E-1968976550A5}" type="slidenum">
+              <a:rPr lang="nl-BE" smtClean="0"/>
+              <a:t>8</a:t>
+            </a:fld>
+            <a:endParaRPr lang="nl-BE"/>
+          </a:p>
+        </p:txBody>
+      </p:sp>
+    </p:spTree>
+    <p:extLst>
+      <p:ext uri="{BB962C8B-B14F-4D97-AF65-F5344CB8AC3E}">
+        <p14:creationId xmlns:p14="http://schemas.microsoft.com/office/powerpoint/2010/main" val="1266213319"/>
+      </p:ext>
+    </p:extLst>
+  </p:cSld>
+  <p:clrMapOvr>
+    <a:masterClrMapping/>
+  </p:clrMapOvr>
+</p:sld>
+</file>
+
+<file path=ppt/slides/slide9.xml><?xml version="1.0" encoding="utf-8"?>
+<p:sld xmlns:a="http://schemas.openxmlformats.org/drawingml/2006/main" xmlns:r="http://schemas.openxmlformats.org/officeDocument/2006/relationships" xmlns:p="http://schemas.openxmlformats.org/presentationml/2006/main">
+  <p:cSld>
+    <p:spTree>
+      <p:nvGrpSpPr>
+        <p:cNvPr id="1" name=""/>
+        <p:cNvGrpSpPr/>
+        <p:nvPr/>
+      </p:nvGrpSpPr>
+      <p:grpSpPr>
+        <a:xfrm>
+          <a:off x="0" y="0"/>
+          <a:ext cx="0" cy="0"/>
+          <a:chOff x="0" y="0"/>
+          <a:chExt cx="0" cy="0"/>
+        </a:xfrm>
+      </p:grpSpPr>
+      <p:sp>
+        <p:nvSpPr>
+          <p:cNvPr id="2" name="Title 1"/>
+          <p:cNvSpPr>
+            <a:spLocks noGrp="1"/>
+          </p:cNvSpPr>
+          <p:nvPr>
+            <p:ph type="title"/>
+          </p:nvPr>
+        </p:nvSpPr>
+        <p:spPr/>
+        <p:txBody>
+          <a:bodyPr/>
+          <a:lstStyle/>
+          <a:p>
+            <a:r>
+              <a:rPr lang="en-US" dirty="0" smtClean="0"/>
+              <a:t>Hello world</a:t>
+            </a:r>
+            <a:endParaRPr lang="nl-BE" dirty="0"/>
+          </a:p>
+        </p:txBody>
+      </p:sp>
+      <p:sp>
+        <p:nvSpPr>
+          <p:cNvPr id="3" name="Content Placeholder 2"/>
+          <p:cNvSpPr>
+            <a:spLocks noGrp="1"/>
+          </p:cNvSpPr>
+          <p:nvPr>
+            <p:ph idx="1"/>
+          </p:nvPr>
+        </p:nvSpPr>
+        <p:spPr>
+          <a:xfrm>
+            <a:off x="457200" y="4149080"/>
+            <a:ext cx="8229600" cy="1656184"/>
+          </a:xfrm>
+        </p:spPr>
+        <p:txBody>
+          <a:bodyPr>
+            <a:normAutofit/>
+          </a:bodyPr>
+          <a:lstStyle/>
+          <a:p>
+            <a:r>
+              <a:rPr lang="en-US" dirty="0" smtClean="0"/>
+              <a:t>run: </a:t>
+            </a:r>
+            <a:r>
+              <a:rPr lang="en-US" dirty="0" err="1" smtClean="0">
+                <a:latin typeface="Courier New" panose="02070309020205020404" pitchFamily="49" charset="0"/>
+                <a:cs typeface="Courier New" panose="02070309020205020404" pitchFamily="49" charset="0"/>
+              </a:rPr>
+              <a:t>mpirun</a:t>
+            </a:r>
+            <a:r>
+              <a:rPr lang="en-US" dirty="0" smtClean="0">
+                <a:latin typeface="Courier New" panose="02070309020205020404" pitchFamily="49" charset="0"/>
+                <a:cs typeface="Courier New" panose="02070309020205020404" pitchFamily="49" charset="0"/>
+              </a:rPr>
+              <a:t>  -np 4  ./hello.py</a:t>
+            </a:r>
+            <a:endParaRPr lang="nl-BE" dirty="0" smtClean="0">
+              <a:latin typeface="Courier New" panose="02070309020205020404" pitchFamily="49" charset="0"/>
+              <a:cs typeface="Courier New" panose="02070309020205020404" pitchFamily="49" charset="0"/>
+            </a:endParaRPr>
+          </a:p>
+          <a:p>
+            <a:pPr lvl="1"/>
+            <a:r>
+              <a:rPr lang="en-US" dirty="0" smtClean="0"/>
+              <a:t>processes can run on same host,</a:t>
+            </a:r>
+            <a:br>
+              <a:rPr lang="en-US" dirty="0" smtClean="0"/>
+            </a:br>
+            <a:r>
+              <a:rPr lang="en-US" dirty="0" smtClean="0"/>
+              <a:t>or different hosts</a:t>
+            </a:r>
+            <a:endParaRPr lang="nl-BE" dirty="0"/>
+          </a:p>
+        </p:txBody>
+      </p:sp>
+      <p:sp>
+        <p:nvSpPr>
+          <p:cNvPr id="4" name="TextBox 3"/>
+          <p:cNvSpPr txBox="1"/>
+          <p:nvPr/>
+        </p:nvSpPr>
+        <p:spPr>
+          <a:xfrm>
+            <a:off x="699720" y="1700808"/>
+            <a:ext cx="7904728" cy="2031325"/>
+          </a:xfrm>
+          <a:prstGeom prst="rect">
+            <a:avLst/>
+          </a:prstGeom>
+          <a:noFill/>
+          <a:ln>
+            <a:solidFill>
+              <a:schemeClr val="tx1"/>
+            </a:solidFill>
+          </a:ln>
+        </p:spPr>
+        <p:txBody>
+          <a:bodyPr wrap="none" rtlCol="0">
+            <a:spAutoFit/>
+          </a:bodyPr>
+          <a:lstStyle/>
+          <a:p>
+            <a:r>
+              <a:rPr lang="en-US" dirty="0" smtClean="0">
+                <a:latin typeface="Courier New" panose="02070309020205020404" pitchFamily="49" charset="0"/>
+                <a:cs typeface="Courier New" panose="02070309020205020404" pitchFamily="49" charset="0"/>
+              </a:rPr>
+              <a:t>#!/</a:t>
+            </a:r>
+            <a:r>
+              <a:rPr lang="en-US" dirty="0" err="1" smtClean="0">
+                <a:latin typeface="Courier New" panose="02070309020205020404" pitchFamily="49" charset="0"/>
+                <a:cs typeface="Courier New" panose="02070309020205020404" pitchFamily="49" charset="0"/>
+              </a:rPr>
+              <a:t>usr</a:t>
+            </a:r>
+            <a:r>
+              <a:rPr lang="en-US" dirty="0" smtClean="0">
+                <a:latin typeface="Courier New" panose="02070309020205020404" pitchFamily="49" charset="0"/>
+                <a:cs typeface="Courier New" panose="02070309020205020404" pitchFamily="49" charset="0"/>
+              </a:rPr>
+              <a:t>/bin/</a:t>
+            </a:r>
+            <a:r>
+              <a:rPr lang="en-US" dirty="0" err="1" smtClean="0">
+                <a:latin typeface="Courier New" panose="02070309020205020404" pitchFamily="49" charset="0"/>
+                <a:cs typeface="Courier New" panose="02070309020205020404" pitchFamily="49" charset="0"/>
+              </a:rPr>
+              <a:t>env</a:t>
+            </a:r>
+            <a:r>
+              <a:rPr lang="en-US" dirty="0">
+                <a:latin typeface="Courier New" panose="02070309020205020404" pitchFamily="49" charset="0"/>
+                <a:cs typeface="Courier New" panose="02070309020205020404" pitchFamily="49" charset="0"/>
+              </a:rPr>
+              <a:t> </a:t>
+            </a:r>
+            <a:r>
+              <a:rPr lang="en-US" dirty="0" smtClean="0">
+                <a:latin typeface="Courier New" panose="02070309020205020404" pitchFamily="49" charset="0"/>
+                <a:cs typeface="Courier New" panose="02070309020205020404" pitchFamily="49" charset="0"/>
+              </a:rPr>
+              <a:t>python</a:t>
+            </a:r>
+          </a:p>
+          <a:p>
+            <a:r>
+              <a:rPr lang="en-US" dirty="0" smtClean="0">
+                <a:latin typeface="Courier New" panose="02070309020205020404" pitchFamily="49" charset="0"/>
+                <a:cs typeface="Courier New" panose="02070309020205020404" pitchFamily="49" charset="0"/>
+              </a:rPr>
+              <a:t>from mpi4py import MPI</a:t>
+            </a:r>
+          </a:p>
+          <a:p>
+            <a:endParaRPr lang="en-US" dirty="0" smtClean="0">
+              <a:latin typeface="Courier New" panose="02070309020205020404" pitchFamily="49" charset="0"/>
+              <a:cs typeface="Courier New" panose="02070309020205020404" pitchFamily="49" charset="0"/>
+            </a:endParaRPr>
+          </a:p>
+          <a:p>
+            <a:r>
+              <a:rPr lang="en-US" dirty="0" err="1" smtClean="0">
+                <a:latin typeface="Courier New" panose="02070309020205020404" pitchFamily="49" charset="0"/>
+                <a:cs typeface="Courier New" panose="02070309020205020404" pitchFamily="49" charset="0"/>
+              </a:rPr>
+              <a:t>comm</a:t>
+            </a:r>
+            <a:r>
+              <a:rPr lang="en-US" dirty="0" smtClean="0">
+                <a:latin typeface="Courier New" panose="02070309020205020404" pitchFamily="49" charset="0"/>
+                <a:cs typeface="Courier New" panose="02070309020205020404" pitchFamily="49" charset="0"/>
+              </a:rPr>
+              <a:t> = MPI.COMM_WORLD</a:t>
+            </a:r>
+          </a:p>
+          <a:p>
+            <a:r>
+              <a:rPr lang="en-US" dirty="0" smtClean="0">
+                <a:latin typeface="Courier New" panose="02070309020205020404" pitchFamily="49" charset="0"/>
+                <a:cs typeface="Courier New" panose="02070309020205020404" pitchFamily="49" charset="0"/>
+              </a:rPr>
+              <a:t>rank = </a:t>
+            </a:r>
+            <a:r>
+              <a:rPr lang="en-US" dirty="0" err="1" smtClean="0">
+                <a:latin typeface="Courier New" panose="02070309020205020404" pitchFamily="49" charset="0"/>
+                <a:cs typeface="Courier New" panose="02070309020205020404" pitchFamily="49" charset="0"/>
+              </a:rPr>
+              <a:t>comm.Get_rank</a:t>
+            </a:r>
+            <a:r>
+              <a:rPr lang="en-US" dirty="0" smtClean="0">
+                <a:latin typeface="Courier New" panose="02070309020205020404" pitchFamily="49" charset="0"/>
+                <a:cs typeface="Courier New" panose="02070309020205020404" pitchFamily="49" charset="0"/>
+              </a:rPr>
+              <a:t>()</a:t>
+            </a:r>
+          </a:p>
+          <a:p>
+            <a:r>
+              <a:rPr lang="en-US" dirty="0" smtClean="0">
+                <a:latin typeface="Courier New" panose="02070309020205020404" pitchFamily="49" charset="0"/>
+                <a:cs typeface="Courier New" panose="02070309020205020404" pitchFamily="49" charset="0"/>
+              </a:rPr>
+              <a:t>size = </a:t>
+            </a:r>
+            <a:r>
+              <a:rPr lang="en-US" dirty="0" err="1" smtClean="0">
+                <a:latin typeface="Courier New" panose="02070309020205020404" pitchFamily="49" charset="0"/>
+                <a:cs typeface="Courier New" panose="02070309020205020404" pitchFamily="49" charset="0"/>
+              </a:rPr>
+              <a:t>comm.Get_size</a:t>
+            </a:r>
+            <a:r>
+              <a:rPr lang="en-US" dirty="0" smtClean="0">
+                <a:latin typeface="Courier New" panose="02070309020205020404" pitchFamily="49" charset="0"/>
+                <a:cs typeface="Courier New" panose="02070309020205020404" pitchFamily="49" charset="0"/>
+              </a:rPr>
+              <a:t>()</a:t>
+            </a:r>
+          </a:p>
+          <a:p>
+            <a:r>
+              <a:rPr lang="en-US" dirty="0" smtClean="0">
+                <a:latin typeface="Courier New" panose="02070309020205020404" pitchFamily="49" charset="0"/>
+                <a:cs typeface="Courier New" panose="02070309020205020404" pitchFamily="49" charset="0"/>
+              </a:rPr>
+              <a:t>print('hello from {0:d} out of {1:d}'.format(rank, size)</a:t>
+            </a:r>
+            <a:endParaRPr lang="en-US" dirty="0">
+              <a:latin typeface="Courier New" panose="02070309020205020404" pitchFamily="49" charset="0"/>
+              <a:cs typeface="Courier New" panose="02070309020205020404" pitchFamily="49" charset="0"/>
+            </a:endParaRPr>
+          </a:p>
+        </p:txBody>
+      </p:sp>
+      <p:sp>
+        <p:nvSpPr>
+          <p:cNvPr id="5" name="TextBox 4"/>
+          <p:cNvSpPr txBox="1"/>
+          <p:nvPr/>
+        </p:nvSpPr>
+        <p:spPr>
+          <a:xfrm>
+            <a:off x="6876256" y="5013176"/>
+            <a:ext cx="1838965" cy="1200329"/>
+          </a:xfrm>
+          <a:prstGeom prst="rect">
+            <a:avLst/>
+          </a:prstGeom>
+          <a:noFill/>
+          <a:ln>
+            <a:solidFill>
+              <a:schemeClr val="tx1"/>
+            </a:solidFill>
+          </a:ln>
+        </p:spPr>
+        <p:txBody>
+          <a:bodyPr wrap="none" rtlCol="0">
+            <a:spAutoFit/>
+          </a:bodyPr>
+          <a:lstStyle/>
+          <a:p>
+            <a:r>
+              <a:rPr lang="en-US" dirty="0" smtClean="0">
+                <a:latin typeface="Courier New" panose="02070309020205020404" pitchFamily="49" charset="0"/>
+                <a:cs typeface="Courier New" panose="02070309020205020404" pitchFamily="49" charset="0"/>
+              </a:rPr>
+              <a:t>hello world!</a:t>
+            </a:r>
+          </a:p>
+          <a:p>
+            <a:r>
+              <a:rPr lang="en-US" dirty="0" smtClean="0">
+                <a:latin typeface="Courier New" panose="02070309020205020404" pitchFamily="49" charset="0"/>
+                <a:cs typeface="Courier New" panose="02070309020205020404" pitchFamily="49" charset="0"/>
+              </a:rPr>
+              <a:t>hello world!</a:t>
+            </a:r>
+            <a:endParaRPr lang="nl-BE" dirty="0" smtClean="0">
+              <a:latin typeface="Courier New" panose="02070309020205020404" pitchFamily="49" charset="0"/>
+              <a:cs typeface="Courier New" panose="02070309020205020404" pitchFamily="49" charset="0"/>
+            </a:endParaRPr>
+          </a:p>
+          <a:p>
+            <a:r>
+              <a:rPr lang="en-US" dirty="0" smtClean="0">
+                <a:latin typeface="Courier New" panose="02070309020205020404" pitchFamily="49" charset="0"/>
+                <a:cs typeface="Courier New" panose="02070309020205020404" pitchFamily="49" charset="0"/>
+              </a:rPr>
+              <a:t>hello world!</a:t>
+            </a:r>
+            <a:endParaRPr lang="nl-BE" dirty="0" smtClean="0">
+              <a:latin typeface="Courier New" panose="02070309020205020404" pitchFamily="49" charset="0"/>
+              <a:cs typeface="Courier New" panose="02070309020205020404" pitchFamily="49" charset="0"/>
+            </a:endParaRPr>
+          </a:p>
+          <a:p>
+            <a:r>
+              <a:rPr lang="en-US" dirty="0" smtClean="0">
+                <a:latin typeface="Courier New" panose="02070309020205020404" pitchFamily="49" charset="0"/>
+                <a:cs typeface="Courier New" panose="02070309020205020404" pitchFamily="49" charset="0"/>
+              </a:rPr>
+              <a:t>hello world!</a:t>
+            </a:r>
+            <a:endParaRPr lang="nl-BE" dirty="0" smtClean="0">
+              <a:latin typeface="Courier New" panose="02070309020205020404" pitchFamily="49" charset="0"/>
+              <a:cs typeface="Courier New" panose="02070309020205020404" pitchFamily="49" charset="0"/>
+            </a:endParaRPr>
+          </a:p>
+        </p:txBody>
+      </p:sp>
+      <p:sp>
+        <p:nvSpPr>
+          <p:cNvPr id="6" name="Slide Number Placeholder 5"/>
+          <p:cNvSpPr>
+            <a:spLocks noGrp="1"/>
+          </p:cNvSpPr>
+          <p:nvPr>
+            <p:ph type="sldNum" sz="quarter" idx="12"/>
+          </p:nvPr>
+        </p:nvSpPr>
+        <p:spPr/>
+        <p:txBody>
+          <a:bodyPr/>
+          <a:lstStyle/>
+          <a:p>
+            <a:fld id="{D1918C2E-FE36-451E-B80E-1968976550A5}" type="slidenum">
+              <a:rPr lang="nl-BE" smtClean="0"/>
+              <a:t>9</a:t>
+            </a:fld>
+            <a:endParaRPr lang="nl-BE"/>
+          </a:p>
+        </p:txBody>
+      </p:sp>
+    </p:spTree>
+    <p:extLst>
+      <p:ext uri="{BB962C8B-B14F-4D97-AF65-F5344CB8AC3E}">
+        <p14:creationId xmlns:p14="http://schemas.microsoft.com/office/powerpoint/2010/main" val="2551249046"/>
+      </p:ext>
+    </p:extLst>
+  </p:cSld>
+  <p:clrMapOvr>
+    <a:masterClrMapping/>
+  </p:clrMapOvr>
+  <p:timing>
+    <p:tnLst>
+      <p:par>
+        <p:cTn id="1" dur="indefinite" restart="never" nodeType="tmRoot">
+          <p:childTnLst>
+            <p:seq concurrent="1" nextAc="seek">
+              <p:cTn id="2" dur="indefinite" nodeType="mainSeq">
+                <p:childTnLst>
+                  <p:par>
+                    <p:cTn id="3" fill="hold">
+                      <p:stCondLst>
+                        <p:cond delay="indefinite"/>
+                      </p:stCondLst>
+                      <p:childTnLst>
+                        <p:par>
+                          <p:cTn id="4" fill="hold">
+                            <p:stCondLst>
+                              <p:cond delay="0"/>
+                            </p:stCondLst>
+                            <p:childTnLst>
+                              <p:par>
+                                <p:cTn id="5" presetID="1" presetClass="entr" presetSubtype="0" fill="hold" grpId="0" nodeType="clickEffect">
+                                  <p:stCondLst>
+                                    <p:cond delay="0"/>
+                                  </p:stCondLst>
+                                  <p:childTnLst>
+                                    <p:set>
+                                      <p:cBhvr>
+                                        <p:cTn id="6" dur="1" fill="hold">
+                                          <p:stCondLst>
+                                            <p:cond delay="0"/>
+                                          </p:stCondLst>
+                                        </p:cTn>
+                                        <p:tgtEl>
+                                          <p:spTgt spid="3">
+                                            <p:txEl>
+                                              <p:pRg st="0" end="0"/>
+                                            </p:txEl>
+                                          </p:spTgt>
+                                        </p:tgtEl>
+                                        <p:attrNameLst>
+                                          <p:attrName>style.visibility</p:attrName>
+                                        </p:attrNameLst>
+                                      </p:cBhvr>
+                                      <p:to>
+                                        <p:strVal val="visible"/>
+                                      </p:to>
+                                    </p:set>
+                                  </p:childTnLst>
+                                </p:cTn>
+                              </p:par>
+                              <p:par>
+                                <p:cTn id="7" presetID="1" presetClass="entr" presetSubtype="0" fill="hold" grpId="0" nodeType="withEffect">
+                                  <p:stCondLst>
+                                    <p:cond delay="0"/>
+                                  </p:stCondLst>
+                                  <p:childTnLst>
+                                    <p:set>
+                                      <p:cBhvr>
+                                        <p:cTn id="8" dur="1" fill="hold">
+                                          <p:stCondLst>
+                                            <p:cond delay="0"/>
+                                          </p:stCondLst>
+                                        </p:cTn>
+                                        <p:tgtEl>
+                                          <p:spTgt spid="3">
+                                            <p:txEl>
+                                              <p:pRg st="1" end="1"/>
+                                            </p:txEl>
+                                          </p:spTgt>
+                                        </p:tgtEl>
+                                        <p:attrNameLst>
+                                          <p:attrName>style.visibility</p:attrName>
+                                        </p:attrNameLst>
+                                      </p:cBhvr>
+                                      <p:to>
+                                        <p:strVal val="visible"/>
+                                      </p:to>
+                                    </p:set>
+                                  </p:childTnLst>
+                                </p:cTn>
+                              </p:par>
+                            </p:childTnLst>
+                          </p:cTn>
+                        </p:par>
+                      </p:childTnLst>
+                    </p:cTn>
+                  </p:par>
+                  <p:par>
+                    <p:cTn id="9" fill="hold">
+                      <p:stCondLst>
+                        <p:cond delay="indefinite"/>
+                      </p:stCondLst>
+                      <p:childTnLst>
+                        <p:par>
+                          <p:cTn id="10" fill="hold">
+                            <p:stCondLst>
+                              <p:cond delay="0"/>
+                            </p:stCondLst>
+                            <p:childTnLst>
+                              <p:par>
+                                <p:cTn id="11" presetID="1" presetClass="entr" presetSubtype="0" fill="hold" grpId="0" nodeType="clickEffect">
+                                  <p:stCondLst>
+                                    <p:cond delay="0"/>
+                                  </p:stCondLst>
+                                  <p:childTnLst>
+                                    <p:set>
+                                      <p:cBhvr>
+                                        <p:cTn id="12" dur="1" fill="hold">
+                                          <p:stCondLst>
+                                            <p:cond delay="0"/>
+                                          </p:stCondLst>
+                                        </p:cTn>
+                                        <p:tgtEl>
+                                          <p:spTgt spid="5"/>
+                                        </p:tgtEl>
+                                        <p:attrNameLst>
+                                          <p:attrName>style.visibility</p:attrName>
+                                        </p:attrNameLst>
+                                      </p:cBhvr>
+                                      <p:to>
+                                        <p:strVal val="visible"/>
+                                      </p:to>
+                                    </p:set>
+                                  </p:childTnLst>
+                                </p:cTn>
+                              </p:par>
+                            </p:childTnLst>
+                          </p:cTn>
+                        </p:par>
+                      </p:childTnLst>
+                    </p:cTn>
+                  </p:par>
+                </p:childTnLst>
+              </p:cTn>
+              <p:prevCondLst>
+                <p:cond evt="onPrev" delay="0">
+                  <p:tgtEl>
+                    <p:sldTgt/>
+                  </p:tgtEl>
+                </p:cond>
+              </p:prevCondLst>
+              <p:nextCondLst>
+                <p:cond evt="onNext" delay="0">
+                  <p:tgtEl>
+                    <p:sldTgt/>
+                  </p:tgtEl>
+                </p:cond>
+              </p:nextCondLst>
+            </p:seq>
+          </p:childTnLst>
+        </p:cTn>
+      </p:par>
+    </p:tnLst>
+    <p:bldLst>
+      <p:bldP spid="3" grpId="0" build="p"/>
+      <p:bldP spid="5" grpId="0" animBg="1"/>
     </p:bldLst>
   </p:timing>
 </p:sld>
